--- a/GMS FINALE PRESENTATION.pptx
+++ b/GMS FINALE PRESENTATION.pptx
@@ -13,19 +13,19 @@
     <p:sldId id="262" r:id="rId7"/>
     <p:sldId id="261" r:id="rId8"/>
     <p:sldId id="263" r:id="rId9"/>
-    <p:sldId id="279" r:id="rId10"/>
-    <p:sldId id="280" r:id="rId11"/>
-    <p:sldId id="266" r:id="rId12"/>
-    <p:sldId id="267" r:id="rId13"/>
-    <p:sldId id="268" r:id="rId14"/>
-    <p:sldId id="269" r:id="rId15"/>
-    <p:sldId id="270" r:id="rId16"/>
-    <p:sldId id="271" r:id="rId17"/>
-    <p:sldId id="277" r:id="rId18"/>
-    <p:sldId id="272" r:id="rId19"/>
-    <p:sldId id="273" r:id="rId20"/>
-    <p:sldId id="274" r:id="rId21"/>
-    <p:sldId id="278" r:id="rId22"/>
+    <p:sldId id="282" r:id="rId10"/>
+    <p:sldId id="266" r:id="rId11"/>
+    <p:sldId id="267" r:id="rId12"/>
+    <p:sldId id="268" r:id="rId13"/>
+    <p:sldId id="269" r:id="rId14"/>
+    <p:sldId id="270" r:id="rId15"/>
+    <p:sldId id="271" r:id="rId16"/>
+    <p:sldId id="277" r:id="rId17"/>
+    <p:sldId id="272" r:id="rId18"/>
+    <p:sldId id="273" r:id="rId19"/>
+    <p:sldId id="274" r:id="rId20"/>
+    <p:sldId id="278" r:id="rId21"/>
+    <p:sldId id="280" r:id="rId22"/>
     <p:sldId id="275" r:id="rId23"/>
     <p:sldId id="276" r:id="rId24"/>
     <p:sldId id="281" r:id="rId25"/>
@@ -127,6 +127,22 @@
       </a:defRPr>
     </a:lvl9pPr>
   </p:defaultTextStyle>
+  <p:extLst>
+    <p:ext uri="{EFAFB233-063F-42B5-8137-9DF3F51BA10A}">
+      <p15:sldGuideLst xmlns:p15="http://schemas.microsoft.com/office/powerpoint/2012/main">
+        <p15:guide id="1" orient="horz" pos="2160">
+          <p15:clr>
+            <a:srgbClr val="A4A3A4"/>
+          </p15:clr>
+        </p15:guide>
+        <p15:guide id="2" pos="2880">
+          <p15:clr>
+            <a:srgbClr val="A4A3A4"/>
+          </p15:clr>
+        </p15:guide>
+      </p15:sldGuideLst>
+    </p:ext>
+  </p:extLst>
 </p:presentation>
 </file>
 
@@ -311,7 +327,7 @@
           <a:p>
             <a:fld id="{583D8B2B-B2FF-2947-AE52-D5C1AE187648}" type="datetimeFigureOut">
               <a:rPr lang="en-US" smtClean="0"/>
-              <a:t>16/06/15</a:t>
+              <a:t>6/14/2015</a:t>
             </a:fld>
             <a:endParaRPr lang="en-US"/>
           </a:p>
@@ -481,7 +497,7 @@
           <a:p>
             <a:fld id="{583D8B2B-B2FF-2947-AE52-D5C1AE187648}" type="datetimeFigureOut">
               <a:rPr lang="en-US" smtClean="0"/>
-              <a:t>16/06/15</a:t>
+              <a:t>6/14/2015</a:t>
             </a:fld>
             <a:endParaRPr lang="en-US"/>
           </a:p>
@@ -661,7 +677,7 @@
           <a:p>
             <a:fld id="{583D8B2B-B2FF-2947-AE52-D5C1AE187648}" type="datetimeFigureOut">
               <a:rPr lang="en-US" smtClean="0"/>
-              <a:t>16/06/15</a:t>
+              <a:t>6/14/2015</a:t>
             </a:fld>
             <a:endParaRPr lang="en-US"/>
           </a:p>
@@ -831,7 +847,7 @@
           <a:p>
             <a:fld id="{583D8B2B-B2FF-2947-AE52-D5C1AE187648}" type="datetimeFigureOut">
               <a:rPr lang="en-US" smtClean="0"/>
-              <a:t>16/06/15</a:t>
+              <a:t>6/14/2015</a:t>
             </a:fld>
             <a:endParaRPr lang="en-US"/>
           </a:p>
@@ -1077,7 +1093,7 @@
           <a:p>
             <a:fld id="{583D8B2B-B2FF-2947-AE52-D5C1AE187648}" type="datetimeFigureOut">
               <a:rPr lang="en-US" smtClean="0"/>
-              <a:t>16/06/15</a:t>
+              <a:t>6/14/2015</a:t>
             </a:fld>
             <a:endParaRPr lang="en-US"/>
           </a:p>
@@ -1365,7 +1381,7 @@
           <a:p>
             <a:fld id="{583D8B2B-B2FF-2947-AE52-D5C1AE187648}" type="datetimeFigureOut">
               <a:rPr lang="en-US" smtClean="0"/>
-              <a:t>16/06/15</a:t>
+              <a:t>6/14/2015</a:t>
             </a:fld>
             <a:endParaRPr lang="en-US"/>
           </a:p>
@@ -1787,7 +1803,7 @@
           <a:p>
             <a:fld id="{583D8B2B-B2FF-2947-AE52-D5C1AE187648}" type="datetimeFigureOut">
               <a:rPr lang="en-US" smtClean="0"/>
-              <a:t>16/06/15</a:t>
+              <a:t>6/14/2015</a:t>
             </a:fld>
             <a:endParaRPr lang="en-US"/>
           </a:p>
@@ -1905,7 +1921,7 @@
           <a:p>
             <a:fld id="{583D8B2B-B2FF-2947-AE52-D5C1AE187648}" type="datetimeFigureOut">
               <a:rPr lang="en-US" smtClean="0"/>
-              <a:t>16/06/15</a:t>
+              <a:t>6/14/2015</a:t>
             </a:fld>
             <a:endParaRPr lang="en-US"/>
           </a:p>
@@ -2000,7 +2016,7 @@
           <a:p>
             <a:fld id="{583D8B2B-B2FF-2947-AE52-D5C1AE187648}" type="datetimeFigureOut">
               <a:rPr lang="en-US" smtClean="0"/>
-              <a:t>16/06/15</a:t>
+              <a:t>6/14/2015</a:t>
             </a:fld>
             <a:endParaRPr lang="en-US"/>
           </a:p>
@@ -2277,7 +2293,7 @@
           <a:p>
             <a:fld id="{583D8B2B-B2FF-2947-AE52-D5C1AE187648}" type="datetimeFigureOut">
               <a:rPr lang="en-US" smtClean="0"/>
-              <a:t>16/06/15</a:t>
+              <a:t>6/14/2015</a:t>
             </a:fld>
             <a:endParaRPr lang="en-US"/>
           </a:p>
@@ -2530,7 +2546,7 @@
           <a:p>
             <a:fld id="{583D8B2B-B2FF-2947-AE52-D5C1AE187648}" type="datetimeFigureOut">
               <a:rPr lang="en-US" smtClean="0"/>
-              <a:t>16/06/15</a:t>
+              <a:t>6/14/2015</a:t>
             </a:fld>
             <a:endParaRPr lang="en-US"/>
           </a:p>
@@ -2743,7 +2759,7 @@
           <a:p>
             <a:fld id="{583D8B2B-B2FF-2947-AE52-D5C1AE187648}" type="datetimeFigureOut">
               <a:rPr lang="en-US" smtClean="0"/>
-              <a:t>16/06/15</a:t>
+              <a:t>6/14/2015</a:t>
             </a:fld>
             <a:endParaRPr lang="en-US"/>
           </a:p>
@@ -3217,7 +3233,7 @@
   <p:timing>
     <p:tnLst>
       <p:par>
-        <p:cTn xmlns:p14="http://schemas.microsoft.com/office/powerpoint/2010/main" id="1" dur="indefinite" restart="never" nodeType="tmRoot"/>
+        <p:cTn id="1" dur="indefinite" restart="never" nodeType="tmRoot"/>
       </p:par>
     </p:tnLst>
   </p:timing>
@@ -3225,338 +3241,6 @@
 </file>
 
 <file path=ppt/slides/slide10.xml><?xml version="1.0" encoding="utf-8"?>
-<p:sld xmlns:a="http://schemas.openxmlformats.org/drawingml/2006/main" xmlns:r="http://schemas.openxmlformats.org/officeDocument/2006/relationships" xmlns:p="http://schemas.openxmlformats.org/presentationml/2006/main">
-  <p:cSld>
-    <p:spTree>
-      <p:nvGrpSpPr>
-        <p:cNvPr id="1" name=""/>
-        <p:cNvGrpSpPr/>
-        <p:nvPr/>
-      </p:nvGrpSpPr>
-      <p:grpSpPr>
-        <a:xfrm>
-          <a:off x="0" y="0"/>
-          <a:ext cx="0" cy="0"/>
-          <a:chOff x="0" y="0"/>
-          <a:chExt cx="0" cy="0"/>
-        </a:xfrm>
-      </p:grpSpPr>
-      <p:pic>
-        <p:nvPicPr>
-          <p:cNvPr id="26" name="Picture 25"/>
-          <p:cNvPicPr>
-            <a:picLocks noChangeAspect="1"/>
-          </p:cNvPicPr>
-          <p:nvPr/>
-        </p:nvPicPr>
-        <p:blipFill>
-          <a:blip r:embed="rId2"/>
-          <a:stretch>
-            <a:fillRect/>
-          </a:stretch>
-        </p:blipFill>
-        <p:spPr>
-          <a:xfrm>
-            <a:off x="0" y="0"/>
-            <a:ext cx="9144000" cy="6858000"/>
-          </a:xfrm>
-          <a:prstGeom prst="rect">
-            <a:avLst/>
-          </a:prstGeom>
-        </p:spPr>
-      </p:pic>
-      <p:sp>
-        <p:nvSpPr>
-          <p:cNvPr id="11" name="Content Placeholder 2"/>
-          <p:cNvSpPr txBox="1">
-            <a:spLocks/>
-          </p:cNvSpPr>
-          <p:nvPr/>
-        </p:nvSpPr>
-        <p:spPr>
-          <a:xfrm>
-            <a:off x="457200" y="2346505"/>
-            <a:ext cx="8229600" cy="4525963"/>
-          </a:xfrm>
-          <a:prstGeom prst="rect">
-            <a:avLst/>
-          </a:prstGeom>
-        </p:spPr>
-        <p:txBody>
-          <a:bodyPr/>
-          <a:lstStyle>
-            <a:lvl1pPr marL="342900" indent="-342900" algn="l" defTabSz="457200" rtl="0" eaLnBrk="1" latinLnBrk="0" hangingPunct="1">
-              <a:spcBef>
-                <a:spcPct val="20000"/>
-              </a:spcBef>
-              <a:buFont typeface="Arial"/>
-              <a:buChar char="•"/>
-              <a:defRPr sz="3200" kern="1200">
-                <a:solidFill>
-                  <a:schemeClr val="tx1"/>
-                </a:solidFill>
-                <a:latin typeface="+mn-lt"/>
-                <a:ea typeface="+mn-ea"/>
-                <a:cs typeface="+mn-cs"/>
-              </a:defRPr>
-            </a:lvl1pPr>
-            <a:lvl2pPr marL="742950" indent="-285750" algn="l" defTabSz="457200" rtl="0" eaLnBrk="1" latinLnBrk="0" hangingPunct="1">
-              <a:spcBef>
-                <a:spcPct val="20000"/>
-              </a:spcBef>
-              <a:buFont typeface="Arial"/>
-              <a:buChar char="–"/>
-              <a:defRPr sz="2800" kern="1200">
-                <a:solidFill>
-                  <a:schemeClr val="tx1"/>
-                </a:solidFill>
-                <a:latin typeface="+mn-lt"/>
-                <a:ea typeface="+mn-ea"/>
-                <a:cs typeface="+mn-cs"/>
-              </a:defRPr>
-            </a:lvl2pPr>
-            <a:lvl3pPr marL="1143000" indent="-228600" algn="l" defTabSz="457200" rtl="0" eaLnBrk="1" latinLnBrk="0" hangingPunct="1">
-              <a:spcBef>
-                <a:spcPct val="20000"/>
-              </a:spcBef>
-              <a:buFont typeface="Arial"/>
-              <a:buChar char="•"/>
-              <a:defRPr sz="2400" kern="1200">
-                <a:solidFill>
-                  <a:schemeClr val="tx1"/>
-                </a:solidFill>
-                <a:latin typeface="+mn-lt"/>
-                <a:ea typeface="+mn-ea"/>
-                <a:cs typeface="+mn-cs"/>
-              </a:defRPr>
-            </a:lvl3pPr>
-            <a:lvl4pPr marL="1600200" indent="-228600" algn="l" defTabSz="457200" rtl="0" eaLnBrk="1" latinLnBrk="0" hangingPunct="1">
-              <a:spcBef>
-                <a:spcPct val="20000"/>
-              </a:spcBef>
-              <a:buFont typeface="Arial"/>
-              <a:buChar char="–"/>
-              <a:defRPr sz="2000" kern="1200">
-                <a:solidFill>
-                  <a:schemeClr val="tx1"/>
-                </a:solidFill>
-                <a:latin typeface="+mn-lt"/>
-                <a:ea typeface="+mn-ea"/>
-                <a:cs typeface="+mn-cs"/>
-              </a:defRPr>
-            </a:lvl4pPr>
-            <a:lvl5pPr marL="2057400" indent="-228600" algn="l" defTabSz="457200" rtl="0" eaLnBrk="1" latinLnBrk="0" hangingPunct="1">
-              <a:spcBef>
-                <a:spcPct val="20000"/>
-              </a:spcBef>
-              <a:buFont typeface="Arial"/>
-              <a:buChar char="»"/>
-              <a:defRPr sz="2000" kern="1200">
-                <a:solidFill>
-                  <a:schemeClr val="tx1"/>
-                </a:solidFill>
-                <a:latin typeface="+mn-lt"/>
-                <a:ea typeface="+mn-ea"/>
-                <a:cs typeface="+mn-cs"/>
-              </a:defRPr>
-            </a:lvl5pPr>
-            <a:lvl6pPr marL="2514600" indent="-228600" algn="l" defTabSz="457200" rtl="0" eaLnBrk="1" latinLnBrk="0" hangingPunct="1">
-              <a:spcBef>
-                <a:spcPct val="20000"/>
-              </a:spcBef>
-              <a:buFont typeface="Arial"/>
-              <a:buChar char="•"/>
-              <a:defRPr sz="2000" kern="1200">
-                <a:solidFill>
-                  <a:schemeClr val="tx1"/>
-                </a:solidFill>
-                <a:latin typeface="+mn-lt"/>
-                <a:ea typeface="+mn-ea"/>
-                <a:cs typeface="+mn-cs"/>
-              </a:defRPr>
-            </a:lvl6pPr>
-            <a:lvl7pPr marL="2971800" indent="-228600" algn="l" defTabSz="457200" rtl="0" eaLnBrk="1" latinLnBrk="0" hangingPunct="1">
-              <a:spcBef>
-                <a:spcPct val="20000"/>
-              </a:spcBef>
-              <a:buFont typeface="Arial"/>
-              <a:buChar char="•"/>
-              <a:defRPr sz="2000" kern="1200">
-                <a:solidFill>
-                  <a:schemeClr val="tx1"/>
-                </a:solidFill>
-                <a:latin typeface="+mn-lt"/>
-                <a:ea typeface="+mn-ea"/>
-                <a:cs typeface="+mn-cs"/>
-              </a:defRPr>
-            </a:lvl7pPr>
-            <a:lvl8pPr marL="3429000" indent="-228600" algn="l" defTabSz="457200" rtl="0" eaLnBrk="1" latinLnBrk="0" hangingPunct="1">
-              <a:spcBef>
-                <a:spcPct val="20000"/>
-              </a:spcBef>
-              <a:buFont typeface="Arial"/>
-              <a:buChar char="•"/>
-              <a:defRPr sz="2000" kern="1200">
-                <a:solidFill>
-                  <a:schemeClr val="tx1"/>
-                </a:solidFill>
-                <a:latin typeface="+mn-lt"/>
-                <a:ea typeface="+mn-ea"/>
-                <a:cs typeface="+mn-cs"/>
-              </a:defRPr>
-            </a:lvl8pPr>
-            <a:lvl9pPr marL="3886200" indent="-228600" algn="l" defTabSz="457200" rtl="0" eaLnBrk="1" latinLnBrk="0" hangingPunct="1">
-              <a:spcBef>
-                <a:spcPct val="20000"/>
-              </a:spcBef>
-              <a:buFont typeface="Arial"/>
-              <a:buChar char="•"/>
-              <a:defRPr sz="2000" kern="1200">
-                <a:solidFill>
-                  <a:schemeClr val="tx1"/>
-                </a:solidFill>
-                <a:latin typeface="+mn-lt"/>
-                <a:ea typeface="+mn-ea"/>
-                <a:cs typeface="+mn-cs"/>
-              </a:defRPr>
-            </a:lvl9pPr>
-          </a:lstStyle>
-          <a:p>
-            <a:r>
-              <a:rPr lang="en-US" altLang="es-ES" sz="2000" smtClean="0"/>
-              <a:t>Social benefits will make ridesharing and carpooling companies will work together with government policies.</a:t>
-            </a:r>
-          </a:p>
-          <a:p>
-            <a:r>
-              <a:rPr lang="en-US" altLang="es-ES" sz="2000" smtClean="0"/>
-              <a:t>Intelligent algorithms for real time ridesharing will make more efficient. Reducing cost and environmental impact.</a:t>
-            </a:r>
-          </a:p>
-          <a:p>
-            <a:r>
-              <a:rPr lang="en-US" altLang="es-ES" sz="2000" smtClean="0"/>
-              <a:t>The future is the share economy</a:t>
-            </a:r>
-          </a:p>
-          <a:p>
-            <a:endParaRPr lang="en-US" altLang="es-ES" sz="2000" smtClean="0"/>
-          </a:p>
-          <a:p>
-            <a:endParaRPr lang="es-ES" altLang="es-ES" smtClean="0"/>
-          </a:p>
-          <a:p>
-            <a:endParaRPr lang="es-ES" altLang="es-ES" dirty="0" smtClean="0"/>
-          </a:p>
-        </p:txBody>
-      </p:sp>
-      <p:grpSp>
-        <p:nvGrpSpPr>
-          <p:cNvPr id="15" name="Group 14"/>
-          <p:cNvGrpSpPr/>
-          <p:nvPr/>
-        </p:nvGrpSpPr>
-        <p:grpSpPr>
-          <a:xfrm>
-            <a:off x="457200" y="0"/>
-            <a:ext cx="8229600" cy="857250"/>
-            <a:chOff x="457200" y="143177"/>
-            <a:chExt cx="8229600" cy="857250"/>
-          </a:xfrm>
-        </p:grpSpPr>
-        <p:pic>
-          <p:nvPicPr>
-            <p:cNvPr id="16" name="Picture 15"/>
-            <p:cNvPicPr>
-              <a:picLocks noChangeAspect="1"/>
-            </p:cNvPicPr>
-            <p:nvPr/>
-          </p:nvPicPr>
-          <p:blipFill>
-            <a:blip r:embed="rId3"/>
-            <a:stretch>
-              <a:fillRect/>
-            </a:stretch>
-          </p:blipFill>
-          <p:spPr>
-            <a:xfrm>
-              <a:off x="571500" y="143177"/>
-              <a:ext cx="8001000" cy="857250"/>
-            </a:xfrm>
-            <a:prstGeom prst="rect">
-              <a:avLst/>
-            </a:prstGeom>
-          </p:spPr>
-        </p:pic>
-        <p:sp>
-          <p:nvSpPr>
-            <p:cNvPr id="17" name="Title 1"/>
-            <p:cNvSpPr txBox="1">
-              <a:spLocks/>
-            </p:cNvSpPr>
-            <p:nvPr/>
-          </p:nvSpPr>
-          <p:spPr>
-            <a:xfrm>
-              <a:off x="457200" y="154752"/>
-              <a:ext cx="8229600" cy="677902"/>
-            </a:xfrm>
-            <a:prstGeom prst="rect">
-              <a:avLst/>
-            </a:prstGeom>
-          </p:spPr>
-          <p:txBody>
-            <a:bodyPr/>
-            <a:lstStyle>
-              <a:lvl1pPr algn="ctr" defTabSz="457200" rtl="0" eaLnBrk="1" latinLnBrk="0" hangingPunct="1">
-                <a:spcBef>
-                  <a:spcPct val="0"/>
-                </a:spcBef>
-                <a:buNone/>
-                <a:defRPr sz="4400" kern="1200">
-                  <a:solidFill>
-                    <a:schemeClr val="tx1"/>
-                  </a:solidFill>
-                  <a:latin typeface="+mj-lt"/>
-                  <a:ea typeface="+mj-ea"/>
-                  <a:cs typeface="+mj-cs"/>
-                </a:defRPr>
-              </a:lvl1pPr>
-            </a:lstStyle>
-            <a:p>
-              <a:r>
-                <a:rPr lang="en-US" altLang="es-ES" dirty="0" smtClean="0">
-                  <a:solidFill>
-                    <a:srgbClr val="568E77"/>
-                  </a:solidFill>
-                </a:rPr>
-                <a:t>Conclusion</a:t>
-              </a:r>
-            </a:p>
-          </p:txBody>
-        </p:sp>
-      </p:grpSp>
-    </p:spTree>
-    <p:extLst>
-      <p:ext uri="{BB962C8B-B14F-4D97-AF65-F5344CB8AC3E}">
-        <p14:creationId xmlns:p14="http://schemas.microsoft.com/office/powerpoint/2010/main" val="2435386525"/>
-      </p:ext>
-    </p:extLst>
-  </p:cSld>
-  <p:clrMapOvr>
-    <a:masterClrMapping/>
-  </p:clrMapOvr>
-  <p:timing>
-    <p:tnLst>
-      <p:par>
-        <p:cTn xmlns:p14="http://schemas.microsoft.com/office/powerpoint/2010/main" id="1" dur="indefinite" restart="never" nodeType="tmRoot"/>
-      </p:par>
-    </p:tnLst>
-  </p:timing>
-</p:sld>
-</file>
-
-<file path=ppt/slides/slide11.xml><?xml version="1.0" encoding="utf-8"?>
 <p:sld xmlns:a="http://schemas.openxmlformats.org/drawingml/2006/main" xmlns:r="http://schemas.openxmlformats.org/officeDocument/2006/relationships" xmlns:p="http://schemas.openxmlformats.org/presentationml/2006/main">
   <p:cSld>
     <p:bg>
@@ -3663,6 +3347,164 @@
   <p:clrMapOvr>
     <a:masterClrMapping/>
   </p:clrMapOvr>
+  <p:timing>
+    <p:tnLst>
+      <p:par>
+        <p:cTn id="1" dur="indefinite" restart="never" nodeType="tmRoot"/>
+      </p:par>
+    </p:tnLst>
+  </p:timing>
+</p:sld>
+</file>
+
+<file path=ppt/slides/slide11.xml><?xml version="1.0" encoding="utf-8"?>
+<p:sld xmlns:a="http://schemas.openxmlformats.org/drawingml/2006/main" xmlns:r="http://schemas.openxmlformats.org/officeDocument/2006/relationships" xmlns:p="http://schemas.openxmlformats.org/presentationml/2006/main">
+  <p:cSld>
+    <p:spTree>
+      <p:nvGrpSpPr>
+        <p:cNvPr id="1" name=""/>
+        <p:cNvGrpSpPr/>
+        <p:nvPr/>
+      </p:nvGrpSpPr>
+      <p:grpSpPr>
+        <a:xfrm>
+          <a:off x="0" y="0"/>
+          <a:ext cx="0" cy="0"/>
+          <a:chOff x="0" y="0"/>
+          <a:chExt cx="0" cy="0"/>
+        </a:xfrm>
+      </p:grpSpPr>
+      <p:sp>
+        <p:nvSpPr>
+          <p:cNvPr id="5" name="Rectangle 4"/>
+          <p:cNvSpPr/>
+          <p:nvPr/>
+        </p:nvSpPr>
+        <p:spPr>
+          <a:xfrm>
+            <a:off x="0" y="264576"/>
+            <a:ext cx="9144000" cy="1077218"/>
+          </a:xfrm>
+          <a:prstGeom prst="rect">
+            <a:avLst/>
+          </a:prstGeom>
+        </p:spPr>
+        <p:txBody>
+          <a:bodyPr wrap="square" anchor="ctr">
+            <a:spAutoFit/>
+          </a:bodyPr>
+          <a:lstStyle/>
+          <a:p>
+            <a:pPr algn="ctr"/>
+            <a:r>
+              <a:rPr lang="en-US" sz="3200" dirty="0" smtClean="0">
+                <a:solidFill>
+                  <a:srgbClr val="F6F1E5"/>
+                </a:solidFill>
+                <a:latin typeface="Hoefler Text"/>
+                <a:cs typeface="Hoefler Text"/>
+              </a:rPr>
+              <a:t>MOTIVATIONS</a:t>
+            </a:r>
+          </a:p>
+          <a:p>
+            <a:pPr algn="ctr"/>
+            <a:endParaRPr lang="en-US" sz="3200" dirty="0">
+              <a:solidFill>
+                <a:srgbClr val="F6F1E5"/>
+              </a:solidFill>
+              <a:latin typeface="Hoefler Text"/>
+              <a:cs typeface="Hoefler Text"/>
+            </a:endParaRPr>
+          </a:p>
+        </p:txBody>
+      </p:sp>
+      <p:pic>
+        <p:nvPicPr>
+          <p:cNvPr id="10" name="Picture 9"/>
+          <p:cNvPicPr>
+            <a:picLocks noChangeAspect="1"/>
+          </p:cNvPicPr>
+          <p:nvPr/>
+        </p:nvPicPr>
+        <p:blipFill>
+          <a:blip r:embed="rId2"/>
+          <a:stretch>
+            <a:fillRect/>
+          </a:stretch>
+        </p:blipFill>
+        <p:spPr>
+          <a:xfrm>
+            <a:off x="-234683" y="1"/>
+            <a:ext cx="9621994" cy="952596"/>
+          </a:xfrm>
+          <a:prstGeom prst="rect">
+            <a:avLst/>
+          </a:prstGeom>
+        </p:spPr>
+      </p:pic>
+      <p:sp>
+        <p:nvSpPr>
+          <p:cNvPr id="11" name="Rectangle 10"/>
+          <p:cNvSpPr/>
+          <p:nvPr/>
+        </p:nvSpPr>
+        <p:spPr>
+          <a:xfrm>
+            <a:off x="0" y="154662"/>
+            <a:ext cx="9144000" cy="1077218"/>
+          </a:xfrm>
+          <a:prstGeom prst="rect">
+            <a:avLst/>
+          </a:prstGeom>
+        </p:spPr>
+        <p:txBody>
+          <a:bodyPr wrap="square" anchor="ctr">
+            <a:spAutoFit/>
+          </a:bodyPr>
+          <a:lstStyle/>
+          <a:p>
+            <a:pPr algn="ctr"/>
+            <a:r>
+              <a:rPr lang="en-US" sz="3200" dirty="0" smtClean="0">
+                <a:solidFill>
+                  <a:srgbClr val="F6F1E5"/>
+                </a:solidFill>
+                <a:latin typeface="Hoefler Text"/>
+                <a:cs typeface="Hoefler Text"/>
+              </a:rPr>
+              <a:t>Technologies Analysis</a:t>
+            </a:r>
+          </a:p>
+          <a:p>
+            <a:pPr algn="ctr"/>
+            <a:endParaRPr lang="en-US" sz="3200" dirty="0">
+              <a:solidFill>
+                <a:srgbClr val="F6F1E5"/>
+              </a:solidFill>
+              <a:latin typeface="Hoefler Text"/>
+              <a:cs typeface="Hoefler Text"/>
+            </a:endParaRPr>
+          </a:p>
+        </p:txBody>
+      </p:sp>
+    </p:spTree>
+    <p:extLst>
+      <p:ext uri="{BB962C8B-B14F-4D97-AF65-F5344CB8AC3E}">
+        <p14:creationId xmlns:p14="http://schemas.microsoft.com/office/powerpoint/2010/main" val="2164582070"/>
+      </p:ext>
+    </p:extLst>
+  </p:cSld>
+  <p:clrMapOvr>
+    <a:masterClrMapping/>
+  </p:clrMapOvr>
+  <p:timing>
+    <p:tnLst>
+      <p:par>
+        <p:cTn id="1" dur="indefinite" restart="never" nodeType="tmRoot"/>
+      </p:par>
+    </p:tnLst>
+  </p:timing>
 </p:sld>
 </file>
 
@@ -3800,150 +3642,6 @@
     </p:spTree>
     <p:extLst>
       <p:ext uri="{BB962C8B-B14F-4D97-AF65-F5344CB8AC3E}">
-        <p14:creationId xmlns:p14="http://schemas.microsoft.com/office/powerpoint/2010/main" val="2164582070"/>
-      </p:ext>
-    </p:extLst>
-  </p:cSld>
-  <p:clrMapOvr>
-    <a:masterClrMapping/>
-  </p:clrMapOvr>
-</p:sld>
-</file>
-
-<file path=ppt/slides/slide13.xml><?xml version="1.0" encoding="utf-8"?>
-<p:sld xmlns:a="http://schemas.openxmlformats.org/drawingml/2006/main" xmlns:r="http://schemas.openxmlformats.org/officeDocument/2006/relationships" xmlns:p="http://schemas.openxmlformats.org/presentationml/2006/main">
-  <p:cSld>
-    <p:spTree>
-      <p:nvGrpSpPr>
-        <p:cNvPr id="1" name=""/>
-        <p:cNvGrpSpPr/>
-        <p:nvPr/>
-      </p:nvGrpSpPr>
-      <p:grpSpPr>
-        <a:xfrm>
-          <a:off x="0" y="0"/>
-          <a:ext cx="0" cy="0"/>
-          <a:chOff x="0" y="0"/>
-          <a:chExt cx="0" cy="0"/>
-        </a:xfrm>
-      </p:grpSpPr>
-      <p:sp>
-        <p:nvSpPr>
-          <p:cNvPr id="5" name="Rectangle 4"/>
-          <p:cNvSpPr/>
-          <p:nvPr/>
-        </p:nvSpPr>
-        <p:spPr>
-          <a:xfrm>
-            <a:off x="0" y="264576"/>
-            <a:ext cx="9144000" cy="1077218"/>
-          </a:xfrm>
-          <a:prstGeom prst="rect">
-            <a:avLst/>
-          </a:prstGeom>
-        </p:spPr>
-        <p:txBody>
-          <a:bodyPr wrap="square" anchor="ctr">
-            <a:spAutoFit/>
-          </a:bodyPr>
-          <a:lstStyle/>
-          <a:p>
-            <a:pPr algn="ctr"/>
-            <a:r>
-              <a:rPr lang="en-US" sz="3200" dirty="0" smtClean="0">
-                <a:solidFill>
-                  <a:srgbClr val="F6F1E5"/>
-                </a:solidFill>
-                <a:latin typeface="Hoefler Text"/>
-                <a:cs typeface="Hoefler Text"/>
-              </a:rPr>
-              <a:t>MOTIVATIONS</a:t>
-            </a:r>
-          </a:p>
-          <a:p>
-            <a:pPr algn="ctr"/>
-            <a:endParaRPr lang="en-US" sz="3200" dirty="0">
-              <a:solidFill>
-                <a:srgbClr val="F6F1E5"/>
-              </a:solidFill>
-              <a:latin typeface="Hoefler Text"/>
-              <a:cs typeface="Hoefler Text"/>
-            </a:endParaRPr>
-          </a:p>
-        </p:txBody>
-      </p:sp>
-      <p:pic>
-        <p:nvPicPr>
-          <p:cNvPr id="10" name="Picture 9"/>
-          <p:cNvPicPr>
-            <a:picLocks noChangeAspect="1"/>
-          </p:cNvPicPr>
-          <p:nvPr/>
-        </p:nvPicPr>
-        <p:blipFill>
-          <a:blip r:embed="rId2"/>
-          <a:stretch>
-            <a:fillRect/>
-          </a:stretch>
-        </p:blipFill>
-        <p:spPr>
-          <a:xfrm>
-            <a:off x="-234683" y="1"/>
-            <a:ext cx="9621994" cy="952596"/>
-          </a:xfrm>
-          <a:prstGeom prst="rect">
-            <a:avLst/>
-          </a:prstGeom>
-        </p:spPr>
-      </p:pic>
-      <p:sp>
-        <p:nvSpPr>
-          <p:cNvPr id="11" name="Rectangle 10"/>
-          <p:cNvSpPr/>
-          <p:nvPr/>
-        </p:nvSpPr>
-        <p:spPr>
-          <a:xfrm>
-            <a:off x="0" y="154662"/>
-            <a:ext cx="9144000" cy="1077218"/>
-          </a:xfrm>
-          <a:prstGeom prst="rect">
-            <a:avLst/>
-          </a:prstGeom>
-        </p:spPr>
-        <p:txBody>
-          <a:bodyPr wrap="square" anchor="ctr">
-            <a:spAutoFit/>
-          </a:bodyPr>
-          <a:lstStyle/>
-          <a:p>
-            <a:pPr algn="ctr"/>
-            <a:r>
-              <a:rPr lang="en-US" sz="3200" dirty="0" smtClean="0">
-                <a:solidFill>
-                  <a:srgbClr val="F6F1E5"/>
-                </a:solidFill>
-                <a:latin typeface="Hoefler Text"/>
-                <a:cs typeface="Hoefler Text"/>
-              </a:rPr>
-              <a:t>Technologies Analysis</a:t>
-            </a:r>
-          </a:p>
-          <a:p>
-            <a:pPr algn="ctr"/>
-            <a:endParaRPr lang="en-US" sz="3200" dirty="0">
-              <a:solidFill>
-                <a:srgbClr val="F6F1E5"/>
-              </a:solidFill>
-              <a:latin typeface="Hoefler Text"/>
-              <a:cs typeface="Hoefler Text"/>
-            </a:endParaRPr>
-          </a:p>
-        </p:txBody>
-      </p:sp>
-    </p:spTree>
-    <p:extLst>
-      <p:ext uri="{BB962C8B-B14F-4D97-AF65-F5344CB8AC3E}">
         <p14:creationId xmlns:p14="http://schemas.microsoft.com/office/powerpoint/2010/main" val="1875075313"/>
       </p:ext>
     </p:extLst>
@@ -3951,10 +3649,17 @@
   <p:clrMapOvr>
     <a:masterClrMapping/>
   </p:clrMapOvr>
+  <p:timing>
+    <p:tnLst>
+      <p:par>
+        <p:cTn id="1" dur="indefinite" restart="never" nodeType="tmRoot"/>
+      </p:par>
+    </p:tnLst>
+  </p:timing>
 </p:sld>
 </file>
 
-<file path=ppt/slides/slide14.xml><?xml version="1.0" encoding="utf-8"?>
+<file path=ppt/slides/slide13.xml><?xml version="1.0" encoding="utf-8"?>
 <p:sld xmlns:a="http://schemas.openxmlformats.org/drawingml/2006/main" xmlns:r="http://schemas.openxmlformats.org/officeDocument/2006/relationships" xmlns:p="http://schemas.openxmlformats.org/presentationml/2006/main">
   <p:cSld>
     <p:bg>
@@ -4061,6 +3766,542 @@
   <p:clrMapOvr>
     <a:masterClrMapping/>
   </p:clrMapOvr>
+  <p:timing>
+    <p:tnLst>
+      <p:par>
+        <p:cTn id="1" dur="indefinite" restart="never" nodeType="tmRoot"/>
+      </p:par>
+    </p:tnLst>
+  </p:timing>
+</p:sld>
+</file>
+
+<file path=ppt/slides/slide14.xml><?xml version="1.0" encoding="utf-8"?>
+<p:sld xmlns:a="http://schemas.openxmlformats.org/drawingml/2006/main" xmlns:r="http://schemas.openxmlformats.org/officeDocument/2006/relationships" xmlns:p="http://schemas.openxmlformats.org/presentationml/2006/main">
+  <p:cSld>
+    <p:spTree>
+      <p:nvGrpSpPr>
+        <p:cNvPr id="1" name=""/>
+        <p:cNvGrpSpPr/>
+        <p:nvPr/>
+      </p:nvGrpSpPr>
+      <p:grpSpPr>
+        <a:xfrm>
+          <a:off x="0" y="0"/>
+          <a:ext cx="0" cy="0"/>
+          <a:chOff x="0" y="0"/>
+          <a:chExt cx="0" cy="0"/>
+        </a:xfrm>
+      </p:grpSpPr>
+      <p:sp>
+        <p:nvSpPr>
+          <p:cNvPr id="5" name="Rectangle 4"/>
+          <p:cNvSpPr/>
+          <p:nvPr/>
+        </p:nvSpPr>
+        <p:spPr>
+          <a:xfrm>
+            <a:off x="0" y="264576"/>
+            <a:ext cx="9144000" cy="1077218"/>
+          </a:xfrm>
+          <a:prstGeom prst="rect">
+            <a:avLst/>
+          </a:prstGeom>
+        </p:spPr>
+        <p:txBody>
+          <a:bodyPr wrap="square" anchor="ctr">
+            <a:spAutoFit/>
+          </a:bodyPr>
+          <a:lstStyle/>
+          <a:p>
+            <a:pPr algn="ctr"/>
+            <a:r>
+              <a:rPr lang="en-US" sz="3200" dirty="0" smtClean="0">
+                <a:solidFill>
+                  <a:srgbClr val="F6F1E5"/>
+                </a:solidFill>
+                <a:latin typeface="Hoefler Text"/>
+                <a:cs typeface="Hoefler Text"/>
+              </a:rPr>
+              <a:t>MOTIVATIONS</a:t>
+            </a:r>
+          </a:p>
+          <a:p>
+            <a:pPr algn="ctr"/>
+            <a:endParaRPr lang="en-US" sz="3200" dirty="0">
+              <a:solidFill>
+                <a:srgbClr val="F6F1E5"/>
+              </a:solidFill>
+              <a:latin typeface="Hoefler Text"/>
+              <a:cs typeface="Hoefler Text"/>
+            </a:endParaRPr>
+          </a:p>
+        </p:txBody>
+      </p:sp>
+      <p:pic>
+        <p:nvPicPr>
+          <p:cNvPr id="10" name="Picture 9"/>
+          <p:cNvPicPr>
+            <a:picLocks noChangeAspect="1"/>
+          </p:cNvPicPr>
+          <p:nvPr/>
+        </p:nvPicPr>
+        <p:blipFill>
+          <a:blip r:embed="rId2"/>
+          <a:stretch>
+            <a:fillRect/>
+          </a:stretch>
+        </p:blipFill>
+        <p:spPr>
+          <a:xfrm>
+            <a:off x="-234683" y="1"/>
+            <a:ext cx="9621994" cy="952596"/>
+          </a:xfrm>
+          <a:prstGeom prst="rect">
+            <a:avLst/>
+          </a:prstGeom>
+        </p:spPr>
+      </p:pic>
+      <p:sp>
+        <p:nvSpPr>
+          <p:cNvPr id="11" name="Rectangle 10"/>
+          <p:cNvSpPr/>
+          <p:nvPr/>
+        </p:nvSpPr>
+        <p:spPr>
+          <a:xfrm>
+            <a:off x="0" y="154662"/>
+            <a:ext cx="9144000" cy="1077218"/>
+          </a:xfrm>
+          <a:prstGeom prst="rect">
+            <a:avLst/>
+          </a:prstGeom>
+        </p:spPr>
+        <p:txBody>
+          <a:bodyPr wrap="square" anchor="ctr">
+            <a:spAutoFit/>
+          </a:bodyPr>
+          <a:lstStyle/>
+          <a:p>
+            <a:pPr algn="ctr"/>
+            <a:r>
+              <a:rPr lang="en-US" sz="3200" dirty="0" smtClean="0">
+                <a:solidFill>
+                  <a:srgbClr val="F6F1E5"/>
+                </a:solidFill>
+                <a:latin typeface="Hoefler Text"/>
+                <a:cs typeface="Hoefler Text"/>
+              </a:rPr>
+              <a:t>Law &amp; Social Policy</a:t>
+            </a:r>
+          </a:p>
+          <a:p>
+            <a:pPr algn="ctr"/>
+            <a:endParaRPr lang="en-US" sz="3200" dirty="0">
+              <a:solidFill>
+                <a:srgbClr val="F6F1E5"/>
+              </a:solidFill>
+              <a:latin typeface="Hoefler Text"/>
+              <a:cs typeface="Hoefler Text"/>
+            </a:endParaRPr>
+          </a:p>
+        </p:txBody>
+      </p:sp>
+      <p:pic>
+        <p:nvPicPr>
+          <p:cNvPr id="2" name="Picture 1"/>
+          <p:cNvPicPr>
+            <a:picLocks noChangeAspect="1"/>
+          </p:cNvPicPr>
+          <p:nvPr/>
+        </p:nvPicPr>
+        <p:blipFill>
+          <a:blip r:embed="rId3"/>
+          <a:stretch>
+            <a:fillRect/>
+          </a:stretch>
+        </p:blipFill>
+        <p:spPr>
+          <a:xfrm>
+            <a:off x="295560" y="1341794"/>
+            <a:ext cx="2351691" cy="2528198"/>
+          </a:xfrm>
+          <a:prstGeom prst="rect">
+            <a:avLst/>
+          </a:prstGeom>
+        </p:spPr>
+      </p:pic>
+      <p:pic>
+        <p:nvPicPr>
+          <p:cNvPr id="3" name="Picture 2"/>
+          <p:cNvPicPr>
+            <a:picLocks noChangeAspect="1"/>
+          </p:cNvPicPr>
+          <p:nvPr/>
+        </p:nvPicPr>
+        <p:blipFill>
+          <a:blip r:embed="rId4"/>
+          <a:stretch>
+            <a:fillRect/>
+          </a:stretch>
+        </p:blipFill>
+        <p:spPr>
+          <a:xfrm>
+            <a:off x="3137673" y="1341794"/>
+            <a:ext cx="672326" cy="705943"/>
+          </a:xfrm>
+          <a:prstGeom prst="rect">
+            <a:avLst/>
+          </a:prstGeom>
+        </p:spPr>
+      </p:pic>
+      <p:sp>
+        <p:nvSpPr>
+          <p:cNvPr id="4" name="Rectangle 3"/>
+          <p:cNvSpPr/>
+          <p:nvPr/>
+        </p:nvSpPr>
+        <p:spPr>
+          <a:xfrm>
+            <a:off x="3809999" y="1636219"/>
+            <a:ext cx="4390946" cy="369332"/>
+          </a:xfrm>
+          <a:prstGeom prst="rect">
+            <a:avLst/>
+          </a:prstGeom>
+        </p:spPr>
+        <p:txBody>
+          <a:bodyPr wrap="none">
+            <a:spAutoFit/>
+          </a:bodyPr>
+          <a:lstStyle/>
+          <a:p>
+            <a:r>
+              <a:rPr lang="en-US" dirty="0">
+                <a:solidFill>
+                  <a:srgbClr val="463A2D"/>
+                </a:solidFill>
+                <a:latin typeface="Hoefler Text"/>
+                <a:cs typeface="Hoefler Text"/>
+              </a:rPr>
+              <a:t>French leader of long-distance </a:t>
+            </a:r>
+            <a:r>
+              <a:rPr lang="en-US" b="1" dirty="0">
+                <a:solidFill>
+                  <a:srgbClr val="6AACA4"/>
+                </a:solidFill>
+                <a:latin typeface="Hoefler Text"/>
+                <a:cs typeface="Hoefler Text"/>
+              </a:rPr>
+              <a:t>carpooling</a:t>
+            </a:r>
+            <a:endParaRPr lang="en-US" dirty="0">
+              <a:solidFill>
+                <a:srgbClr val="6AACA4"/>
+              </a:solidFill>
+              <a:latin typeface="Hoefler Text"/>
+              <a:cs typeface="Hoefler Text"/>
+            </a:endParaRPr>
+          </a:p>
+        </p:txBody>
+      </p:sp>
+      <p:sp>
+        <p:nvSpPr>
+          <p:cNvPr id="6" name="Rectangle 5"/>
+          <p:cNvSpPr/>
+          <p:nvPr/>
+        </p:nvSpPr>
+        <p:spPr>
+          <a:xfrm>
+            <a:off x="2857268" y="2325354"/>
+            <a:ext cx="4213796" cy="369332"/>
+          </a:xfrm>
+          <a:prstGeom prst="rect">
+            <a:avLst/>
+          </a:prstGeom>
+        </p:spPr>
+        <p:txBody>
+          <a:bodyPr wrap="none">
+            <a:spAutoFit/>
+          </a:bodyPr>
+          <a:lstStyle/>
+          <a:p>
+            <a:r>
+              <a:rPr lang="en-US" b="1" i="1" dirty="0" err="1">
+                <a:latin typeface="Hoefler Text"/>
+                <a:cs typeface="Hoefler Text"/>
+              </a:rPr>
+              <a:t>Uberpop</a:t>
+            </a:r>
+            <a:r>
+              <a:rPr lang="en-US" i="1" dirty="0">
+                <a:latin typeface="Hoefler Text"/>
+                <a:cs typeface="Hoefler Text"/>
+              </a:rPr>
+              <a:t> is </a:t>
+            </a:r>
+            <a:r>
+              <a:rPr lang="en-US" b="1" i="1" dirty="0">
+                <a:latin typeface="Hoefler Text"/>
+                <a:cs typeface="Hoefler Text"/>
+              </a:rPr>
+              <a:t>illegal</a:t>
+            </a:r>
+            <a:r>
+              <a:rPr lang="en-US" i="1" dirty="0">
+                <a:latin typeface="Hoefler Text"/>
+                <a:cs typeface="Hoefler Text"/>
+              </a:rPr>
+              <a:t> and will be </a:t>
+            </a:r>
+            <a:r>
+              <a:rPr lang="en-US" b="1" i="1" dirty="0">
+                <a:latin typeface="Hoefler Text"/>
+                <a:cs typeface="Hoefler Text"/>
+              </a:rPr>
+              <a:t>prohibited</a:t>
+            </a:r>
+            <a:endParaRPr lang="en-US" dirty="0">
+              <a:latin typeface="Hoefler Text"/>
+              <a:cs typeface="Hoefler Text"/>
+            </a:endParaRPr>
+          </a:p>
+        </p:txBody>
+      </p:sp>
+      <p:sp>
+        <p:nvSpPr>
+          <p:cNvPr id="8" name="Rectangle 7"/>
+          <p:cNvSpPr/>
+          <p:nvPr/>
+        </p:nvSpPr>
+        <p:spPr>
+          <a:xfrm>
+            <a:off x="3809999" y="3156351"/>
+            <a:ext cx="4572000" cy="923330"/>
+          </a:xfrm>
+          <a:prstGeom prst="rect">
+            <a:avLst/>
+          </a:prstGeom>
+        </p:spPr>
+        <p:txBody>
+          <a:bodyPr>
+            <a:spAutoFit/>
+          </a:bodyPr>
+          <a:lstStyle/>
+          <a:p>
+            <a:pPr algn="just"/>
+            <a:r>
+              <a:rPr lang="en-US" dirty="0" smtClean="0">
+                <a:solidFill>
+                  <a:srgbClr val="463A2D"/>
+                </a:solidFill>
+                <a:latin typeface="Hoefler Text"/>
+                <a:cs typeface="Hoefler Text"/>
+              </a:rPr>
+              <a:t>According to press reports, many </a:t>
+            </a:r>
+            <a:r>
+              <a:rPr lang="en-US" b="1" i="1" u="sng" dirty="0" err="1" smtClean="0">
+                <a:solidFill>
+                  <a:srgbClr val="463A2D"/>
+                </a:solidFill>
+                <a:latin typeface="Hoefler Text"/>
+                <a:cs typeface="Hoefler Text"/>
+              </a:rPr>
+              <a:t>Uberpop</a:t>
+            </a:r>
+            <a:r>
+              <a:rPr lang="en-US" dirty="0" smtClean="0">
+                <a:solidFill>
+                  <a:srgbClr val="463A2D"/>
+                </a:solidFill>
+                <a:latin typeface="Hoefler Text"/>
+                <a:cs typeface="Hoefler Text"/>
+              </a:rPr>
+              <a:t> drivers were arrested and face up </a:t>
+            </a:r>
+            <a:r>
+              <a:rPr lang="en-US" b="1" dirty="0" smtClean="0">
+                <a:solidFill>
+                  <a:srgbClr val="463A2D"/>
+                </a:solidFill>
+                <a:latin typeface="Hoefler Text"/>
+                <a:cs typeface="Hoefler Text"/>
+              </a:rPr>
+              <a:t>of 3 years in prison and 45,000 € fine.</a:t>
+            </a:r>
+            <a:endParaRPr lang="en-US" b="1" dirty="0">
+              <a:solidFill>
+                <a:srgbClr val="463A2D"/>
+              </a:solidFill>
+              <a:latin typeface="Hoefler Text"/>
+              <a:cs typeface="Hoefler Text"/>
+            </a:endParaRPr>
+          </a:p>
+        </p:txBody>
+      </p:sp>
+      <p:sp>
+        <p:nvSpPr>
+          <p:cNvPr id="12" name="Rectangle 11"/>
+          <p:cNvSpPr/>
+          <p:nvPr/>
+        </p:nvSpPr>
+        <p:spPr>
+          <a:xfrm>
+            <a:off x="571268" y="4379760"/>
+            <a:ext cx="4572000" cy="1015663"/>
+          </a:xfrm>
+          <a:prstGeom prst="rect">
+            <a:avLst/>
+          </a:prstGeom>
+        </p:spPr>
+        <p:txBody>
+          <a:bodyPr>
+            <a:spAutoFit/>
+          </a:bodyPr>
+          <a:lstStyle/>
+          <a:p>
+            <a:pPr algn="just"/>
+            <a:r>
+              <a:rPr lang="en-US" sz="2000" dirty="0" smtClean="0">
+                <a:solidFill>
+                  <a:srgbClr val="463A2D"/>
+                </a:solidFill>
+                <a:latin typeface="Hoefler Text"/>
+                <a:cs typeface="Hoefler Text"/>
+              </a:rPr>
+              <a:t>There is </a:t>
+            </a:r>
+            <a:r>
+              <a:rPr lang="en-US" sz="2000" b="1" dirty="0" smtClean="0">
+                <a:solidFill>
+                  <a:srgbClr val="6AACA4"/>
+                </a:solidFill>
+                <a:latin typeface="Hoefler Text"/>
+                <a:cs typeface="Hoefler Text"/>
+              </a:rPr>
+              <a:t>carpooling</a:t>
+            </a:r>
+            <a:r>
+              <a:rPr lang="en-US" sz="2000" dirty="0" smtClean="0">
+                <a:solidFill>
+                  <a:srgbClr val="463A2D"/>
+                </a:solidFill>
+                <a:latin typeface="Hoefler Text"/>
+                <a:cs typeface="Hoefler Text"/>
+              </a:rPr>
+              <a:t> when the trip could, anyway, was carried by the driver « </a:t>
+            </a:r>
+            <a:r>
+              <a:rPr lang="en-US" sz="2000" dirty="0" err="1" smtClean="0">
+                <a:solidFill>
+                  <a:srgbClr val="463A2D"/>
+                </a:solidFill>
+                <a:latin typeface="Hoefler Text"/>
+                <a:cs typeface="Hoefler Text"/>
+              </a:rPr>
+              <a:t>empthy</a:t>
+            </a:r>
+            <a:r>
+              <a:rPr lang="en-US" sz="2000" dirty="0" smtClean="0">
+                <a:solidFill>
+                  <a:srgbClr val="463A2D"/>
+                </a:solidFill>
+                <a:latin typeface="Hoefler Text"/>
+                <a:cs typeface="Hoefler Text"/>
+              </a:rPr>
+              <a:t> ». </a:t>
+            </a:r>
+            <a:endParaRPr lang="en-US" sz="2000" dirty="0">
+              <a:solidFill>
+                <a:srgbClr val="463A2D"/>
+              </a:solidFill>
+              <a:latin typeface="Hoefler Text"/>
+              <a:cs typeface="Hoefler Text"/>
+            </a:endParaRPr>
+          </a:p>
+        </p:txBody>
+      </p:sp>
+      <p:sp>
+        <p:nvSpPr>
+          <p:cNvPr id="13" name="Rectangle 12"/>
+          <p:cNvSpPr/>
+          <p:nvPr/>
+        </p:nvSpPr>
+        <p:spPr>
+          <a:xfrm>
+            <a:off x="4173453" y="5652009"/>
+            <a:ext cx="4572000" cy="1015663"/>
+          </a:xfrm>
+          <a:prstGeom prst="rect">
+            <a:avLst/>
+          </a:prstGeom>
+        </p:spPr>
+        <p:txBody>
+          <a:bodyPr>
+            <a:spAutoFit/>
+          </a:bodyPr>
+          <a:lstStyle/>
+          <a:p>
+            <a:pPr algn="just"/>
+            <a:r>
+              <a:rPr lang="en-US" sz="2000" dirty="0" smtClean="0">
+                <a:solidFill>
+                  <a:srgbClr val="463A2D"/>
+                </a:solidFill>
+                <a:latin typeface="Hoefler Text"/>
+                <a:cs typeface="Hoefler Text"/>
+              </a:rPr>
+              <a:t>There is </a:t>
+            </a:r>
+            <a:r>
+              <a:rPr lang="en-US" sz="2000" b="1" dirty="0" smtClean="0">
+                <a:solidFill>
+                  <a:srgbClr val="FF8153"/>
+                </a:solidFill>
+                <a:latin typeface="Hoefler Text"/>
+                <a:cs typeface="Hoefler Text"/>
+              </a:rPr>
+              <a:t>no carpool </a:t>
+            </a:r>
+            <a:r>
+              <a:rPr lang="en-US" sz="2000" dirty="0" smtClean="0">
+                <a:solidFill>
+                  <a:srgbClr val="463A2D"/>
+                </a:solidFill>
+                <a:latin typeface="Hoefler Text"/>
+                <a:cs typeface="Hoefler Text"/>
+              </a:rPr>
+              <a:t>when a driver as a taxi or VTC, realizes a trip specifically to serve the needs of a passenger.</a:t>
+            </a:r>
+            <a:endParaRPr lang="en-US" sz="2000" dirty="0">
+              <a:solidFill>
+                <a:srgbClr val="463A2D"/>
+              </a:solidFill>
+              <a:latin typeface="Hoefler Text"/>
+              <a:cs typeface="Hoefler Text"/>
+            </a:endParaRPr>
+          </a:p>
+        </p:txBody>
+      </p:sp>
+    </p:spTree>
+    <p:extLst>
+      <p:ext uri="{BB962C8B-B14F-4D97-AF65-F5344CB8AC3E}">
+        <p14:creationId xmlns:p14="http://schemas.microsoft.com/office/powerpoint/2010/main" val="4011489026"/>
+      </p:ext>
+    </p:extLst>
+  </p:cSld>
+  <p:clrMapOvr>
+    <a:masterClrMapping/>
+  </p:clrMapOvr>
+  <p:timing>
+    <p:tnLst>
+      <p:par>
+        <p:cTn id="1" dur="indefinite" restart="never" nodeType="tmRoot"/>
+      </p:par>
+    </p:tnLst>
+  </p:timing>
 </p:sld>
 </file>
 
@@ -4211,17 +4452,181 @@
         </p:blipFill>
         <p:spPr>
           <a:xfrm>
-            <a:off x="295560" y="1341794"/>
-            <a:ext cx="2351691" cy="2528198"/>
+            <a:off x="233477" y="879060"/>
+            <a:ext cx="2560495" cy="2059987"/>
           </a:xfrm>
           <a:prstGeom prst="rect">
             <a:avLst/>
           </a:prstGeom>
         </p:spPr>
       </p:pic>
+      <p:sp>
+        <p:nvSpPr>
+          <p:cNvPr id="3" name="Rectangle 2"/>
+          <p:cNvSpPr/>
+          <p:nvPr/>
+        </p:nvSpPr>
+        <p:spPr>
+          <a:xfrm>
+            <a:off x="2793971" y="992947"/>
+            <a:ext cx="6008257" cy="1015663"/>
+          </a:xfrm>
+          <a:prstGeom prst="rect">
+            <a:avLst/>
+          </a:prstGeom>
+        </p:spPr>
+        <p:txBody>
+          <a:bodyPr wrap="square">
+            <a:spAutoFit/>
+          </a:bodyPr>
+          <a:lstStyle/>
+          <a:p>
+            <a:pPr algn="just"/>
+            <a:r>
+              <a:rPr lang="en-US" sz="2000" dirty="0" smtClean="0">
+                <a:solidFill>
+                  <a:srgbClr val="463A2D"/>
+                </a:solidFill>
+                <a:latin typeface="Hoefler Text"/>
+                <a:cs typeface="Hoefler Text"/>
+              </a:rPr>
+              <a:t>Offer or provide </a:t>
+            </a:r>
+            <a:r>
+              <a:rPr lang="en-US" sz="2000" b="1" dirty="0" smtClean="0">
+                <a:solidFill>
+                  <a:srgbClr val="FF8153"/>
+                </a:solidFill>
+                <a:latin typeface="Hoefler Text"/>
+                <a:cs typeface="Hoefler Text"/>
+              </a:rPr>
+              <a:t>paid transport </a:t>
+            </a:r>
+            <a:r>
+              <a:rPr lang="en-US" sz="2000" dirty="0" smtClean="0">
+                <a:solidFill>
+                  <a:srgbClr val="463A2D"/>
+                </a:solidFill>
+                <a:latin typeface="Hoefler Text"/>
+                <a:cs typeface="Hoefler Text"/>
+              </a:rPr>
+              <a:t>of persons using an automobile, a person must be </a:t>
+            </a:r>
+            <a:r>
+              <a:rPr lang="en-US" sz="2000" dirty="0" smtClean="0">
+                <a:solidFill>
+                  <a:srgbClr val="FF8153"/>
+                </a:solidFill>
+                <a:latin typeface="Hoefler Text"/>
+                <a:cs typeface="Hoefler Text"/>
+              </a:rPr>
+              <a:t>authorized</a:t>
+            </a:r>
+            <a:r>
+              <a:rPr lang="en-US" sz="2000" dirty="0" smtClean="0">
+                <a:solidFill>
+                  <a:srgbClr val="463A2D"/>
+                </a:solidFill>
+                <a:latin typeface="Hoefler Text"/>
+                <a:cs typeface="Hoefler Text"/>
+              </a:rPr>
+              <a:t> by a taxi owner's permit.</a:t>
+            </a:r>
+            <a:endParaRPr lang="en-US" sz="2000" dirty="0">
+              <a:solidFill>
+                <a:srgbClr val="463A2D"/>
+              </a:solidFill>
+              <a:latin typeface="Hoefler Text"/>
+              <a:cs typeface="Hoefler Text"/>
+            </a:endParaRPr>
+          </a:p>
+        </p:txBody>
+      </p:sp>
+      <p:sp>
+        <p:nvSpPr>
+          <p:cNvPr id="4" name="Rectangle 3"/>
+          <p:cNvSpPr/>
+          <p:nvPr/>
+        </p:nvSpPr>
+        <p:spPr>
+          <a:xfrm>
+            <a:off x="2793972" y="2431215"/>
+            <a:ext cx="6008256" cy="1015663"/>
+          </a:xfrm>
+          <a:prstGeom prst="rect">
+            <a:avLst/>
+          </a:prstGeom>
+        </p:spPr>
+        <p:txBody>
+          <a:bodyPr wrap="square">
+            <a:spAutoFit/>
+          </a:bodyPr>
+          <a:lstStyle/>
+          <a:p>
+            <a:pPr algn="just"/>
+            <a:r>
+              <a:rPr lang="en-US" sz="2000" dirty="0" smtClean="0">
+                <a:solidFill>
+                  <a:srgbClr val="463A2D"/>
+                </a:solidFill>
+                <a:latin typeface="Hoefler Text"/>
+                <a:cs typeface="Hoefler Text"/>
+              </a:rPr>
+              <a:t>Passengers contribute to </a:t>
+            </a:r>
+            <a:r>
+              <a:rPr lang="en-US" sz="2000" b="1" dirty="0" smtClean="0">
+                <a:solidFill>
+                  <a:srgbClr val="6AACA4"/>
+                </a:solidFill>
+                <a:latin typeface="Hoefler Text"/>
+                <a:cs typeface="Hoefler Text"/>
+              </a:rPr>
+              <a:t>compensate</a:t>
+            </a:r>
+            <a:r>
+              <a:rPr lang="en-US" sz="2000" dirty="0" smtClean="0">
+                <a:solidFill>
+                  <a:srgbClr val="6AACA4"/>
+                </a:solidFill>
+                <a:latin typeface="Hoefler Text"/>
+                <a:cs typeface="Hoefler Text"/>
+              </a:rPr>
+              <a:t> </a:t>
+            </a:r>
+            <a:r>
+              <a:rPr lang="en-US" sz="2000" dirty="0" smtClean="0">
+                <a:solidFill>
+                  <a:srgbClr val="463A2D"/>
+                </a:solidFill>
+                <a:latin typeface="Hoefler Text"/>
+                <a:cs typeface="Hoefler Text"/>
+              </a:rPr>
+              <a:t>the driver to use the vehicle, such as the </a:t>
+            </a:r>
+            <a:r>
+              <a:rPr lang="en-US" sz="2000" b="1" dirty="0" smtClean="0">
+                <a:solidFill>
+                  <a:srgbClr val="6AACA4"/>
+                </a:solidFill>
+                <a:latin typeface="Hoefler Text"/>
+                <a:cs typeface="Hoefler Text"/>
+              </a:rPr>
+              <a:t>sharing of costs of gasoline.</a:t>
+            </a:r>
+            <a:endParaRPr lang="en-US" sz="2000" b="1" dirty="0">
+              <a:solidFill>
+                <a:srgbClr val="6AACA4"/>
+              </a:solidFill>
+              <a:latin typeface="Hoefler Text"/>
+              <a:cs typeface="Hoefler Text"/>
+            </a:endParaRPr>
+          </a:p>
+        </p:txBody>
+      </p:sp>
       <p:pic>
         <p:nvPicPr>
-          <p:cNvPr id="3" name="Picture 2"/>
+          <p:cNvPr id="6" name="Picture 5"/>
           <p:cNvPicPr>
             <a:picLocks noChangeAspect="1"/>
           </p:cNvPicPr>
@@ -4235,8 +4640,8 @@
         </p:blipFill>
         <p:spPr>
           <a:xfrm>
-            <a:off x="3137673" y="1341794"/>
-            <a:ext cx="672326" cy="705943"/>
+            <a:off x="92359" y="4092752"/>
+            <a:ext cx="2875465" cy="2202619"/>
           </a:xfrm>
           <a:prstGeom prst="rect">
             <a:avLst/>
@@ -4245,261 +4650,55 @@
       </p:pic>
       <p:sp>
         <p:nvSpPr>
-          <p:cNvPr id="4" name="Rectangle 3"/>
+          <p:cNvPr id="7" name="Rectangle 6"/>
           <p:cNvSpPr/>
           <p:nvPr/>
         </p:nvSpPr>
         <p:spPr>
           <a:xfrm>
-            <a:off x="3809999" y="1636219"/>
-            <a:ext cx="4390946" cy="369332"/>
-          </a:xfrm>
-          <a:prstGeom prst="rect">
-            <a:avLst/>
-          </a:prstGeom>
-        </p:spPr>
-        <p:txBody>
-          <a:bodyPr wrap="none">
+            <a:off x="2967824" y="4140275"/>
+            <a:ext cx="5834404" cy="677108"/>
+          </a:xfrm>
+          <a:prstGeom prst="rect">
+            <a:avLst/>
+          </a:prstGeom>
+        </p:spPr>
+        <p:txBody>
+          <a:bodyPr wrap="square">
             <a:spAutoFit/>
           </a:bodyPr>
           <a:lstStyle/>
           <a:p>
-            <a:r>
-              <a:rPr lang="en-US" dirty="0">
+            <a:pPr algn="just"/>
+            <a:r>
+              <a:rPr lang="en-US" b="1" dirty="0">
+                <a:solidFill>
+                  <a:srgbClr val="FF8153"/>
+                </a:solidFill>
+                <a:latin typeface="Hoefler Text"/>
+                <a:cs typeface="Hoefler Text"/>
+              </a:rPr>
+              <a:t>“Private cars will never operate as commercial cars.</a:t>
+            </a:r>
+            <a:r>
+              <a:rPr lang="en-US" b="1" dirty="0" smtClean="0">
+                <a:solidFill>
+                  <a:srgbClr val="FF8153"/>
+                </a:solidFill>
+                <a:latin typeface="Hoefler Text"/>
+                <a:cs typeface="Hoefler Text"/>
+              </a:rPr>
+              <a:t>” </a:t>
+            </a:r>
+            <a:r>
+              <a:rPr lang="en-US" sz="2000" dirty="0" smtClean="0">
                 <a:solidFill>
                   <a:srgbClr val="463A2D"/>
                 </a:solidFill>
                 <a:latin typeface="Hoefler Text"/>
                 <a:cs typeface="Hoefler Text"/>
               </a:rPr>
-              <a:t>French leader of long-distance </a:t>
-            </a:r>
-            <a:r>
-              <a:rPr lang="en-US" b="1" dirty="0">
-                <a:solidFill>
-                  <a:srgbClr val="6AACA4"/>
-                </a:solidFill>
-                <a:latin typeface="Hoefler Text"/>
-                <a:cs typeface="Hoefler Text"/>
-              </a:rPr>
-              <a:t>carpooling</a:t>
-            </a:r>
-            <a:endParaRPr lang="en-US" dirty="0">
-              <a:solidFill>
-                <a:srgbClr val="6AACA4"/>
-              </a:solidFill>
-              <a:latin typeface="Hoefler Text"/>
-              <a:cs typeface="Hoefler Text"/>
-            </a:endParaRPr>
-          </a:p>
-        </p:txBody>
-      </p:sp>
-      <p:sp>
-        <p:nvSpPr>
-          <p:cNvPr id="6" name="Rectangle 5"/>
-          <p:cNvSpPr/>
-          <p:nvPr/>
-        </p:nvSpPr>
-        <p:spPr>
-          <a:xfrm>
-            <a:off x="2857268" y="2325354"/>
-            <a:ext cx="4213796" cy="369332"/>
-          </a:xfrm>
-          <a:prstGeom prst="rect">
-            <a:avLst/>
-          </a:prstGeom>
-        </p:spPr>
-        <p:txBody>
-          <a:bodyPr wrap="none">
-            <a:spAutoFit/>
-          </a:bodyPr>
-          <a:lstStyle/>
-          <a:p>
-            <a:r>
-              <a:rPr lang="en-US" b="1" i="1" dirty="0" err="1">
-                <a:latin typeface="Hoefler Text"/>
-                <a:cs typeface="Hoefler Text"/>
-              </a:rPr>
-              <a:t>Uberpop</a:t>
-            </a:r>
-            <a:r>
-              <a:rPr lang="en-US" i="1" dirty="0">
-                <a:latin typeface="Hoefler Text"/>
-                <a:cs typeface="Hoefler Text"/>
-              </a:rPr>
-              <a:t> is </a:t>
-            </a:r>
-            <a:r>
-              <a:rPr lang="en-US" b="1" i="1" dirty="0">
-                <a:latin typeface="Hoefler Text"/>
-                <a:cs typeface="Hoefler Text"/>
-              </a:rPr>
-              <a:t>illegal</a:t>
-            </a:r>
-            <a:r>
-              <a:rPr lang="en-US" i="1" dirty="0">
-                <a:latin typeface="Hoefler Text"/>
-                <a:cs typeface="Hoefler Text"/>
-              </a:rPr>
-              <a:t> and will be </a:t>
-            </a:r>
-            <a:r>
-              <a:rPr lang="en-US" b="1" i="1" dirty="0">
-                <a:latin typeface="Hoefler Text"/>
-                <a:cs typeface="Hoefler Text"/>
-              </a:rPr>
-              <a:t>prohibited</a:t>
-            </a:r>
-            <a:endParaRPr lang="en-US" dirty="0">
-              <a:latin typeface="Hoefler Text"/>
-              <a:cs typeface="Hoefler Text"/>
-            </a:endParaRPr>
-          </a:p>
-        </p:txBody>
-      </p:sp>
-      <p:sp>
-        <p:nvSpPr>
-          <p:cNvPr id="8" name="Rectangle 7"/>
-          <p:cNvSpPr/>
-          <p:nvPr/>
-        </p:nvSpPr>
-        <p:spPr>
-          <a:xfrm>
-            <a:off x="3809999" y="3156351"/>
-            <a:ext cx="4572000" cy="923330"/>
-          </a:xfrm>
-          <a:prstGeom prst="rect">
-            <a:avLst/>
-          </a:prstGeom>
-        </p:spPr>
-        <p:txBody>
-          <a:bodyPr>
-            <a:spAutoFit/>
-          </a:bodyPr>
-          <a:lstStyle/>
-          <a:p>
-            <a:pPr algn="just"/>
-            <a:r>
-              <a:rPr lang="en-US" dirty="0" smtClean="0">
-                <a:solidFill>
-                  <a:srgbClr val="463A2D"/>
-                </a:solidFill>
-                <a:latin typeface="Hoefler Text"/>
-                <a:cs typeface="Hoefler Text"/>
-              </a:rPr>
-              <a:t>According to press reports, many </a:t>
-            </a:r>
-            <a:r>
-              <a:rPr lang="en-US" b="1" i="1" u="sng" dirty="0" err="1" smtClean="0">
-                <a:solidFill>
-                  <a:srgbClr val="463A2D"/>
-                </a:solidFill>
-                <a:latin typeface="Hoefler Text"/>
-                <a:cs typeface="Hoefler Text"/>
-              </a:rPr>
-              <a:t>Uberpop</a:t>
-            </a:r>
-            <a:r>
-              <a:rPr lang="en-US" dirty="0" smtClean="0">
-                <a:solidFill>
-                  <a:srgbClr val="463A2D"/>
-                </a:solidFill>
-                <a:latin typeface="Hoefler Text"/>
-                <a:cs typeface="Hoefler Text"/>
-              </a:rPr>
-              <a:t> drivers were arrested and face up </a:t>
-            </a:r>
-            <a:r>
-              <a:rPr lang="en-US" b="1" dirty="0" smtClean="0">
-                <a:solidFill>
-                  <a:srgbClr val="463A2D"/>
-                </a:solidFill>
-                <a:latin typeface="Hoefler Text"/>
-                <a:cs typeface="Hoefler Text"/>
-              </a:rPr>
-              <a:t>of 3 years in prison and 45,000 € fine.</a:t>
-            </a:r>
-            <a:endParaRPr lang="en-US" b="1" dirty="0">
-              <a:solidFill>
-                <a:srgbClr val="463A2D"/>
-              </a:solidFill>
-              <a:latin typeface="Hoefler Text"/>
-              <a:cs typeface="Hoefler Text"/>
-            </a:endParaRPr>
-          </a:p>
-        </p:txBody>
-      </p:sp>
-      <p:sp>
-        <p:nvSpPr>
-          <p:cNvPr id="12" name="Rectangle 11"/>
-          <p:cNvSpPr/>
-          <p:nvPr/>
-        </p:nvSpPr>
-        <p:spPr>
-          <a:xfrm>
-            <a:off x="571268" y="4379760"/>
-            <a:ext cx="4572000" cy="1015663"/>
-          </a:xfrm>
-          <a:prstGeom prst="rect">
-            <a:avLst/>
-          </a:prstGeom>
-        </p:spPr>
-        <p:txBody>
-          <a:bodyPr>
-            <a:spAutoFit/>
-          </a:bodyPr>
-          <a:lstStyle/>
-          <a:p>
-            <a:pPr algn="just"/>
-            <a:r>
-              <a:rPr lang="en-US" sz="2000" dirty="0" smtClean="0">
-                <a:solidFill>
-                  <a:srgbClr val="463A2D"/>
-                </a:solidFill>
-                <a:latin typeface="Hoefler Text"/>
-                <a:cs typeface="Hoefler Text"/>
-              </a:rPr>
-              <a:t>There is </a:t>
-            </a:r>
-            <a:r>
-              <a:rPr lang="en-US" sz="2000" b="1" dirty="0" smtClean="0">
-                <a:solidFill>
-                  <a:srgbClr val="6AACA4"/>
-                </a:solidFill>
-                <a:latin typeface="Hoefler Text"/>
-                <a:cs typeface="Hoefler Text"/>
-              </a:rPr>
-              <a:t>carpooling</a:t>
-            </a:r>
-            <a:r>
-              <a:rPr lang="en-US" sz="2000" dirty="0" smtClean="0">
-                <a:solidFill>
-                  <a:srgbClr val="463A2D"/>
-                </a:solidFill>
-                <a:latin typeface="Hoefler Text"/>
-                <a:cs typeface="Hoefler Text"/>
-              </a:rPr>
-              <a:t> when the trip could, anyway, was carried by the driver « </a:t>
-            </a:r>
-            <a:r>
-              <a:rPr lang="en-US" sz="2000" dirty="0" err="1" smtClean="0">
-                <a:solidFill>
-                  <a:srgbClr val="463A2D"/>
-                </a:solidFill>
-                <a:latin typeface="Hoefler Text"/>
-                <a:cs typeface="Hoefler Text"/>
-              </a:rPr>
-              <a:t>empthy</a:t>
-            </a:r>
-            <a:r>
-              <a:rPr lang="en-US" sz="2000" dirty="0" smtClean="0">
-                <a:solidFill>
-                  <a:srgbClr val="463A2D"/>
-                </a:solidFill>
-                <a:latin typeface="Hoefler Text"/>
-                <a:cs typeface="Hoefler Text"/>
-              </a:rPr>
-              <a:t> ». </a:t>
+              <a:t>– Transport Minister of China</a:t>
             </a:r>
             <a:endParaRPr lang="en-US" sz="2000" dirty="0">
               <a:solidFill>
@@ -4513,25 +4712,76 @@
       </p:sp>
       <p:sp>
         <p:nvSpPr>
-          <p:cNvPr id="13" name="Rectangle 12"/>
-          <p:cNvSpPr/>
-          <p:nvPr/>
-        </p:nvSpPr>
-        <p:spPr>
-          <a:xfrm>
-            <a:off x="4173453" y="5652009"/>
-            <a:ext cx="4572000" cy="1015663"/>
-          </a:xfrm>
-          <a:prstGeom prst="rect">
-            <a:avLst/>
-          </a:prstGeom>
-        </p:spPr>
-        <p:txBody>
-          <a:bodyPr>
+          <p:cNvPr id="12" name="TextBox 11"/>
+          <p:cNvSpPr txBox="1"/>
+          <p:nvPr/>
+        </p:nvSpPr>
+        <p:spPr>
+          <a:xfrm>
+            <a:off x="2864532" y="4783460"/>
+            <a:ext cx="1109778" cy="553998"/>
+          </a:xfrm>
+          <a:prstGeom prst="rect">
+            <a:avLst/>
+          </a:prstGeom>
+          <a:noFill/>
+        </p:spPr>
+        <p:txBody>
+          <a:bodyPr wrap="square" rtlCol="0" anchor="ctr">
             <a:spAutoFit/>
           </a:bodyPr>
           <a:lstStyle/>
           <a:p>
+            <a:pPr algn="ctr"/>
+            <a:r>
+              <a:rPr lang="en-US" sz="3000" dirty="0" smtClean="0">
+                <a:effectLst>
+                  <a:glow rad="101600">
+                    <a:srgbClr val="6AACA4">
+                      <a:alpha val="75000"/>
+                    </a:srgbClr>
+                  </a:glow>
+                </a:effectLst>
+                <a:latin typeface="Hoefler Text"/>
+                <a:cs typeface="Hoefler Text"/>
+              </a:rPr>
+              <a:t>2014</a:t>
+            </a:r>
+            <a:endParaRPr lang="en-US" sz="3000" dirty="0">
+              <a:effectLst>
+                <a:glow rad="101600">
+                  <a:srgbClr val="6AACA4">
+                    <a:alpha val="75000"/>
+                  </a:srgbClr>
+                </a:glow>
+              </a:effectLst>
+              <a:latin typeface="Hoefler Text"/>
+              <a:cs typeface="Hoefler Text"/>
+            </a:endParaRPr>
+          </a:p>
+        </p:txBody>
+      </p:sp>
+      <p:sp>
+        <p:nvSpPr>
+          <p:cNvPr id="13" name="Rectangle 12"/>
+          <p:cNvSpPr/>
+          <p:nvPr/>
+        </p:nvSpPr>
+        <p:spPr>
+          <a:xfrm>
+            <a:off x="3974310" y="4914294"/>
+            <a:ext cx="5050878" cy="400110"/>
+          </a:xfrm>
+          <a:prstGeom prst="rect">
+            <a:avLst/>
+          </a:prstGeom>
+        </p:spPr>
+        <p:txBody>
+          <a:bodyPr wrap="square">
+            <a:spAutoFit/>
+          </a:bodyPr>
+          <a:lstStyle/>
+          <a:p>
             <a:pPr algn="just"/>
             <a:r>
               <a:rPr lang="en-US" sz="2000" dirty="0" smtClean="0">
@@ -4541,17 +4791,69 @@
                 <a:latin typeface="Hoefler Text"/>
                 <a:cs typeface="Hoefler Text"/>
               </a:rPr>
-              <a:t>There is </a:t>
+              <a:t>Beijing</a:t>
+            </a:r>
+            <a:r>
+              <a:rPr lang="en-US" sz="2000" dirty="0" smtClean="0">
+                <a:solidFill>
+                  <a:srgbClr val="FF8153"/>
+                </a:solidFill>
+                <a:latin typeface="Hoefler Text"/>
+                <a:cs typeface="Hoefler Text"/>
+              </a:rPr>
+              <a:t> legalizes </a:t>
             </a:r>
             <a:r>
               <a:rPr lang="en-US" sz="2000" b="1" dirty="0" smtClean="0">
                 <a:solidFill>
-                  <a:srgbClr val="FF8153"/>
-                </a:solidFill>
-                <a:latin typeface="Hoefler Text"/>
-                <a:cs typeface="Hoefler Text"/>
-              </a:rPr>
-              <a:t>no carpool </a:t>
+                  <a:srgbClr val="6AACA4"/>
+                </a:solidFill>
+                <a:latin typeface="Hoefler Text"/>
+                <a:cs typeface="Hoefler Text"/>
+              </a:rPr>
+              <a:t>Carpooling</a:t>
+            </a:r>
+            <a:endParaRPr lang="en-US" sz="2000" b="1" dirty="0">
+              <a:solidFill>
+                <a:srgbClr val="6AACA4"/>
+              </a:solidFill>
+              <a:latin typeface="Hoefler Text"/>
+              <a:cs typeface="Hoefler Text"/>
+            </a:endParaRPr>
+          </a:p>
+        </p:txBody>
+      </p:sp>
+      <p:sp>
+        <p:nvSpPr>
+          <p:cNvPr id="8" name="Rectangle 7"/>
+          <p:cNvSpPr/>
+          <p:nvPr/>
+        </p:nvSpPr>
+        <p:spPr>
+          <a:xfrm>
+            <a:off x="2404812" y="5479763"/>
+            <a:ext cx="6739188" cy="1323439"/>
+          </a:xfrm>
+          <a:prstGeom prst="rect">
+            <a:avLst/>
+          </a:prstGeom>
+        </p:spPr>
+        <p:txBody>
+          <a:bodyPr wrap="square">
+            <a:spAutoFit/>
+          </a:bodyPr>
+          <a:lstStyle/>
+          <a:p>
+            <a:pPr algn="just"/>
+            <a:r>
+              <a:rPr lang="en-US" sz="2000" dirty="0">
+                <a:solidFill>
+                  <a:srgbClr val="463A2D"/>
+                </a:solidFill>
+                <a:latin typeface="Hoefler Text"/>
+                <a:cs typeface="Hoefler Text"/>
+              </a:rPr>
+              <a:t>Passengers </a:t>
             </a:r>
             <a:r>
               <a:rPr lang="en-US" sz="2000" dirty="0" smtClean="0">
@@ -4561,8 +4863,61 @@
                 <a:latin typeface="Hoefler Text"/>
                 <a:cs typeface="Hoefler Text"/>
               </a:rPr>
-              <a:t>when a driver as a taxi or VTC, realizes a trip specifically to serve the needs of a passenger.</a:t>
-            </a:r>
+              <a:t>can calculate </a:t>
+            </a:r>
+            <a:r>
+              <a:rPr lang="en-US" sz="2000" dirty="0">
+                <a:solidFill>
+                  <a:srgbClr val="463A2D"/>
+                </a:solidFill>
+                <a:latin typeface="Hoefler Text"/>
+                <a:cs typeface="Hoefler Text"/>
+              </a:rPr>
+              <a:t>the fee with reference to the taxi fee and </a:t>
+            </a:r>
+            <a:r>
+              <a:rPr lang="en-US" sz="2000" b="1" dirty="0">
+                <a:solidFill>
+                  <a:srgbClr val="463A2D"/>
+                </a:solidFill>
+                <a:latin typeface="Hoefler Text"/>
+                <a:cs typeface="Hoefler Text"/>
+              </a:rPr>
+              <a:t>divide</a:t>
+            </a:r>
+            <a:r>
+              <a:rPr lang="en-US" sz="2000" dirty="0">
+                <a:solidFill>
+                  <a:srgbClr val="463A2D"/>
+                </a:solidFill>
+                <a:latin typeface="Hoefler Text"/>
+                <a:cs typeface="Hoefler Text"/>
+              </a:rPr>
+              <a:t> it by the </a:t>
+            </a:r>
+            <a:r>
+              <a:rPr lang="en-US" sz="2000" b="1" dirty="0">
+                <a:solidFill>
+                  <a:srgbClr val="463A2D"/>
+                </a:solidFill>
+                <a:latin typeface="Hoefler Text"/>
+                <a:cs typeface="Hoefler Text"/>
+              </a:rPr>
+              <a:t>number of the passengers</a:t>
+            </a:r>
+            <a:r>
+              <a:rPr lang="en-US" sz="2000" dirty="0" smtClean="0">
+                <a:solidFill>
+                  <a:srgbClr val="463A2D"/>
+                </a:solidFill>
+                <a:latin typeface="Hoefler Text"/>
+                <a:cs typeface="Hoefler Text"/>
+              </a:rPr>
+              <a:t>.</a:t>
+            </a:r>
+          </a:p>
+          <a:p>
+            <a:pPr algn="just"/>
             <a:endParaRPr lang="en-US" sz="2000" dirty="0">
               <a:solidFill>
                 <a:srgbClr val="463A2D"/>
@@ -4571,18 +4926,85 @@
               <a:cs typeface="Hoefler Text"/>
             </a:endParaRPr>
           </a:p>
+          <a:p>
+            <a:pPr algn="just"/>
+            <a:r>
+              <a:rPr lang="en-US" sz="2000" b="1" dirty="0" smtClean="0">
+                <a:solidFill>
+                  <a:srgbClr val="FF8153"/>
+                </a:solidFill>
+                <a:latin typeface="Hoefler Text"/>
+                <a:cs typeface="Hoefler Text"/>
+              </a:rPr>
+              <a:t>GOAL</a:t>
+            </a:r>
+            <a:r>
+              <a:rPr lang="en-US" sz="2000" dirty="0" smtClean="0">
+                <a:solidFill>
+                  <a:srgbClr val="FF8153"/>
+                </a:solidFill>
+                <a:latin typeface="Hoefler Text"/>
+                <a:cs typeface="Hoefler Text"/>
+              </a:rPr>
+              <a:t> </a:t>
+            </a:r>
+            <a:r>
+              <a:rPr lang="en-US" sz="2000" dirty="0" smtClean="0">
+                <a:solidFill>
+                  <a:srgbClr val="463A2D"/>
+                </a:solidFill>
+                <a:latin typeface="Hoefler Text"/>
+                <a:cs typeface="Hoefler Text"/>
+              </a:rPr>
+              <a:t>:  </a:t>
+            </a:r>
+            <a:r>
+              <a:rPr lang="en-US" sz="2000" dirty="0">
+                <a:solidFill>
+                  <a:srgbClr val="463A2D"/>
+                </a:solidFill>
+                <a:latin typeface="Hoefler Text"/>
+                <a:cs typeface="Hoefler Text"/>
+              </a:rPr>
+              <a:t>ease traffic congestion and conserve </a:t>
+            </a:r>
+            <a:r>
+              <a:rPr lang="en-US" sz="2000" dirty="0" smtClean="0">
+                <a:solidFill>
+                  <a:srgbClr val="463A2D"/>
+                </a:solidFill>
+                <a:latin typeface="Hoefler Text"/>
+                <a:cs typeface="Hoefler Text"/>
+              </a:rPr>
+              <a:t>energy</a:t>
+            </a:r>
+            <a:endParaRPr lang="en-US" sz="2000" dirty="0">
+              <a:solidFill>
+                <a:srgbClr val="463A2D"/>
+              </a:solidFill>
+              <a:latin typeface="Hoefler Text"/>
+              <a:cs typeface="Hoefler Text"/>
+            </a:endParaRPr>
+          </a:p>
         </p:txBody>
       </p:sp>
     </p:spTree>
     <p:extLst>
       <p:ext uri="{BB962C8B-B14F-4D97-AF65-F5344CB8AC3E}">
-        <p14:creationId xmlns:p14="http://schemas.microsoft.com/office/powerpoint/2010/main" val="4011489026"/>
+        <p14:creationId xmlns:p14="http://schemas.microsoft.com/office/powerpoint/2010/main" val="4184969511"/>
       </p:ext>
     </p:extLst>
   </p:cSld>
   <p:clrMapOvr>
     <a:masterClrMapping/>
   </p:clrMapOvr>
+  <p:timing>
+    <p:tnLst>
+      <p:par>
+        <p:cTn id="1" dur="indefinite" restart="never" nodeType="tmRoot"/>
+      </p:par>
+    </p:tnLst>
+  </p:timing>
 </p:sld>
 </file>
 
@@ -4719,702 +5141,6 @@
       </p:sp>
       <p:pic>
         <p:nvPicPr>
-          <p:cNvPr id="2" name="Picture 1"/>
-          <p:cNvPicPr>
-            <a:picLocks noChangeAspect="1"/>
-          </p:cNvPicPr>
-          <p:nvPr/>
-        </p:nvPicPr>
-        <p:blipFill>
-          <a:blip r:embed="rId3"/>
-          <a:stretch>
-            <a:fillRect/>
-          </a:stretch>
-        </p:blipFill>
-        <p:spPr>
-          <a:xfrm>
-            <a:off x="233477" y="879060"/>
-            <a:ext cx="2560495" cy="2059987"/>
-          </a:xfrm>
-          <a:prstGeom prst="rect">
-            <a:avLst/>
-          </a:prstGeom>
-        </p:spPr>
-      </p:pic>
-      <p:sp>
-        <p:nvSpPr>
-          <p:cNvPr id="3" name="Rectangle 2"/>
-          <p:cNvSpPr/>
-          <p:nvPr/>
-        </p:nvSpPr>
-        <p:spPr>
-          <a:xfrm>
-            <a:off x="2793971" y="992947"/>
-            <a:ext cx="6008257" cy="1015663"/>
-          </a:xfrm>
-          <a:prstGeom prst="rect">
-            <a:avLst/>
-          </a:prstGeom>
-        </p:spPr>
-        <p:txBody>
-          <a:bodyPr wrap="square">
-            <a:spAutoFit/>
-          </a:bodyPr>
-          <a:lstStyle/>
-          <a:p>
-            <a:pPr algn="just"/>
-            <a:r>
-              <a:rPr lang="en-US" sz="2000" dirty="0" smtClean="0">
-                <a:solidFill>
-                  <a:srgbClr val="463A2D"/>
-                </a:solidFill>
-                <a:latin typeface="Hoefler Text"/>
-                <a:cs typeface="Hoefler Text"/>
-              </a:rPr>
-              <a:t>Offer or provide </a:t>
-            </a:r>
-            <a:r>
-              <a:rPr lang="en-US" sz="2000" b="1" dirty="0" smtClean="0">
-                <a:solidFill>
-                  <a:srgbClr val="FF8153"/>
-                </a:solidFill>
-                <a:latin typeface="Hoefler Text"/>
-                <a:cs typeface="Hoefler Text"/>
-              </a:rPr>
-              <a:t>paid transport </a:t>
-            </a:r>
-            <a:r>
-              <a:rPr lang="en-US" sz="2000" dirty="0" smtClean="0">
-                <a:solidFill>
-                  <a:srgbClr val="463A2D"/>
-                </a:solidFill>
-                <a:latin typeface="Hoefler Text"/>
-                <a:cs typeface="Hoefler Text"/>
-              </a:rPr>
-              <a:t>of persons using an automobile, a person must be </a:t>
-            </a:r>
-            <a:r>
-              <a:rPr lang="en-US" sz="2000" dirty="0" smtClean="0">
-                <a:solidFill>
-                  <a:srgbClr val="FF8153"/>
-                </a:solidFill>
-                <a:latin typeface="Hoefler Text"/>
-                <a:cs typeface="Hoefler Text"/>
-              </a:rPr>
-              <a:t>authorized</a:t>
-            </a:r>
-            <a:r>
-              <a:rPr lang="en-US" sz="2000" dirty="0" smtClean="0">
-                <a:solidFill>
-                  <a:srgbClr val="463A2D"/>
-                </a:solidFill>
-                <a:latin typeface="Hoefler Text"/>
-                <a:cs typeface="Hoefler Text"/>
-              </a:rPr>
-              <a:t> by a taxi owner's permit.</a:t>
-            </a:r>
-            <a:endParaRPr lang="en-US" sz="2000" dirty="0">
-              <a:solidFill>
-                <a:srgbClr val="463A2D"/>
-              </a:solidFill>
-              <a:latin typeface="Hoefler Text"/>
-              <a:cs typeface="Hoefler Text"/>
-            </a:endParaRPr>
-          </a:p>
-        </p:txBody>
-      </p:sp>
-      <p:sp>
-        <p:nvSpPr>
-          <p:cNvPr id="4" name="Rectangle 3"/>
-          <p:cNvSpPr/>
-          <p:nvPr/>
-        </p:nvSpPr>
-        <p:spPr>
-          <a:xfrm>
-            <a:off x="2793972" y="2431215"/>
-            <a:ext cx="6008256" cy="1015663"/>
-          </a:xfrm>
-          <a:prstGeom prst="rect">
-            <a:avLst/>
-          </a:prstGeom>
-        </p:spPr>
-        <p:txBody>
-          <a:bodyPr wrap="square">
-            <a:spAutoFit/>
-          </a:bodyPr>
-          <a:lstStyle/>
-          <a:p>
-            <a:pPr algn="just"/>
-            <a:r>
-              <a:rPr lang="en-US" sz="2000" dirty="0" smtClean="0">
-                <a:solidFill>
-                  <a:srgbClr val="463A2D"/>
-                </a:solidFill>
-                <a:latin typeface="Hoefler Text"/>
-                <a:cs typeface="Hoefler Text"/>
-              </a:rPr>
-              <a:t>Passengers contribute to </a:t>
-            </a:r>
-            <a:r>
-              <a:rPr lang="en-US" sz="2000" b="1" dirty="0" smtClean="0">
-                <a:solidFill>
-                  <a:srgbClr val="6AACA4"/>
-                </a:solidFill>
-                <a:latin typeface="Hoefler Text"/>
-                <a:cs typeface="Hoefler Text"/>
-              </a:rPr>
-              <a:t>compensate</a:t>
-            </a:r>
-            <a:r>
-              <a:rPr lang="en-US" sz="2000" dirty="0" smtClean="0">
-                <a:solidFill>
-                  <a:srgbClr val="6AACA4"/>
-                </a:solidFill>
-                <a:latin typeface="Hoefler Text"/>
-                <a:cs typeface="Hoefler Text"/>
-              </a:rPr>
-              <a:t> </a:t>
-            </a:r>
-            <a:r>
-              <a:rPr lang="en-US" sz="2000" dirty="0" smtClean="0">
-                <a:solidFill>
-                  <a:srgbClr val="463A2D"/>
-                </a:solidFill>
-                <a:latin typeface="Hoefler Text"/>
-                <a:cs typeface="Hoefler Text"/>
-              </a:rPr>
-              <a:t>the driver to use the vehicle, such as the </a:t>
-            </a:r>
-            <a:r>
-              <a:rPr lang="en-US" sz="2000" b="1" dirty="0" smtClean="0">
-                <a:solidFill>
-                  <a:srgbClr val="6AACA4"/>
-                </a:solidFill>
-                <a:latin typeface="Hoefler Text"/>
-                <a:cs typeface="Hoefler Text"/>
-              </a:rPr>
-              <a:t>sharing of costs of gasoline.</a:t>
-            </a:r>
-            <a:endParaRPr lang="en-US" sz="2000" b="1" dirty="0">
-              <a:solidFill>
-                <a:srgbClr val="6AACA4"/>
-              </a:solidFill>
-              <a:latin typeface="Hoefler Text"/>
-              <a:cs typeface="Hoefler Text"/>
-            </a:endParaRPr>
-          </a:p>
-        </p:txBody>
-      </p:sp>
-      <p:pic>
-        <p:nvPicPr>
-          <p:cNvPr id="6" name="Picture 5"/>
-          <p:cNvPicPr>
-            <a:picLocks noChangeAspect="1"/>
-          </p:cNvPicPr>
-          <p:nvPr/>
-        </p:nvPicPr>
-        <p:blipFill>
-          <a:blip r:embed="rId4"/>
-          <a:stretch>
-            <a:fillRect/>
-          </a:stretch>
-        </p:blipFill>
-        <p:spPr>
-          <a:xfrm>
-            <a:off x="92359" y="4092752"/>
-            <a:ext cx="2875465" cy="2202619"/>
-          </a:xfrm>
-          <a:prstGeom prst="rect">
-            <a:avLst/>
-          </a:prstGeom>
-        </p:spPr>
-      </p:pic>
-      <p:sp>
-        <p:nvSpPr>
-          <p:cNvPr id="7" name="Rectangle 6"/>
-          <p:cNvSpPr/>
-          <p:nvPr/>
-        </p:nvSpPr>
-        <p:spPr>
-          <a:xfrm>
-            <a:off x="2967824" y="4140275"/>
-            <a:ext cx="5834404" cy="677108"/>
-          </a:xfrm>
-          <a:prstGeom prst="rect">
-            <a:avLst/>
-          </a:prstGeom>
-        </p:spPr>
-        <p:txBody>
-          <a:bodyPr wrap="square">
-            <a:spAutoFit/>
-          </a:bodyPr>
-          <a:lstStyle/>
-          <a:p>
-            <a:pPr algn="just"/>
-            <a:r>
-              <a:rPr lang="en-US" b="1" dirty="0">
-                <a:solidFill>
-                  <a:srgbClr val="FF8153"/>
-                </a:solidFill>
-                <a:latin typeface="Hoefler Text"/>
-                <a:cs typeface="Hoefler Text"/>
-              </a:rPr>
-              <a:t>“Private cars will never operate as commercial cars.</a:t>
-            </a:r>
-            <a:r>
-              <a:rPr lang="en-US" b="1" dirty="0" smtClean="0">
-                <a:solidFill>
-                  <a:srgbClr val="FF8153"/>
-                </a:solidFill>
-                <a:latin typeface="Hoefler Text"/>
-                <a:cs typeface="Hoefler Text"/>
-              </a:rPr>
-              <a:t>” </a:t>
-            </a:r>
-            <a:r>
-              <a:rPr lang="en-US" sz="2000" dirty="0" smtClean="0">
-                <a:solidFill>
-                  <a:srgbClr val="463A2D"/>
-                </a:solidFill>
-                <a:latin typeface="Hoefler Text"/>
-                <a:cs typeface="Hoefler Text"/>
-              </a:rPr>
-              <a:t>– Transport Minister of China</a:t>
-            </a:r>
-            <a:endParaRPr lang="en-US" sz="2000" dirty="0">
-              <a:solidFill>
-                <a:srgbClr val="463A2D"/>
-              </a:solidFill>
-              <a:latin typeface="Hoefler Text"/>
-              <a:cs typeface="Hoefler Text"/>
-            </a:endParaRPr>
-          </a:p>
-        </p:txBody>
-      </p:sp>
-      <p:sp>
-        <p:nvSpPr>
-          <p:cNvPr id="12" name="TextBox 11"/>
-          <p:cNvSpPr txBox="1"/>
-          <p:nvPr/>
-        </p:nvSpPr>
-        <p:spPr>
-          <a:xfrm>
-            <a:off x="2864532" y="4783460"/>
-            <a:ext cx="1109778" cy="553998"/>
-          </a:xfrm>
-          <a:prstGeom prst="rect">
-            <a:avLst/>
-          </a:prstGeom>
-          <a:noFill/>
-        </p:spPr>
-        <p:txBody>
-          <a:bodyPr wrap="square" rtlCol="0" anchor="ctr">
-            <a:spAutoFit/>
-          </a:bodyPr>
-          <a:lstStyle/>
-          <a:p>
-            <a:pPr algn="ctr"/>
-            <a:r>
-              <a:rPr lang="en-US" sz="3000" dirty="0" smtClean="0">
-                <a:effectLst>
-                  <a:glow rad="101600">
-                    <a:srgbClr val="6AACA4">
-                      <a:alpha val="75000"/>
-                    </a:srgbClr>
-                  </a:glow>
-                </a:effectLst>
-                <a:latin typeface="Hoefler Text"/>
-                <a:cs typeface="Hoefler Text"/>
-              </a:rPr>
-              <a:t>2014</a:t>
-            </a:r>
-            <a:endParaRPr lang="en-US" sz="3000" dirty="0">
-              <a:effectLst>
-                <a:glow rad="101600">
-                  <a:srgbClr val="6AACA4">
-                    <a:alpha val="75000"/>
-                  </a:srgbClr>
-                </a:glow>
-              </a:effectLst>
-              <a:latin typeface="Hoefler Text"/>
-              <a:cs typeface="Hoefler Text"/>
-            </a:endParaRPr>
-          </a:p>
-        </p:txBody>
-      </p:sp>
-      <p:sp>
-        <p:nvSpPr>
-          <p:cNvPr id="13" name="Rectangle 12"/>
-          <p:cNvSpPr/>
-          <p:nvPr/>
-        </p:nvSpPr>
-        <p:spPr>
-          <a:xfrm>
-            <a:off x="3974310" y="4914294"/>
-            <a:ext cx="5050878" cy="400110"/>
-          </a:xfrm>
-          <a:prstGeom prst="rect">
-            <a:avLst/>
-          </a:prstGeom>
-        </p:spPr>
-        <p:txBody>
-          <a:bodyPr wrap="square">
-            <a:spAutoFit/>
-          </a:bodyPr>
-          <a:lstStyle/>
-          <a:p>
-            <a:pPr algn="just"/>
-            <a:r>
-              <a:rPr lang="en-US" sz="2000" dirty="0" smtClean="0">
-                <a:solidFill>
-                  <a:srgbClr val="463A2D"/>
-                </a:solidFill>
-                <a:latin typeface="Hoefler Text"/>
-                <a:cs typeface="Hoefler Text"/>
-              </a:rPr>
-              <a:t>Beijing</a:t>
-            </a:r>
-            <a:r>
-              <a:rPr lang="en-US" sz="2000" dirty="0" smtClean="0">
-                <a:solidFill>
-                  <a:srgbClr val="FF8153"/>
-                </a:solidFill>
-                <a:latin typeface="Hoefler Text"/>
-                <a:cs typeface="Hoefler Text"/>
-              </a:rPr>
-              <a:t> legalizes </a:t>
-            </a:r>
-            <a:r>
-              <a:rPr lang="en-US" sz="2000" b="1" dirty="0" smtClean="0">
-                <a:solidFill>
-                  <a:srgbClr val="6AACA4"/>
-                </a:solidFill>
-                <a:latin typeface="Hoefler Text"/>
-                <a:cs typeface="Hoefler Text"/>
-              </a:rPr>
-              <a:t>Carpooling</a:t>
-            </a:r>
-            <a:endParaRPr lang="en-US" sz="2000" b="1" dirty="0">
-              <a:solidFill>
-                <a:srgbClr val="6AACA4"/>
-              </a:solidFill>
-              <a:latin typeface="Hoefler Text"/>
-              <a:cs typeface="Hoefler Text"/>
-            </a:endParaRPr>
-          </a:p>
-        </p:txBody>
-      </p:sp>
-      <p:sp>
-        <p:nvSpPr>
-          <p:cNvPr id="8" name="Rectangle 7"/>
-          <p:cNvSpPr/>
-          <p:nvPr/>
-        </p:nvSpPr>
-        <p:spPr>
-          <a:xfrm>
-            <a:off x="2404812" y="5479763"/>
-            <a:ext cx="6739188" cy="1323439"/>
-          </a:xfrm>
-          <a:prstGeom prst="rect">
-            <a:avLst/>
-          </a:prstGeom>
-        </p:spPr>
-        <p:txBody>
-          <a:bodyPr wrap="square">
-            <a:spAutoFit/>
-          </a:bodyPr>
-          <a:lstStyle/>
-          <a:p>
-            <a:pPr algn="just"/>
-            <a:r>
-              <a:rPr lang="en-US" sz="2000" dirty="0">
-                <a:solidFill>
-                  <a:srgbClr val="463A2D"/>
-                </a:solidFill>
-                <a:latin typeface="Hoefler Text"/>
-                <a:cs typeface="Hoefler Text"/>
-              </a:rPr>
-              <a:t>Passengers </a:t>
-            </a:r>
-            <a:r>
-              <a:rPr lang="en-US" sz="2000" dirty="0" smtClean="0">
-                <a:solidFill>
-                  <a:srgbClr val="463A2D"/>
-                </a:solidFill>
-                <a:latin typeface="Hoefler Text"/>
-                <a:cs typeface="Hoefler Text"/>
-              </a:rPr>
-              <a:t>can calculate </a:t>
-            </a:r>
-            <a:r>
-              <a:rPr lang="en-US" sz="2000" dirty="0">
-                <a:solidFill>
-                  <a:srgbClr val="463A2D"/>
-                </a:solidFill>
-                <a:latin typeface="Hoefler Text"/>
-                <a:cs typeface="Hoefler Text"/>
-              </a:rPr>
-              <a:t>the fee with reference to the taxi fee and </a:t>
-            </a:r>
-            <a:r>
-              <a:rPr lang="en-US" sz="2000" b="1" dirty="0">
-                <a:solidFill>
-                  <a:srgbClr val="463A2D"/>
-                </a:solidFill>
-                <a:latin typeface="Hoefler Text"/>
-                <a:cs typeface="Hoefler Text"/>
-              </a:rPr>
-              <a:t>divide</a:t>
-            </a:r>
-            <a:r>
-              <a:rPr lang="en-US" sz="2000" dirty="0">
-                <a:solidFill>
-                  <a:srgbClr val="463A2D"/>
-                </a:solidFill>
-                <a:latin typeface="Hoefler Text"/>
-                <a:cs typeface="Hoefler Text"/>
-              </a:rPr>
-              <a:t> it by the </a:t>
-            </a:r>
-            <a:r>
-              <a:rPr lang="en-US" sz="2000" b="1" dirty="0">
-                <a:solidFill>
-                  <a:srgbClr val="463A2D"/>
-                </a:solidFill>
-                <a:latin typeface="Hoefler Text"/>
-                <a:cs typeface="Hoefler Text"/>
-              </a:rPr>
-              <a:t>number of the passengers</a:t>
-            </a:r>
-            <a:r>
-              <a:rPr lang="en-US" sz="2000" dirty="0" smtClean="0">
-                <a:solidFill>
-                  <a:srgbClr val="463A2D"/>
-                </a:solidFill>
-                <a:latin typeface="Hoefler Text"/>
-                <a:cs typeface="Hoefler Text"/>
-              </a:rPr>
-              <a:t>.</a:t>
-            </a:r>
-          </a:p>
-          <a:p>
-            <a:pPr algn="just"/>
-            <a:endParaRPr lang="en-US" sz="2000" dirty="0">
-              <a:solidFill>
-                <a:srgbClr val="463A2D"/>
-              </a:solidFill>
-              <a:latin typeface="Hoefler Text"/>
-              <a:cs typeface="Hoefler Text"/>
-            </a:endParaRPr>
-          </a:p>
-          <a:p>
-            <a:pPr algn="just"/>
-            <a:r>
-              <a:rPr lang="en-US" sz="2000" b="1" dirty="0" smtClean="0">
-                <a:solidFill>
-                  <a:srgbClr val="FF8153"/>
-                </a:solidFill>
-                <a:latin typeface="Hoefler Text"/>
-                <a:cs typeface="Hoefler Text"/>
-              </a:rPr>
-              <a:t>GOAL</a:t>
-            </a:r>
-            <a:r>
-              <a:rPr lang="en-US" sz="2000" dirty="0" smtClean="0">
-                <a:solidFill>
-                  <a:srgbClr val="FF8153"/>
-                </a:solidFill>
-                <a:latin typeface="Hoefler Text"/>
-                <a:cs typeface="Hoefler Text"/>
-              </a:rPr>
-              <a:t> </a:t>
-            </a:r>
-            <a:r>
-              <a:rPr lang="en-US" sz="2000" dirty="0" smtClean="0">
-                <a:solidFill>
-                  <a:srgbClr val="463A2D"/>
-                </a:solidFill>
-                <a:latin typeface="Hoefler Text"/>
-                <a:cs typeface="Hoefler Text"/>
-              </a:rPr>
-              <a:t>:  </a:t>
-            </a:r>
-            <a:r>
-              <a:rPr lang="en-US" sz="2000" dirty="0">
-                <a:solidFill>
-                  <a:srgbClr val="463A2D"/>
-                </a:solidFill>
-                <a:latin typeface="Hoefler Text"/>
-                <a:cs typeface="Hoefler Text"/>
-              </a:rPr>
-              <a:t>ease traffic congestion and conserve </a:t>
-            </a:r>
-            <a:r>
-              <a:rPr lang="en-US" sz="2000" dirty="0" smtClean="0">
-                <a:solidFill>
-                  <a:srgbClr val="463A2D"/>
-                </a:solidFill>
-                <a:latin typeface="Hoefler Text"/>
-                <a:cs typeface="Hoefler Text"/>
-              </a:rPr>
-              <a:t>energy</a:t>
-            </a:r>
-            <a:endParaRPr lang="en-US" sz="2000" dirty="0">
-              <a:solidFill>
-                <a:srgbClr val="463A2D"/>
-              </a:solidFill>
-              <a:latin typeface="Hoefler Text"/>
-              <a:cs typeface="Hoefler Text"/>
-            </a:endParaRPr>
-          </a:p>
-        </p:txBody>
-      </p:sp>
-    </p:spTree>
-    <p:extLst>
-      <p:ext uri="{BB962C8B-B14F-4D97-AF65-F5344CB8AC3E}">
-        <p14:creationId xmlns:p14="http://schemas.microsoft.com/office/powerpoint/2010/main" val="4184969511"/>
-      </p:ext>
-    </p:extLst>
-  </p:cSld>
-  <p:clrMapOvr>
-    <a:masterClrMapping/>
-  </p:clrMapOvr>
-</p:sld>
-</file>
-
-<file path=ppt/slides/slide17.xml><?xml version="1.0" encoding="utf-8"?>
-<p:sld xmlns:a="http://schemas.openxmlformats.org/drawingml/2006/main" xmlns:r="http://schemas.openxmlformats.org/officeDocument/2006/relationships" xmlns:p="http://schemas.openxmlformats.org/presentationml/2006/main">
-  <p:cSld>
-    <p:spTree>
-      <p:nvGrpSpPr>
-        <p:cNvPr id="1" name=""/>
-        <p:cNvGrpSpPr/>
-        <p:nvPr/>
-      </p:nvGrpSpPr>
-      <p:grpSpPr>
-        <a:xfrm>
-          <a:off x="0" y="0"/>
-          <a:ext cx="0" cy="0"/>
-          <a:chOff x="0" y="0"/>
-          <a:chExt cx="0" cy="0"/>
-        </a:xfrm>
-      </p:grpSpPr>
-      <p:sp>
-        <p:nvSpPr>
-          <p:cNvPr id="5" name="Rectangle 4"/>
-          <p:cNvSpPr/>
-          <p:nvPr/>
-        </p:nvSpPr>
-        <p:spPr>
-          <a:xfrm>
-            <a:off x="0" y="264576"/>
-            <a:ext cx="9144000" cy="1077218"/>
-          </a:xfrm>
-          <a:prstGeom prst="rect">
-            <a:avLst/>
-          </a:prstGeom>
-        </p:spPr>
-        <p:txBody>
-          <a:bodyPr wrap="square" anchor="ctr">
-            <a:spAutoFit/>
-          </a:bodyPr>
-          <a:lstStyle/>
-          <a:p>
-            <a:pPr algn="ctr"/>
-            <a:r>
-              <a:rPr lang="en-US" sz="3200" dirty="0" smtClean="0">
-                <a:solidFill>
-                  <a:srgbClr val="F6F1E5"/>
-                </a:solidFill>
-                <a:latin typeface="Hoefler Text"/>
-                <a:cs typeface="Hoefler Text"/>
-              </a:rPr>
-              <a:t>MOTIVATIONS</a:t>
-            </a:r>
-          </a:p>
-          <a:p>
-            <a:pPr algn="ctr"/>
-            <a:endParaRPr lang="en-US" sz="3200" dirty="0">
-              <a:solidFill>
-                <a:srgbClr val="F6F1E5"/>
-              </a:solidFill>
-              <a:latin typeface="Hoefler Text"/>
-              <a:cs typeface="Hoefler Text"/>
-            </a:endParaRPr>
-          </a:p>
-        </p:txBody>
-      </p:sp>
-      <p:pic>
-        <p:nvPicPr>
-          <p:cNvPr id="10" name="Picture 9"/>
-          <p:cNvPicPr>
-            <a:picLocks noChangeAspect="1"/>
-          </p:cNvPicPr>
-          <p:nvPr/>
-        </p:nvPicPr>
-        <p:blipFill>
-          <a:blip r:embed="rId2"/>
-          <a:stretch>
-            <a:fillRect/>
-          </a:stretch>
-        </p:blipFill>
-        <p:spPr>
-          <a:xfrm>
-            <a:off x="-234683" y="1"/>
-            <a:ext cx="9621994" cy="952596"/>
-          </a:xfrm>
-          <a:prstGeom prst="rect">
-            <a:avLst/>
-          </a:prstGeom>
-        </p:spPr>
-      </p:pic>
-      <p:sp>
-        <p:nvSpPr>
-          <p:cNvPr id="11" name="Rectangle 10"/>
-          <p:cNvSpPr/>
-          <p:nvPr/>
-        </p:nvSpPr>
-        <p:spPr>
-          <a:xfrm>
-            <a:off x="0" y="154662"/>
-            <a:ext cx="9144000" cy="1077218"/>
-          </a:xfrm>
-          <a:prstGeom prst="rect">
-            <a:avLst/>
-          </a:prstGeom>
-        </p:spPr>
-        <p:txBody>
-          <a:bodyPr wrap="square" anchor="ctr">
-            <a:spAutoFit/>
-          </a:bodyPr>
-          <a:lstStyle/>
-          <a:p>
-            <a:pPr algn="ctr"/>
-            <a:r>
-              <a:rPr lang="en-US" sz="3200" dirty="0" smtClean="0">
-                <a:solidFill>
-                  <a:srgbClr val="F6F1E5"/>
-                </a:solidFill>
-                <a:latin typeface="Hoefler Text"/>
-                <a:cs typeface="Hoefler Text"/>
-              </a:rPr>
-              <a:t>Law &amp; Social Policy</a:t>
-            </a:r>
-          </a:p>
-          <a:p>
-            <a:pPr algn="ctr"/>
-            <a:endParaRPr lang="en-US" sz="3200" dirty="0">
-              <a:solidFill>
-                <a:srgbClr val="F6F1E5"/>
-              </a:solidFill>
-              <a:latin typeface="Hoefler Text"/>
-              <a:cs typeface="Hoefler Text"/>
-            </a:endParaRPr>
-          </a:p>
-        </p:txBody>
-      </p:sp>
-      <p:pic>
-        <p:nvPicPr>
           <p:cNvPr id="7" name="Picture 6"/>
           <p:cNvPicPr>
             <a:picLocks noChangeAspect="1"/>
@@ -5624,10 +5350,17 @@
   <p:clrMapOvr>
     <a:masterClrMapping/>
   </p:clrMapOvr>
+  <p:timing>
+    <p:tnLst>
+      <p:par>
+        <p:cTn id="1" dur="indefinite" restart="never" nodeType="tmRoot"/>
+      </p:par>
+    </p:tnLst>
+  </p:timing>
 </p:sld>
 </file>
 
-<file path=ppt/slides/slide18.xml><?xml version="1.0" encoding="utf-8"?>
+<file path=ppt/slides/slide17.xml><?xml version="1.0" encoding="utf-8"?>
 <p:sld xmlns:a="http://schemas.openxmlformats.org/drawingml/2006/main" xmlns:r="http://schemas.openxmlformats.org/officeDocument/2006/relationships" xmlns:p="http://schemas.openxmlformats.org/presentationml/2006/main">
   <p:cSld>
     <p:bg>
@@ -5710,6 +5443,450 @@
   <p:clrMapOvr>
     <a:masterClrMapping/>
   </p:clrMapOvr>
+  <p:timing>
+    <p:tnLst>
+      <p:par>
+        <p:cTn id="1" dur="indefinite" restart="never" nodeType="tmRoot"/>
+      </p:par>
+    </p:tnLst>
+  </p:timing>
+</p:sld>
+</file>
+
+<file path=ppt/slides/slide18.xml><?xml version="1.0" encoding="utf-8"?>
+<p:sld xmlns:a="http://schemas.openxmlformats.org/drawingml/2006/main" xmlns:r="http://schemas.openxmlformats.org/officeDocument/2006/relationships" xmlns:p="http://schemas.openxmlformats.org/presentationml/2006/main">
+  <p:cSld>
+    <p:spTree>
+      <p:nvGrpSpPr>
+        <p:cNvPr id="1" name=""/>
+        <p:cNvGrpSpPr/>
+        <p:nvPr/>
+      </p:nvGrpSpPr>
+      <p:grpSpPr>
+        <a:xfrm>
+          <a:off x="0" y="0"/>
+          <a:ext cx="0" cy="0"/>
+          <a:chOff x="0" y="0"/>
+          <a:chExt cx="0" cy="0"/>
+        </a:xfrm>
+      </p:grpSpPr>
+      <p:sp>
+        <p:nvSpPr>
+          <p:cNvPr id="5" name="Rectangle 4"/>
+          <p:cNvSpPr/>
+          <p:nvPr/>
+        </p:nvSpPr>
+        <p:spPr>
+          <a:xfrm>
+            <a:off x="0" y="264576"/>
+            <a:ext cx="9144000" cy="1077218"/>
+          </a:xfrm>
+          <a:prstGeom prst="rect">
+            <a:avLst/>
+          </a:prstGeom>
+        </p:spPr>
+        <p:txBody>
+          <a:bodyPr wrap="square" anchor="ctr">
+            <a:spAutoFit/>
+          </a:bodyPr>
+          <a:lstStyle/>
+          <a:p>
+            <a:pPr algn="ctr"/>
+            <a:r>
+              <a:rPr lang="en-US" sz="3200" dirty="0" smtClean="0">
+                <a:solidFill>
+                  <a:srgbClr val="F6F1E5"/>
+                </a:solidFill>
+                <a:latin typeface="Hoefler Text"/>
+                <a:cs typeface="Hoefler Text"/>
+              </a:rPr>
+              <a:t>MOTIVATIONS</a:t>
+            </a:r>
+          </a:p>
+          <a:p>
+            <a:pPr algn="ctr"/>
+            <a:endParaRPr lang="en-US" sz="3200" dirty="0">
+              <a:solidFill>
+                <a:srgbClr val="F6F1E5"/>
+              </a:solidFill>
+              <a:latin typeface="Hoefler Text"/>
+              <a:cs typeface="Hoefler Text"/>
+            </a:endParaRPr>
+          </a:p>
+        </p:txBody>
+      </p:sp>
+      <p:pic>
+        <p:nvPicPr>
+          <p:cNvPr id="10" name="Picture 9"/>
+          <p:cNvPicPr>
+            <a:picLocks noChangeAspect="1"/>
+          </p:cNvPicPr>
+          <p:nvPr/>
+        </p:nvPicPr>
+        <p:blipFill>
+          <a:blip r:embed="rId2"/>
+          <a:stretch>
+            <a:fillRect/>
+          </a:stretch>
+        </p:blipFill>
+        <p:spPr>
+          <a:xfrm>
+            <a:off x="-234683" y="1"/>
+            <a:ext cx="9621994" cy="952596"/>
+          </a:xfrm>
+          <a:prstGeom prst="rect">
+            <a:avLst/>
+          </a:prstGeom>
+        </p:spPr>
+      </p:pic>
+      <p:sp>
+        <p:nvSpPr>
+          <p:cNvPr id="11" name="Rectangle 10"/>
+          <p:cNvSpPr/>
+          <p:nvPr/>
+        </p:nvSpPr>
+        <p:spPr>
+          <a:xfrm>
+            <a:off x="0" y="154662"/>
+            <a:ext cx="9144000" cy="1077218"/>
+          </a:xfrm>
+          <a:prstGeom prst="rect">
+            <a:avLst/>
+          </a:prstGeom>
+        </p:spPr>
+        <p:txBody>
+          <a:bodyPr wrap="square" anchor="ctr">
+            <a:spAutoFit/>
+          </a:bodyPr>
+          <a:lstStyle/>
+          <a:p>
+            <a:pPr algn="ctr"/>
+            <a:r>
+              <a:rPr lang="en-US" sz="3200" dirty="0" smtClean="0">
+                <a:solidFill>
+                  <a:srgbClr val="F6F1E5"/>
+                </a:solidFill>
+                <a:latin typeface="Hoefler Text"/>
+                <a:cs typeface="Hoefler Text"/>
+              </a:rPr>
+              <a:t>Social Awareness</a:t>
+            </a:r>
+          </a:p>
+          <a:p>
+            <a:pPr algn="ctr"/>
+            <a:endParaRPr lang="en-US" sz="3200" dirty="0">
+              <a:solidFill>
+                <a:srgbClr val="F6F1E5"/>
+              </a:solidFill>
+              <a:latin typeface="Hoefler Text"/>
+              <a:cs typeface="Hoefler Text"/>
+            </a:endParaRPr>
+          </a:p>
+        </p:txBody>
+      </p:sp>
+      <p:pic>
+        <p:nvPicPr>
+          <p:cNvPr id="2" name="Picture 1"/>
+          <p:cNvPicPr>
+            <a:picLocks noChangeAspect="1"/>
+          </p:cNvPicPr>
+          <p:nvPr/>
+        </p:nvPicPr>
+        <p:blipFill>
+          <a:blip r:embed="rId3"/>
+          <a:stretch>
+            <a:fillRect/>
+          </a:stretch>
+        </p:blipFill>
+        <p:spPr>
+          <a:xfrm>
+            <a:off x="776148" y="965200"/>
+            <a:ext cx="3940277" cy="1432118"/>
+          </a:xfrm>
+          <a:prstGeom prst="rect">
+            <a:avLst/>
+          </a:prstGeom>
+        </p:spPr>
+      </p:pic>
+      <p:pic>
+        <p:nvPicPr>
+          <p:cNvPr id="3" name="Picture 2"/>
+          <p:cNvPicPr>
+            <a:picLocks noChangeAspect="1"/>
+          </p:cNvPicPr>
+          <p:nvPr/>
+        </p:nvPicPr>
+        <p:blipFill>
+          <a:blip r:embed="rId4"/>
+          <a:stretch>
+            <a:fillRect/>
+          </a:stretch>
+        </p:blipFill>
+        <p:spPr>
+          <a:xfrm>
+            <a:off x="4698786" y="974083"/>
+            <a:ext cx="3715370" cy="1431017"/>
+          </a:xfrm>
+          <a:prstGeom prst="rect">
+            <a:avLst/>
+          </a:prstGeom>
+        </p:spPr>
+      </p:pic>
+      <p:pic>
+        <p:nvPicPr>
+          <p:cNvPr id="4" name="Picture 3"/>
+          <p:cNvPicPr>
+            <a:picLocks noChangeAspect="1"/>
+          </p:cNvPicPr>
+          <p:nvPr/>
+        </p:nvPicPr>
+        <p:blipFill>
+          <a:blip r:embed="rId5"/>
+          <a:stretch>
+            <a:fillRect/>
+          </a:stretch>
+        </p:blipFill>
+        <p:spPr>
+          <a:xfrm>
+            <a:off x="1794276" y="2681459"/>
+            <a:ext cx="1114617" cy="1168725"/>
+          </a:xfrm>
+          <a:prstGeom prst="rect">
+            <a:avLst/>
+          </a:prstGeom>
+        </p:spPr>
+      </p:pic>
+      <p:sp>
+        <p:nvSpPr>
+          <p:cNvPr id="6" name="Rectangle 5"/>
+          <p:cNvSpPr/>
+          <p:nvPr/>
+        </p:nvSpPr>
+        <p:spPr>
+          <a:xfrm>
+            <a:off x="144426" y="4287795"/>
+            <a:ext cx="4572000" cy="1246495"/>
+          </a:xfrm>
+          <a:prstGeom prst="rect">
+            <a:avLst/>
+          </a:prstGeom>
+        </p:spPr>
+        <p:txBody>
+          <a:bodyPr>
+            <a:spAutoFit/>
+          </a:bodyPr>
+          <a:lstStyle/>
+          <a:p>
+            <a:pPr algn="ctr"/>
+            <a:r>
+              <a:rPr lang="en-US" sz="2500" dirty="0">
+                <a:solidFill>
+                  <a:srgbClr val="463A2D"/>
+                </a:solidFill>
+                <a:latin typeface="Hoefler Text"/>
+                <a:cs typeface="Hoefler Text"/>
+              </a:rPr>
+              <a:t>Sharing vehicle </a:t>
+            </a:r>
+            <a:r>
+              <a:rPr lang="en-US" sz="2500" dirty="0" smtClean="0">
+                <a:solidFill>
+                  <a:srgbClr val="463A2D"/>
+                </a:solidFill>
+                <a:latin typeface="Hoefler Text"/>
+                <a:cs typeface="Hoefler Text"/>
+              </a:rPr>
+              <a:t>expenses</a:t>
+            </a:r>
+          </a:p>
+          <a:p>
+            <a:pPr algn="ctr"/>
+            <a:endParaRPr lang="en-US" sz="2500" dirty="0">
+              <a:solidFill>
+                <a:srgbClr val="463A2D"/>
+              </a:solidFill>
+              <a:latin typeface="Hoefler Text"/>
+              <a:cs typeface="Hoefler Text"/>
+            </a:endParaRPr>
+          </a:p>
+          <a:p>
+            <a:pPr algn="ctr"/>
+            <a:r>
+              <a:rPr lang="en-US" sz="2500" dirty="0">
+                <a:solidFill>
+                  <a:srgbClr val="463A2D"/>
+                </a:solidFill>
+                <a:latin typeface="Hoefler Text"/>
+                <a:cs typeface="Hoefler Text"/>
+              </a:rPr>
+              <a:t>Access to HOV lanes</a:t>
+            </a:r>
+          </a:p>
+        </p:txBody>
+      </p:sp>
+      <p:pic>
+        <p:nvPicPr>
+          <p:cNvPr id="7" name="Picture 6"/>
+          <p:cNvPicPr>
+            <a:picLocks noChangeAspect="1"/>
+          </p:cNvPicPr>
+          <p:nvPr/>
+        </p:nvPicPr>
+        <p:blipFill>
+          <a:blip r:embed="rId6"/>
+          <a:stretch>
+            <a:fillRect/>
+          </a:stretch>
+        </p:blipFill>
+        <p:spPr>
+          <a:xfrm>
+            <a:off x="6645205" y="2681459"/>
+            <a:ext cx="1114618" cy="1168726"/>
+          </a:xfrm>
+          <a:prstGeom prst="rect">
+            <a:avLst/>
+          </a:prstGeom>
+        </p:spPr>
+      </p:pic>
+      <p:sp>
+        <p:nvSpPr>
+          <p:cNvPr id="12" name="Rectangle 11"/>
+          <p:cNvSpPr/>
+          <p:nvPr/>
+        </p:nvSpPr>
+        <p:spPr>
+          <a:xfrm>
+            <a:off x="4572000" y="4287795"/>
+            <a:ext cx="4572000" cy="2400657"/>
+          </a:xfrm>
+          <a:prstGeom prst="rect">
+            <a:avLst/>
+          </a:prstGeom>
+        </p:spPr>
+        <p:txBody>
+          <a:bodyPr>
+            <a:spAutoFit/>
+          </a:bodyPr>
+          <a:lstStyle/>
+          <a:p>
+            <a:pPr algn="ctr"/>
+            <a:r>
+              <a:rPr lang="en-US" sz="2500" dirty="0" smtClean="0">
+                <a:solidFill>
+                  <a:srgbClr val="463A2D"/>
+                </a:solidFill>
+                <a:latin typeface="Hoefler Text"/>
+                <a:cs typeface="Hoefler Text"/>
+              </a:rPr>
+              <a:t>Difficult to find someone with the same location &amp; schedule</a:t>
+            </a:r>
+          </a:p>
+          <a:p>
+            <a:pPr algn="ctr"/>
+            <a:endParaRPr lang="en-US" sz="2500" dirty="0">
+              <a:solidFill>
+                <a:srgbClr val="463A2D"/>
+              </a:solidFill>
+              <a:latin typeface="Hoefler Text"/>
+              <a:cs typeface="Hoefler Text"/>
+            </a:endParaRPr>
+          </a:p>
+          <a:p>
+            <a:pPr algn="ctr"/>
+            <a:r>
+              <a:rPr lang="en-US" sz="2500" dirty="0" smtClean="0">
+                <a:solidFill>
+                  <a:srgbClr val="463A2D"/>
+                </a:solidFill>
+                <a:latin typeface="Hoefler Text"/>
+                <a:cs typeface="Hoefler Text"/>
+              </a:rPr>
+              <a:t>Prefer flexibility to drive alone</a:t>
+            </a:r>
+          </a:p>
+          <a:p>
+            <a:pPr algn="ctr"/>
+            <a:endParaRPr lang="en-US" sz="2500" dirty="0">
+              <a:solidFill>
+                <a:srgbClr val="463A2D"/>
+              </a:solidFill>
+              <a:latin typeface="Hoefler Text"/>
+              <a:cs typeface="Hoefler Text"/>
+            </a:endParaRPr>
+          </a:p>
+          <a:p>
+            <a:pPr algn="ctr"/>
+            <a:r>
+              <a:rPr lang="en-US" sz="2500" dirty="0" smtClean="0">
+                <a:solidFill>
+                  <a:srgbClr val="463A2D"/>
+                </a:solidFill>
+                <a:latin typeface="Hoefler Text"/>
+                <a:cs typeface="Hoefler Text"/>
+              </a:rPr>
+              <a:t>Need a vehicle during the day</a:t>
+            </a:r>
+            <a:endParaRPr lang="en-US" sz="2500" dirty="0">
+              <a:solidFill>
+                <a:srgbClr val="463A2D"/>
+              </a:solidFill>
+              <a:latin typeface="Hoefler Text"/>
+              <a:cs typeface="Hoefler Text"/>
+            </a:endParaRPr>
+          </a:p>
+        </p:txBody>
+      </p:sp>
+      <p:sp>
+        <p:nvSpPr>
+          <p:cNvPr id="9" name="Rectangle 8"/>
+          <p:cNvSpPr/>
+          <p:nvPr/>
+        </p:nvSpPr>
+        <p:spPr>
+          <a:xfrm>
+            <a:off x="0" y="6396335"/>
+            <a:ext cx="3870269" cy="461665"/>
+          </a:xfrm>
+          <a:prstGeom prst="rect">
+            <a:avLst/>
+          </a:prstGeom>
+        </p:spPr>
+        <p:txBody>
+          <a:bodyPr wrap="square">
+            <a:spAutoFit/>
+          </a:bodyPr>
+          <a:lstStyle/>
+          <a:p>
+            <a:r>
+              <a:rPr lang="en-US" sz="1200" i="1" dirty="0">
+                <a:solidFill>
+                  <a:srgbClr val="463A2D"/>
+                </a:solidFill>
+                <a:latin typeface="Hoefler Text"/>
+                <a:cs typeface="Hoefler Text"/>
+              </a:rPr>
+              <a:t>Source : Who Chooses to Carpool and Why? Examination of Texas Carpoolers. Transportation Research Record, 2007</a:t>
+            </a:r>
+          </a:p>
+        </p:txBody>
+      </p:sp>
+    </p:spTree>
+    <p:extLst>
+      <p:ext uri="{BB962C8B-B14F-4D97-AF65-F5344CB8AC3E}">
+        <p14:creationId xmlns:p14="http://schemas.microsoft.com/office/powerpoint/2010/main" val="1904089672"/>
+      </p:ext>
+    </p:extLst>
+  </p:cSld>
+  <p:clrMapOvr>
+    <a:masterClrMapping/>
+  </p:clrMapOvr>
+  <p:timing>
+    <p:tnLst>
+      <p:par>
+        <p:cTn id="1" dur="indefinite" restart="never" nodeType="tmRoot"/>
+      </p:par>
+    </p:tnLst>
+  </p:timing>
 </p:sld>
 </file>
 
@@ -5860,72 +6037,24 @@
         </p:blipFill>
         <p:spPr>
           <a:xfrm>
-            <a:off x="776148" y="965200"/>
-            <a:ext cx="3940277" cy="1432118"/>
+            <a:off x="146050" y="1714500"/>
+            <a:ext cx="4279900" cy="3416300"/>
           </a:xfrm>
           <a:prstGeom prst="rect">
             <a:avLst/>
           </a:prstGeom>
         </p:spPr>
       </p:pic>
-      <p:pic>
-        <p:nvPicPr>
-          <p:cNvPr id="3" name="Picture 2"/>
-          <p:cNvPicPr>
-            <a:picLocks noChangeAspect="1"/>
-          </p:cNvPicPr>
-          <p:nvPr/>
-        </p:nvPicPr>
-        <p:blipFill>
-          <a:blip r:embed="rId4"/>
-          <a:stretch>
-            <a:fillRect/>
-          </a:stretch>
-        </p:blipFill>
-        <p:spPr>
-          <a:xfrm>
-            <a:off x="4698786" y="974083"/>
-            <a:ext cx="3715370" cy="1431017"/>
-          </a:xfrm>
-          <a:prstGeom prst="rect">
-            <a:avLst/>
-          </a:prstGeom>
-        </p:spPr>
-      </p:pic>
-      <p:pic>
-        <p:nvPicPr>
-          <p:cNvPr id="4" name="Picture 3"/>
-          <p:cNvPicPr>
-            <a:picLocks noChangeAspect="1"/>
-          </p:cNvPicPr>
-          <p:nvPr/>
-        </p:nvPicPr>
-        <p:blipFill>
-          <a:blip r:embed="rId5"/>
-          <a:stretch>
-            <a:fillRect/>
-          </a:stretch>
-        </p:blipFill>
-        <p:spPr>
-          <a:xfrm>
-            <a:off x="1794276" y="2681459"/>
-            <a:ext cx="1114617" cy="1168725"/>
-          </a:xfrm>
-          <a:prstGeom prst="rect">
-            <a:avLst/>
-          </a:prstGeom>
-        </p:spPr>
-      </p:pic>
-      <p:sp>
-        <p:nvSpPr>
-          <p:cNvPr id="6" name="Rectangle 5"/>
+      <p:sp>
+        <p:nvSpPr>
+          <p:cNvPr id="3" name="Rectangle 2"/>
           <p:cNvSpPr/>
           <p:nvPr/>
         </p:nvSpPr>
         <p:spPr>
           <a:xfrm>
-            <a:off x="144426" y="4287795"/>
-            <a:ext cx="4572000" cy="1246495"/>
+            <a:off x="4501440" y="2523677"/>
+            <a:ext cx="4572000" cy="1477328"/>
           </a:xfrm>
           <a:prstGeom prst="rect">
             <a:avLst/>
@@ -5939,207 +6068,88 @@
           <a:p>
             <a:pPr algn="ctr"/>
             <a:r>
-              <a:rPr lang="en-US" sz="2500" dirty="0">
+              <a:rPr lang="en-US" sz="3000" b="1" dirty="0">
                 <a:solidFill>
                   <a:srgbClr val="463A2D"/>
                 </a:solidFill>
                 <a:latin typeface="Hoefler Text"/>
                 <a:cs typeface="Hoefler Text"/>
               </a:rPr>
-              <a:t>Sharing vehicle </a:t>
-            </a:r>
-            <a:r>
-              <a:rPr lang="en-US" sz="2500" dirty="0" smtClean="0">
+              <a:t>Carpooling </a:t>
+            </a:r>
+            <a:r>
+              <a:rPr lang="en-US" sz="3000" b="1" dirty="0" smtClean="0">
+                <a:solidFill>
+                  <a:srgbClr val="FF8153"/>
+                </a:solidFill>
+                <a:latin typeface="Hoefler Text"/>
+                <a:cs typeface="Hoefler Text"/>
+              </a:rPr>
+              <a:t>Declines</a:t>
+            </a:r>
+          </a:p>
+          <a:p>
+            <a:pPr algn="ctr"/>
+            <a:r>
+              <a:rPr lang="en-US" sz="3000" b="1" dirty="0" smtClean="0">
                 <a:solidFill>
                   <a:srgbClr val="463A2D"/>
                 </a:solidFill>
                 <a:latin typeface="Hoefler Text"/>
                 <a:cs typeface="Hoefler Text"/>
               </a:rPr>
-              <a:t>expenses</a:t>
+              <a:t>As Driving</a:t>
             </a:r>
           </a:p>
           <a:p>
             <a:pPr algn="ctr"/>
-            <a:endParaRPr lang="en-US" sz="2500" dirty="0">
+            <a:r>
+              <a:rPr lang="en-US" sz="3000" b="1" dirty="0" smtClean="0">
+                <a:solidFill>
+                  <a:srgbClr val="463A2D"/>
+                </a:solidFill>
+                <a:latin typeface="Hoefler Text"/>
+                <a:cs typeface="Hoefler Text"/>
+              </a:rPr>
+              <a:t>Becomes </a:t>
+            </a:r>
+            <a:r>
+              <a:rPr lang="en-US" sz="3000" b="1" dirty="0">
+                <a:solidFill>
+                  <a:srgbClr val="6AACA4"/>
+                </a:solidFill>
+                <a:latin typeface="Hoefler Text"/>
+                <a:cs typeface="Hoefler Text"/>
+              </a:rPr>
+              <a:t>Cheaper</a:t>
+            </a:r>
+            <a:endParaRPr lang="en-US" sz="3000" dirty="0">
               <a:solidFill>
-                <a:srgbClr val="463A2D"/>
+                <a:srgbClr val="6AACA4"/>
               </a:solidFill>
               <a:latin typeface="Hoefler Text"/>
               <a:cs typeface="Hoefler Text"/>
             </a:endParaRPr>
           </a:p>
-          <a:p>
-            <a:pPr algn="ctr"/>
-            <a:r>
-              <a:rPr lang="en-US" sz="2500" dirty="0">
-                <a:solidFill>
-                  <a:srgbClr val="463A2D"/>
-                </a:solidFill>
-                <a:latin typeface="Hoefler Text"/>
-                <a:cs typeface="Hoefler Text"/>
-              </a:rPr>
-              <a:t>Access to HOV lanes</a:t>
-            </a:r>
-          </a:p>
-        </p:txBody>
-      </p:sp>
-      <p:pic>
-        <p:nvPicPr>
-          <p:cNvPr id="7" name="Picture 6"/>
-          <p:cNvPicPr>
-            <a:picLocks noChangeAspect="1"/>
-          </p:cNvPicPr>
-          <p:nvPr/>
-        </p:nvPicPr>
-        <p:blipFill>
-          <a:blip r:embed="rId6"/>
-          <a:stretch>
-            <a:fillRect/>
-          </a:stretch>
-        </p:blipFill>
-        <p:spPr>
-          <a:xfrm>
-            <a:off x="6645205" y="2681459"/>
-            <a:ext cx="1114618" cy="1168726"/>
-          </a:xfrm>
-          <a:prstGeom prst="rect">
-            <a:avLst/>
-          </a:prstGeom>
-        </p:spPr>
-      </p:pic>
-      <p:sp>
-        <p:nvSpPr>
-          <p:cNvPr id="12" name="Rectangle 11"/>
-          <p:cNvSpPr/>
-          <p:nvPr/>
-        </p:nvSpPr>
-        <p:spPr>
-          <a:xfrm>
-            <a:off x="4572000" y="4287795"/>
-            <a:ext cx="4572000" cy="2400657"/>
-          </a:xfrm>
-          <a:prstGeom prst="rect">
-            <a:avLst/>
-          </a:prstGeom>
-        </p:spPr>
-        <p:txBody>
-          <a:bodyPr>
-            <a:spAutoFit/>
-          </a:bodyPr>
-          <a:lstStyle/>
-          <a:p>
-            <a:pPr algn="ctr"/>
-            <a:r>
-              <a:rPr lang="en-US" sz="2500" dirty="0" smtClean="0">
-                <a:solidFill>
-                  <a:srgbClr val="463A2D"/>
-                </a:solidFill>
-                <a:latin typeface="Hoefler Text"/>
-                <a:cs typeface="Hoefler Text"/>
-              </a:rPr>
-              <a:t>Difficult to find someone with the same location &amp; schedule</a:t>
-            </a:r>
-          </a:p>
-          <a:p>
-            <a:pPr algn="ctr"/>
-            <a:endParaRPr lang="en-US" sz="2500" dirty="0">
-              <a:solidFill>
-                <a:srgbClr val="463A2D"/>
-              </a:solidFill>
-              <a:latin typeface="Hoefler Text"/>
-              <a:cs typeface="Hoefler Text"/>
-            </a:endParaRPr>
-          </a:p>
-          <a:p>
-            <a:pPr algn="ctr"/>
-            <a:r>
-              <a:rPr lang="en-US" sz="2500" dirty="0" smtClean="0">
-                <a:solidFill>
-                  <a:srgbClr val="463A2D"/>
-                </a:solidFill>
-                <a:latin typeface="Hoefler Text"/>
-                <a:cs typeface="Hoefler Text"/>
-              </a:rPr>
-              <a:t>Prefer flexibility to drive alone</a:t>
-            </a:r>
-          </a:p>
-          <a:p>
-            <a:pPr algn="ctr"/>
-            <a:endParaRPr lang="en-US" sz="2500" dirty="0">
-              <a:solidFill>
-                <a:srgbClr val="463A2D"/>
-              </a:solidFill>
-              <a:latin typeface="Hoefler Text"/>
-              <a:cs typeface="Hoefler Text"/>
-            </a:endParaRPr>
-          </a:p>
-          <a:p>
-            <a:pPr algn="ctr"/>
-            <a:r>
-              <a:rPr lang="en-US" sz="2500" dirty="0" smtClean="0">
-                <a:solidFill>
-                  <a:srgbClr val="463A2D"/>
-                </a:solidFill>
-                <a:latin typeface="Hoefler Text"/>
-                <a:cs typeface="Hoefler Text"/>
-              </a:rPr>
-              <a:t>Need a vehicle during the day</a:t>
-            </a:r>
-            <a:endParaRPr lang="en-US" sz="2500" dirty="0">
-              <a:solidFill>
-                <a:srgbClr val="463A2D"/>
-              </a:solidFill>
-              <a:latin typeface="Hoefler Text"/>
-              <a:cs typeface="Hoefler Text"/>
-            </a:endParaRPr>
-          </a:p>
-        </p:txBody>
-      </p:sp>
-      <p:sp>
-        <p:nvSpPr>
-          <p:cNvPr id="9" name="Rectangle 8"/>
-          <p:cNvSpPr/>
-          <p:nvPr/>
-        </p:nvSpPr>
-        <p:spPr>
-          <a:xfrm>
-            <a:off x="0" y="6396335"/>
-            <a:ext cx="3870269" cy="461665"/>
-          </a:xfrm>
-          <a:prstGeom prst="rect">
-            <a:avLst/>
-          </a:prstGeom>
-        </p:spPr>
-        <p:txBody>
-          <a:bodyPr wrap="square">
-            <a:spAutoFit/>
-          </a:bodyPr>
-          <a:lstStyle/>
-          <a:p>
-            <a:r>
-              <a:rPr lang="en-US" sz="1200" i="1" dirty="0">
-                <a:solidFill>
-                  <a:srgbClr val="463A2D"/>
-                </a:solidFill>
-                <a:latin typeface="Hoefler Text"/>
-                <a:cs typeface="Hoefler Text"/>
-              </a:rPr>
-              <a:t>Source : Who Chooses to Carpool and Why? Examination of Texas Carpoolers. Transportation Research Record, 2007</a:t>
-            </a:r>
-          </a:p>
         </p:txBody>
       </p:sp>
     </p:spTree>
     <p:extLst>
       <p:ext uri="{BB962C8B-B14F-4D97-AF65-F5344CB8AC3E}">
-        <p14:creationId xmlns:p14="http://schemas.microsoft.com/office/powerpoint/2010/main" val="1904089672"/>
+        <p14:creationId xmlns:p14="http://schemas.microsoft.com/office/powerpoint/2010/main" val="1807403535"/>
       </p:ext>
     </p:extLst>
   </p:cSld>
   <p:clrMapOvr>
     <a:masterClrMapping/>
   </p:clrMapOvr>
+  <p:timing>
+    <p:tnLst>
+      <p:par>
+        <p:cTn id="1" dur="indefinite" restart="never" nodeType="tmRoot"/>
+      </p:par>
+    </p:tnLst>
+  </p:timing>
 </p:sld>
 </file>
 
@@ -6288,7 +6298,7 @@
   <p:timing>
     <p:tnLst>
       <p:par>
-        <p:cTn xmlns:p14="http://schemas.microsoft.com/office/powerpoint/2010/main" id="1" dur="indefinite" restart="never" nodeType="tmRoot"/>
+        <p:cTn id="1" dur="indefinite" restart="never" nodeType="tmRoot"/>
       </p:par>
     </p:tnLst>
   </p:timing>
@@ -6312,6 +6322,54 @@
           <a:chExt cx="0" cy="0"/>
         </a:xfrm>
       </p:grpSpPr>
+      <p:pic>
+        <p:nvPicPr>
+          <p:cNvPr id="7" name="Picture 6"/>
+          <p:cNvPicPr>
+            <a:picLocks noChangeAspect="1"/>
+          </p:cNvPicPr>
+          <p:nvPr/>
+        </p:nvPicPr>
+        <p:blipFill>
+          <a:blip r:embed="rId2"/>
+          <a:stretch>
+            <a:fillRect/>
+          </a:stretch>
+        </p:blipFill>
+        <p:spPr>
+          <a:xfrm>
+            <a:off x="3510172" y="2832862"/>
+            <a:ext cx="2437327" cy="2416495"/>
+          </a:xfrm>
+          <a:prstGeom prst="rect">
+            <a:avLst/>
+          </a:prstGeom>
+        </p:spPr>
+      </p:pic>
+      <p:pic>
+        <p:nvPicPr>
+          <p:cNvPr id="6" name="Picture 5"/>
+          <p:cNvPicPr>
+            <a:picLocks noChangeAspect="1"/>
+          </p:cNvPicPr>
+          <p:nvPr/>
+        </p:nvPicPr>
+        <p:blipFill>
+          <a:blip r:embed="rId3"/>
+          <a:stretch>
+            <a:fillRect/>
+          </a:stretch>
+        </p:blipFill>
+        <p:spPr>
+          <a:xfrm>
+            <a:off x="51450" y="1025935"/>
+            <a:ext cx="3908363" cy="2531553"/>
+          </a:xfrm>
+          <a:prstGeom prst="rect">
+            <a:avLst/>
+          </a:prstGeom>
+        </p:spPr>
+      </p:pic>
       <p:sp>
         <p:nvSpPr>
           <p:cNvPr id="5" name="Rectangle 4"/>
@@ -6366,7 +6424,7 @@
           <p:nvPr/>
         </p:nvPicPr>
         <p:blipFill>
-          <a:blip r:embed="rId2"/>
+          <a:blip r:embed="rId4"/>
           <a:stretch>
             <a:fillRect/>
           </a:stretch>
@@ -6426,128 +6484,116 @@
           </a:p>
         </p:txBody>
       </p:sp>
-      <p:pic>
-        <p:nvPicPr>
-          <p:cNvPr id="2" name="Picture 1"/>
-          <p:cNvPicPr>
-            <a:picLocks noChangeAspect="1"/>
-          </p:cNvPicPr>
-          <p:nvPr/>
-        </p:nvPicPr>
-        <p:blipFill>
-          <a:blip r:embed="rId3"/>
-          <a:stretch>
-            <a:fillRect/>
-          </a:stretch>
-        </p:blipFill>
-        <p:spPr>
-          <a:xfrm>
-            <a:off x="146050" y="1714500"/>
-            <a:ext cx="4279900" cy="3416300"/>
-          </a:xfrm>
-          <a:prstGeom prst="rect">
-            <a:avLst/>
-          </a:prstGeom>
-        </p:spPr>
-      </p:pic>
-      <p:sp>
-        <p:nvSpPr>
-          <p:cNvPr id="3" name="Rectangle 2"/>
+      <p:sp>
+        <p:nvSpPr>
+          <p:cNvPr id="8" name="Rectangle 7"/>
           <p:cNvSpPr/>
           <p:nvPr/>
         </p:nvSpPr>
         <p:spPr>
           <a:xfrm>
-            <a:off x="4501440" y="2523677"/>
-            <a:ext cx="4572000" cy="1477328"/>
-          </a:xfrm>
-          <a:prstGeom prst="rect">
-            <a:avLst/>
-          </a:prstGeom>
-        </p:spPr>
-        <p:txBody>
-          <a:bodyPr>
+            <a:off x="5947499" y="2291712"/>
+            <a:ext cx="2428870" cy="3431709"/>
+          </a:xfrm>
+          <a:prstGeom prst="rect">
+            <a:avLst/>
+          </a:prstGeom>
+        </p:spPr>
+        <p:txBody>
+          <a:bodyPr wrap="none">
             <a:spAutoFit/>
           </a:bodyPr>
           <a:lstStyle/>
           <a:p>
             <a:pPr algn="ctr"/>
             <a:r>
-              <a:rPr lang="en-US" sz="3000" b="1" dirty="0">
-                <a:solidFill>
-                  <a:srgbClr val="463A2D"/>
-                </a:solidFill>
-                <a:latin typeface="Hoefler Text"/>
-                <a:cs typeface="Hoefler Text"/>
-              </a:rPr>
-              <a:t>Carpooling </a:t>
-            </a:r>
-            <a:r>
-              <a:rPr lang="en-US" sz="3000" b="1" dirty="0" smtClean="0">
-                <a:solidFill>
-                  <a:srgbClr val="FF8153"/>
-                </a:solidFill>
-                <a:latin typeface="Hoefler Text"/>
-                <a:cs typeface="Hoefler Text"/>
-              </a:rPr>
-              <a:t>Declines</a:t>
+              <a:rPr lang="en-US" sz="7200" b="1" dirty="0" smtClean="0">
+                <a:latin typeface="Hoefler Text"/>
+                <a:cs typeface="Hoefler Text"/>
+              </a:rPr>
+              <a:t>30 %</a:t>
             </a:r>
           </a:p>
           <a:p>
             <a:pPr algn="ctr"/>
-            <a:r>
-              <a:rPr lang="en-US" sz="3000" b="1" dirty="0" smtClean="0">
-                <a:solidFill>
-                  <a:srgbClr val="463A2D"/>
-                </a:solidFill>
-                <a:latin typeface="Hoefler Text"/>
-                <a:cs typeface="Hoefler Text"/>
-              </a:rPr>
-              <a:t>As Driving</a:t>
-            </a:r>
-          </a:p>
-          <a:p>
-            <a:pPr algn="ctr"/>
-            <a:r>
-              <a:rPr lang="en-US" sz="3000" b="1" dirty="0" smtClean="0">
-                <a:solidFill>
-                  <a:srgbClr val="463A2D"/>
-                </a:solidFill>
-                <a:latin typeface="Hoefler Text"/>
-                <a:cs typeface="Hoefler Text"/>
-              </a:rPr>
-              <a:t>Becomes </a:t>
-            </a:r>
-            <a:r>
-              <a:rPr lang="en-US" sz="3000" b="1" dirty="0">
-                <a:solidFill>
-                  <a:srgbClr val="6AACA4"/>
-                </a:solidFill>
-                <a:latin typeface="Hoefler Text"/>
-                <a:cs typeface="Hoefler Text"/>
-              </a:rPr>
-              <a:t>Cheaper</a:t>
-            </a:r>
-            <a:endParaRPr lang="en-US" sz="3000" dirty="0">
-              <a:solidFill>
-                <a:srgbClr val="6AACA4"/>
-              </a:solidFill>
+            <a:endParaRPr lang="en-US" sz="4000" b="1" dirty="0" smtClean="0">
               <a:latin typeface="Hoefler Text"/>
               <a:cs typeface="Hoefler Text"/>
             </a:endParaRPr>
           </a:p>
+          <a:p>
+            <a:pPr algn="ctr"/>
+            <a:r>
+              <a:rPr lang="en-US" sz="3500" dirty="0" smtClean="0">
+                <a:latin typeface="Hoefler Text"/>
+                <a:cs typeface="Hoefler Text"/>
+              </a:rPr>
+              <a:t>of users are</a:t>
+            </a:r>
+          </a:p>
+          <a:p>
+            <a:pPr algn="ctr"/>
+            <a:r>
+              <a:rPr lang="en-US" sz="3500" dirty="0" smtClean="0">
+                <a:solidFill>
+                  <a:srgbClr val="6AACA4"/>
+                </a:solidFill>
+                <a:latin typeface="Hoefler Text"/>
+                <a:cs typeface="Hoefler Text"/>
+              </a:rPr>
+              <a:t>less</a:t>
+            </a:r>
+            <a:r>
+              <a:rPr lang="en-US" sz="3500" dirty="0" smtClean="0">
+                <a:latin typeface="Hoefler Text"/>
+                <a:cs typeface="Hoefler Text"/>
+              </a:rPr>
+              <a:t> than</a:t>
+            </a:r>
+          </a:p>
+          <a:p>
+            <a:pPr algn="ctr"/>
+            <a:r>
+              <a:rPr lang="en-US" sz="3500" b="1" dirty="0" smtClean="0">
+                <a:solidFill>
+                  <a:srgbClr val="6AACA4"/>
+                </a:solidFill>
+                <a:latin typeface="Hoefler Text"/>
+                <a:cs typeface="Hoefler Text"/>
+              </a:rPr>
+              <a:t>35</a:t>
+            </a:r>
+            <a:r>
+              <a:rPr lang="en-US" sz="3500" dirty="0" smtClean="0">
+                <a:latin typeface="Hoefler Text"/>
+                <a:cs typeface="Hoefler Text"/>
+              </a:rPr>
+              <a:t> years old</a:t>
+            </a:r>
+            <a:endParaRPr lang="en-US" sz="3500" dirty="0">
+              <a:latin typeface="Hoefler Text"/>
+              <a:cs typeface="Hoefler Text"/>
+            </a:endParaRPr>
+          </a:p>
         </p:txBody>
       </p:sp>
     </p:spTree>
     <p:extLst>
       <p:ext uri="{BB962C8B-B14F-4D97-AF65-F5344CB8AC3E}">
-        <p14:creationId xmlns:p14="http://schemas.microsoft.com/office/powerpoint/2010/main" val="1807403535"/>
+        <p14:creationId xmlns:p14="http://schemas.microsoft.com/office/powerpoint/2010/main" val="2380758644"/>
       </p:ext>
     </p:extLst>
   </p:cSld>
   <p:clrMapOvr>
     <a:masterClrMapping/>
   </p:clrMapOvr>
+  <p:timing>
+    <p:tnLst>
+      <p:par>
+        <p:cTn id="1" dur="indefinite" restart="never" nodeType="tmRoot"/>
+      </p:par>
+    </p:tnLst>
+  </p:timing>
 </p:sld>
 </file>
 
@@ -6570,7 +6616,7 @@
       </p:grpSpPr>
       <p:pic>
         <p:nvPicPr>
-          <p:cNvPr id="7" name="Picture 6"/>
+          <p:cNvPr id="26" name="Picture 25"/>
           <p:cNvPicPr>
             <a:picLocks noChangeAspect="1"/>
           </p:cNvPicPr>
@@ -6584,17 +6630,202 @@
         </p:blipFill>
         <p:spPr>
           <a:xfrm>
-            <a:off x="3510172" y="2832862"/>
-            <a:ext cx="2437327" cy="2416495"/>
+            <a:off x="0" y="0"/>
+            <a:ext cx="9144000" cy="6858000"/>
           </a:xfrm>
           <a:prstGeom prst="rect">
             <a:avLst/>
           </a:prstGeom>
         </p:spPr>
       </p:pic>
+      <p:sp>
+        <p:nvSpPr>
+          <p:cNvPr id="11" name="Content Placeholder 2"/>
+          <p:cNvSpPr txBox="1">
+            <a:spLocks/>
+          </p:cNvSpPr>
+          <p:nvPr/>
+        </p:nvSpPr>
+        <p:spPr>
+          <a:xfrm>
+            <a:off x="457200" y="2346505"/>
+            <a:ext cx="8229600" cy="4525963"/>
+          </a:xfrm>
+          <a:prstGeom prst="rect">
+            <a:avLst/>
+          </a:prstGeom>
+        </p:spPr>
+        <p:txBody>
+          <a:bodyPr/>
+          <a:lstStyle>
+            <a:lvl1pPr marL="342900" indent="-342900" algn="l" defTabSz="457200" rtl="0" eaLnBrk="1" latinLnBrk="0" hangingPunct="1">
+              <a:spcBef>
+                <a:spcPct val="20000"/>
+              </a:spcBef>
+              <a:buFont typeface="Arial"/>
+              <a:buChar char="•"/>
+              <a:defRPr sz="3200" kern="1200">
+                <a:solidFill>
+                  <a:schemeClr val="tx1"/>
+                </a:solidFill>
+                <a:latin typeface="+mn-lt"/>
+                <a:ea typeface="+mn-ea"/>
+                <a:cs typeface="+mn-cs"/>
+              </a:defRPr>
+            </a:lvl1pPr>
+            <a:lvl2pPr marL="742950" indent="-285750" algn="l" defTabSz="457200" rtl="0" eaLnBrk="1" latinLnBrk="0" hangingPunct="1">
+              <a:spcBef>
+                <a:spcPct val="20000"/>
+              </a:spcBef>
+              <a:buFont typeface="Arial"/>
+              <a:buChar char="–"/>
+              <a:defRPr sz="2800" kern="1200">
+                <a:solidFill>
+                  <a:schemeClr val="tx1"/>
+                </a:solidFill>
+                <a:latin typeface="+mn-lt"/>
+                <a:ea typeface="+mn-ea"/>
+                <a:cs typeface="+mn-cs"/>
+              </a:defRPr>
+            </a:lvl2pPr>
+            <a:lvl3pPr marL="1143000" indent="-228600" algn="l" defTabSz="457200" rtl="0" eaLnBrk="1" latinLnBrk="0" hangingPunct="1">
+              <a:spcBef>
+                <a:spcPct val="20000"/>
+              </a:spcBef>
+              <a:buFont typeface="Arial"/>
+              <a:buChar char="•"/>
+              <a:defRPr sz="2400" kern="1200">
+                <a:solidFill>
+                  <a:schemeClr val="tx1"/>
+                </a:solidFill>
+                <a:latin typeface="+mn-lt"/>
+                <a:ea typeface="+mn-ea"/>
+                <a:cs typeface="+mn-cs"/>
+              </a:defRPr>
+            </a:lvl3pPr>
+            <a:lvl4pPr marL="1600200" indent="-228600" algn="l" defTabSz="457200" rtl="0" eaLnBrk="1" latinLnBrk="0" hangingPunct="1">
+              <a:spcBef>
+                <a:spcPct val="20000"/>
+              </a:spcBef>
+              <a:buFont typeface="Arial"/>
+              <a:buChar char="–"/>
+              <a:defRPr sz="2000" kern="1200">
+                <a:solidFill>
+                  <a:schemeClr val="tx1"/>
+                </a:solidFill>
+                <a:latin typeface="+mn-lt"/>
+                <a:ea typeface="+mn-ea"/>
+                <a:cs typeface="+mn-cs"/>
+              </a:defRPr>
+            </a:lvl4pPr>
+            <a:lvl5pPr marL="2057400" indent="-228600" algn="l" defTabSz="457200" rtl="0" eaLnBrk="1" latinLnBrk="0" hangingPunct="1">
+              <a:spcBef>
+                <a:spcPct val="20000"/>
+              </a:spcBef>
+              <a:buFont typeface="Arial"/>
+              <a:buChar char="»"/>
+              <a:defRPr sz="2000" kern="1200">
+                <a:solidFill>
+                  <a:schemeClr val="tx1"/>
+                </a:solidFill>
+                <a:latin typeface="+mn-lt"/>
+                <a:ea typeface="+mn-ea"/>
+                <a:cs typeface="+mn-cs"/>
+              </a:defRPr>
+            </a:lvl5pPr>
+            <a:lvl6pPr marL="2514600" indent="-228600" algn="l" defTabSz="457200" rtl="0" eaLnBrk="1" latinLnBrk="0" hangingPunct="1">
+              <a:spcBef>
+                <a:spcPct val="20000"/>
+              </a:spcBef>
+              <a:buFont typeface="Arial"/>
+              <a:buChar char="•"/>
+              <a:defRPr sz="2000" kern="1200">
+                <a:solidFill>
+                  <a:schemeClr val="tx1"/>
+                </a:solidFill>
+                <a:latin typeface="+mn-lt"/>
+                <a:ea typeface="+mn-ea"/>
+                <a:cs typeface="+mn-cs"/>
+              </a:defRPr>
+            </a:lvl6pPr>
+            <a:lvl7pPr marL="2971800" indent="-228600" algn="l" defTabSz="457200" rtl="0" eaLnBrk="1" latinLnBrk="0" hangingPunct="1">
+              <a:spcBef>
+                <a:spcPct val="20000"/>
+              </a:spcBef>
+              <a:buFont typeface="Arial"/>
+              <a:buChar char="•"/>
+              <a:defRPr sz="2000" kern="1200">
+                <a:solidFill>
+                  <a:schemeClr val="tx1"/>
+                </a:solidFill>
+                <a:latin typeface="+mn-lt"/>
+                <a:ea typeface="+mn-ea"/>
+                <a:cs typeface="+mn-cs"/>
+              </a:defRPr>
+            </a:lvl7pPr>
+            <a:lvl8pPr marL="3429000" indent="-228600" algn="l" defTabSz="457200" rtl="0" eaLnBrk="1" latinLnBrk="0" hangingPunct="1">
+              <a:spcBef>
+                <a:spcPct val="20000"/>
+              </a:spcBef>
+              <a:buFont typeface="Arial"/>
+              <a:buChar char="•"/>
+              <a:defRPr sz="2000" kern="1200">
+                <a:solidFill>
+                  <a:schemeClr val="tx1"/>
+                </a:solidFill>
+                <a:latin typeface="+mn-lt"/>
+                <a:ea typeface="+mn-ea"/>
+                <a:cs typeface="+mn-cs"/>
+              </a:defRPr>
+            </a:lvl8pPr>
+            <a:lvl9pPr marL="3886200" indent="-228600" algn="l" defTabSz="457200" rtl="0" eaLnBrk="1" latinLnBrk="0" hangingPunct="1">
+              <a:spcBef>
+                <a:spcPct val="20000"/>
+              </a:spcBef>
+              <a:buFont typeface="Arial"/>
+              <a:buChar char="•"/>
+              <a:defRPr sz="2000" kern="1200">
+                <a:solidFill>
+                  <a:schemeClr val="tx1"/>
+                </a:solidFill>
+                <a:latin typeface="+mn-lt"/>
+                <a:ea typeface="+mn-ea"/>
+                <a:cs typeface="+mn-cs"/>
+              </a:defRPr>
+            </a:lvl9pPr>
+          </a:lstStyle>
+          <a:p>
+            <a:r>
+              <a:rPr lang="en-US" altLang="es-ES" sz="2000" smtClean="0"/>
+              <a:t>Social benefits will make ridesharing and carpooling companies will work together with government policies.</a:t>
+            </a:r>
+          </a:p>
+          <a:p>
+            <a:r>
+              <a:rPr lang="en-US" altLang="es-ES" sz="2000" smtClean="0"/>
+              <a:t>Intelligent algorithms for real time ridesharing will make more efficient. Reducing cost and environmental impact.</a:t>
+            </a:r>
+          </a:p>
+          <a:p>
+            <a:r>
+              <a:rPr lang="en-US" altLang="es-ES" sz="2000" smtClean="0"/>
+              <a:t>The future is the share economy</a:t>
+            </a:r>
+          </a:p>
+          <a:p>
+            <a:endParaRPr lang="en-US" altLang="es-ES" sz="2000" smtClean="0"/>
+          </a:p>
+          <a:p>
+            <a:endParaRPr lang="es-ES" altLang="es-ES" smtClean="0"/>
+          </a:p>
+          <a:p>
+            <a:endParaRPr lang="es-ES" altLang="es-ES" dirty="0" smtClean="0"/>
+          </a:p>
+        </p:txBody>
+      </p:sp>
       <p:pic>
         <p:nvPicPr>
-          <p:cNvPr id="6" name="Picture 5"/>
+          <p:cNvPr id="8" name="Picture 7"/>
           <p:cNvPicPr>
             <a:picLocks noChangeAspect="1"/>
           </p:cNvPicPr>
@@ -6608,8 +6839,8 @@
         </p:blipFill>
         <p:spPr>
           <a:xfrm>
-            <a:off x="51450" y="1025935"/>
-            <a:ext cx="3908363" cy="2531553"/>
+            <a:off x="-234683" y="1"/>
+            <a:ext cx="9621994" cy="952596"/>
           </a:xfrm>
           <a:prstGeom prst="rect">
             <a:avLst/>
@@ -6618,13 +6849,13 @@
       </p:pic>
       <p:sp>
         <p:nvSpPr>
-          <p:cNvPr id="5" name="Rectangle 4"/>
+          <p:cNvPr id="9" name="Rectangle 8"/>
           <p:cNvSpPr/>
           <p:nvPr/>
         </p:nvSpPr>
         <p:spPr>
           <a:xfrm>
-            <a:off x="0" y="264576"/>
+            <a:off x="0" y="154662"/>
             <a:ext cx="9144000" cy="1077218"/>
           </a:xfrm>
           <a:prstGeom prst="rect">
@@ -6646,8 +6877,15 @@
                 <a:latin typeface="Hoefler Text"/>
                 <a:cs typeface="Hoefler Text"/>
               </a:rPr>
-              <a:t>MOTIVATIONS</a:t>
-            </a:r>
+              <a:t>Conclusion</a:t>
+            </a:r>
+            <a:endParaRPr lang="en-US" sz="3200" dirty="0" smtClean="0">
+              <a:solidFill>
+                <a:srgbClr val="F6F1E5"/>
+              </a:solidFill>
+              <a:latin typeface="Hoefler Text"/>
+              <a:cs typeface="Hoefler Text"/>
+            </a:endParaRPr>
           </a:p>
           <a:p>
             <a:pPr algn="ctr"/>
@@ -6661,172 +6899,10 @@
           </a:p>
         </p:txBody>
       </p:sp>
-      <p:pic>
-        <p:nvPicPr>
-          <p:cNvPr id="10" name="Picture 9"/>
-          <p:cNvPicPr>
-            <a:picLocks noChangeAspect="1"/>
-          </p:cNvPicPr>
-          <p:nvPr/>
-        </p:nvPicPr>
-        <p:blipFill>
-          <a:blip r:embed="rId4"/>
-          <a:stretch>
-            <a:fillRect/>
-          </a:stretch>
-        </p:blipFill>
-        <p:spPr>
-          <a:xfrm>
-            <a:off x="-234683" y="1"/>
-            <a:ext cx="9621994" cy="952596"/>
-          </a:xfrm>
-          <a:prstGeom prst="rect">
-            <a:avLst/>
-          </a:prstGeom>
-        </p:spPr>
-      </p:pic>
-      <p:sp>
-        <p:nvSpPr>
-          <p:cNvPr id="11" name="Rectangle 10"/>
-          <p:cNvSpPr/>
-          <p:nvPr/>
-        </p:nvSpPr>
-        <p:spPr>
-          <a:xfrm>
-            <a:off x="0" y="154662"/>
-            <a:ext cx="9144000" cy="1077218"/>
-          </a:xfrm>
-          <a:prstGeom prst="rect">
-            <a:avLst/>
-          </a:prstGeom>
-        </p:spPr>
-        <p:txBody>
-          <a:bodyPr wrap="square" anchor="ctr">
-            <a:spAutoFit/>
-          </a:bodyPr>
-          <a:lstStyle/>
-          <a:p>
-            <a:pPr algn="ctr"/>
-            <a:r>
-              <a:rPr lang="en-US" sz="3200" dirty="0" smtClean="0">
-                <a:solidFill>
-                  <a:srgbClr val="F6F1E5"/>
-                </a:solidFill>
-                <a:latin typeface="Hoefler Text"/>
-                <a:cs typeface="Hoefler Text"/>
-              </a:rPr>
-              <a:t>Social Awareness</a:t>
-            </a:r>
-          </a:p>
-          <a:p>
-            <a:pPr algn="ctr"/>
-            <a:endParaRPr lang="en-US" sz="3200" dirty="0">
-              <a:solidFill>
-                <a:srgbClr val="F6F1E5"/>
-              </a:solidFill>
-              <a:latin typeface="Hoefler Text"/>
-              <a:cs typeface="Hoefler Text"/>
-            </a:endParaRPr>
-          </a:p>
-        </p:txBody>
-      </p:sp>
-      <p:sp>
-        <p:nvSpPr>
-          <p:cNvPr id="8" name="Rectangle 7"/>
-          <p:cNvSpPr/>
-          <p:nvPr/>
-        </p:nvSpPr>
-        <p:spPr>
-          <a:xfrm>
-            <a:off x="5947499" y="2291712"/>
-            <a:ext cx="2428870" cy="3431709"/>
-          </a:xfrm>
-          <a:prstGeom prst="rect">
-            <a:avLst/>
-          </a:prstGeom>
-        </p:spPr>
-        <p:txBody>
-          <a:bodyPr wrap="none">
-            <a:spAutoFit/>
-          </a:bodyPr>
-          <a:lstStyle/>
-          <a:p>
-            <a:pPr algn="ctr"/>
-            <a:r>
-              <a:rPr lang="en-US" sz="7200" b="1" dirty="0" smtClean="0">
-                <a:latin typeface="Hoefler Text"/>
-                <a:cs typeface="Hoefler Text"/>
-              </a:rPr>
-              <a:t>30 %</a:t>
-            </a:r>
-          </a:p>
-          <a:p>
-            <a:pPr algn="ctr"/>
-            <a:endParaRPr lang="en-US" sz="4000" b="1" dirty="0" smtClean="0">
-              <a:latin typeface="Hoefler Text"/>
-              <a:cs typeface="Hoefler Text"/>
-            </a:endParaRPr>
-          </a:p>
-          <a:p>
-            <a:pPr algn="ctr"/>
-            <a:r>
-              <a:rPr lang="en-US" sz="3500" dirty="0" smtClean="0">
-                <a:latin typeface="Hoefler Text"/>
-                <a:cs typeface="Hoefler Text"/>
-              </a:rPr>
-              <a:t>of users are</a:t>
-            </a:r>
-          </a:p>
-          <a:p>
-            <a:pPr algn="ctr"/>
-            <a:r>
-              <a:rPr lang="en-US" sz="3500" dirty="0" smtClean="0">
-                <a:solidFill>
-                  <a:srgbClr val="6AACA4"/>
-                </a:solidFill>
-                <a:latin typeface="Hoefler Text"/>
-                <a:cs typeface="Hoefler Text"/>
-              </a:rPr>
-              <a:t>less</a:t>
-            </a:r>
-            <a:r>
-              <a:rPr lang="en-US" sz="3500" dirty="0" smtClean="0">
-                <a:latin typeface="Hoefler Text"/>
-                <a:cs typeface="Hoefler Text"/>
-              </a:rPr>
-              <a:t> than</a:t>
-            </a:r>
-          </a:p>
-          <a:p>
-            <a:pPr algn="ctr"/>
-            <a:r>
-              <a:rPr lang="en-US" sz="3500" b="1" dirty="0" smtClean="0">
-                <a:solidFill>
-                  <a:srgbClr val="6AACA4"/>
-                </a:solidFill>
-                <a:latin typeface="Hoefler Text"/>
-                <a:cs typeface="Hoefler Text"/>
-              </a:rPr>
-              <a:t>35</a:t>
-            </a:r>
-            <a:r>
-              <a:rPr lang="en-US" sz="3500" dirty="0" smtClean="0">
-                <a:latin typeface="Hoefler Text"/>
-                <a:cs typeface="Hoefler Text"/>
-              </a:rPr>
-              <a:t> years old</a:t>
-            </a:r>
-            <a:endParaRPr lang="en-US" sz="3500" dirty="0">
-              <a:latin typeface="Hoefler Text"/>
-              <a:cs typeface="Hoefler Text"/>
-            </a:endParaRPr>
-          </a:p>
-        </p:txBody>
-      </p:sp>
     </p:spTree>
     <p:extLst>
       <p:ext uri="{BB962C8B-B14F-4D97-AF65-F5344CB8AC3E}">
-        <p14:creationId xmlns:p14="http://schemas.microsoft.com/office/powerpoint/2010/main" val="2380758644"/>
+        <p14:creationId xmlns:p14="http://schemas.microsoft.com/office/powerpoint/2010/main" val="2435386525"/>
       </p:ext>
     </p:extLst>
   </p:cSld>
@@ -6836,7 +6912,7 @@
   <p:timing>
     <p:tnLst>
       <p:par>
-        <p:cTn xmlns:p14="http://schemas.microsoft.com/office/powerpoint/2010/main" id="1" dur="indefinite" restart="never" nodeType="tmRoot"/>
+        <p:cTn id="1" dur="indefinite" restart="never" nodeType="tmRoot"/>
       </p:par>
     </p:tnLst>
   </p:timing>
@@ -6929,7 +7005,7 @@
   <p:timing>
     <p:tnLst>
       <p:par>
-        <p:cTn xmlns:p14="http://schemas.microsoft.com/office/powerpoint/2010/main" id="1" dur="indefinite" restart="never" nodeType="tmRoot"/>
+        <p:cTn id="1" dur="indefinite" restart="never" nodeType="tmRoot"/>
       </p:par>
     </p:tnLst>
   </p:timing>
@@ -6988,14 +7064,14 @@
           </a:ln>
           <a:extLst>
             <a:ext uri="{909E8E84-426E-40dd-AFC4-6F175D3DCCD1}">
-              <a14:hiddenFill xmlns:a14="http://schemas.microsoft.com/office/drawing/2010/main">
+              <a14:hiddenFill xmlns:a14="http://schemas.microsoft.com/office/drawing/2010/main" xmlns="">
                 <a:solidFill>
                   <a:srgbClr val="FFFFFF"/>
                 </a:solidFill>
               </a14:hiddenFill>
             </a:ext>
             <a:ext uri="{91240B29-F687-4f45-9708-019B960494DF}">
-              <a14:hiddenLine xmlns:a14="http://schemas.microsoft.com/office/drawing/2010/main" w="9525">
+              <a14:hiddenLine xmlns:a14="http://schemas.microsoft.com/office/drawing/2010/main" xmlns="" w="9525">
                 <a:solidFill>
                   <a:srgbClr val="000000"/>
                 </a:solidFill>
@@ -7042,14 +7118,14 @@
           </a:ln>
           <a:extLst>
             <a:ext uri="{909E8E84-426E-40dd-AFC4-6F175D3DCCD1}">
-              <a14:hiddenFill xmlns:a14="http://schemas.microsoft.com/office/drawing/2010/main">
+              <a14:hiddenFill xmlns:a14="http://schemas.microsoft.com/office/drawing/2010/main" xmlns="">
                 <a:solidFill>
                   <a:srgbClr val="FFFFFF"/>
                 </a:solidFill>
               </a14:hiddenFill>
             </a:ext>
             <a:ext uri="{91240B29-F687-4f45-9708-019B960494DF}">
-              <a14:hiddenLine xmlns:a14="http://schemas.microsoft.com/office/drawing/2010/main" w="9525">
+              <a14:hiddenLine xmlns:a14="http://schemas.microsoft.com/office/drawing/2010/main" xmlns="" w="9525">
                 <a:solidFill>
                   <a:srgbClr val="000000"/>
                 </a:solidFill>
@@ -7096,14 +7172,14 @@
           </a:ln>
           <a:extLst>
             <a:ext uri="{909E8E84-426E-40dd-AFC4-6F175D3DCCD1}">
-              <a14:hiddenFill xmlns:a14="http://schemas.microsoft.com/office/drawing/2010/main">
+              <a14:hiddenFill xmlns:a14="http://schemas.microsoft.com/office/drawing/2010/main" xmlns="">
                 <a:solidFill>
                   <a:srgbClr val="FFFFFF"/>
                 </a:solidFill>
               </a14:hiddenFill>
             </a:ext>
             <a:ext uri="{91240B29-F687-4f45-9708-019B960494DF}">
-              <a14:hiddenLine xmlns:a14="http://schemas.microsoft.com/office/drawing/2010/main" w="9525">
+              <a14:hiddenLine xmlns:a14="http://schemas.microsoft.com/office/drawing/2010/main" xmlns="" w="9525">
                 <a:solidFill>
                   <a:srgbClr val="000000"/>
                 </a:solidFill>
@@ -7150,14 +7226,14 @@
           </a:ln>
           <a:extLst>
             <a:ext uri="{909E8E84-426E-40dd-AFC4-6F175D3DCCD1}">
-              <a14:hiddenFill xmlns:a14="http://schemas.microsoft.com/office/drawing/2010/main">
+              <a14:hiddenFill xmlns:a14="http://schemas.microsoft.com/office/drawing/2010/main" xmlns="">
                 <a:solidFill>
                   <a:srgbClr val="FFFFFF"/>
                 </a:solidFill>
               </a14:hiddenFill>
             </a:ext>
             <a:ext uri="{91240B29-F687-4f45-9708-019B960494DF}">
-              <a14:hiddenLine xmlns:a14="http://schemas.microsoft.com/office/drawing/2010/main" w="9525">
+              <a14:hiddenLine xmlns:a14="http://schemas.microsoft.com/office/drawing/2010/main" xmlns="" w="9525">
                 <a:solidFill>
                   <a:srgbClr val="000000"/>
                 </a:solidFill>
@@ -7206,7 +7282,7 @@
   <p:timing>
     <p:tnLst>
       <p:par>
-        <p:cTn xmlns:p14="http://schemas.microsoft.com/office/powerpoint/2010/main" id="1" dur="indefinite" restart="never" nodeType="tmRoot"/>
+        <p:cTn id="1" dur="indefinite" restart="never" nodeType="tmRoot"/>
       </p:par>
     </p:tnLst>
   </p:timing>
@@ -7350,7 +7426,7 @@
   <p:timing>
     <p:tnLst>
       <p:par>
-        <p:cTn xmlns:p14="http://schemas.microsoft.com/office/powerpoint/2010/main" id="1" dur="indefinite" restart="never" nodeType="tmRoot">
+        <p:cTn id="1" dur="indefinite" restart="never" nodeType="tmRoot">
           <p:childTnLst>
             <p:seq concurrent="1" nextAc="seek">
               <p:cTn id="2" dur="indefinite" nodeType="mainSeq">
@@ -7762,6 +7838,13 @@
   <p:clrMapOvr>
     <a:masterClrMapping/>
   </p:clrMapOvr>
+  <p:timing>
+    <p:tnLst>
+      <p:par>
+        <p:cTn id="1" dur="indefinite" restart="never" nodeType="tmRoot"/>
+      </p:par>
+    </p:tnLst>
+  </p:timing>
 </p:sld>
 </file>
 
@@ -8138,6 +8221,13 @@
   <p:clrMapOvr>
     <a:masterClrMapping/>
   </p:clrMapOvr>
+  <p:timing>
+    <p:tnLst>
+      <p:par>
+        <p:cTn id="1" dur="indefinite" restart="never" nodeType="tmRoot"/>
+      </p:par>
+    </p:tnLst>
+  </p:timing>
 </p:sld>
 </file>
 
@@ -8200,6 +8290,13 @@
   <p:clrMapOvr>
     <a:masterClrMapping/>
   </p:clrMapOvr>
+  <p:timing>
+    <p:tnLst>
+      <p:par>
+        <p:cTn id="1" dur="indefinite" restart="never" nodeType="tmRoot"/>
+      </p:par>
+    </p:tnLst>
+  </p:timing>
 </p:sld>
 </file>
 
@@ -8564,14 +8661,14 @@
           </a:ln>
           <a:extLst>
             <a:ext uri="{909E8E84-426E-40dd-AFC4-6F175D3DCCD1}">
-              <a14:hiddenFill xmlns:a14="http://schemas.microsoft.com/office/drawing/2010/main">
+              <a14:hiddenFill xmlns:a14="http://schemas.microsoft.com/office/drawing/2010/main" xmlns="">
                 <a:solidFill>
                   <a:srgbClr val="FFFFFF"/>
                 </a:solidFill>
               </a14:hiddenFill>
             </a:ext>
             <a:ext uri="{91240B29-F687-4f45-9708-019B960494DF}">
-              <a14:hiddenLine xmlns:a14="http://schemas.microsoft.com/office/drawing/2010/main" w="9525">
+              <a14:hiddenLine xmlns:a14="http://schemas.microsoft.com/office/drawing/2010/main" xmlns="" w="9525">
                 <a:solidFill>
                   <a:srgbClr val="000000"/>
                 </a:solidFill>
@@ -8758,6 +8855,13 @@
   <p:clrMapOvr>
     <a:masterClrMapping/>
   </p:clrMapOvr>
+  <p:timing>
+    <p:tnLst>
+      <p:par>
+        <p:cTn id="1" dur="indefinite" restart="never" nodeType="tmRoot"/>
+      </p:par>
+    </p:tnLst>
+  </p:timing>
 </p:sld>
 </file>
 
@@ -9126,6 +9230,13 @@
   <p:clrMapOvr>
     <a:masterClrMapping/>
   </p:clrMapOvr>
+  <p:timing>
+    <p:tnLst>
+      <p:par>
+        <p:cTn id="1" dur="indefinite" restart="never" nodeType="tmRoot"/>
+      </p:par>
+    </p:tnLst>
+  </p:timing>
 </p:sld>
 </file>
 
@@ -9234,6 +9345,13 @@
   <p:clrMapOvr>
     <a:masterClrMapping/>
   </p:clrMapOvr>
+  <p:timing>
+    <p:tnLst>
+      <p:par>
+        <p:cTn id="1" dur="indefinite" restart="never" nodeType="tmRoot"/>
+      </p:par>
+    </p:tnLst>
+  </p:timing>
 </p:sld>
 </file>
 
@@ -9254,9 +9372,54 @@
           <a:chExt cx="0" cy="0"/>
         </a:xfrm>
       </p:grpSpPr>
+      <p:sp>
+        <p:nvSpPr>
+          <p:cNvPr id="5" name="Rectangle 4"/>
+          <p:cNvSpPr/>
+          <p:nvPr/>
+        </p:nvSpPr>
+        <p:spPr>
+          <a:xfrm>
+            <a:off x="0" y="264576"/>
+            <a:ext cx="9144000" cy="1077218"/>
+          </a:xfrm>
+          <a:prstGeom prst="rect">
+            <a:avLst/>
+          </a:prstGeom>
+        </p:spPr>
+        <p:txBody>
+          <a:bodyPr wrap="square" anchor="ctr">
+            <a:spAutoFit/>
+          </a:bodyPr>
+          <a:lstStyle/>
+          <a:p>
+            <a:pPr algn="ctr"/>
+            <a:r>
+              <a:rPr lang="en-US" sz="3200" dirty="0" smtClean="0">
+                <a:solidFill>
+                  <a:srgbClr val="F6F1E5"/>
+                </a:solidFill>
+                <a:latin typeface="Hoefler Text"/>
+                <a:cs typeface="Hoefler Text"/>
+              </a:rPr>
+              <a:t>MOTIVATIONS</a:t>
+            </a:r>
+          </a:p>
+          <a:p>
+            <a:pPr algn="ctr"/>
+            <a:endParaRPr lang="en-US" sz="3200" dirty="0">
+              <a:solidFill>
+                <a:srgbClr val="F6F1E5"/>
+              </a:solidFill>
+              <a:latin typeface="Hoefler Text"/>
+              <a:cs typeface="Hoefler Text"/>
+            </a:endParaRPr>
+          </a:p>
+        </p:txBody>
+      </p:sp>
       <p:pic>
         <p:nvPicPr>
-          <p:cNvPr id="26" name="Picture 25"/>
+          <p:cNvPr id="10" name="Picture 9"/>
           <p:cNvPicPr>
             <a:picLocks noChangeAspect="1"/>
           </p:cNvPicPr>
@@ -9270,100 +9433,79 @@
         </p:blipFill>
         <p:spPr>
           <a:xfrm>
-            <a:off x="0" y="0"/>
-            <a:ext cx="9144000" cy="6858000"/>
+            <a:off x="-234683" y="1"/>
+            <a:ext cx="9621994" cy="952596"/>
           </a:xfrm>
           <a:prstGeom prst="rect">
             <a:avLst/>
           </a:prstGeom>
         </p:spPr>
       </p:pic>
-      <p:grpSp>
-        <p:nvGrpSpPr>
-          <p:cNvPr id="10" name="Group 9"/>
-          <p:cNvGrpSpPr/>
-          <p:nvPr/>
-        </p:nvGrpSpPr>
-        <p:grpSpPr>
-          <a:xfrm>
-            <a:off x="457200" y="0"/>
-            <a:ext cx="8229600" cy="857250"/>
-            <a:chOff x="457200" y="143177"/>
-            <a:chExt cx="8229600" cy="857250"/>
-          </a:xfrm>
-        </p:grpSpPr>
-        <p:pic>
-          <p:nvPicPr>
-            <p:cNvPr id="11" name="Picture 10"/>
-            <p:cNvPicPr>
-              <a:picLocks noChangeAspect="1"/>
-            </p:cNvPicPr>
-            <p:nvPr/>
-          </p:nvPicPr>
-          <p:blipFill>
-            <a:blip r:embed="rId3"/>
-            <a:stretch>
-              <a:fillRect/>
-            </a:stretch>
-          </p:blipFill>
-          <p:spPr>
-            <a:xfrm>
-              <a:off x="571500" y="143177"/>
-              <a:ext cx="8001000" cy="857250"/>
-            </a:xfrm>
-            <a:prstGeom prst="rect">
-              <a:avLst/>
-            </a:prstGeom>
-          </p:spPr>
-        </p:pic>
-        <p:sp>
-          <p:nvSpPr>
-            <p:cNvPr id="12" name="Title 1"/>
-            <p:cNvSpPr txBox="1">
-              <a:spLocks/>
-            </p:cNvSpPr>
-            <p:nvPr/>
-          </p:nvSpPr>
-          <p:spPr>
-            <a:xfrm>
-              <a:off x="457200" y="154752"/>
-              <a:ext cx="8229600" cy="677902"/>
-            </a:xfrm>
-            <a:prstGeom prst="rect">
-              <a:avLst/>
-            </a:prstGeom>
-          </p:spPr>
-          <p:txBody>
-            <a:bodyPr/>
-            <a:lstStyle>
-              <a:lvl1pPr algn="ctr" defTabSz="457200" rtl="0" eaLnBrk="1" latinLnBrk="0" hangingPunct="1">
-                <a:spcBef>
-                  <a:spcPct val="0"/>
-                </a:spcBef>
-                <a:buNone/>
-                <a:defRPr sz="4400" kern="1200">
-                  <a:solidFill>
-                    <a:schemeClr val="tx1"/>
-                  </a:solidFill>
-                  <a:latin typeface="+mj-lt"/>
-                  <a:ea typeface="+mj-ea"/>
-                  <a:cs typeface="+mj-cs"/>
-                </a:defRPr>
-              </a:lvl1pPr>
-            </a:lstStyle>
-            <a:p>
-              <a:r>
-                <a:rPr lang="en-US" altLang="es-ES" dirty="0" smtClean="0">
-                  <a:solidFill>
-                    <a:srgbClr val="568E77"/>
-                  </a:solidFill>
-                </a:rPr>
-                <a:t>Transportation analysis</a:t>
-              </a:r>
-            </a:p>
-          </p:txBody>
-        </p:sp>
-      </p:grpSp>
+      <p:sp>
+        <p:nvSpPr>
+          <p:cNvPr id="11" name="Rectangle 10"/>
+          <p:cNvSpPr/>
+          <p:nvPr/>
+        </p:nvSpPr>
+        <p:spPr>
+          <a:xfrm>
+            <a:off x="0" y="154662"/>
+            <a:ext cx="9144000" cy="1077218"/>
+          </a:xfrm>
+          <a:prstGeom prst="rect">
+            <a:avLst/>
+          </a:prstGeom>
+        </p:spPr>
+        <p:txBody>
+          <a:bodyPr wrap="square" anchor="ctr">
+            <a:spAutoFit/>
+          </a:bodyPr>
+          <a:lstStyle/>
+          <a:p>
+            <a:pPr algn="ctr"/>
+            <a:r>
+              <a:rPr lang="en-US" sz="3200" dirty="0" smtClean="0">
+                <a:solidFill>
+                  <a:srgbClr val="F6F1E5"/>
+                </a:solidFill>
+                <a:latin typeface="Hoefler Text"/>
+                <a:cs typeface="Hoefler Text"/>
+              </a:rPr>
+              <a:t>Tran</a:t>
+            </a:r>
+            <a:r>
+              <a:rPr lang="en-US" sz="3200" dirty="0">
+                <a:solidFill>
+                  <a:srgbClr val="F6F1E5"/>
+                </a:solidFill>
+                <a:latin typeface="Hoefler Text"/>
+                <a:cs typeface="Hoefler Text"/>
+              </a:rPr>
+              <a:t>sportatio</a:t>
+            </a:r>
+            <a:r>
+              <a:rPr lang="en-US" sz="3200" dirty="0" smtClean="0">
+                <a:solidFill>
+                  <a:srgbClr val="F6F1E5"/>
+                </a:solidFill>
+                <a:latin typeface="Hoefler Text"/>
+                <a:cs typeface="Hoefler Text"/>
+              </a:rPr>
+              <a:t>n Analysis</a:t>
+            </a:r>
+          </a:p>
+          <a:p>
+            <a:pPr algn="ctr"/>
+            <a:endParaRPr lang="en-US" sz="3200" dirty="0">
+              <a:solidFill>
+                <a:srgbClr val="F6F1E5"/>
+              </a:solidFill>
+              <a:latin typeface="Hoefler Text"/>
+              <a:cs typeface="Hoefler Text"/>
+            </a:endParaRPr>
+          </a:p>
+        </p:txBody>
+      </p:sp>
       <p:grpSp>
         <p:nvGrpSpPr>
           <p:cNvPr id="6" name="Group 5"/>
@@ -9372,59 +9514,121 @@
         </p:nvGrpSpPr>
         <p:grpSpPr>
           <a:xfrm>
-            <a:off x="641672" y="857250"/>
-            <a:ext cx="2895439" cy="1906930"/>
-            <a:chOff x="571500" y="1148533"/>
-            <a:chExt cx="2895439" cy="1906930"/>
+            <a:off x="359344" y="3271518"/>
+            <a:ext cx="8545067" cy="3593902"/>
+            <a:chOff x="359344" y="3176171"/>
+            <a:chExt cx="8545067" cy="3593902"/>
           </a:xfrm>
         </p:grpSpPr>
         <p:grpSp>
           <p:nvGrpSpPr>
-            <p:cNvPr id="15" name="Group 14"/>
+            <p:cNvPr id="13" name="Group 12"/>
             <p:cNvGrpSpPr/>
             <p:nvPr/>
           </p:nvGrpSpPr>
           <p:grpSpPr>
             <a:xfrm>
-              <a:off x="571500" y="1377133"/>
-              <a:ext cx="2222339" cy="1678330"/>
-              <a:chOff x="5509549" y="1111169"/>
-              <a:chExt cx="2222339" cy="1678330"/>
+              <a:off x="359344" y="3176171"/>
+              <a:ext cx="1504950" cy="1504950"/>
+              <a:chOff x="457200" y="3530716"/>
+              <a:chExt cx="1504950" cy="1504950"/>
             </a:xfrm>
           </p:grpSpPr>
-          <p:pic>
-            <p:nvPicPr>
-              <p:cNvPr id="16" name="Picture 15"/>
-              <p:cNvPicPr>
-                <a:picLocks noChangeAspect="1"/>
-              </p:cNvPicPr>
+          <p:grpSp>
+            <p:nvGrpSpPr>
+              <p:cNvPr id="24" name="Group 23"/>
+              <p:cNvGrpSpPr/>
               <p:nvPr/>
-            </p:nvPicPr>
-            <p:blipFill rotWithShape="1">
-              <a:blip r:embed="rId4"/>
-              <a:srcRect l="27872" t="32918" r="27405" b="42339"/>
-              <a:stretch/>
-            </p:blipFill>
-            <p:spPr>
+            </p:nvGrpSpPr>
+            <p:grpSpPr>
               <a:xfrm>
-                <a:off x="5509549" y="1111169"/>
-                <a:ext cx="2222339" cy="1678330"/>
+                <a:off x="457200" y="3530716"/>
+                <a:ext cx="1504950" cy="1504950"/>
+                <a:chOff x="2508250" y="3638550"/>
+                <a:chExt cx="2857500" cy="2857500"/>
               </a:xfrm>
-              <a:prstGeom prst="rect">
-                <a:avLst/>
-              </a:prstGeom>
-            </p:spPr>
-          </p:pic>
+            </p:grpSpPr>
+            <p:sp>
+              <p:nvSpPr>
+                <p:cNvPr id="26" name="Rounded Rectangle 25"/>
+                <p:cNvSpPr/>
+                <p:nvPr/>
+              </p:nvSpPr>
+              <p:spPr>
+                <a:xfrm>
+                  <a:off x="2508250" y="3638550"/>
+                  <a:ext cx="2857500" cy="2857500"/>
+                </a:xfrm>
+                <a:prstGeom prst="roundRect">
+                  <a:avLst>
+                    <a:gd name="adj" fmla="val 12667"/>
+                  </a:avLst>
+                </a:prstGeom>
+                <a:solidFill>
+                  <a:srgbClr val="568E77"/>
+                </a:solidFill>
+                <a:ln>
+                  <a:noFill/>
+                </a:ln>
+              </p:spPr>
+              <p:style>
+                <a:lnRef idx="1">
+                  <a:schemeClr val="accent1"/>
+                </a:lnRef>
+                <a:fillRef idx="3">
+                  <a:schemeClr val="accent1"/>
+                </a:fillRef>
+                <a:effectRef idx="2">
+                  <a:schemeClr val="accent1"/>
+                </a:effectRef>
+                <a:fontRef idx="minor">
+                  <a:schemeClr val="lt1"/>
+                </a:fontRef>
+              </p:style>
+              <p:txBody>
+                <a:bodyPr rtlCol="0" anchor="ctr"/>
+                <a:lstStyle/>
+                <a:p>
+                  <a:pPr algn="ctr"/>
+                  <a:endParaRPr lang="fr-FR"/>
+                </a:p>
+              </p:txBody>
+            </p:sp>
+            <p:pic>
+              <p:nvPicPr>
+                <p:cNvPr id="27" name="Picture 26"/>
+                <p:cNvPicPr>
+                  <a:picLocks noChangeAspect="1"/>
+                </p:cNvPicPr>
+                <p:nvPr/>
+              </p:nvPicPr>
+              <p:blipFill>
+                <a:blip r:embed="rId3"/>
+                <a:stretch>
+                  <a:fillRect/>
+                </a:stretch>
+              </p:blipFill>
+              <p:spPr>
+                <a:xfrm>
+                  <a:off x="3113086" y="3638550"/>
+                  <a:ext cx="1876424" cy="2352674"/>
+                </a:xfrm>
+                <a:prstGeom prst="rect">
+                  <a:avLst/>
+                </a:prstGeom>
+              </p:spPr>
+            </p:pic>
+          </p:grpSp>
           <p:sp>
             <p:nvSpPr>
-              <p:cNvPr id="17" name="TextBox 16"/>
+              <p:cNvPr id="25" name="TextBox 24"/>
               <p:cNvSpPr txBox="1"/>
               <p:nvPr/>
             </p:nvSpPr>
             <p:spPr>
               <a:xfrm>
-                <a:off x="5941993" y="1828800"/>
-                <a:ext cx="1504709" cy="369332"/>
+                <a:off x="686121" y="4666334"/>
+                <a:ext cx="1077875" cy="369332"/>
               </a:xfrm>
               <a:prstGeom prst="rect">
                 <a:avLst/>
@@ -9438,24 +9642,642 @@
               <a:lstStyle/>
               <a:p>
                 <a:r>
-                  <a:rPr lang="fr-FR" dirty="0" smtClean="0"/>
-                  <a:t>6,2 L/100km</a:t>
+                  <a:rPr lang="fr-FR" dirty="0" smtClean="0">
+                    <a:solidFill>
+                      <a:schemeClr val="bg1"/>
+                    </a:solidFill>
+                    <a:latin typeface="Hoefler Text"/>
+                  </a:rPr>
+                  <a:t>1,39€/L</a:t>
                 </a:r>
-                <a:endParaRPr lang="fr-FR" dirty="0"/>
+                <a:endParaRPr lang="fr-FR" dirty="0">
+                  <a:solidFill>
+                    <a:schemeClr val="bg1"/>
+                  </a:solidFill>
+                  <a:latin typeface="Hoefler Text"/>
+                </a:endParaRPr>
+              </a:p>
+            </p:txBody>
+          </p:sp>
+        </p:grpSp>
+        <p:grpSp>
+          <p:nvGrpSpPr>
+            <p:cNvPr id="14" name="Group 13"/>
+            <p:cNvGrpSpPr/>
+            <p:nvPr/>
+          </p:nvGrpSpPr>
+          <p:grpSpPr>
+            <a:xfrm>
+              <a:off x="7399461" y="3176171"/>
+              <a:ext cx="1504950" cy="1504950"/>
+              <a:chOff x="7299164" y="3530716"/>
+              <a:chExt cx="1504950" cy="1504950"/>
+            </a:xfrm>
+          </p:grpSpPr>
+          <p:grpSp>
+            <p:nvGrpSpPr>
+              <p:cNvPr id="20" name="Group 19"/>
+              <p:cNvGrpSpPr/>
+              <p:nvPr/>
+            </p:nvGrpSpPr>
+            <p:grpSpPr>
+              <a:xfrm>
+                <a:off x="7299164" y="3530716"/>
+                <a:ext cx="1504950" cy="1504950"/>
+                <a:chOff x="2508250" y="3638550"/>
+                <a:chExt cx="2857500" cy="2857500"/>
+              </a:xfrm>
+            </p:grpSpPr>
+            <p:sp>
+              <p:nvSpPr>
+                <p:cNvPr id="22" name="Rounded Rectangle 21"/>
+                <p:cNvSpPr/>
+                <p:nvPr/>
+              </p:nvSpPr>
+              <p:spPr>
+                <a:xfrm>
+                  <a:off x="2508250" y="3638550"/>
+                  <a:ext cx="2857500" cy="2857500"/>
+                </a:xfrm>
+                <a:prstGeom prst="roundRect">
+                  <a:avLst>
+                    <a:gd name="adj" fmla="val 12667"/>
+                  </a:avLst>
+                </a:prstGeom>
+                <a:solidFill>
+                  <a:srgbClr val="568E77"/>
+                </a:solidFill>
+                <a:ln>
+                  <a:noFill/>
+                </a:ln>
+              </p:spPr>
+              <p:style>
+                <a:lnRef idx="1">
+                  <a:schemeClr val="accent1"/>
+                </a:lnRef>
+                <a:fillRef idx="3">
+                  <a:schemeClr val="accent1"/>
+                </a:fillRef>
+                <a:effectRef idx="2">
+                  <a:schemeClr val="accent1"/>
+                </a:effectRef>
+                <a:fontRef idx="minor">
+                  <a:schemeClr val="lt1"/>
+                </a:fontRef>
+              </p:style>
+              <p:txBody>
+                <a:bodyPr rtlCol="0" anchor="ctr"/>
+                <a:lstStyle/>
+                <a:p>
+                  <a:pPr algn="ctr"/>
+                  <a:endParaRPr lang="fr-FR"/>
+                </a:p>
+              </p:txBody>
+            </p:sp>
+            <p:pic>
+              <p:nvPicPr>
+                <p:cNvPr id="23" name="Picture 22"/>
+                <p:cNvPicPr>
+                  <a:picLocks noChangeAspect="1"/>
+                </p:cNvPicPr>
+                <p:nvPr/>
+              </p:nvPicPr>
+              <p:blipFill>
+                <a:blip r:embed="rId3"/>
+                <a:stretch>
+                  <a:fillRect/>
+                </a:stretch>
+              </p:blipFill>
+              <p:spPr>
+                <a:xfrm>
+                  <a:off x="3113086" y="3638550"/>
+                  <a:ext cx="1876424" cy="2352674"/>
+                </a:xfrm>
+                <a:prstGeom prst="rect">
+                  <a:avLst/>
+                </a:prstGeom>
+              </p:spPr>
+            </p:pic>
+          </p:grpSp>
+          <p:sp>
+            <p:nvSpPr>
+              <p:cNvPr id="21" name="TextBox 20"/>
+              <p:cNvSpPr txBox="1"/>
+              <p:nvPr/>
+            </p:nvSpPr>
+            <p:spPr>
+              <a:xfrm>
+                <a:off x="7581899" y="4666334"/>
+                <a:ext cx="995795" cy="369332"/>
+              </a:xfrm>
+              <a:prstGeom prst="rect">
+                <a:avLst/>
+              </a:prstGeom>
+              <a:noFill/>
+            </p:spPr>
+            <p:txBody>
+              <a:bodyPr wrap="square" rtlCol="0">
+                <a:spAutoFit/>
+              </a:bodyPr>
+              <a:lstStyle/>
+              <a:p>
+                <a:r>
+                  <a:rPr lang="fr-FR" dirty="0" smtClean="0">
+                    <a:solidFill>
+                      <a:schemeClr val="bg1"/>
+                    </a:solidFill>
+                    <a:latin typeface="Hoefler Text"/>
+                  </a:rPr>
+                  <a:t>1,60€/L</a:t>
+                </a:r>
+                <a:endParaRPr lang="fr-FR" dirty="0">
+                  <a:solidFill>
+                    <a:schemeClr val="bg1"/>
+                  </a:solidFill>
+                  <a:latin typeface="Hoefler Text"/>
+                </a:endParaRPr>
               </a:p>
             </p:txBody>
           </p:sp>
         </p:grpSp>
         <p:sp>
           <p:nvSpPr>
-            <p:cNvPr id="4" name="Oval 3"/>
+            <p:cNvPr id="15" name="Oval 14"/>
             <p:cNvSpPr/>
             <p:nvPr/>
           </p:nvSpPr>
           <p:spPr>
             <a:xfrm>
-              <a:off x="2120739" y="1148533"/>
-              <a:ext cx="1346200" cy="1346200"/>
+              <a:off x="2816306" y="3187897"/>
+              <a:ext cx="3511389" cy="1092200"/>
+            </a:xfrm>
+            <a:prstGeom prst="ellipse">
+              <a:avLst/>
+            </a:prstGeom>
+            <a:gradFill flip="none" rotWithShape="1">
+              <a:gsLst>
+                <a:gs pos="0">
+                  <a:srgbClr val="568E77">
+                    <a:shade val="30000"/>
+                    <a:satMod val="115000"/>
+                  </a:srgbClr>
+                </a:gs>
+                <a:gs pos="50000">
+                  <a:srgbClr val="568E77">
+                    <a:shade val="67500"/>
+                    <a:satMod val="115000"/>
+                  </a:srgbClr>
+                </a:gs>
+                <a:gs pos="100000">
+                  <a:srgbClr val="568E77">
+                    <a:shade val="100000"/>
+                    <a:satMod val="115000"/>
+                  </a:srgbClr>
+                </a:gs>
+              </a:gsLst>
+              <a:path path="circle">
+                <a:fillToRect l="50000" t="50000" r="50000" b="50000"/>
+              </a:path>
+              <a:tileRect/>
+            </a:gradFill>
+            <a:ln>
+              <a:noFill/>
+            </a:ln>
+          </p:spPr>
+          <p:style>
+            <a:lnRef idx="1">
+              <a:schemeClr val="accent1"/>
+            </a:lnRef>
+            <a:fillRef idx="3">
+              <a:schemeClr val="accent1"/>
+            </a:fillRef>
+            <a:effectRef idx="2">
+              <a:schemeClr val="accent1"/>
+            </a:effectRef>
+            <a:fontRef idx="minor">
+              <a:schemeClr val="lt1"/>
+            </a:fontRef>
+          </p:style>
+          <p:txBody>
+            <a:bodyPr rtlCol="0" anchor="ctr"/>
+            <a:lstStyle/>
+            <a:p>
+              <a:pPr algn="ctr"/>
+              <a:r>
+                <a:rPr lang="fr-FR" dirty="0" err="1" smtClean="0">
+                  <a:latin typeface="Hoefler Text"/>
+                </a:rPr>
+                <a:t>Annual</a:t>
+              </a:r>
+              <a:r>
+                <a:rPr lang="fr-FR" dirty="0" smtClean="0">
+                  <a:latin typeface="Hoefler Text"/>
+                </a:rPr>
+                <a:t> </a:t>
+              </a:r>
+              <a:r>
+                <a:rPr lang="fr-FR" dirty="0" err="1" smtClean="0">
+                  <a:latin typeface="Hoefler Text"/>
+                </a:rPr>
+                <a:t>cost</a:t>
+              </a:r>
+              <a:r>
+                <a:rPr lang="fr-FR" dirty="0">
+                  <a:latin typeface="Hoefler Text"/>
+                </a:rPr>
+                <a:t/>
+              </a:r>
+              <a:br>
+                <a:rPr lang="fr-FR" dirty="0">
+                  <a:latin typeface="Hoefler Text"/>
+                </a:rPr>
+              </a:br>
+              <a:r>
+                <a:rPr lang="fr-FR" sz="4000" dirty="0" smtClean="0">
+                  <a:latin typeface="Hoefler Text"/>
+                </a:rPr>
+                <a:t>1002€</a:t>
+              </a:r>
+              <a:endParaRPr lang="fr-FR" sz="4000" dirty="0">
+                <a:latin typeface="Hoefler Text"/>
+              </a:endParaRPr>
+            </a:p>
+          </p:txBody>
+        </p:sp>
+        <p:sp>
+          <p:nvSpPr>
+            <p:cNvPr id="16" name="Explosion 1 15"/>
+            <p:cNvSpPr/>
+            <p:nvPr/>
+          </p:nvSpPr>
+          <p:spPr>
+            <a:xfrm>
+              <a:off x="966655" y="4941273"/>
+              <a:ext cx="2570456" cy="1828800"/>
+            </a:xfrm>
+            <a:prstGeom prst="irregularSeal1">
+              <a:avLst/>
+            </a:prstGeom>
+            <a:gradFill flip="none" rotWithShape="1">
+              <a:gsLst>
+                <a:gs pos="0">
+                  <a:srgbClr val="568E77">
+                    <a:shade val="30000"/>
+                    <a:satMod val="115000"/>
+                  </a:srgbClr>
+                </a:gs>
+                <a:gs pos="50000">
+                  <a:srgbClr val="568E77">
+                    <a:shade val="67500"/>
+                    <a:satMod val="115000"/>
+                  </a:srgbClr>
+                </a:gs>
+                <a:gs pos="100000">
+                  <a:srgbClr val="568E77">
+                    <a:shade val="100000"/>
+                    <a:satMod val="115000"/>
+                  </a:srgbClr>
+                </a:gs>
+              </a:gsLst>
+              <a:lin ang="5400000" scaled="1"/>
+              <a:tileRect/>
+            </a:gradFill>
+            <a:ln>
+              <a:noFill/>
+            </a:ln>
+          </p:spPr>
+          <p:style>
+            <a:lnRef idx="1">
+              <a:schemeClr val="accent1"/>
+            </a:lnRef>
+            <a:fillRef idx="3">
+              <a:schemeClr val="accent1"/>
+            </a:fillRef>
+            <a:effectRef idx="2">
+              <a:schemeClr val="accent1"/>
+            </a:effectRef>
+            <a:fontRef idx="minor">
+              <a:schemeClr val="lt1"/>
+            </a:fontRef>
+          </p:style>
+          <p:txBody>
+            <a:bodyPr rtlCol="0" anchor="ctr"/>
+            <a:lstStyle/>
+            <a:p>
+              <a:pPr algn="ctr"/>
+              <a:r>
+                <a:rPr lang="fr-FR" sz="4400" dirty="0" smtClean="0">
+                  <a:latin typeface="Hoefler Text"/>
+                </a:rPr>
+                <a:t>400€</a:t>
+              </a:r>
+              <a:endParaRPr lang="fr-FR" sz="4400" dirty="0">
+                <a:latin typeface="Hoefler Text"/>
+              </a:endParaRPr>
+            </a:p>
+          </p:txBody>
+        </p:sp>
+        <p:sp>
+          <p:nvSpPr>
+            <p:cNvPr id="17" name="TextBox 16"/>
+            <p:cNvSpPr txBox="1"/>
+            <p:nvPr/>
+          </p:nvSpPr>
+          <p:spPr>
+            <a:xfrm>
+              <a:off x="3104004" y="4357955"/>
+              <a:ext cx="3134749" cy="646331"/>
+            </a:xfrm>
+            <a:prstGeom prst="rect">
+              <a:avLst/>
+            </a:prstGeom>
+            <a:noFill/>
+          </p:spPr>
+          <p:txBody>
+            <a:bodyPr wrap="square" rtlCol="0">
+              <a:spAutoFit/>
+            </a:bodyPr>
+            <a:lstStyle/>
+            <a:p>
+              <a:r>
+                <a:rPr lang="en-US" dirty="0">
+                  <a:solidFill>
+                    <a:srgbClr val="FF8153"/>
+                  </a:solidFill>
+                  <a:latin typeface="Hoefler Text"/>
+                  <a:ea typeface="Microsoft YaHei" charset="0"/>
+                  <a:cs typeface="Hoefler Text"/>
+                </a:rPr>
+                <a:t>Increasing occupation rate to 2 person per car, will </a:t>
+              </a:r>
+              <a:r>
+                <a:rPr lang="en-US" dirty="0" smtClean="0">
+                  <a:solidFill>
+                    <a:srgbClr val="FF8153"/>
+                  </a:solidFill>
+                  <a:latin typeface="Hoefler Text"/>
+                  <a:ea typeface="Microsoft YaHei" charset="0"/>
+                  <a:cs typeface="Hoefler Text"/>
+                </a:rPr>
+                <a:t>save</a:t>
+              </a:r>
+              <a:endParaRPr lang="en-US" dirty="0">
+                <a:solidFill>
+                  <a:srgbClr val="FF8153"/>
+                </a:solidFill>
+                <a:latin typeface="Hoefler Text"/>
+                <a:ea typeface="Microsoft YaHei" charset="0"/>
+                <a:cs typeface="Hoefler Text"/>
+              </a:endParaRPr>
+            </a:p>
+          </p:txBody>
+        </p:sp>
+        <p:sp>
+          <p:nvSpPr>
+            <p:cNvPr id="18" name="TextBox 17"/>
+            <p:cNvSpPr txBox="1"/>
+            <p:nvPr/>
+          </p:nvSpPr>
+          <p:spPr>
+            <a:xfrm>
+              <a:off x="3104005" y="5369945"/>
+              <a:ext cx="2935990" cy="1107996"/>
+            </a:xfrm>
+            <a:prstGeom prst="rect">
+              <a:avLst/>
+            </a:prstGeom>
+            <a:noFill/>
+          </p:spPr>
+          <p:txBody>
+            <a:bodyPr wrap="square" rtlCol="0">
+              <a:spAutoFit/>
+            </a:bodyPr>
+            <a:lstStyle/>
+            <a:p>
+              <a:pPr algn="ctr"/>
+              <a:r>
+                <a:rPr lang="en-US" sz="6600" dirty="0">
+                  <a:solidFill>
+                    <a:srgbClr val="FF8153"/>
+                  </a:solidFill>
+                  <a:latin typeface="Hoefler Text"/>
+                  <a:ea typeface="Microsoft YaHei" charset="0"/>
+                  <a:cs typeface="Hoefler Text"/>
+                </a:rPr>
+                <a:t>&amp;</a:t>
+              </a:r>
+            </a:p>
+          </p:txBody>
+        </p:sp>
+        <p:sp>
+          <p:nvSpPr>
+            <p:cNvPr id="19" name="Cloud 18"/>
+            <p:cNvSpPr/>
+            <p:nvPr/>
+          </p:nvSpPr>
+          <p:spPr>
+            <a:xfrm>
+              <a:off x="5756195" y="4941273"/>
+              <a:ext cx="2816305" cy="1765787"/>
+            </a:xfrm>
+            <a:prstGeom prst="cloud">
+              <a:avLst/>
+            </a:prstGeom>
+            <a:gradFill flip="none" rotWithShape="1">
+              <a:gsLst>
+                <a:gs pos="0">
+                  <a:srgbClr val="568E77">
+                    <a:shade val="30000"/>
+                    <a:satMod val="115000"/>
+                  </a:srgbClr>
+                </a:gs>
+                <a:gs pos="50000">
+                  <a:srgbClr val="568E77">
+                    <a:shade val="67500"/>
+                    <a:satMod val="115000"/>
+                  </a:srgbClr>
+                </a:gs>
+                <a:gs pos="100000">
+                  <a:srgbClr val="568E77">
+                    <a:shade val="100000"/>
+                    <a:satMod val="115000"/>
+                  </a:srgbClr>
+                </a:gs>
+              </a:gsLst>
+              <a:lin ang="8100000" scaled="1"/>
+              <a:tileRect/>
+            </a:gradFill>
+            <a:ln>
+              <a:noFill/>
+            </a:ln>
+          </p:spPr>
+          <p:style>
+            <a:lnRef idx="1">
+              <a:schemeClr val="accent1"/>
+            </a:lnRef>
+            <a:fillRef idx="3">
+              <a:schemeClr val="accent1"/>
+            </a:fillRef>
+            <a:effectRef idx="2">
+              <a:schemeClr val="accent1"/>
+            </a:effectRef>
+            <a:fontRef idx="minor">
+              <a:schemeClr val="lt1"/>
+            </a:fontRef>
+          </p:style>
+          <p:txBody>
+            <a:bodyPr rtlCol="0" anchor="ctr"/>
+            <a:lstStyle/>
+            <a:p>
+              <a:pPr algn="ctr"/>
+              <a:r>
+                <a:rPr lang="fr-FR" sz="3600" dirty="0" smtClean="0">
+                  <a:latin typeface="Hoefler Text"/>
+                </a:rPr>
+                <a:t>-</a:t>
+              </a:r>
+              <a:r>
+                <a:rPr lang="fr-FR" sz="4400" dirty="0" smtClean="0">
+                  <a:latin typeface="Hoefler Text"/>
+                </a:rPr>
+                <a:t>12</a:t>
+              </a:r>
+              <a:r>
+                <a:rPr lang="fr-FR" sz="3600" dirty="0" smtClean="0">
+                  <a:latin typeface="Hoefler Text"/>
+                </a:rPr>
+                <a:t>% </a:t>
+              </a:r>
+              <a:br>
+                <a:rPr lang="fr-FR" sz="3600" dirty="0" smtClean="0">
+                  <a:latin typeface="Hoefler Text"/>
+                </a:rPr>
+              </a:br>
+              <a:r>
+                <a:rPr lang="fr-FR" sz="1400" dirty="0" smtClean="0">
+                  <a:latin typeface="Hoefler Text"/>
+                </a:rPr>
+                <a:t>of CO2 </a:t>
+              </a:r>
+              <a:r>
+                <a:rPr lang="fr-FR" sz="1400" dirty="0" err="1" smtClean="0">
+                  <a:latin typeface="Hoefler Text"/>
+                </a:rPr>
+                <a:t>from</a:t>
+              </a:r>
+              <a:r>
+                <a:rPr lang="fr-FR" sz="1400" dirty="0" smtClean="0">
+                  <a:latin typeface="Hoefler Text"/>
+                </a:rPr>
+                <a:t> transportation </a:t>
+              </a:r>
+              <a:endParaRPr lang="fr-FR" sz="1400" dirty="0">
+                <a:latin typeface="Hoefler Text"/>
+              </a:endParaRPr>
+            </a:p>
+          </p:txBody>
+        </p:sp>
+      </p:grpSp>
+      <p:grpSp>
+        <p:nvGrpSpPr>
+          <p:cNvPr id="2" name="Group 1"/>
+          <p:cNvGrpSpPr/>
+          <p:nvPr/>
+        </p:nvGrpSpPr>
+        <p:grpSpPr>
+          <a:xfrm>
+            <a:off x="51368" y="786768"/>
+            <a:ext cx="3485743" cy="2286001"/>
+            <a:chOff x="51368" y="786768"/>
+            <a:chExt cx="3485743" cy="2286001"/>
+          </a:xfrm>
+        </p:grpSpPr>
+        <p:pic>
+          <p:nvPicPr>
+            <p:cNvPr id="1026" name="Picture 2" descr="https://dub120.afx.ms/att/GetInline.aspx?messageid=238cc397-142b-11e5-a9bf-00215ad7bb44&amp;attindex=0&amp;cp=-1&amp;attdepth=0&amp;imgsrc=cid%3a44D9AD8E-574D-416B-927A-5368390146D3&amp;cid=2d1bf4eef46f45fc&amp;hm__login=akilalmassine&amp;hm__domain=hotmail.fr&amp;ip=10.111.8.8&amp;d=d808&amp;mf=0&amp;hm__ts=Tue%2c%2016%20Jun%202015%2013%3a25%3a41%20GMT&amp;st=%2800067FFE9E233DA2%29&amp;hm__ha=01_71633c412c9e09b90503d3aec971b14e6ad96af6f593862feab9ff61c1431b09&amp;oneredir=1"/>
+            <p:cNvPicPr>
+              <a:picLocks noChangeAspect="1" noChangeArrowheads="1"/>
+            </p:cNvPicPr>
+            <p:nvPr/>
+          </p:nvPicPr>
+          <p:blipFill>
+            <a:blip r:embed="rId4">
+              <a:extLst>
+                <a:ext uri="{28A0092B-C50C-407E-A947-70E740481C1C}">
+                  <a14:useLocalDpi xmlns:a14="http://schemas.microsoft.com/office/drawing/2010/main" val="0"/>
+                </a:ext>
+              </a:extLst>
+            </a:blip>
+            <a:srcRect/>
+            <a:stretch>
+              <a:fillRect/>
+            </a:stretch>
+          </p:blipFill>
+          <p:spPr bwMode="auto">
+            <a:xfrm rot="792790">
+              <a:off x="51368" y="786768"/>
+              <a:ext cx="2952750" cy="2286001"/>
+            </a:xfrm>
+            <a:prstGeom prst="rect">
+              <a:avLst/>
+            </a:prstGeom>
+            <a:noFill/>
+            <a:extLst>
+              <a:ext uri="{909E8E84-426E-40DD-AFC4-6F175D3DCCD1}">
+                <a14:hiddenFill xmlns:a14="http://schemas.microsoft.com/office/drawing/2010/main">
+                  <a:solidFill>
+                    <a:srgbClr val="FFFFFF"/>
+                  </a:solidFill>
+                </a14:hiddenFill>
+              </a:ext>
+            </a:extLst>
+          </p:spPr>
+        </p:pic>
+        <p:sp>
+          <p:nvSpPr>
+            <p:cNvPr id="41" name="TextBox 40"/>
+            <p:cNvSpPr txBox="1"/>
+            <p:nvPr/>
+          </p:nvSpPr>
+          <p:spPr>
+            <a:xfrm>
+              <a:off x="588266" y="1825581"/>
+              <a:ext cx="1504709" cy="369332"/>
+            </a:xfrm>
+            <a:prstGeom prst="rect">
+              <a:avLst/>
+            </a:prstGeom>
+            <a:noFill/>
+          </p:spPr>
+          <p:txBody>
+            <a:bodyPr wrap="square" rtlCol="0">
+              <a:spAutoFit/>
+            </a:bodyPr>
+            <a:lstStyle/>
+            <a:p>
+              <a:r>
+                <a:rPr lang="fr-FR" dirty="0">
+                  <a:solidFill>
+                    <a:srgbClr val="F6F1E5"/>
+                  </a:solidFill>
+                  <a:latin typeface="Hoefler Text"/>
+                  <a:cs typeface="Hoefler Text"/>
+                </a:rPr>
+                <a:t>6,2 L/100km</a:t>
+              </a:r>
+            </a:p>
+          </p:txBody>
+        </p:sp>
+        <p:sp>
+          <p:nvSpPr>
+            <p:cNvPr id="42" name="Oval 41"/>
+            <p:cNvSpPr/>
+            <p:nvPr/>
+          </p:nvSpPr>
+          <p:spPr>
+            <a:xfrm>
+              <a:off x="2092975" y="952597"/>
+              <a:ext cx="1444136" cy="1346200"/>
             </a:xfrm>
             <a:prstGeom prst="ellipse">
               <a:avLst/>
@@ -9508,106 +10330,128 @@
             <a:p>
               <a:pPr algn="ctr"/>
               <a:r>
-                <a:rPr lang="fr-FR" dirty="0" smtClean="0"/>
+                <a:rPr lang="fr-FR" dirty="0" smtClean="0">
+                  <a:latin typeface="Hoefler Text"/>
+                </a:rPr>
                 <a:t>62% of the cars</a:t>
               </a:r>
-              <a:endParaRPr lang="fr-FR" dirty="0"/>
+              <a:endParaRPr lang="fr-FR" dirty="0">
+                <a:latin typeface="Hoefler Text"/>
+              </a:endParaRPr>
             </a:p>
           </p:txBody>
         </p:sp>
       </p:grpSp>
       <p:grpSp>
         <p:nvGrpSpPr>
-          <p:cNvPr id="5" name="Group 4"/>
+          <p:cNvPr id="43" name="Group 42"/>
           <p:cNvGrpSpPr/>
           <p:nvPr/>
         </p:nvGrpSpPr>
         <p:grpSpPr>
           <a:xfrm>
-            <a:off x="5384800" y="894614"/>
-            <a:ext cx="2895439" cy="1886767"/>
-            <a:chOff x="5941993" y="940096"/>
-            <a:chExt cx="2895439" cy="1886767"/>
+            <a:off x="5503066" y="806141"/>
+            <a:ext cx="3485743" cy="2286001"/>
+            <a:chOff x="51368" y="786768"/>
+            <a:chExt cx="3485743" cy="2286001"/>
           </a:xfrm>
         </p:grpSpPr>
-        <p:grpSp>
-          <p:nvGrpSpPr>
-            <p:cNvPr id="3" name="Group 2"/>
-            <p:cNvGrpSpPr/>
+        <p:pic>
+          <p:nvPicPr>
+            <p:cNvPr id="44" name="Picture 2" descr="https://dub120.afx.ms/att/GetInline.aspx?messageid=238cc397-142b-11e5-a9bf-00215ad7bb44&amp;attindex=0&amp;cp=-1&amp;attdepth=0&amp;imgsrc=cid%3a44D9AD8E-574D-416B-927A-5368390146D3&amp;cid=2d1bf4eef46f45fc&amp;hm__login=akilalmassine&amp;hm__domain=hotmail.fr&amp;ip=10.111.8.8&amp;d=d808&amp;mf=0&amp;hm__ts=Tue%2c%2016%20Jun%202015%2013%3a25%3a41%20GMT&amp;st=%2800067FFE9E233DA2%29&amp;hm__ha=01_71633c412c9e09b90503d3aec971b14e6ad96af6f593862feab9ff61c1431b09&amp;oneredir=1"/>
+            <p:cNvPicPr>
+              <a:picLocks noChangeAspect="1" noChangeArrowheads="1"/>
+            </p:cNvPicPr>
             <p:nvPr/>
-          </p:nvGrpSpPr>
-          <p:grpSpPr>
-            <a:xfrm>
-              <a:off x="5941993" y="1148533"/>
-              <a:ext cx="2222339" cy="1678330"/>
-              <a:chOff x="5509549" y="1111169"/>
-              <a:chExt cx="2222339" cy="1678330"/>
+          </p:nvPicPr>
+          <p:blipFill>
+            <a:blip r:embed="rId4">
+              <a:extLst>
+                <a:ext uri="{28A0092B-C50C-407E-A947-70E740481C1C}">
+                  <a14:useLocalDpi xmlns:a14="http://schemas.microsoft.com/office/drawing/2010/main" val="0"/>
+                </a:ext>
+              </a:extLst>
+            </a:blip>
+            <a:srcRect/>
+            <a:stretch>
+              <a:fillRect/>
+            </a:stretch>
+          </p:blipFill>
+          <p:spPr bwMode="auto">
+            <a:xfrm rot="792790">
+              <a:off x="51368" y="786768"/>
+              <a:ext cx="2952750" cy="2286001"/>
             </a:xfrm>
-          </p:grpSpPr>
-          <p:pic>
-            <p:nvPicPr>
-              <p:cNvPr id="14" name="Picture 13"/>
-              <p:cNvPicPr>
-                <a:picLocks noChangeAspect="1"/>
-              </p:cNvPicPr>
-              <p:nvPr/>
-            </p:nvPicPr>
-            <p:blipFill rotWithShape="1">
-              <a:blip r:embed="rId4"/>
-              <a:srcRect l="27872" t="32918" r="27405" b="42339"/>
-              <a:stretch/>
-            </p:blipFill>
-            <p:spPr>
-              <a:xfrm>
-                <a:off x="5509549" y="1111169"/>
-                <a:ext cx="2222339" cy="1678330"/>
-              </a:xfrm>
-              <a:prstGeom prst="rect">
-                <a:avLst/>
-              </a:prstGeom>
-            </p:spPr>
-          </p:pic>
-          <p:sp>
-            <p:nvSpPr>
-              <p:cNvPr id="2" name="TextBox 1"/>
-              <p:cNvSpPr txBox="1"/>
-              <p:nvPr/>
-            </p:nvSpPr>
-            <p:spPr>
-              <a:xfrm>
-                <a:off x="5941993" y="1828800"/>
-                <a:ext cx="1504709" cy="369332"/>
-              </a:xfrm>
-              <a:prstGeom prst="rect">
-                <a:avLst/>
-              </a:prstGeom>
-              <a:noFill/>
-            </p:spPr>
-            <p:txBody>
-              <a:bodyPr wrap="square" rtlCol="0">
-                <a:spAutoFit/>
-              </a:bodyPr>
-              <a:lstStyle/>
-              <a:p>
-                <a:r>
-                  <a:rPr lang="fr-FR" dirty="0" smtClean="0"/>
-                  <a:t>7,5 L/100km</a:t>
-                </a:r>
-                <a:endParaRPr lang="fr-FR" dirty="0"/>
-              </a:p>
-            </p:txBody>
-          </p:sp>
-        </p:grpSp>
+            <a:prstGeom prst="rect">
+              <a:avLst/>
+            </a:prstGeom>
+            <a:noFill/>
+            <a:extLst>
+              <a:ext uri="{909E8E84-426E-40DD-AFC4-6F175D3DCCD1}">
+                <a14:hiddenFill xmlns:a14="http://schemas.microsoft.com/office/drawing/2010/main">
+                  <a:solidFill>
+                    <a:srgbClr val="FFFFFF"/>
+                  </a:solidFill>
+                </a14:hiddenFill>
+              </a:ext>
+            </a:extLst>
+          </p:spPr>
+        </p:pic>
         <p:sp>
           <p:nvSpPr>
-            <p:cNvPr id="18" name="Oval 17"/>
+            <p:cNvPr id="45" name="TextBox 44"/>
+            <p:cNvSpPr txBox="1"/>
+            <p:nvPr/>
+          </p:nvSpPr>
+          <p:spPr>
+            <a:xfrm>
+              <a:off x="588266" y="1825581"/>
+              <a:ext cx="1504709" cy="369332"/>
+            </a:xfrm>
+            <a:prstGeom prst="rect">
+              <a:avLst/>
+            </a:prstGeom>
+            <a:noFill/>
+          </p:spPr>
+          <p:txBody>
+            <a:bodyPr wrap="square" rtlCol="0">
+              <a:spAutoFit/>
+            </a:bodyPr>
+            <a:lstStyle/>
+            <a:p>
+              <a:r>
+                <a:rPr lang="fr-FR" dirty="0" smtClean="0">
+                  <a:solidFill>
+                    <a:srgbClr val="F6F1E5"/>
+                  </a:solidFill>
+                  <a:latin typeface="Hoefler Text"/>
+                  <a:cs typeface="Hoefler Text"/>
+                </a:rPr>
+                <a:t>7,5 </a:t>
+              </a:r>
+              <a:r>
+                <a:rPr lang="fr-FR" dirty="0">
+                  <a:solidFill>
+                    <a:srgbClr val="F6F1E5"/>
+                  </a:solidFill>
+                  <a:latin typeface="Hoefler Text"/>
+                  <a:cs typeface="Hoefler Text"/>
+                </a:rPr>
+                <a:t>L/100km</a:t>
+              </a:r>
+            </a:p>
+          </p:txBody>
+        </p:sp>
+        <p:sp>
+          <p:nvSpPr>
+            <p:cNvPr id="46" name="Oval 45"/>
             <p:cNvSpPr/>
             <p:nvPr/>
           </p:nvSpPr>
           <p:spPr>
             <a:xfrm>
-              <a:off x="7491232" y="940096"/>
-              <a:ext cx="1346200" cy="1346200"/>
+              <a:off x="2092975" y="952597"/>
+              <a:ext cx="1444136" cy="1346200"/>
             </a:xfrm>
             <a:prstGeom prst="ellipse">
               <a:avLst/>
@@ -9633,7 +10477,7 @@
                   </a:srgbClr>
                 </a:gs>
               </a:gsLst>
-              <a:lin ang="8100000" scaled="1"/>
+              <a:lin ang="2700000" scaled="1"/>
               <a:tileRect/>
             </a:gradFill>
             <a:ln>
@@ -9660,497 +10504,37 @@
             <a:p>
               <a:pPr algn="ctr"/>
               <a:r>
-                <a:rPr lang="fr-FR" dirty="0" smtClean="0"/>
+                <a:rPr lang="fr-FR" dirty="0" smtClean="0">
+                  <a:latin typeface="Hoefler Text"/>
+                </a:rPr>
                 <a:t>38% of the cars</a:t>
               </a:r>
-              <a:endParaRPr lang="fr-FR" dirty="0"/>
-            </a:p>
-          </p:txBody>
-        </p:sp>
-      </p:grpSp>
-      <p:grpSp>
-        <p:nvGrpSpPr>
-          <p:cNvPr id="28" name="Group 27"/>
-          <p:cNvGrpSpPr/>
-          <p:nvPr/>
-        </p:nvGrpSpPr>
-        <p:grpSpPr>
-          <a:xfrm>
-            <a:off x="50800" y="2604671"/>
-            <a:ext cx="3886200" cy="597016"/>
-            <a:chOff x="50800" y="2903179"/>
-            <a:chExt cx="3886200" cy="597016"/>
-          </a:xfrm>
-        </p:grpSpPr>
-        <p:pic>
-          <p:nvPicPr>
-            <p:cNvPr id="20" name="Picture 19"/>
-            <p:cNvPicPr>
-              <a:picLocks noChangeAspect="1"/>
-            </p:cNvPicPr>
-            <p:nvPr/>
-          </p:nvPicPr>
-          <p:blipFill rotWithShape="1">
-            <a:blip r:embed="rId5"/>
-            <a:srcRect l="12626" t="-27020" r="17206"/>
-            <a:stretch/>
-          </p:blipFill>
-          <p:spPr>
-            <a:xfrm>
-              <a:off x="50800" y="2903179"/>
-              <a:ext cx="3886200" cy="597016"/>
-            </a:xfrm>
-            <a:prstGeom prst="rect">
-              <a:avLst/>
-            </a:prstGeom>
-          </p:spPr>
-        </p:pic>
-        <p:sp>
-          <p:nvSpPr>
-            <p:cNvPr id="21" name="TextBox 20"/>
-            <p:cNvSpPr txBox="1"/>
-            <p:nvPr/>
-          </p:nvSpPr>
-          <p:spPr>
-            <a:xfrm>
-              <a:off x="832897" y="3030062"/>
-              <a:ext cx="1675756" cy="369332"/>
-            </a:xfrm>
-            <a:prstGeom prst="rect">
-              <a:avLst/>
-            </a:prstGeom>
-            <a:noFill/>
-          </p:spPr>
-          <p:txBody>
-            <a:bodyPr wrap="square" rtlCol="0">
-              <a:spAutoFit/>
-            </a:bodyPr>
-            <a:lstStyle/>
-            <a:p>
-              <a:r>
-                <a:rPr lang="fr-FR" dirty="0" smtClean="0"/>
-                <a:t>15477 km/</a:t>
-              </a:r>
-              <a:r>
-                <a:rPr lang="fr-FR" dirty="0" err="1" smtClean="0"/>
-                <a:t>Year</a:t>
-              </a:r>
-              <a:endParaRPr lang="fr-FR" dirty="0"/>
-            </a:p>
-          </p:txBody>
-        </p:sp>
-      </p:grpSp>
-      <p:grpSp>
-        <p:nvGrpSpPr>
-          <p:cNvPr id="25" name="Group 24"/>
-          <p:cNvGrpSpPr/>
-          <p:nvPr/>
-        </p:nvGrpSpPr>
-        <p:grpSpPr>
-          <a:xfrm>
-            <a:off x="4165439" y="2579155"/>
-            <a:ext cx="4673761" cy="653053"/>
-            <a:chOff x="4165439" y="2877663"/>
-            <a:chExt cx="4673761" cy="653053"/>
-          </a:xfrm>
-        </p:grpSpPr>
-        <p:pic>
-          <p:nvPicPr>
-            <p:cNvPr id="23" name="Picture 22"/>
-            <p:cNvPicPr>
-              <a:picLocks noChangeAspect="1"/>
-            </p:cNvPicPr>
-            <p:nvPr/>
-          </p:nvPicPr>
-          <p:blipFill rotWithShape="1">
-            <a:blip r:embed="rId5"/>
-            <a:srcRect l="12626" t="-27019" r="17206" b="21616"/>
-            <a:stretch/>
-          </p:blipFill>
-          <p:spPr>
-            <a:xfrm rot="10800000">
-              <a:off x="4165439" y="3035300"/>
-              <a:ext cx="3886200" cy="495416"/>
-            </a:xfrm>
-            <a:prstGeom prst="rect">
-              <a:avLst/>
-            </a:prstGeom>
-          </p:spPr>
-        </p:pic>
-        <p:pic>
-          <p:nvPicPr>
-            <p:cNvPr id="24" name="Picture 23"/>
-            <p:cNvPicPr>
-              <a:picLocks noChangeAspect="1"/>
-            </p:cNvPicPr>
-            <p:nvPr/>
-          </p:nvPicPr>
-          <p:blipFill rotWithShape="1">
-            <a:blip r:embed="rId5"/>
-            <a:srcRect l="24322" t="-37829" r="53433" b="10809"/>
-            <a:stretch/>
-          </p:blipFill>
-          <p:spPr>
-            <a:xfrm>
-              <a:off x="7607139" y="2877663"/>
-              <a:ext cx="1232061" cy="597016"/>
-            </a:xfrm>
-            <a:prstGeom prst="rect">
-              <a:avLst/>
-            </a:prstGeom>
-          </p:spPr>
-        </p:pic>
-        <p:sp>
-          <p:nvSpPr>
-            <p:cNvPr id="27" name="TextBox 26"/>
-            <p:cNvSpPr txBox="1"/>
-            <p:nvPr/>
-          </p:nvSpPr>
-          <p:spPr>
-            <a:xfrm>
-              <a:off x="5646197" y="3030062"/>
-              <a:ext cx="1675756" cy="369332"/>
-            </a:xfrm>
-            <a:prstGeom prst="rect">
-              <a:avLst/>
-            </a:prstGeom>
-            <a:noFill/>
-          </p:spPr>
-          <p:txBody>
-            <a:bodyPr wrap="square" rtlCol="0">
-              <a:spAutoFit/>
-            </a:bodyPr>
-            <a:lstStyle/>
-            <a:p>
-              <a:r>
-                <a:rPr lang="fr-FR" dirty="0" smtClean="0"/>
-                <a:t>8225 km/</a:t>
-              </a:r>
-              <a:r>
-                <a:rPr lang="fr-FR" dirty="0" err="1" smtClean="0"/>
-                <a:t>Year</a:t>
-              </a:r>
-              <a:endParaRPr lang="fr-FR" dirty="0"/>
-            </a:p>
-          </p:txBody>
-        </p:sp>
-      </p:grpSp>
-      <p:grpSp>
-        <p:nvGrpSpPr>
-          <p:cNvPr id="1027" name="Group 1026"/>
-          <p:cNvGrpSpPr/>
-          <p:nvPr/>
-        </p:nvGrpSpPr>
-        <p:grpSpPr>
-          <a:xfrm>
-            <a:off x="359344" y="3176171"/>
-            <a:ext cx="1504950" cy="1504950"/>
-            <a:chOff x="457200" y="3530716"/>
-            <a:chExt cx="1504950" cy="1504950"/>
-          </a:xfrm>
-        </p:grpSpPr>
-        <p:grpSp>
-          <p:nvGrpSpPr>
-            <p:cNvPr id="35" name="Group 34"/>
-            <p:cNvGrpSpPr/>
-            <p:nvPr/>
-          </p:nvGrpSpPr>
-          <p:grpSpPr>
-            <a:xfrm>
-              <a:off x="457200" y="3530716"/>
-              <a:ext cx="1504950" cy="1504950"/>
-              <a:chOff x="2508250" y="3638550"/>
-              <a:chExt cx="2857500" cy="2857500"/>
-            </a:xfrm>
-          </p:grpSpPr>
-          <p:sp>
-            <p:nvSpPr>
-              <p:cNvPr id="36" name="Rounded Rectangle 35"/>
-              <p:cNvSpPr/>
-              <p:nvPr/>
-            </p:nvSpPr>
-            <p:spPr>
-              <a:xfrm>
-                <a:off x="2508250" y="3638550"/>
-                <a:ext cx="2857500" cy="2857500"/>
-              </a:xfrm>
-              <a:prstGeom prst="roundRect">
-                <a:avLst>
-                  <a:gd name="adj" fmla="val 12667"/>
-                </a:avLst>
-              </a:prstGeom>
-              <a:solidFill>
-                <a:srgbClr val="568E77"/>
-              </a:solidFill>
-              <a:ln>
-                <a:noFill/>
-              </a:ln>
-            </p:spPr>
-            <p:style>
-              <a:lnRef idx="1">
-                <a:schemeClr val="accent1"/>
-              </a:lnRef>
-              <a:fillRef idx="3">
-                <a:schemeClr val="accent1"/>
-              </a:fillRef>
-              <a:effectRef idx="2">
-                <a:schemeClr val="accent1"/>
-              </a:effectRef>
-              <a:fontRef idx="minor">
-                <a:schemeClr val="lt1"/>
-              </a:fontRef>
-            </p:style>
-            <p:txBody>
-              <a:bodyPr rtlCol="0" anchor="ctr"/>
-              <a:lstStyle/>
-              <a:p>
-                <a:pPr algn="ctr"/>
-                <a:endParaRPr lang="fr-FR"/>
-              </a:p>
-            </p:txBody>
-          </p:sp>
-          <p:pic>
-            <p:nvPicPr>
-              <p:cNvPr id="37" name="Picture 36"/>
-              <p:cNvPicPr>
-                <a:picLocks noChangeAspect="1"/>
-              </p:cNvPicPr>
-              <p:nvPr/>
-            </p:nvPicPr>
-            <p:blipFill>
-              <a:blip r:embed="rId6"/>
-              <a:stretch>
-                <a:fillRect/>
-              </a:stretch>
-            </p:blipFill>
-            <p:spPr>
-              <a:xfrm>
-                <a:off x="3113086" y="3638550"/>
-                <a:ext cx="1876424" cy="2352674"/>
-              </a:xfrm>
-              <a:prstGeom prst="rect">
-                <a:avLst/>
-              </a:prstGeom>
-            </p:spPr>
-          </p:pic>
-        </p:grpSp>
-        <p:sp>
-          <p:nvSpPr>
-            <p:cNvPr id="38" name="TextBox 37"/>
-            <p:cNvSpPr txBox="1"/>
-            <p:nvPr/>
-          </p:nvSpPr>
-          <p:spPr>
-            <a:xfrm>
-              <a:off x="686122" y="4666334"/>
-              <a:ext cx="939478" cy="369332"/>
-            </a:xfrm>
-            <a:prstGeom prst="rect">
-              <a:avLst/>
-            </a:prstGeom>
-            <a:noFill/>
-          </p:spPr>
-          <p:txBody>
-            <a:bodyPr wrap="square" rtlCol="0">
-              <a:spAutoFit/>
-            </a:bodyPr>
-            <a:lstStyle/>
-            <a:p>
-              <a:r>
-                <a:rPr lang="fr-FR" dirty="0" smtClean="0">
-                  <a:solidFill>
-                    <a:schemeClr val="bg1"/>
-                  </a:solidFill>
-                </a:rPr>
-                <a:t>1,39€/L</a:t>
-              </a:r>
               <a:endParaRPr lang="fr-FR" dirty="0">
-                <a:solidFill>
-                  <a:schemeClr val="bg1"/>
-                </a:solidFill>
+                <a:latin typeface="Hoefler Text"/>
               </a:endParaRPr>
             </a:p>
           </p:txBody>
         </p:sp>
       </p:grpSp>
-      <p:grpSp>
-        <p:nvGrpSpPr>
-          <p:cNvPr id="1028" name="Group 1027"/>
-          <p:cNvGrpSpPr/>
-          <p:nvPr/>
-        </p:nvGrpSpPr>
-        <p:grpSpPr>
-          <a:xfrm>
-            <a:off x="7399461" y="3176171"/>
-            <a:ext cx="1504950" cy="1504950"/>
-            <a:chOff x="7299164" y="3530716"/>
-            <a:chExt cx="1504950" cy="1504950"/>
-          </a:xfrm>
-        </p:grpSpPr>
-        <p:grpSp>
-          <p:nvGrpSpPr>
-            <p:cNvPr id="1025" name="Group 1024"/>
-            <p:cNvGrpSpPr/>
-            <p:nvPr/>
-          </p:nvGrpSpPr>
-          <p:grpSpPr>
-            <a:xfrm>
-              <a:off x="7299164" y="3530716"/>
-              <a:ext cx="1504950" cy="1504950"/>
-              <a:chOff x="2508250" y="3638550"/>
-              <a:chExt cx="2857500" cy="2857500"/>
-            </a:xfrm>
-          </p:grpSpPr>
-          <p:sp>
-            <p:nvSpPr>
-              <p:cNvPr id="31" name="Rounded Rectangle 30"/>
-              <p:cNvSpPr/>
-              <p:nvPr/>
-            </p:nvSpPr>
-            <p:spPr>
-              <a:xfrm>
-                <a:off x="2508250" y="3638550"/>
-                <a:ext cx="2857500" cy="2857500"/>
-              </a:xfrm>
-              <a:prstGeom prst="roundRect">
-                <a:avLst>
-                  <a:gd name="adj" fmla="val 12667"/>
-                </a:avLst>
-              </a:prstGeom>
-              <a:solidFill>
-                <a:srgbClr val="568E77"/>
-              </a:solidFill>
-              <a:ln>
-                <a:noFill/>
-              </a:ln>
-            </p:spPr>
-            <p:style>
-              <a:lnRef idx="1">
-                <a:schemeClr val="accent1"/>
-              </a:lnRef>
-              <a:fillRef idx="3">
-                <a:schemeClr val="accent1"/>
-              </a:fillRef>
-              <a:effectRef idx="2">
-                <a:schemeClr val="accent1"/>
-              </a:effectRef>
-              <a:fontRef idx="minor">
-                <a:schemeClr val="lt1"/>
-              </a:fontRef>
-            </p:style>
-            <p:txBody>
-              <a:bodyPr rtlCol="0" anchor="ctr"/>
-              <a:lstStyle/>
-              <a:p>
-                <a:pPr algn="ctr"/>
-                <a:endParaRPr lang="fr-FR"/>
-              </a:p>
-            </p:txBody>
-          </p:sp>
-          <p:pic>
-            <p:nvPicPr>
-              <p:cNvPr id="1024" name="Picture 1023"/>
-              <p:cNvPicPr>
-                <a:picLocks noChangeAspect="1"/>
-              </p:cNvPicPr>
-              <p:nvPr/>
-            </p:nvPicPr>
-            <p:blipFill>
-              <a:blip r:embed="rId6"/>
-              <a:stretch>
-                <a:fillRect/>
-              </a:stretch>
-            </p:blipFill>
-            <p:spPr>
-              <a:xfrm>
-                <a:off x="3113086" y="3638550"/>
-                <a:ext cx="1876424" cy="2352674"/>
-              </a:xfrm>
-              <a:prstGeom prst="rect">
-                <a:avLst/>
-              </a:prstGeom>
-            </p:spPr>
-          </p:pic>
-        </p:grpSp>
-        <p:sp>
-          <p:nvSpPr>
-            <p:cNvPr id="40" name="TextBox 39"/>
-            <p:cNvSpPr txBox="1"/>
-            <p:nvPr/>
-          </p:nvSpPr>
-          <p:spPr>
-            <a:xfrm>
-              <a:off x="7581900" y="4666334"/>
-              <a:ext cx="939478" cy="369332"/>
-            </a:xfrm>
-            <a:prstGeom prst="rect">
-              <a:avLst/>
-            </a:prstGeom>
-            <a:noFill/>
-          </p:spPr>
-          <p:txBody>
-            <a:bodyPr wrap="square" rtlCol="0">
-              <a:spAutoFit/>
-            </a:bodyPr>
-            <a:lstStyle/>
-            <a:p>
-              <a:r>
-                <a:rPr lang="fr-FR" dirty="0" smtClean="0">
-                  <a:solidFill>
-                    <a:schemeClr val="bg1"/>
-                  </a:solidFill>
-                </a:rPr>
-                <a:t>1,60€/L</a:t>
-              </a:r>
-              <a:endParaRPr lang="fr-FR" dirty="0">
-                <a:solidFill>
-                  <a:schemeClr val="bg1"/>
-                </a:solidFill>
-              </a:endParaRPr>
-            </a:p>
-          </p:txBody>
-        </p:sp>
-      </p:grpSp>
-      <p:sp>
-        <p:nvSpPr>
-          <p:cNvPr id="1029" name="Oval 1028"/>
+      <p:sp>
+        <p:nvSpPr>
+          <p:cNvPr id="50" name="Rounded Rectangle 49"/>
           <p:cNvSpPr/>
           <p:nvPr/>
         </p:nvSpPr>
         <p:spPr>
           <a:xfrm>
-            <a:off x="2816306" y="3187897"/>
-            <a:ext cx="3511389" cy="1092200"/>
-          </a:xfrm>
-          <a:prstGeom prst="ellipse">
-            <a:avLst/>
-          </a:prstGeom>
-          <a:gradFill flip="none" rotWithShape="1">
-            <a:gsLst>
-              <a:gs pos="0">
-                <a:srgbClr val="568E77">
-                  <a:shade val="30000"/>
-                  <a:satMod val="115000"/>
-                </a:srgbClr>
-              </a:gs>
-              <a:gs pos="50000">
-                <a:srgbClr val="568E77">
-                  <a:shade val="67500"/>
-                  <a:satMod val="115000"/>
-                </a:srgbClr>
-              </a:gs>
-              <a:gs pos="100000">
-                <a:srgbClr val="568E77">
-                  <a:shade val="100000"/>
-                  <a:satMod val="115000"/>
-                </a:srgbClr>
-              </a:gs>
-            </a:gsLst>
-            <a:path path="circle">
-              <a:fillToRect l="50000" t="50000" r="50000" b="50000"/>
-            </a:path>
-            <a:tileRect/>
-          </a:gradFill>
+            <a:off x="8258704" y="2832138"/>
+            <a:ext cx="447554" cy="369332"/>
+          </a:xfrm>
+          <a:prstGeom prst="roundRect">
+            <a:avLst>
+              <a:gd name="adj" fmla="val 32337"/>
+            </a:avLst>
+          </a:prstGeom>
+          <a:solidFill>
+            <a:srgbClr val="BFBFBF"/>
+          </a:solidFill>
           <a:ln>
             <a:noFill/>
           </a:ln>
@@ -10174,71 +10558,29 @@
           <a:lstStyle/>
           <a:p>
             <a:pPr algn="ctr"/>
-            <a:r>
-              <a:rPr lang="fr-FR" dirty="0" err="1" smtClean="0"/>
-              <a:t>Annual</a:t>
-            </a:r>
-            <a:r>
-              <a:rPr lang="fr-FR" dirty="0" smtClean="0"/>
-              <a:t> </a:t>
-            </a:r>
-            <a:r>
-              <a:rPr lang="fr-FR" dirty="0" err="1" smtClean="0"/>
-              <a:t>cost</a:t>
-            </a:r>
-            <a:r>
-              <a:rPr lang="fr-FR" dirty="0"/>
-              <a:t/>
-            </a:r>
-            <a:br>
-              <a:rPr lang="fr-FR" dirty="0"/>
-            </a:br>
-            <a:r>
-              <a:rPr lang="fr-FR" sz="4000" dirty="0" smtClean="0"/>
-              <a:t>1002€</a:t>
-            </a:r>
-            <a:endParaRPr lang="fr-FR" sz="4000" dirty="0"/>
-          </a:p>
-        </p:txBody>
-      </p:sp>
-      <p:sp>
-        <p:nvSpPr>
-          <p:cNvPr id="1032" name="Explosion 1 1031"/>
+            <a:endParaRPr lang="fr-FR" dirty="0"/>
+          </a:p>
+        </p:txBody>
+      </p:sp>
+      <p:sp>
+        <p:nvSpPr>
+          <p:cNvPr id="51" name="Rounded Rectangle 50"/>
           <p:cNvSpPr/>
           <p:nvPr/>
         </p:nvSpPr>
         <p:spPr>
           <a:xfrm>
-            <a:off x="966655" y="4941273"/>
-            <a:ext cx="2409256" cy="1828800"/>
-          </a:xfrm>
-          <a:prstGeom prst="irregularSeal1">
-            <a:avLst/>
-          </a:prstGeom>
-          <a:gradFill flip="none" rotWithShape="1">
-            <a:gsLst>
-              <a:gs pos="0">
-                <a:srgbClr val="568E77">
-                  <a:shade val="30000"/>
-                  <a:satMod val="115000"/>
-                </a:srgbClr>
-              </a:gs>
-              <a:gs pos="50000">
-                <a:srgbClr val="568E77">
-                  <a:shade val="67500"/>
-                  <a:satMod val="115000"/>
-                </a:srgbClr>
-              </a:gs>
-              <a:gs pos="100000">
-                <a:srgbClr val="568E77">
-                  <a:shade val="100000"/>
-                  <a:satMod val="115000"/>
-                </a:srgbClr>
-              </a:gs>
-            </a:gsLst>
-            <a:lin ang="5400000" scaled="1"/>
-            <a:tileRect/>
-          </a:gradFill>
+            <a:off x="3675334" y="2832138"/>
+            <a:ext cx="450098" cy="369332"/>
+          </a:xfrm>
+          <a:prstGeom prst="roundRect">
+            <a:avLst>
+              <a:gd name="adj" fmla="val 32337"/>
+            </a:avLst>
+          </a:prstGeom>
+          <a:solidFill>
+            <a:srgbClr val="BFBFBF"/>
+          </a:solidFill>
           <a:ln>
             <a:noFill/>
           </a:ln>
@@ -10262,116 +10604,29 @@
           <a:lstStyle/>
           <a:p>
             <a:pPr algn="ctr"/>
-            <a:r>
-              <a:rPr lang="fr-FR" sz="4400" dirty="0" smtClean="0"/>
-              <a:t>400€</a:t>
-            </a:r>
-            <a:endParaRPr lang="fr-FR" sz="4400" dirty="0"/>
-          </a:p>
-        </p:txBody>
-      </p:sp>
-      <p:sp>
-        <p:nvSpPr>
-          <p:cNvPr id="1033" name="TextBox 1032"/>
-          <p:cNvSpPr txBox="1"/>
-          <p:nvPr/>
-        </p:nvSpPr>
-        <p:spPr>
-          <a:xfrm>
-            <a:off x="3104005" y="4357955"/>
-            <a:ext cx="2935990" cy="646331"/>
-          </a:xfrm>
-          <a:prstGeom prst="rect">
-            <a:avLst/>
-          </a:prstGeom>
-          <a:noFill/>
-        </p:spPr>
-        <p:txBody>
-          <a:bodyPr wrap="square" rtlCol="0">
-            <a:spAutoFit/>
-          </a:bodyPr>
-          <a:lstStyle/>
-          <a:p>
-            <a:r>
-              <a:rPr lang="en-US" dirty="0" smtClean="0"/>
-              <a:t>Increasing occupation rate to 2 person per car, will save:</a:t>
-            </a:r>
-            <a:endParaRPr lang="en-US" dirty="0"/>
-          </a:p>
-        </p:txBody>
-      </p:sp>
-      <p:sp>
-        <p:nvSpPr>
-          <p:cNvPr id="47" name="TextBox 46"/>
-          <p:cNvSpPr txBox="1"/>
-          <p:nvPr/>
-        </p:nvSpPr>
-        <p:spPr>
-          <a:xfrm>
-            <a:off x="3104005" y="5057428"/>
-            <a:ext cx="2935990" cy="1107996"/>
-          </a:xfrm>
-          <a:prstGeom prst="rect">
-            <a:avLst/>
-          </a:prstGeom>
-          <a:noFill/>
-        </p:spPr>
-        <p:txBody>
-          <a:bodyPr wrap="square" rtlCol="0">
-            <a:spAutoFit/>
-          </a:bodyPr>
-          <a:lstStyle/>
-          <a:p>
-            <a:pPr algn="ctr"/>
-            <a:r>
-              <a:rPr lang="en-US" sz="6600" dirty="0">
-                <a:solidFill>
-                  <a:srgbClr val="568E77"/>
-                </a:solidFill>
-              </a:rPr>
-              <a:t>&amp;</a:t>
-            </a:r>
-          </a:p>
-        </p:txBody>
-      </p:sp>
-      <p:sp>
-        <p:nvSpPr>
-          <p:cNvPr id="1034" name="Cloud 1033"/>
+            <a:endParaRPr lang="fr-FR" dirty="0"/>
+          </a:p>
+        </p:txBody>
+      </p:sp>
+      <p:sp>
+        <p:nvSpPr>
+          <p:cNvPr id="52" name="Rounded Rectangle 51"/>
           <p:cNvSpPr/>
           <p:nvPr/>
         </p:nvSpPr>
         <p:spPr>
           <a:xfrm>
-            <a:off x="5756195" y="4941273"/>
-            <a:ext cx="2816305" cy="1765787"/>
-          </a:xfrm>
-          <a:prstGeom prst="cloud">
-            <a:avLst/>
-          </a:prstGeom>
-          <a:gradFill flip="none" rotWithShape="1">
-            <a:gsLst>
-              <a:gs pos="0">
-                <a:srgbClr val="568E77">
-                  <a:shade val="30000"/>
-                  <a:satMod val="115000"/>
-                </a:srgbClr>
-              </a:gs>
-              <a:gs pos="50000">
-                <a:srgbClr val="568E77">
-                  <a:shade val="67500"/>
-                  <a:satMod val="115000"/>
-                </a:srgbClr>
-              </a:gs>
-              <a:gs pos="100000">
-                <a:srgbClr val="568E77">
-                  <a:shade val="100000"/>
-                  <a:satMod val="115000"/>
-                </a:srgbClr>
-              </a:gs>
-            </a:gsLst>
-            <a:lin ang="8100000" scaled="1"/>
-            <a:tileRect/>
-          </a:gradFill>
+            <a:off x="5343365" y="2832138"/>
+            <a:ext cx="412830" cy="369332"/>
+          </a:xfrm>
+          <a:prstGeom prst="roundRect">
+            <a:avLst>
+              <a:gd name="adj" fmla="val 32337"/>
+            </a:avLst>
+          </a:prstGeom>
+          <a:solidFill>
+            <a:srgbClr val="BFBFBF"/>
+          </a:solidFill>
           <a:ln>
             <a:noFill/>
           </a:ln>
@@ -10395,41 +10650,390 @@
           <a:lstStyle/>
           <a:p>
             <a:pPr algn="ctr"/>
-            <a:r>
-              <a:rPr lang="fr-FR" sz="3600" dirty="0" smtClean="0"/>
-              <a:t>-</a:t>
-            </a:r>
-            <a:r>
-              <a:rPr lang="fr-FR" sz="4400" dirty="0" smtClean="0"/>
-              <a:t>12</a:t>
-            </a:r>
-            <a:r>
-              <a:rPr lang="fr-FR" sz="3600" dirty="0" smtClean="0"/>
-              <a:t>% </a:t>
-            </a:r>
-            <a:br>
-              <a:rPr lang="fr-FR" sz="3600" dirty="0" smtClean="0"/>
-            </a:br>
-            <a:r>
-              <a:rPr lang="fr-FR" sz="1400" dirty="0" smtClean="0"/>
-              <a:t>of CO2 </a:t>
-            </a:r>
-            <a:r>
-              <a:rPr lang="fr-FR" sz="1400" dirty="0" err="1" smtClean="0"/>
-              <a:t>from</a:t>
-            </a:r>
-            <a:r>
-              <a:rPr lang="fr-FR" sz="1400" dirty="0" smtClean="0"/>
-              <a:t> transportation </a:t>
-            </a:r>
-            <a:endParaRPr lang="fr-FR" sz="1400" dirty="0"/>
+            <a:endParaRPr lang="fr-FR" dirty="0"/>
+          </a:p>
+        </p:txBody>
+      </p:sp>
+      <p:sp>
+        <p:nvSpPr>
+          <p:cNvPr id="53" name="Rounded Rectangle 52"/>
+          <p:cNvSpPr/>
+          <p:nvPr/>
+        </p:nvSpPr>
+        <p:spPr>
+          <a:xfrm>
+            <a:off x="2813464" y="2832138"/>
+            <a:ext cx="412830" cy="369332"/>
+          </a:xfrm>
+          <a:prstGeom prst="roundRect">
+            <a:avLst>
+              <a:gd name="adj" fmla="val 32337"/>
+            </a:avLst>
+          </a:prstGeom>
+          <a:solidFill>
+            <a:srgbClr val="BFBFBF"/>
+          </a:solidFill>
+          <a:ln>
+            <a:noFill/>
+          </a:ln>
+        </p:spPr>
+        <p:style>
+          <a:lnRef idx="1">
+            <a:schemeClr val="accent1"/>
+          </a:lnRef>
+          <a:fillRef idx="3">
+            <a:schemeClr val="accent1"/>
+          </a:fillRef>
+          <a:effectRef idx="2">
+            <a:schemeClr val="accent1"/>
+          </a:effectRef>
+          <a:fontRef idx="minor">
+            <a:schemeClr val="lt1"/>
+          </a:fontRef>
+        </p:style>
+        <p:txBody>
+          <a:bodyPr rtlCol="0" anchor="ctr"/>
+          <a:lstStyle/>
+          <a:p>
+            <a:pPr algn="ctr"/>
+            <a:endParaRPr lang="fr-FR" dirty="0"/>
+          </a:p>
+        </p:txBody>
+      </p:sp>
+      <p:sp>
+        <p:nvSpPr>
+          <p:cNvPr id="54" name="Rounded Rectangle 53"/>
+          <p:cNvSpPr/>
+          <p:nvPr/>
+        </p:nvSpPr>
+        <p:spPr>
+          <a:xfrm>
+            <a:off x="0" y="2832138"/>
+            <a:ext cx="412830" cy="369332"/>
+          </a:xfrm>
+          <a:prstGeom prst="roundRect">
+            <a:avLst>
+              <a:gd name="adj" fmla="val 32337"/>
+            </a:avLst>
+          </a:prstGeom>
+          <a:solidFill>
+            <a:srgbClr val="BFBFBF"/>
+          </a:solidFill>
+          <a:ln>
+            <a:noFill/>
+          </a:ln>
+        </p:spPr>
+        <p:style>
+          <a:lnRef idx="1">
+            <a:schemeClr val="accent1"/>
+          </a:lnRef>
+          <a:fillRef idx="3">
+            <a:schemeClr val="accent1"/>
+          </a:fillRef>
+          <a:effectRef idx="2">
+            <a:schemeClr val="accent1"/>
+          </a:effectRef>
+          <a:fontRef idx="minor">
+            <a:schemeClr val="lt1"/>
+          </a:fontRef>
+        </p:style>
+        <p:txBody>
+          <a:bodyPr rtlCol="0" anchor="ctr"/>
+          <a:lstStyle/>
+          <a:p>
+            <a:pPr algn="ctr"/>
+            <a:endParaRPr lang="fr-FR" dirty="0"/>
+          </a:p>
+        </p:txBody>
+      </p:sp>
+      <p:grpSp>
+        <p:nvGrpSpPr>
+          <p:cNvPr id="4" name="Group 3"/>
+          <p:cNvGrpSpPr/>
+          <p:nvPr/>
+        </p:nvGrpSpPr>
+        <p:grpSpPr>
+          <a:xfrm>
+            <a:off x="588267" y="2826901"/>
+            <a:ext cx="2048608" cy="369332"/>
+            <a:chOff x="775794" y="3142889"/>
+            <a:chExt cx="1732859" cy="369332"/>
+          </a:xfrm>
+        </p:grpSpPr>
+        <p:sp>
+          <p:nvSpPr>
+            <p:cNvPr id="3" name="Rounded Rectangle 2"/>
+            <p:cNvSpPr/>
+            <p:nvPr/>
+          </p:nvSpPr>
+          <p:spPr>
+            <a:xfrm>
+              <a:off x="775794" y="3142889"/>
+              <a:ext cx="1675756" cy="369332"/>
+            </a:xfrm>
+            <a:prstGeom prst="roundRect">
+              <a:avLst>
+                <a:gd name="adj" fmla="val 32337"/>
+              </a:avLst>
+            </a:prstGeom>
+            <a:solidFill>
+              <a:srgbClr val="BFBFBF"/>
+            </a:solidFill>
+            <a:ln>
+              <a:noFill/>
+            </a:ln>
+          </p:spPr>
+          <p:style>
+            <a:lnRef idx="1">
+              <a:schemeClr val="accent1"/>
+            </a:lnRef>
+            <a:fillRef idx="3">
+              <a:schemeClr val="accent1"/>
+            </a:fillRef>
+            <a:effectRef idx="2">
+              <a:schemeClr val="accent1"/>
+            </a:effectRef>
+            <a:fontRef idx="minor">
+              <a:schemeClr val="lt1"/>
+            </a:fontRef>
+          </p:style>
+          <p:txBody>
+            <a:bodyPr rtlCol="0" anchor="ctr"/>
+            <a:lstStyle/>
+            <a:p>
+              <a:pPr algn="ctr"/>
+              <a:endParaRPr lang="fr-FR"/>
+            </a:p>
+          </p:txBody>
+        </p:sp>
+        <p:sp>
+          <p:nvSpPr>
+            <p:cNvPr id="55" name="TextBox 54"/>
+            <p:cNvSpPr txBox="1"/>
+            <p:nvPr/>
+          </p:nvSpPr>
+          <p:spPr>
+            <a:xfrm>
+              <a:off x="832897" y="3142889"/>
+              <a:ext cx="1675756" cy="369332"/>
+            </a:xfrm>
+            <a:prstGeom prst="rect">
+              <a:avLst/>
+            </a:prstGeom>
+            <a:noFill/>
+            <a:ln>
+              <a:noFill/>
+            </a:ln>
+          </p:spPr>
+          <p:txBody>
+            <a:bodyPr wrap="square" rtlCol="0">
+              <a:spAutoFit/>
+            </a:bodyPr>
+            <a:lstStyle/>
+            <a:p>
+              <a:r>
+                <a:rPr lang="fr-FR" dirty="0">
+                  <a:solidFill>
+                    <a:srgbClr val="FF8153"/>
+                  </a:solidFill>
+                  <a:latin typeface="Hoefler Text"/>
+                  <a:ea typeface="Microsoft YaHei" charset="0"/>
+                  <a:cs typeface="Hoefler Text"/>
+                </a:rPr>
+                <a:t>15477 km/</a:t>
+              </a:r>
+              <a:r>
+                <a:rPr lang="fr-FR" dirty="0" err="1">
+                  <a:solidFill>
+                    <a:srgbClr val="FF8153"/>
+                  </a:solidFill>
+                  <a:latin typeface="Hoefler Text"/>
+                  <a:ea typeface="Microsoft YaHei" charset="0"/>
+                  <a:cs typeface="Hoefler Text"/>
+                </a:rPr>
+                <a:t>Year</a:t>
+              </a:r>
+              <a:endParaRPr lang="fr-FR" dirty="0">
+                <a:solidFill>
+                  <a:srgbClr val="FF8153"/>
+                </a:solidFill>
+                <a:latin typeface="Hoefler Text"/>
+                <a:ea typeface="Microsoft YaHei" charset="0"/>
+                <a:cs typeface="Hoefler Text"/>
+              </a:endParaRPr>
+            </a:p>
+          </p:txBody>
+        </p:sp>
+      </p:grpSp>
+      <p:grpSp>
+        <p:nvGrpSpPr>
+          <p:cNvPr id="60" name="Group 59"/>
+          <p:cNvGrpSpPr/>
+          <p:nvPr/>
+        </p:nvGrpSpPr>
+        <p:grpSpPr>
+          <a:xfrm>
+            <a:off x="5943600" y="2823242"/>
+            <a:ext cx="2403200" cy="372991"/>
+            <a:chOff x="775794" y="3139230"/>
+            <a:chExt cx="1910383" cy="372991"/>
+          </a:xfrm>
+        </p:grpSpPr>
+        <p:sp>
+          <p:nvSpPr>
+            <p:cNvPr id="61" name="Rounded Rectangle 60"/>
+            <p:cNvSpPr/>
+            <p:nvPr/>
+          </p:nvSpPr>
+          <p:spPr>
+            <a:xfrm>
+              <a:off x="775794" y="3142889"/>
+              <a:ext cx="1675756" cy="369332"/>
+            </a:xfrm>
+            <a:prstGeom prst="roundRect">
+              <a:avLst>
+                <a:gd name="adj" fmla="val 32337"/>
+              </a:avLst>
+            </a:prstGeom>
+            <a:solidFill>
+              <a:srgbClr val="BFBFBF"/>
+            </a:solidFill>
+            <a:ln>
+              <a:noFill/>
+            </a:ln>
+          </p:spPr>
+          <p:style>
+            <a:lnRef idx="1">
+              <a:schemeClr val="accent1"/>
+            </a:lnRef>
+            <a:fillRef idx="3">
+              <a:schemeClr val="accent1"/>
+            </a:fillRef>
+            <a:effectRef idx="2">
+              <a:schemeClr val="accent1"/>
+            </a:effectRef>
+            <a:fontRef idx="minor">
+              <a:schemeClr val="lt1"/>
+            </a:fontRef>
+          </p:style>
+          <p:txBody>
+            <a:bodyPr rtlCol="0" anchor="ctr"/>
+            <a:lstStyle/>
+            <a:p>
+              <a:pPr algn="ctr"/>
+              <a:endParaRPr lang="fr-FR"/>
+            </a:p>
+          </p:txBody>
+        </p:sp>
+        <p:sp>
+          <p:nvSpPr>
+            <p:cNvPr id="62" name="TextBox 61"/>
+            <p:cNvSpPr txBox="1"/>
+            <p:nvPr/>
+          </p:nvSpPr>
+          <p:spPr>
+            <a:xfrm>
+              <a:off x="1010421" y="3139230"/>
+              <a:ext cx="1675756" cy="369332"/>
+            </a:xfrm>
+            <a:prstGeom prst="rect">
+              <a:avLst/>
+            </a:prstGeom>
+            <a:noFill/>
+            <a:ln>
+              <a:noFill/>
+            </a:ln>
+          </p:spPr>
+          <p:txBody>
+            <a:bodyPr wrap="square" rtlCol="0">
+              <a:spAutoFit/>
+            </a:bodyPr>
+            <a:lstStyle/>
+            <a:p>
+              <a:r>
+                <a:rPr lang="fr-FR" dirty="0">
+                  <a:solidFill>
+                    <a:srgbClr val="FF8153"/>
+                  </a:solidFill>
+                  <a:latin typeface="Hoefler Text"/>
+                  <a:ea typeface="Microsoft YaHei" charset="0"/>
+                  <a:cs typeface="Hoefler Text"/>
+                </a:rPr>
+                <a:t>8225 km/</a:t>
+              </a:r>
+              <a:r>
+                <a:rPr lang="fr-FR" dirty="0" err="1">
+                  <a:solidFill>
+                    <a:srgbClr val="FF8153"/>
+                  </a:solidFill>
+                  <a:latin typeface="Hoefler Text"/>
+                  <a:ea typeface="Microsoft YaHei" charset="0"/>
+                  <a:cs typeface="Hoefler Text"/>
+                </a:rPr>
+                <a:t>Year</a:t>
+              </a:r>
+              <a:endParaRPr lang="fr-FR" dirty="0">
+                <a:solidFill>
+                  <a:srgbClr val="FF8153"/>
+                </a:solidFill>
+                <a:latin typeface="Hoefler Text"/>
+                <a:ea typeface="Microsoft YaHei" charset="0"/>
+                <a:cs typeface="Hoefler Text"/>
+              </a:endParaRPr>
+            </a:p>
+          </p:txBody>
+        </p:sp>
+      </p:grpSp>
+      <p:sp>
+        <p:nvSpPr>
+          <p:cNvPr id="63" name="Rounded Rectangle 62"/>
+          <p:cNvSpPr/>
+          <p:nvPr/>
+        </p:nvSpPr>
+        <p:spPr>
+          <a:xfrm>
+            <a:off x="4524658" y="2832138"/>
+            <a:ext cx="412830" cy="369332"/>
+          </a:xfrm>
+          <a:prstGeom prst="roundRect">
+            <a:avLst>
+              <a:gd name="adj" fmla="val 32337"/>
+            </a:avLst>
+          </a:prstGeom>
+          <a:solidFill>
+            <a:srgbClr val="BFBFBF"/>
+          </a:solidFill>
+          <a:ln>
+            <a:noFill/>
+          </a:ln>
+        </p:spPr>
+        <p:style>
+          <a:lnRef idx="1">
+            <a:schemeClr val="accent1"/>
+          </a:lnRef>
+          <a:fillRef idx="3">
+            <a:schemeClr val="accent1"/>
+          </a:fillRef>
+          <a:effectRef idx="2">
+            <a:schemeClr val="accent1"/>
+          </a:effectRef>
+          <a:fontRef idx="minor">
+            <a:schemeClr val="lt1"/>
+          </a:fontRef>
+        </p:style>
+        <p:txBody>
+          <a:bodyPr rtlCol="0" anchor="ctr"/>
+          <a:lstStyle/>
+          <a:p>
+            <a:pPr algn="ctr"/>
+            <a:endParaRPr lang="fr-FR" dirty="0"/>
           </a:p>
         </p:txBody>
       </p:sp>
     </p:spTree>
     <p:extLst>
       <p:ext uri="{BB962C8B-B14F-4D97-AF65-F5344CB8AC3E}">
-        <p14:creationId xmlns:p14="http://schemas.microsoft.com/office/powerpoint/2010/main" val="634966043"/>
+        <p14:creationId xmlns:p14="http://schemas.microsoft.com/office/powerpoint/2010/main" val="3959986946"/>
       </p:ext>
     </p:extLst>
   </p:cSld>
@@ -10439,7 +11043,7 @@
   <p:timing>
     <p:tnLst>
       <p:par>
-        <p:cTn xmlns:p14="http://schemas.microsoft.com/office/powerpoint/2010/main" id="1" dur="indefinite" restart="never" nodeType="tmRoot"/>
+        <p:cTn id="1" dur="indefinite" restart="never" nodeType="tmRoot"/>
       </p:par>
     </p:tnLst>
   </p:timing>

--- a/GMS FINALE PRESENTATION.pptx
+++ b/GMS FINALE PRESENTATION.pptx
@@ -15,7 +15,7 @@
     <p:sldId id="282" r:id="rId9"/>
     <p:sldId id="266" r:id="rId10"/>
     <p:sldId id="267" r:id="rId11"/>
-    <p:sldId id="268" r:id="rId12"/>
+    <p:sldId id="283" r:id="rId12"/>
     <p:sldId id="269" r:id="rId13"/>
     <p:sldId id="270" r:id="rId14"/>
     <p:sldId id="271" r:id="rId15"/>
@@ -128,7 +128,7 @@
   </p:defaultTextStyle>
   <p:extLst>
     <p:ext uri="{EFAFB233-063F-42B5-8137-9DF3F51BA10A}">
-      <p15:sldGuideLst xmlns:p15="http://schemas.microsoft.com/office/powerpoint/2012/main" xmlns="">
+      <p15:sldGuideLst xmlns:p15="http://schemas.microsoft.com/office/powerpoint/2012/main">
         <p15:guide id="1" orient="horz" pos="2160">
           <p15:clr>
             <a:srgbClr val="A4A3A4"/>
@@ -326,7 +326,7 @@
           <a:p>
             <a:fld id="{583D8B2B-B2FF-2947-AE52-D5C1AE187648}" type="datetimeFigureOut">
               <a:rPr lang="en-US" smtClean="0"/>
-              <a:t>16/06/15</a:t>
+              <a:t>6/14/2015</a:t>
             </a:fld>
             <a:endParaRPr lang="en-US"/>
           </a:p>
@@ -496,7 +496,7 @@
           <a:p>
             <a:fld id="{583D8B2B-B2FF-2947-AE52-D5C1AE187648}" type="datetimeFigureOut">
               <a:rPr lang="en-US" smtClean="0"/>
-              <a:t>16/06/15</a:t>
+              <a:t>6/14/2015</a:t>
             </a:fld>
             <a:endParaRPr lang="en-US"/>
           </a:p>
@@ -676,7 +676,7 @@
           <a:p>
             <a:fld id="{583D8B2B-B2FF-2947-AE52-D5C1AE187648}" type="datetimeFigureOut">
               <a:rPr lang="en-US" smtClean="0"/>
-              <a:t>16/06/15</a:t>
+              <a:t>6/14/2015</a:t>
             </a:fld>
             <a:endParaRPr lang="en-US"/>
           </a:p>
@@ -846,7 +846,7 @@
           <a:p>
             <a:fld id="{583D8B2B-B2FF-2947-AE52-D5C1AE187648}" type="datetimeFigureOut">
               <a:rPr lang="en-US" smtClean="0"/>
-              <a:t>16/06/15</a:t>
+              <a:t>6/14/2015</a:t>
             </a:fld>
             <a:endParaRPr lang="en-US"/>
           </a:p>
@@ -1092,7 +1092,7 @@
           <a:p>
             <a:fld id="{583D8B2B-B2FF-2947-AE52-D5C1AE187648}" type="datetimeFigureOut">
               <a:rPr lang="en-US" smtClean="0"/>
-              <a:t>16/06/15</a:t>
+              <a:t>6/14/2015</a:t>
             </a:fld>
             <a:endParaRPr lang="en-US"/>
           </a:p>
@@ -1380,7 +1380,7 @@
           <a:p>
             <a:fld id="{583D8B2B-B2FF-2947-AE52-D5C1AE187648}" type="datetimeFigureOut">
               <a:rPr lang="en-US" smtClean="0"/>
-              <a:t>16/06/15</a:t>
+              <a:t>6/14/2015</a:t>
             </a:fld>
             <a:endParaRPr lang="en-US"/>
           </a:p>
@@ -1802,7 +1802,7 @@
           <a:p>
             <a:fld id="{583D8B2B-B2FF-2947-AE52-D5C1AE187648}" type="datetimeFigureOut">
               <a:rPr lang="en-US" smtClean="0"/>
-              <a:t>16/06/15</a:t>
+              <a:t>6/14/2015</a:t>
             </a:fld>
             <a:endParaRPr lang="en-US"/>
           </a:p>
@@ -1920,7 +1920,7 @@
           <a:p>
             <a:fld id="{583D8B2B-B2FF-2947-AE52-D5C1AE187648}" type="datetimeFigureOut">
               <a:rPr lang="en-US" smtClean="0"/>
-              <a:t>16/06/15</a:t>
+              <a:t>6/14/2015</a:t>
             </a:fld>
             <a:endParaRPr lang="en-US"/>
           </a:p>
@@ -2015,7 +2015,7 @@
           <a:p>
             <a:fld id="{583D8B2B-B2FF-2947-AE52-D5C1AE187648}" type="datetimeFigureOut">
               <a:rPr lang="en-US" smtClean="0"/>
-              <a:t>16/06/15</a:t>
+              <a:t>6/14/2015</a:t>
             </a:fld>
             <a:endParaRPr lang="en-US"/>
           </a:p>
@@ -2292,7 +2292,7 @@
           <a:p>
             <a:fld id="{583D8B2B-B2FF-2947-AE52-D5C1AE187648}" type="datetimeFigureOut">
               <a:rPr lang="en-US" smtClean="0"/>
-              <a:t>16/06/15</a:t>
+              <a:t>6/14/2015</a:t>
             </a:fld>
             <a:endParaRPr lang="en-US"/>
           </a:p>
@@ -2545,7 +2545,7 @@
           <a:p>
             <a:fld id="{583D8B2B-B2FF-2947-AE52-D5C1AE187648}" type="datetimeFigureOut">
               <a:rPr lang="en-US" smtClean="0"/>
-              <a:t>16/06/15</a:t>
+              <a:t>6/14/2015</a:t>
             </a:fld>
             <a:endParaRPr lang="en-US"/>
           </a:p>
@@ -2758,7 +2758,7 @@
           <a:p>
             <a:fld id="{583D8B2B-B2FF-2947-AE52-D5C1AE187648}" type="datetimeFigureOut">
               <a:rPr lang="en-US" smtClean="0"/>
-              <a:t>16/06/15</a:t>
+              <a:t>6/14/2015</a:t>
             </a:fld>
             <a:endParaRPr lang="en-US"/>
           </a:p>
@@ -3232,7 +3232,7 @@
   <p:timing>
     <p:tnLst>
       <p:par>
-        <p:cTn xmlns:p14="http://schemas.microsoft.com/office/powerpoint/2010/main" id="1" dur="indefinite" restart="never" nodeType="tmRoot"/>
+        <p:cTn id="1" dur="indefinite" restart="never" nodeType="tmRoot"/>
       </p:par>
     </p:tnLst>
   </p:timing>
@@ -3370,6 +3370,931 @@
           </a:p>
         </p:txBody>
       </p:sp>
+      <p:sp>
+        <p:nvSpPr>
+          <p:cNvPr id="9" name="TextBox 8"/>
+          <p:cNvSpPr txBox="1"/>
+          <p:nvPr/>
+        </p:nvSpPr>
+        <p:spPr>
+          <a:xfrm>
+            <a:off x="5981114" y="1680494"/>
+            <a:ext cx="3134749" cy="369332"/>
+          </a:xfrm>
+          <a:prstGeom prst="rect">
+            <a:avLst/>
+          </a:prstGeom>
+          <a:noFill/>
+        </p:spPr>
+        <p:txBody>
+          <a:bodyPr wrap="square" rtlCol="0">
+            <a:spAutoFit/>
+          </a:bodyPr>
+          <a:lstStyle/>
+          <a:p>
+            <a:r>
+              <a:rPr lang="en-US" u="sng" dirty="0" smtClean="0">
+                <a:solidFill>
+                  <a:srgbClr val="594B3B"/>
+                </a:solidFill>
+                <a:latin typeface="Hoefler Text"/>
+                <a:ea typeface="Microsoft YaHei" charset="0"/>
+                <a:cs typeface="Hoefler Text"/>
+              </a:rPr>
+              <a:t>Static Carpooling</a:t>
+            </a:r>
+            <a:endParaRPr lang="en-US" u="sng" dirty="0">
+              <a:solidFill>
+                <a:srgbClr val="594B3B"/>
+              </a:solidFill>
+              <a:latin typeface="Hoefler Text"/>
+              <a:ea typeface="Microsoft YaHei" charset="0"/>
+              <a:cs typeface="Hoefler Text"/>
+            </a:endParaRPr>
+          </a:p>
+        </p:txBody>
+      </p:sp>
+      <p:sp>
+        <p:nvSpPr>
+          <p:cNvPr id="33" name="Rectangle 32"/>
+          <p:cNvSpPr/>
+          <p:nvPr/>
+        </p:nvSpPr>
+        <p:spPr>
+          <a:xfrm>
+            <a:off x="5705804" y="2776128"/>
+            <a:ext cx="3410059" cy="1631216"/>
+          </a:xfrm>
+          <a:prstGeom prst="rect">
+            <a:avLst/>
+          </a:prstGeom>
+        </p:spPr>
+        <p:txBody>
+          <a:bodyPr wrap="square">
+            <a:spAutoFit/>
+          </a:bodyPr>
+          <a:lstStyle/>
+          <a:p>
+            <a:pPr marL="342900" indent="-342900" algn="just">
+              <a:buFont typeface="Wingdings" panose="05000000000000000000" pitchFamily="2" charset="2"/>
+              <a:buChar char="ü"/>
+            </a:pPr>
+            <a:r>
+              <a:rPr lang="en-US" sz="2000" dirty="0" smtClean="0">
+                <a:solidFill>
+                  <a:srgbClr val="463A2D"/>
+                </a:solidFill>
+                <a:latin typeface="Hoefler Text"/>
+                <a:cs typeface="Hoefler Text"/>
+              </a:rPr>
+              <a:t>Easy to implement</a:t>
+            </a:r>
+          </a:p>
+          <a:p>
+            <a:pPr marL="342900" indent="-342900" algn="just">
+              <a:buFont typeface="Wingdings" panose="05000000000000000000" pitchFamily="2" charset="2"/>
+              <a:buChar char="ü"/>
+            </a:pPr>
+            <a:r>
+              <a:rPr lang="en-US" sz="2000" dirty="0" smtClean="0">
+                <a:solidFill>
+                  <a:srgbClr val="463A2D"/>
+                </a:solidFill>
+                <a:latin typeface="Hoefler Text"/>
+                <a:cs typeface="Hoefler Text"/>
+              </a:rPr>
+              <a:t>Easy to manage</a:t>
+            </a:r>
+          </a:p>
+          <a:p>
+            <a:pPr marL="342900" indent="-342900" algn="just">
+              <a:buFont typeface="Wingdings" panose="05000000000000000000" pitchFamily="2" charset="2"/>
+              <a:buChar char="ü"/>
+            </a:pPr>
+            <a:endParaRPr lang="en-US" sz="2000" dirty="0">
+              <a:solidFill>
+                <a:srgbClr val="463A2D"/>
+              </a:solidFill>
+              <a:latin typeface="Hoefler Text"/>
+              <a:cs typeface="Hoefler Text"/>
+            </a:endParaRPr>
+          </a:p>
+          <a:p>
+            <a:pPr marL="342900" indent="-342900" algn="just">
+              <a:buFont typeface="Wingdings" panose="05000000000000000000" pitchFamily="2" charset="2"/>
+              <a:buChar char=""/>
+            </a:pPr>
+            <a:r>
+              <a:rPr lang="en-US" sz="2000" dirty="0" smtClean="0">
+                <a:solidFill>
+                  <a:srgbClr val="463A2D"/>
+                </a:solidFill>
+                <a:latin typeface="Hoefler Text"/>
+                <a:cs typeface="Hoefler Text"/>
+              </a:rPr>
+              <a:t>Not flexible</a:t>
+            </a:r>
+          </a:p>
+          <a:p>
+            <a:pPr marL="342900" indent="-342900" algn="just">
+              <a:buFont typeface="Wingdings" panose="05000000000000000000" pitchFamily="2" charset="2"/>
+              <a:buChar char=""/>
+            </a:pPr>
+            <a:r>
+              <a:rPr lang="en-US" sz="2000" dirty="0" smtClean="0">
+                <a:solidFill>
+                  <a:srgbClr val="463A2D"/>
+                </a:solidFill>
+                <a:latin typeface="Hoefler Text"/>
+                <a:cs typeface="Hoefler Text"/>
+              </a:rPr>
+              <a:t>User has to plan in early</a:t>
+            </a:r>
+            <a:endParaRPr lang="en-US" sz="2000" dirty="0" smtClean="0">
+              <a:solidFill>
+                <a:srgbClr val="463A2D"/>
+              </a:solidFill>
+              <a:latin typeface="Hoefler Text"/>
+              <a:cs typeface="Hoefler Text"/>
+            </a:endParaRPr>
+          </a:p>
+        </p:txBody>
+      </p:sp>
+      <p:grpSp>
+        <p:nvGrpSpPr>
+          <p:cNvPr id="53" name="Group 52"/>
+          <p:cNvGrpSpPr/>
+          <p:nvPr/>
+        </p:nvGrpSpPr>
+        <p:grpSpPr>
+          <a:xfrm>
+            <a:off x="237280" y="1674473"/>
+            <a:ext cx="4305437" cy="4553913"/>
+            <a:chOff x="381964" y="1341794"/>
+            <a:chExt cx="4305437" cy="4553913"/>
+          </a:xfrm>
+        </p:grpSpPr>
+        <p:grpSp>
+          <p:nvGrpSpPr>
+            <p:cNvPr id="52" name="Group 51"/>
+            <p:cNvGrpSpPr/>
+            <p:nvPr/>
+          </p:nvGrpSpPr>
+          <p:grpSpPr>
+            <a:xfrm>
+              <a:off x="381964" y="1341794"/>
+              <a:ext cx="4305437" cy="4553913"/>
+              <a:chOff x="381964" y="1305141"/>
+              <a:chExt cx="4305437" cy="4553913"/>
+            </a:xfrm>
+          </p:grpSpPr>
+          <p:pic>
+            <p:nvPicPr>
+              <p:cNvPr id="6" name="Picture 5"/>
+              <p:cNvPicPr>
+                <a:picLocks noChangeAspect="1"/>
+              </p:cNvPicPr>
+              <p:nvPr/>
+            </p:nvPicPr>
+            <p:blipFill>
+              <a:blip r:embed="rId3"/>
+              <a:stretch>
+                <a:fillRect/>
+              </a:stretch>
+            </p:blipFill>
+            <p:spPr>
+              <a:xfrm>
+                <a:off x="418980" y="1637820"/>
+                <a:ext cx="1224625" cy="865869"/>
+              </a:xfrm>
+              <a:prstGeom prst="rect">
+                <a:avLst/>
+              </a:prstGeom>
+            </p:spPr>
+          </p:pic>
+          <p:pic>
+            <p:nvPicPr>
+              <p:cNvPr id="12" name="Picture 11"/>
+              <p:cNvPicPr>
+                <a:picLocks noChangeAspect="1"/>
+              </p:cNvPicPr>
+              <p:nvPr/>
+            </p:nvPicPr>
+            <p:blipFill>
+              <a:blip r:embed="rId3"/>
+              <a:stretch>
+                <a:fillRect/>
+              </a:stretch>
+            </p:blipFill>
+            <p:spPr>
+              <a:xfrm>
+                <a:off x="2048764" y="1637820"/>
+                <a:ext cx="1224625" cy="865869"/>
+              </a:xfrm>
+              <a:prstGeom prst="rect">
+                <a:avLst/>
+              </a:prstGeom>
+            </p:spPr>
+          </p:pic>
+          <p:pic>
+            <p:nvPicPr>
+              <p:cNvPr id="13" name="Picture 12"/>
+              <p:cNvPicPr>
+                <a:picLocks noChangeAspect="1"/>
+              </p:cNvPicPr>
+              <p:nvPr/>
+            </p:nvPicPr>
+            <p:blipFill>
+              <a:blip r:embed="rId3"/>
+              <a:stretch>
+                <a:fillRect/>
+              </a:stretch>
+            </p:blipFill>
+            <p:spPr>
+              <a:xfrm>
+                <a:off x="3462776" y="1637820"/>
+                <a:ext cx="1224625" cy="865869"/>
+              </a:xfrm>
+              <a:prstGeom prst="rect">
+                <a:avLst/>
+              </a:prstGeom>
+            </p:spPr>
+          </p:pic>
+          <p:sp>
+            <p:nvSpPr>
+              <p:cNvPr id="14" name="TextBox 13"/>
+              <p:cNvSpPr txBox="1"/>
+              <p:nvPr/>
+            </p:nvSpPr>
+            <p:spPr>
+              <a:xfrm>
+                <a:off x="381964" y="1305141"/>
+                <a:ext cx="1298657" cy="369332"/>
+              </a:xfrm>
+              <a:prstGeom prst="rect">
+                <a:avLst/>
+              </a:prstGeom>
+              <a:noFill/>
+            </p:spPr>
+            <p:txBody>
+              <a:bodyPr wrap="square" rtlCol="0">
+                <a:spAutoFit/>
+              </a:bodyPr>
+              <a:lstStyle/>
+              <a:p>
+                <a:r>
+                  <a:rPr lang="en-US" dirty="0" err="1" smtClean="0">
+                    <a:solidFill>
+                      <a:srgbClr val="FF8153"/>
+                    </a:solidFill>
+                    <a:latin typeface="Hoefler Text"/>
+                    <a:ea typeface="Microsoft YaHei" charset="0"/>
+                    <a:cs typeface="Hoefler Text"/>
+                  </a:rPr>
+                  <a:t>Blabla</a:t>
+                </a:r>
+                <a:r>
+                  <a:rPr lang="en-US" dirty="0">
+                    <a:solidFill>
+                      <a:srgbClr val="FF8153"/>
+                    </a:solidFill>
+                    <a:latin typeface="Hoefler Text"/>
+                    <a:ea typeface="Microsoft YaHei" charset="0"/>
+                    <a:cs typeface="Hoefler Text"/>
+                  </a:rPr>
+                  <a:t> </a:t>
+                </a:r>
+                <a:r>
+                  <a:rPr lang="en-US" dirty="0" smtClean="0">
+                    <a:solidFill>
+                      <a:srgbClr val="FF8153"/>
+                    </a:solidFill>
+                    <a:latin typeface="Hoefler Text"/>
+                    <a:ea typeface="Microsoft YaHei" charset="0"/>
+                    <a:cs typeface="Hoefler Text"/>
+                  </a:rPr>
+                  <a:t>Car</a:t>
+                </a:r>
+                <a:endParaRPr lang="en-US" dirty="0">
+                  <a:solidFill>
+                    <a:srgbClr val="FF8153"/>
+                  </a:solidFill>
+                  <a:latin typeface="Hoefler Text"/>
+                  <a:ea typeface="Microsoft YaHei" charset="0"/>
+                  <a:cs typeface="Hoefler Text"/>
+                </a:endParaRPr>
+              </a:p>
+            </p:txBody>
+          </p:sp>
+          <p:sp>
+            <p:nvSpPr>
+              <p:cNvPr id="15" name="TextBox 14"/>
+              <p:cNvSpPr txBox="1"/>
+              <p:nvPr/>
+            </p:nvSpPr>
+            <p:spPr>
+              <a:xfrm>
+                <a:off x="2341626" y="1305141"/>
+                <a:ext cx="638900" cy="369332"/>
+              </a:xfrm>
+              <a:prstGeom prst="rect">
+                <a:avLst/>
+              </a:prstGeom>
+              <a:noFill/>
+            </p:spPr>
+            <p:txBody>
+              <a:bodyPr wrap="square" rtlCol="0">
+                <a:spAutoFit/>
+              </a:bodyPr>
+              <a:lstStyle/>
+              <a:p>
+                <a:r>
+                  <a:rPr lang="en-US" dirty="0" smtClean="0">
+                    <a:solidFill>
+                      <a:srgbClr val="FF8153"/>
+                    </a:solidFill>
+                    <a:latin typeface="Hoefler Text"/>
+                    <a:ea typeface="Microsoft YaHei" charset="0"/>
+                    <a:cs typeface="Hoefler Text"/>
+                  </a:rPr>
+                  <a:t>Lyft</a:t>
+                </a:r>
+                <a:endParaRPr lang="en-US" dirty="0">
+                  <a:solidFill>
+                    <a:srgbClr val="FF8153"/>
+                  </a:solidFill>
+                  <a:latin typeface="Hoefler Text"/>
+                  <a:ea typeface="Microsoft YaHei" charset="0"/>
+                  <a:cs typeface="Hoefler Text"/>
+                </a:endParaRPr>
+              </a:p>
+            </p:txBody>
+          </p:sp>
+          <p:sp>
+            <p:nvSpPr>
+              <p:cNvPr id="16" name="TextBox 15"/>
+              <p:cNvSpPr txBox="1"/>
+              <p:nvPr/>
+            </p:nvSpPr>
+            <p:spPr>
+              <a:xfrm>
+                <a:off x="3495208" y="1305141"/>
+                <a:ext cx="1159760" cy="369332"/>
+              </a:xfrm>
+              <a:prstGeom prst="rect">
+                <a:avLst/>
+              </a:prstGeom>
+              <a:noFill/>
+            </p:spPr>
+            <p:txBody>
+              <a:bodyPr wrap="square" rtlCol="0">
+                <a:spAutoFit/>
+              </a:bodyPr>
+              <a:lstStyle/>
+              <a:p>
+                <a:r>
+                  <a:rPr lang="en-US" dirty="0" err="1" smtClean="0">
+                    <a:solidFill>
+                      <a:srgbClr val="FF8153"/>
+                    </a:solidFill>
+                    <a:latin typeface="Hoefler Text"/>
+                    <a:ea typeface="Microsoft YaHei" charset="0"/>
+                    <a:cs typeface="Hoefler Text"/>
+                  </a:rPr>
+                  <a:t>SideCat</a:t>
+                </a:r>
+                <a:endParaRPr lang="en-US" dirty="0">
+                  <a:solidFill>
+                    <a:srgbClr val="FF8153"/>
+                  </a:solidFill>
+                  <a:latin typeface="Hoefler Text"/>
+                  <a:ea typeface="Microsoft YaHei" charset="0"/>
+                  <a:cs typeface="Hoefler Text"/>
+                </a:endParaRPr>
+              </a:p>
+            </p:txBody>
+          </p:sp>
+          <p:pic>
+            <p:nvPicPr>
+              <p:cNvPr id="8" name="Picture 7"/>
+              <p:cNvPicPr>
+                <a:picLocks noChangeAspect="1"/>
+              </p:cNvPicPr>
+              <p:nvPr/>
+            </p:nvPicPr>
+            <p:blipFill>
+              <a:blip r:embed="rId4"/>
+              <a:stretch>
+                <a:fillRect/>
+              </a:stretch>
+            </p:blipFill>
+            <p:spPr>
+              <a:xfrm>
+                <a:off x="1917855" y="4422222"/>
+                <a:ext cx="1486443" cy="762542"/>
+              </a:xfrm>
+              <a:prstGeom prst="rect">
+                <a:avLst/>
+              </a:prstGeom>
+            </p:spPr>
+          </p:pic>
+          <p:pic>
+            <p:nvPicPr>
+              <p:cNvPr id="19" name="Picture 18"/>
+              <p:cNvPicPr>
+                <a:picLocks noChangeAspect="1"/>
+              </p:cNvPicPr>
+              <p:nvPr/>
+            </p:nvPicPr>
+            <p:blipFill>
+              <a:blip r:embed="rId5"/>
+              <a:stretch>
+                <a:fillRect/>
+              </a:stretch>
+            </p:blipFill>
+            <p:spPr>
+              <a:xfrm>
+                <a:off x="412953" y="4346507"/>
+                <a:ext cx="1236679" cy="913973"/>
+              </a:xfrm>
+              <a:prstGeom prst="rect">
+                <a:avLst/>
+              </a:prstGeom>
+            </p:spPr>
+          </p:pic>
+          <p:pic>
+            <p:nvPicPr>
+              <p:cNvPr id="20" name="Picture 19"/>
+              <p:cNvPicPr>
+                <a:picLocks noChangeAspect="1"/>
+              </p:cNvPicPr>
+              <p:nvPr/>
+            </p:nvPicPr>
+            <p:blipFill rotWithShape="1">
+              <a:blip r:embed="rId6"/>
+              <a:srcRect t="12485" b="12125"/>
+              <a:stretch/>
+            </p:blipFill>
+            <p:spPr>
+              <a:xfrm>
+                <a:off x="3633352" y="4305782"/>
+                <a:ext cx="883474" cy="995423"/>
+              </a:xfrm>
+              <a:prstGeom prst="rect">
+                <a:avLst/>
+              </a:prstGeom>
+            </p:spPr>
+          </p:pic>
+          <p:sp>
+            <p:nvSpPr>
+              <p:cNvPr id="21" name="TextBox 20"/>
+              <p:cNvSpPr txBox="1"/>
+              <p:nvPr/>
+            </p:nvSpPr>
+            <p:spPr>
+              <a:xfrm>
+                <a:off x="563663" y="5212723"/>
+                <a:ext cx="935258" cy="369332"/>
+              </a:xfrm>
+              <a:prstGeom prst="rect">
+                <a:avLst/>
+              </a:prstGeom>
+              <a:noFill/>
+            </p:spPr>
+            <p:txBody>
+              <a:bodyPr wrap="square" rtlCol="0">
+                <a:spAutoFit/>
+              </a:bodyPr>
+              <a:lstStyle/>
+              <a:p>
+                <a:r>
+                  <a:rPr lang="en-US" b="1" dirty="0">
+                    <a:solidFill>
+                      <a:srgbClr val="6AACA4"/>
+                    </a:solidFill>
+                    <a:latin typeface="Hoefler Text"/>
+                    <a:ea typeface="Microsoft YaHei" charset="0"/>
+                    <a:cs typeface="Hoefler Text"/>
+                  </a:rPr>
+                  <a:t>User 1</a:t>
+                </a:r>
+                <a:endParaRPr lang="en-US" b="1" dirty="0">
+                  <a:solidFill>
+                    <a:srgbClr val="6AACA4"/>
+                  </a:solidFill>
+                  <a:latin typeface="Hoefler Text"/>
+                  <a:ea typeface="Microsoft YaHei" charset="0"/>
+                  <a:cs typeface="Hoefler Text"/>
+                </a:endParaRPr>
+              </a:p>
+            </p:txBody>
+          </p:sp>
+          <p:sp>
+            <p:nvSpPr>
+              <p:cNvPr id="23" name="TextBox 22"/>
+              <p:cNvSpPr txBox="1"/>
+              <p:nvPr/>
+            </p:nvSpPr>
+            <p:spPr>
+              <a:xfrm>
+                <a:off x="2193447" y="5212723"/>
+                <a:ext cx="935258" cy="369332"/>
+              </a:xfrm>
+              <a:prstGeom prst="rect">
+                <a:avLst/>
+              </a:prstGeom>
+              <a:noFill/>
+            </p:spPr>
+            <p:txBody>
+              <a:bodyPr wrap="square" rtlCol="0">
+                <a:spAutoFit/>
+              </a:bodyPr>
+              <a:lstStyle/>
+              <a:p>
+                <a:r>
+                  <a:rPr lang="en-US" b="1" dirty="0">
+                    <a:solidFill>
+                      <a:srgbClr val="6AACA4"/>
+                    </a:solidFill>
+                    <a:latin typeface="Hoefler Text"/>
+                    <a:ea typeface="Microsoft YaHei" charset="0"/>
+                    <a:cs typeface="Hoefler Text"/>
+                  </a:rPr>
+                  <a:t>User </a:t>
+                </a:r>
+                <a:r>
+                  <a:rPr lang="en-US" b="1" dirty="0" smtClean="0">
+                    <a:solidFill>
+                      <a:srgbClr val="6AACA4"/>
+                    </a:solidFill>
+                    <a:latin typeface="Hoefler Text"/>
+                    <a:ea typeface="Microsoft YaHei" charset="0"/>
+                    <a:cs typeface="Hoefler Text"/>
+                  </a:rPr>
+                  <a:t>2</a:t>
+                </a:r>
+                <a:endParaRPr lang="en-US" b="1" dirty="0">
+                  <a:solidFill>
+                    <a:srgbClr val="6AACA4"/>
+                  </a:solidFill>
+                  <a:latin typeface="Hoefler Text"/>
+                  <a:ea typeface="Microsoft YaHei" charset="0"/>
+                  <a:cs typeface="Hoefler Text"/>
+                </a:endParaRPr>
+              </a:p>
+            </p:txBody>
+          </p:sp>
+          <p:sp>
+            <p:nvSpPr>
+              <p:cNvPr id="24" name="TextBox 23"/>
+              <p:cNvSpPr txBox="1"/>
+              <p:nvPr/>
+            </p:nvSpPr>
+            <p:spPr>
+              <a:xfrm>
+                <a:off x="3607459" y="5212723"/>
+                <a:ext cx="935258" cy="646331"/>
+              </a:xfrm>
+              <a:prstGeom prst="rect">
+                <a:avLst/>
+              </a:prstGeom>
+              <a:noFill/>
+            </p:spPr>
+            <p:txBody>
+              <a:bodyPr wrap="square" rtlCol="0">
+                <a:spAutoFit/>
+              </a:bodyPr>
+              <a:lstStyle/>
+              <a:p>
+                <a:r>
+                  <a:rPr lang="en-US" b="1" dirty="0">
+                    <a:solidFill>
+                      <a:srgbClr val="6AACA4"/>
+                    </a:solidFill>
+                    <a:latin typeface="Hoefler Text"/>
+                    <a:ea typeface="Microsoft YaHei" charset="0"/>
+                    <a:cs typeface="Hoefler Text"/>
+                  </a:rPr>
+                  <a:t>User </a:t>
+                </a:r>
+                <a:r>
+                  <a:rPr lang="en-US" b="1" dirty="0" smtClean="0">
+                    <a:solidFill>
+                      <a:srgbClr val="6AACA4"/>
+                    </a:solidFill>
+                    <a:latin typeface="Hoefler Text"/>
+                    <a:ea typeface="Microsoft YaHei" charset="0"/>
+                    <a:cs typeface="Hoefler Text"/>
+                  </a:rPr>
+                  <a:t>3</a:t>
+                </a:r>
+              </a:p>
+              <a:p>
+                <a:endParaRPr lang="en-US" b="1" dirty="0">
+                  <a:solidFill>
+                    <a:srgbClr val="6AACA4"/>
+                  </a:solidFill>
+                  <a:latin typeface="Hoefler Text"/>
+                  <a:ea typeface="Microsoft YaHei" charset="0"/>
+                  <a:cs typeface="Hoefler Text"/>
+                </a:endParaRPr>
+              </a:p>
+            </p:txBody>
+          </p:sp>
+          <p:cxnSp>
+            <p:nvCxnSpPr>
+              <p:cNvPr id="36" name="Straight Arrow Connector 35"/>
+              <p:cNvCxnSpPr>
+                <a:stCxn id="19" idx="0"/>
+                <a:endCxn id="6" idx="2"/>
+              </p:cNvCxnSpPr>
+              <p:nvPr/>
+            </p:nvCxnSpPr>
+            <p:spPr>
+              <a:xfrm flipV="1">
+                <a:off x="1031293" y="2503689"/>
+                <a:ext cx="0" cy="1842818"/>
+              </a:xfrm>
+              <a:prstGeom prst="straightConnector1">
+                <a:avLst/>
+              </a:prstGeom>
+              <a:ln>
+                <a:solidFill>
+                  <a:srgbClr val="594B3B"/>
+                </a:solidFill>
+                <a:tailEnd type="triangle"/>
+              </a:ln>
+            </p:spPr>
+            <p:style>
+              <a:lnRef idx="2">
+                <a:schemeClr val="accent1"/>
+              </a:lnRef>
+              <a:fillRef idx="0">
+                <a:schemeClr val="accent1"/>
+              </a:fillRef>
+              <a:effectRef idx="1">
+                <a:schemeClr val="accent1"/>
+              </a:effectRef>
+              <a:fontRef idx="minor">
+                <a:schemeClr val="tx1"/>
+              </a:fontRef>
+            </p:style>
+          </p:cxnSp>
+          <p:cxnSp>
+            <p:nvCxnSpPr>
+              <p:cNvPr id="40" name="Straight Arrow Connector 39"/>
+              <p:cNvCxnSpPr>
+                <a:stCxn id="19" idx="0"/>
+                <a:endCxn id="12" idx="2"/>
+              </p:cNvCxnSpPr>
+              <p:nvPr/>
+            </p:nvCxnSpPr>
+            <p:spPr>
+              <a:xfrm flipV="1">
+                <a:off x="1031293" y="2503689"/>
+                <a:ext cx="1629784" cy="1842818"/>
+              </a:xfrm>
+              <a:prstGeom prst="straightConnector1">
+                <a:avLst/>
+              </a:prstGeom>
+              <a:ln>
+                <a:solidFill>
+                  <a:srgbClr val="594B3B"/>
+                </a:solidFill>
+                <a:tailEnd type="triangle"/>
+              </a:ln>
+            </p:spPr>
+            <p:style>
+              <a:lnRef idx="2">
+                <a:schemeClr val="accent1"/>
+              </a:lnRef>
+              <a:fillRef idx="0">
+                <a:schemeClr val="accent1"/>
+              </a:fillRef>
+              <a:effectRef idx="1">
+                <a:schemeClr val="accent1"/>
+              </a:effectRef>
+              <a:fontRef idx="minor">
+                <a:schemeClr val="tx1"/>
+              </a:fontRef>
+            </p:style>
+          </p:cxnSp>
+          <p:cxnSp>
+            <p:nvCxnSpPr>
+              <p:cNvPr id="42" name="Straight Arrow Connector 41"/>
+              <p:cNvCxnSpPr>
+                <a:stCxn id="8" idx="0"/>
+                <a:endCxn id="12" idx="2"/>
+              </p:cNvCxnSpPr>
+              <p:nvPr/>
+            </p:nvCxnSpPr>
+            <p:spPr>
+              <a:xfrm flipV="1">
+                <a:off x="2661077" y="2503689"/>
+                <a:ext cx="0" cy="1918533"/>
+              </a:xfrm>
+              <a:prstGeom prst="straightConnector1">
+                <a:avLst/>
+              </a:prstGeom>
+              <a:ln>
+                <a:solidFill>
+                  <a:srgbClr val="594B3B"/>
+                </a:solidFill>
+                <a:prstDash val="dash"/>
+                <a:tailEnd type="triangle"/>
+              </a:ln>
+            </p:spPr>
+            <p:style>
+              <a:lnRef idx="2">
+                <a:schemeClr val="accent1"/>
+              </a:lnRef>
+              <a:fillRef idx="0">
+                <a:schemeClr val="accent1"/>
+              </a:fillRef>
+              <a:effectRef idx="1">
+                <a:schemeClr val="accent1"/>
+              </a:effectRef>
+              <a:fontRef idx="minor">
+                <a:schemeClr val="tx1"/>
+              </a:fontRef>
+            </p:style>
+          </p:cxnSp>
+          <p:cxnSp>
+            <p:nvCxnSpPr>
+              <p:cNvPr id="44" name="Straight Arrow Connector 43"/>
+              <p:cNvCxnSpPr>
+                <a:stCxn id="8" idx="0"/>
+                <a:endCxn id="13" idx="2"/>
+              </p:cNvCxnSpPr>
+              <p:nvPr/>
+            </p:nvCxnSpPr>
+            <p:spPr>
+              <a:xfrm flipV="1">
+                <a:off x="2661077" y="2503689"/>
+                <a:ext cx="1414012" cy="1918533"/>
+              </a:xfrm>
+              <a:prstGeom prst="straightConnector1">
+                <a:avLst/>
+              </a:prstGeom>
+              <a:ln>
+                <a:solidFill>
+                  <a:srgbClr val="594B3B"/>
+                </a:solidFill>
+                <a:prstDash val="dash"/>
+                <a:tailEnd type="triangle"/>
+              </a:ln>
+            </p:spPr>
+            <p:style>
+              <a:lnRef idx="2">
+                <a:schemeClr val="accent1"/>
+              </a:lnRef>
+              <a:fillRef idx="0">
+                <a:schemeClr val="accent1"/>
+              </a:fillRef>
+              <a:effectRef idx="1">
+                <a:schemeClr val="accent1"/>
+              </a:effectRef>
+              <a:fontRef idx="minor">
+                <a:schemeClr val="tx1"/>
+              </a:fontRef>
+            </p:style>
+          </p:cxnSp>
+          <p:cxnSp>
+            <p:nvCxnSpPr>
+              <p:cNvPr id="46" name="Straight Arrow Connector 45"/>
+              <p:cNvCxnSpPr>
+                <a:stCxn id="20" idx="0"/>
+                <a:endCxn id="13" idx="2"/>
+              </p:cNvCxnSpPr>
+              <p:nvPr/>
+            </p:nvCxnSpPr>
+            <p:spPr>
+              <a:xfrm flipV="1">
+                <a:off x="4075089" y="2503689"/>
+                <a:ext cx="0" cy="1802093"/>
+              </a:xfrm>
+              <a:prstGeom prst="straightConnector1">
+                <a:avLst/>
+              </a:prstGeom>
+              <a:ln>
+                <a:solidFill>
+                  <a:srgbClr val="594B3B"/>
+                </a:solidFill>
+                <a:prstDash val="dash"/>
+                <a:tailEnd type="triangle"/>
+              </a:ln>
+            </p:spPr>
+            <p:style>
+              <a:lnRef idx="2">
+                <a:schemeClr val="accent1"/>
+              </a:lnRef>
+              <a:fillRef idx="0">
+                <a:schemeClr val="accent1"/>
+              </a:fillRef>
+              <a:effectRef idx="1">
+                <a:schemeClr val="accent1"/>
+              </a:effectRef>
+              <a:fontRef idx="minor">
+                <a:schemeClr val="tx1"/>
+              </a:fontRef>
+            </p:style>
+          </p:cxnSp>
+          <p:sp>
+            <p:nvSpPr>
+              <p:cNvPr id="50" name="TextBox 49"/>
+              <p:cNvSpPr txBox="1"/>
+              <p:nvPr/>
+            </p:nvSpPr>
+            <p:spPr>
+              <a:xfrm>
+                <a:off x="973406" y="2858947"/>
+                <a:ext cx="1283746" cy="400110"/>
+              </a:xfrm>
+              <a:prstGeom prst="rect">
+                <a:avLst/>
+              </a:prstGeom>
+              <a:noFill/>
+            </p:spPr>
+            <p:txBody>
+              <a:bodyPr wrap="square" rtlCol="0">
+                <a:spAutoFit/>
+              </a:bodyPr>
+              <a:lstStyle/>
+              <a:p>
+                <a:r>
+                  <a:rPr lang="fr-FR" sz="2000" dirty="0">
+                    <a:solidFill>
+                      <a:srgbClr val="463A2D"/>
+                    </a:solidFill>
+                    <a:latin typeface="Hoefler Text"/>
+                    <a:cs typeface="Hoefler Text"/>
+                  </a:rPr>
+                  <a:t>Propose</a:t>
+                </a:r>
+                <a:endParaRPr lang="fr-FR" sz="2000" dirty="0">
+                  <a:solidFill>
+                    <a:srgbClr val="463A2D"/>
+                  </a:solidFill>
+                  <a:latin typeface="Hoefler Text"/>
+                  <a:cs typeface="Hoefler Text"/>
+                </a:endParaRPr>
+              </a:p>
+            </p:txBody>
+          </p:sp>
+        </p:grpSp>
+        <p:sp>
+          <p:nvSpPr>
+            <p:cNvPr id="51" name="TextBox 50"/>
+            <p:cNvSpPr txBox="1"/>
+            <p:nvPr/>
+          </p:nvSpPr>
+          <p:spPr>
+            <a:xfrm>
+              <a:off x="2649156" y="2858947"/>
+              <a:ext cx="1174101" cy="400110"/>
+            </a:xfrm>
+            <a:prstGeom prst="rect">
+              <a:avLst/>
+            </a:prstGeom>
+            <a:noFill/>
+          </p:spPr>
+          <p:txBody>
+            <a:bodyPr wrap="square" rtlCol="0">
+              <a:spAutoFit/>
+            </a:bodyPr>
+            <a:lstStyle/>
+            <a:p>
+              <a:r>
+                <a:rPr lang="fr-FR" sz="2000" dirty="0" err="1" smtClean="0">
+                  <a:solidFill>
+                    <a:srgbClr val="463A2D"/>
+                  </a:solidFill>
+                  <a:latin typeface="Hoefler Text"/>
+                  <a:cs typeface="Hoefler Text"/>
+                </a:rPr>
+                <a:t>Consult</a:t>
+              </a:r>
+              <a:r>
+                <a:rPr lang="fr-FR" sz="2000" dirty="0" smtClean="0">
+                  <a:solidFill>
+                    <a:srgbClr val="463A2D"/>
+                  </a:solidFill>
+                  <a:latin typeface="Hoefler Text"/>
+                  <a:cs typeface="Hoefler Text"/>
+                </a:rPr>
+                <a:t> </a:t>
+              </a:r>
+              <a:endParaRPr lang="fr-FR" sz="2000" dirty="0">
+                <a:solidFill>
+                  <a:srgbClr val="463A2D"/>
+                </a:solidFill>
+                <a:latin typeface="Hoefler Text"/>
+                <a:cs typeface="Hoefler Text"/>
+              </a:endParaRPr>
+            </a:p>
+          </p:txBody>
+        </p:sp>
+      </p:grpSp>
     </p:spTree>
     <p:extLst>
       <p:ext uri="{BB962C8B-B14F-4D97-AF65-F5344CB8AC3E}">
@@ -3383,7 +4308,7 @@
   <p:timing>
     <p:tnLst>
       <p:par>
-        <p:cTn xmlns:p14="http://schemas.microsoft.com/office/powerpoint/2010/main" id="1" dur="indefinite" restart="never" nodeType="tmRoot"/>
+        <p:cTn id="1" dur="indefinite" restart="never" nodeType="tmRoot"/>
       </p:par>
     </p:tnLst>
   </p:timing>
@@ -3521,10 +4446,1177 @@
           </a:p>
         </p:txBody>
       </p:sp>
+      <p:sp>
+        <p:nvSpPr>
+          <p:cNvPr id="9" name="TextBox 8"/>
+          <p:cNvSpPr txBox="1"/>
+          <p:nvPr/>
+        </p:nvSpPr>
+        <p:spPr>
+          <a:xfrm>
+            <a:off x="5981114" y="1680494"/>
+            <a:ext cx="3134749" cy="369332"/>
+          </a:xfrm>
+          <a:prstGeom prst="rect">
+            <a:avLst/>
+          </a:prstGeom>
+          <a:noFill/>
+        </p:spPr>
+        <p:txBody>
+          <a:bodyPr wrap="square" rtlCol="0">
+            <a:spAutoFit/>
+          </a:bodyPr>
+          <a:lstStyle/>
+          <a:p>
+            <a:r>
+              <a:rPr lang="en-US" u="sng" dirty="0" smtClean="0">
+                <a:solidFill>
+                  <a:srgbClr val="594B3B"/>
+                </a:solidFill>
+                <a:latin typeface="Hoefler Text"/>
+                <a:ea typeface="Microsoft YaHei" charset="0"/>
+                <a:cs typeface="Hoefler Text"/>
+              </a:rPr>
+              <a:t>Dynamic Carpooling</a:t>
+            </a:r>
+            <a:endParaRPr lang="en-US" u="sng" dirty="0">
+              <a:solidFill>
+                <a:srgbClr val="594B3B"/>
+              </a:solidFill>
+              <a:latin typeface="Hoefler Text"/>
+              <a:ea typeface="Microsoft YaHei" charset="0"/>
+              <a:cs typeface="Hoefler Text"/>
+            </a:endParaRPr>
+          </a:p>
+        </p:txBody>
+      </p:sp>
+      <p:sp>
+        <p:nvSpPr>
+          <p:cNvPr id="33" name="Rectangle 32"/>
+          <p:cNvSpPr/>
+          <p:nvPr/>
+        </p:nvSpPr>
+        <p:spPr>
+          <a:xfrm>
+            <a:off x="5544274" y="2776128"/>
+            <a:ext cx="3571590" cy="2246769"/>
+          </a:xfrm>
+          <a:prstGeom prst="rect">
+            <a:avLst/>
+          </a:prstGeom>
+        </p:spPr>
+        <p:txBody>
+          <a:bodyPr wrap="square">
+            <a:spAutoFit/>
+          </a:bodyPr>
+          <a:lstStyle/>
+          <a:p>
+            <a:pPr marL="342900" indent="-342900" algn="just">
+              <a:buFont typeface="Wingdings" panose="05000000000000000000" pitchFamily="2" charset="2"/>
+              <a:buChar char="ü"/>
+            </a:pPr>
+            <a:r>
+              <a:rPr lang="en-US" sz="2000" dirty="0" smtClean="0">
+                <a:solidFill>
+                  <a:srgbClr val="463A2D"/>
+                </a:solidFill>
+                <a:latin typeface="Hoefler Text"/>
+                <a:cs typeface="Hoefler Text"/>
+              </a:rPr>
+              <a:t>Total flexibility</a:t>
+            </a:r>
+          </a:p>
+          <a:p>
+            <a:pPr marL="342900" indent="-342900" algn="just">
+              <a:buFont typeface="Wingdings" panose="05000000000000000000" pitchFamily="2" charset="2"/>
+              <a:buChar char="ü"/>
+            </a:pPr>
+            <a:r>
+              <a:rPr lang="en-US" sz="2000" dirty="0" smtClean="0">
+                <a:solidFill>
+                  <a:srgbClr val="463A2D"/>
+                </a:solidFill>
+                <a:latin typeface="Hoefler Text"/>
+                <a:cs typeface="Hoefler Text"/>
+              </a:rPr>
+              <a:t>Secured</a:t>
+            </a:r>
+          </a:p>
+          <a:p>
+            <a:pPr marL="342900" indent="-342900" algn="just">
+              <a:buFont typeface="Wingdings" panose="05000000000000000000" pitchFamily="2" charset="2"/>
+              <a:buChar char="ü"/>
+            </a:pPr>
+            <a:endParaRPr lang="en-US" sz="2000" dirty="0">
+              <a:solidFill>
+                <a:srgbClr val="463A2D"/>
+              </a:solidFill>
+              <a:latin typeface="Hoefler Text"/>
+              <a:cs typeface="Hoefler Text"/>
+            </a:endParaRPr>
+          </a:p>
+          <a:p>
+            <a:pPr marL="342900" indent="-342900" algn="just">
+              <a:buFont typeface="Wingdings" panose="05000000000000000000" pitchFamily="2" charset="2"/>
+              <a:buChar char=""/>
+            </a:pPr>
+            <a:r>
+              <a:rPr lang="en-US" sz="2000" dirty="0" smtClean="0">
+                <a:solidFill>
+                  <a:srgbClr val="463A2D"/>
+                </a:solidFill>
+                <a:latin typeface="Hoefler Text"/>
+                <a:cs typeface="Hoefler Text"/>
+              </a:rPr>
+              <a:t>Use advanced technology</a:t>
+            </a:r>
+          </a:p>
+          <a:p>
+            <a:pPr marL="342900" indent="-342900" algn="just">
+              <a:buFont typeface="Wingdings" panose="05000000000000000000" pitchFamily="2" charset="2"/>
+              <a:buChar char=""/>
+            </a:pPr>
+            <a:r>
+              <a:rPr lang="en-US" sz="2000" dirty="0" smtClean="0">
+                <a:solidFill>
+                  <a:srgbClr val="463A2D"/>
+                </a:solidFill>
+                <a:latin typeface="Hoefler Text"/>
+                <a:cs typeface="Hoefler Text"/>
+              </a:rPr>
+              <a:t>Hard to implement</a:t>
+            </a:r>
+          </a:p>
+          <a:p>
+            <a:pPr marL="342900" indent="-342900" algn="just">
+              <a:buFont typeface="Wingdings" panose="05000000000000000000" pitchFamily="2" charset="2"/>
+              <a:buChar char=""/>
+            </a:pPr>
+            <a:r>
+              <a:rPr lang="en-US" sz="2000" dirty="0" smtClean="0">
+                <a:solidFill>
+                  <a:srgbClr val="463A2D"/>
+                </a:solidFill>
+                <a:latin typeface="Hoefler Text"/>
+                <a:cs typeface="Hoefler Text"/>
+              </a:rPr>
+              <a:t>Hard to manage</a:t>
+            </a:r>
+          </a:p>
+          <a:p>
+            <a:pPr marL="342900" indent="-342900" algn="just">
+              <a:buFont typeface="Wingdings" panose="05000000000000000000" pitchFamily="2" charset="2"/>
+              <a:buChar char=""/>
+            </a:pPr>
+            <a:r>
+              <a:rPr lang="en-US" sz="2000" dirty="0" smtClean="0">
+                <a:solidFill>
+                  <a:srgbClr val="463A2D"/>
+                </a:solidFill>
+                <a:latin typeface="Hoefler Text"/>
+                <a:cs typeface="Hoefler Text"/>
+              </a:rPr>
+              <a:t>Hard to optimize</a:t>
+            </a:r>
+            <a:endParaRPr lang="en-US" sz="2000" dirty="0" smtClean="0">
+              <a:solidFill>
+                <a:srgbClr val="463A2D"/>
+              </a:solidFill>
+              <a:latin typeface="Hoefler Text"/>
+              <a:cs typeface="Hoefler Text"/>
+            </a:endParaRPr>
+          </a:p>
+        </p:txBody>
+      </p:sp>
+      <p:grpSp>
+        <p:nvGrpSpPr>
+          <p:cNvPr id="73" name="Group 72"/>
+          <p:cNvGrpSpPr/>
+          <p:nvPr/>
+        </p:nvGrpSpPr>
+        <p:grpSpPr>
+          <a:xfrm>
+            <a:off x="192276" y="1278350"/>
+            <a:ext cx="4948978" cy="5136902"/>
+            <a:chOff x="192276" y="1278350"/>
+            <a:chExt cx="4948978" cy="5136902"/>
+          </a:xfrm>
+        </p:grpSpPr>
+        <p:grpSp>
+          <p:nvGrpSpPr>
+            <p:cNvPr id="72" name="Group 71"/>
+            <p:cNvGrpSpPr/>
+            <p:nvPr/>
+          </p:nvGrpSpPr>
+          <p:grpSpPr>
+            <a:xfrm>
+              <a:off x="192276" y="1278350"/>
+              <a:ext cx="4948978" cy="4510241"/>
+              <a:chOff x="192276" y="1349490"/>
+              <a:chExt cx="4948978" cy="4510241"/>
+            </a:xfrm>
+          </p:grpSpPr>
+          <p:pic>
+            <p:nvPicPr>
+              <p:cNvPr id="12" name="Picture 11"/>
+              <p:cNvPicPr>
+                <a:picLocks noChangeAspect="1"/>
+              </p:cNvPicPr>
+              <p:nvPr/>
+            </p:nvPicPr>
+            <p:blipFill>
+              <a:blip r:embed="rId3"/>
+              <a:stretch>
+                <a:fillRect/>
+              </a:stretch>
+            </p:blipFill>
+            <p:spPr>
+              <a:xfrm>
+                <a:off x="1892159" y="3048873"/>
+                <a:ext cx="1224625" cy="865869"/>
+              </a:xfrm>
+              <a:prstGeom prst="rect">
+                <a:avLst/>
+              </a:prstGeom>
+            </p:spPr>
+          </p:pic>
+          <p:pic>
+            <p:nvPicPr>
+              <p:cNvPr id="8" name="Picture 7"/>
+              <p:cNvPicPr>
+                <a:picLocks noChangeAspect="1"/>
+              </p:cNvPicPr>
+              <p:nvPr/>
+            </p:nvPicPr>
+            <p:blipFill>
+              <a:blip r:embed="rId4"/>
+              <a:stretch>
+                <a:fillRect/>
+              </a:stretch>
+            </p:blipFill>
+            <p:spPr>
+              <a:xfrm>
+                <a:off x="562320" y="1705248"/>
+                <a:ext cx="1486443" cy="762542"/>
+              </a:xfrm>
+              <a:prstGeom prst="rect">
+                <a:avLst/>
+              </a:prstGeom>
+            </p:spPr>
+          </p:pic>
+          <p:pic>
+            <p:nvPicPr>
+              <p:cNvPr id="19" name="Picture 18"/>
+              <p:cNvPicPr>
+                <a:picLocks noChangeAspect="1"/>
+              </p:cNvPicPr>
+              <p:nvPr/>
+            </p:nvPicPr>
+            <p:blipFill>
+              <a:blip r:embed="rId5"/>
+              <a:stretch>
+                <a:fillRect/>
+              </a:stretch>
+            </p:blipFill>
+            <p:spPr>
+              <a:xfrm>
+                <a:off x="1892159" y="4668082"/>
+                <a:ext cx="1236679" cy="913973"/>
+              </a:xfrm>
+              <a:prstGeom prst="rect">
+                <a:avLst/>
+              </a:prstGeom>
+            </p:spPr>
+          </p:pic>
+          <p:pic>
+            <p:nvPicPr>
+              <p:cNvPr id="20" name="Picture 19"/>
+              <p:cNvPicPr>
+                <a:picLocks noChangeAspect="1"/>
+              </p:cNvPicPr>
+              <p:nvPr/>
+            </p:nvPicPr>
+            <p:blipFill rotWithShape="1">
+              <a:blip r:embed="rId6"/>
+              <a:srcRect t="12485" b="12125"/>
+              <a:stretch/>
+            </p:blipFill>
+            <p:spPr>
+              <a:xfrm>
+                <a:off x="3514559" y="1934661"/>
+                <a:ext cx="883474" cy="995423"/>
+              </a:xfrm>
+              <a:prstGeom prst="rect">
+                <a:avLst/>
+              </a:prstGeom>
+            </p:spPr>
+          </p:pic>
+          <p:sp>
+            <p:nvSpPr>
+              <p:cNvPr id="21" name="TextBox 20"/>
+              <p:cNvSpPr txBox="1"/>
+              <p:nvPr/>
+            </p:nvSpPr>
+            <p:spPr>
+              <a:xfrm>
+                <a:off x="192276" y="5084343"/>
+                <a:ext cx="935258" cy="369332"/>
+              </a:xfrm>
+              <a:prstGeom prst="rect">
+                <a:avLst/>
+              </a:prstGeom>
+              <a:noFill/>
+            </p:spPr>
+            <p:txBody>
+              <a:bodyPr wrap="square" rtlCol="0">
+                <a:spAutoFit/>
+              </a:bodyPr>
+              <a:lstStyle/>
+              <a:p>
+                <a:r>
+                  <a:rPr lang="en-US" b="1" dirty="0">
+                    <a:solidFill>
+                      <a:srgbClr val="6AACA4"/>
+                    </a:solidFill>
+                    <a:latin typeface="Hoefler Text"/>
+                    <a:ea typeface="Microsoft YaHei" charset="0"/>
+                    <a:cs typeface="Hoefler Text"/>
+                  </a:rPr>
+                  <a:t>User 1</a:t>
+                </a:r>
+                <a:endParaRPr lang="en-US" b="1" dirty="0">
+                  <a:solidFill>
+                    <a:srgbClr val="6AACA4"/>
+                  </a:solidFill>
+                  <a:latin typeface="Hoefler Text"/>
+                  <a:ea typeface="Microsoft YaHei" charset="0"/>
+                  <a:cs typeface="Hoefler Text"/>
+                </a:endParaRPr>
+              </a:p>
+            </p:txBody>
+          </p:sp>
+          <p:sp>
+            <p:nvSpPr>
+              <p:cNvPr id="23" name="TextBox 22"/>
+              <p:cNvSpPr txBox="1"/>
+              <p:nvPr/>
+            </p:nvSpPr>
+            <p:spPr>
+              <a:xfrm>
+                <a:off x="2048763" y="5490399"/>
+                <a:ext cx="935258" cy="369332"/>
+              </a:xfrm>
+              <a:prstGeom prst="rect">
+                <a:avLst/>
+              </a:prstGeom>
+              <a:noFill/>
+            </p:spPr>
+            <p:txBody>
+              <a:bodyPr wrap="square" rtlCol="0">
+                <a:spAutoFit/>
+              </a:bodyPr>
+              <a:lstStyle/>
+              <a:p>
+                <a:r>
+                  <a:rPr lang="en-US" b="1" dirty="0">
+                    <a:solidFill>
+                      <a:srgbClr val="6AACA4"/>
+                    </a:solidFill>
+                    <a:latin typeface="Hoefler Text"/>
+                    <a:ea typeface="Microsoft YaHei" charset="0"/>
+                    <a:cs typeface="Hoefler Text"/>
+                  </a:rPr>
+                  <a:t>User </a:t>
+                </a:r>
+                <a:r>
+                  <a:rPr lang="en-US" b="1" dirty="0" smtClean="0">
+                    <a:solidFill>
+                      <a:srgbClr val="6AACA4"/>
+                    </a:solidFill>
+                    <a:latin typeface="Hoefler Text"/>
+                    <a:ea typeface="Microsoft YaHei" charset="0"/>
+                    <a:cs typeface="Hoefler Text"/>
+                  </a:rPr>
+                  <a:t>2</a:t>
+                </a:r>
+                <a:endParaRPr lang="en-US" b="1" dirty="0">
+                  <a:solidFill>
+                    <a:srgbClr val="6AACA4"/>
+                  </a:solidFill>
+                  <a:latin typeface="Hoefler Text"/>
+                  <a:ea typeface="Microsoft YaHei" charset="0"/>
+                  <a:cs typeface="Hoefler Text"/>
+                </a:endParaRPr>
+              </a:p>
+            </p:txBody>
+          </p:sp>
+          <p:sp>
+            <p:nvSpPr>
+              <p:cNvPr id="24" name="TextBox 23"/>
+              <p:cNvSpPr txBox="1"/>
+              <p:nvPr/>
+            </p:nvSpPr>
+            <p:spPr>
+              <a:xfrm>
+                <a:off x="3930404" y="4223107"/>
+                <a:ext cx="935258" cy="369332"/>
+              </a:xfrm>
+              <a:prstGeom prst="rect">
+                <a:avLst/>
+              </a:prstGeom>
+              <a:noFill/>
+            </p:spPr>
+            <p:txBody>
+              <a:bodyPr wrap="square" rtlCol="0">
+                <a:spAutoFit/>
+              </a:bodyPr>
+              <a:lstStyle/>
+              <a:p>
+                <a:r>
+                  <a:rPr lang="en-US" b="1" dirty="0">
+                    <a:solidFill>
+                      <a:srgbClr val="6AACA4"/>
+                    </a:solidFill>
+                    <a:latin typeface="Hoefler Text"/>
+                    <a:ea typeface="Microsoft YaHei" charset="0"/>
+                    <a:cs typeface="Hoefler Text"/>
+                  </a:rPr>
+                  <a:t>User </a:t>
+                </a:r>
+                <a:r>
+                  <a:rPr lang="en-US" b="1" dirty="0" smtClean="0">
+                    <a:solidFill>
+                      <a:srgbClr val="6AACA4"/>
+                    </a:solidFill>
+                    <a:latin typeface="Hoefler Text"/>
+                    <a:ea typeface="Microsoft YaHei" charset="0"/>
+                    <a:cs typeface="Hoefler Text"/>
+                  </a:rPr>
+                  <a:t>3</a:t>
+                </a:r>
+              </a:p>
+            </p:txBody>
+          </p:sp>
+          <p:cxnSp>
+            <p:nvCxnSpPr>
+              <p:cNvPr id="40" name="Straight Arrow Connector 39"/>
+              <p:cNvCxnSpPr>
+                <a:stCxn id="19" idx="0"/>
+                <a:endCxn id="12" idx="2"/>
+              </p:cNvCxnSpPr>
+              <p:nvPr/>
+            </p:nvCxnSpPr>
+            <p:spPr>
+              <a:xfrm flipH="1" flipV="1">
+                <a:off x="2504472" y="3914742"/>
+                <a:ext cx="6027" cy="753340"/>
+              </a:xfrm>
+              <a:prstGeom prst="straightConnector1">
+                <a:avLst/>
+              </a:prstGeom>
+              <a:ln>
+                <a:solidFill>
+                  <a:srgbClr val="594B3B"/>
+                </a:solidFill>
+                <a:tailEnd type="triangle"/>
+              </a:ln>
+            </p:spPr>
+            <p:style>
+              <a:lnRef idx="2">
+                <a:schemeClr val="accent1"/>
+              </a:lnRef>
+              <a:fillRef idx="0">
+                <a:schemeClr val="accent1"/>
+              </a:fillRef>
+              <a:effectRef idx="1">
+                <a:schemeClr val="accent1"/>
+              </a:effectRef>
+              <a:fontRef idx="minor">
+                <a:schemeClr val="tx1"/>
+              </a:fontRef>
+            </p:style>
+          </p:cxnSp>
+          <p:pic>
+            <p:nvPicPr>
+              <p:cNvPr id="32" name="Picture 31"/>
+              <p:cNvPicPr>
+                <a:picLocks noChangeAspect="1"/>
+              </p:cNvPicPr>
+              <p:nvPr/>
+            </p:nvPicPr>
+            <p:blipFill>
+              <a:blip r:embed="rId4"/>
+              <a:stretch>
+                <a:fillRect/>
+              </a:stretch>
+            </p:blipFill>
+            <p:spPr>
+              <a:xfrm>
+                <a:off x="3654811" y="3533471"/>
+                <a:ext cx="1486443" cy="762542"/>
+              </a:xfrm>
+              <a:prstGeom prst="rect">
+                <a:avLst/>
+              </a:prstGeom>
+            </p:spPr>
+          </p:pic>
+          <p:pic>
+            <p:nvPicPr>
+              <p:cNvPr id="37" name="Picture 36"/>
+              <p:cNvPicPr>
+                <a:picLocks noChangeAspect="1"/>
+              </p:cNvPicPr>
+              <p:nvPr/>
+            </p:nvPicPr>
+            <p:blipFill rotWithShape="1">
+              <a:blip r:embed="rId6"/>
+              <a:srcRect t="12485" b="12125"/>
+              <a:stretch/>
+            </p:blipFill>
+            <p:spPr>
+              <a:xfrm>
+                <a:off x="244060" y="4170370"/>
+                <a:ext cx="883474" cy="995423"/>
+              </a:xfrm>
+              <a:prstGeom prst="rect">
+                <a:avLst/>
+              </a:prstGeom>
+            </p:spPr>
+          </p:pic>
+          <p:sp>
+            <p:nvSpPr>
+              <p:cNvPr id="38" name="TextBox 37"/>
+              <p:cNvSpPr txBox="1"/>
+              <p:nvPr/>
+            </p:nvSpPr>
+            <p:spPr>
+              <a:xfrm>
+                <a:off x="3514559" y="1601212"/>
+                <a:ext cx="935258" cy="369332"/>
+              </a:xfrm>
+              <a:prstGeom prst="rect">
+                <a:avLst/>
+              </a:prstGeom>
+              <a:noFill/>
+            </p:spPr>
+            <p:txBody>
+              <a:bodyPr wrap="square" rtlCol="0">
+                <a:spAutoFit/>
+              </a:bodyPr>
+              <a:lstStyle/>
+              <a:p>
+                <a:r>
+                  <a:rPr lang="en-US" b="1" dirty="0">
+                    <a:solidFill>
+                      <a:srgbClr val="6AACA4"/>
+                    </a:solidFill>
+                    <a:latin typeface="Hoefler Text"/>
+                    <a:ea typeface="Microsoft YaHei" charset="0"/>
+                    <a:cs typeface="Hoefler Text"/>
+                  </a:rPr>
+                  <a:t>User 4</a:t>
+                </a:r>
+                <a:endParaRPr lang="en-US" b="1" dirty="0" smtClean="0">
+                  <a:solidFill>
+                    <a:srgbClr val="6AACA4"/>
+                  </a:solidFill>
+                  <a:latin typeface="Hoefler Text"/>
+                  <a:ea typeface="Microsoft YaHei" charset="0"/>
+                  <a:cs typeface="Hoefler Text"/>
+                </a:endParaRPr>
+              </a:p>
+            </p:txBody>
+          </p:sp>
+          <p:sp>
+            <p:nvSpPr>
+              <p:cNvPr id="39" name="TextBox 38"/>
+              <p:cNvSpPr txBox="1"/>
+              <p:nvPr/>
+            </p:nvSpPr>
+            <p:spPr>
+              <a:xfrm>
+                <a:off x="840807" y="1349490"/>
+                <a:ext cx="935258" cy="369332"/>
+              </a:xfrm>
+              <a:prstGeom prst="rect">
+                <a:avLst/>
+              </a:prstGeom>
+              <a:noFill/>
+            </p:spPr>
+            <p:txBody>
+              <a:bodyPr wrap="square" rtlCol="0">
+                <a:spAutoFit/>
+              </a:bodyPr>
+              <a:lstStyle/>
+              <a:p>
+                <a:r>
+                  <a:rPr lang="en-US" b="1" dirty="0">
+                    <a:solidFill>
+                      <a:srgbClr val="6AACA4"/>
+                    </a:solidFill>
+                    <a:latin typeface="Hoefler Text"/>
+                    <a:ea typeface="Microsoft YaHei" charset="0"/>
+                    <a:cs typeface="Hoefler Text"/>
+                  </a:rPr>
+                  <a:t>User </a:t>
+                </a:r>
+                <a:r>
+                  <a:rPr lang="en-US" b="1" dirty="0" smtClean="0">
+                    <a:solidFill>
+                      <a:srgbClr val="6AACA4"/>
+                    </a:solidFill>
+                    <a:latin typeface="Hoefler Text"/>
+                    <a:ea typeface="Microsoft YaHei" charset="0"/>
+                    <a:cs typeface="Hoefler Text"/>
+                  </a:rPr>
+                  <a:t>5</a:t>
+                </a:r>
+              </a:p>
+            </p:txBody>
+          </p:sp>
+          <p:cxnSp>
+            <p:nvCxnSpPr>
+              <p:cNvPr id="25" name="Straight Arrow Connector 24"/>
+              <p:cNvCxnSpPr>
+                <a:endCxn id="12" idx="3"/>
+              </p:cNvCxnSpPr>
+              <p:nvPr/>
+            </p:nvCxnSpPr>
+            <p:spPr>
+              <a:xfrm flipH="1" flipV="1">
+                <a:off x="3116784" y="3481808"/>
+                <a:ext cx="813620" cy="198941"/>
+              </a:xfrm>
+              <a:prstGeom prst="straightConnector1">
+                <a:avLst/>
+              </a:prstGeom>
+              <a:ln>
+                <a:solidFill>
+                  <a:srgbClr val="594B3B"/>
+                </a:solidFill>
+                <a:tailEnd type="triangle"/>
+              </a:ln>
+            </p:spPr>
+            <p:style>
+              <a:lnRef idx="2">
+                <a:schemeClr val="accent1"/>
+              </a:lnRef>
+              <a:fillRef idx="0">
+                <a:schemeClr val="accent1"/>
+              </a:fillRef>
+              <a:effectRef idx="1">
+                <a:schemeClr val="accent1"/>
+              </a:effectRef>
+              <a:fontRef idx="minor">
+                <a:schemeClr val="tx1"/>
+              </a:fontRef>
+            </p:style>
+          </p:cxnSp>
+          <p:cxnSp>
+            <p:nvCxnSpPr>
+              <p:cNvPr id="28" name="Straight Arrow Connector 27"/>
+              <p:cNvCxnSpPr>
+                <a:stCxn id="20" idx="1"/>
+              </p:cNvCxnSpPr>
+              <p:nvPr/>
+            </p:nvCxnSpPr>
+            <p:spPr>
+              <a:xfrm flipH="1">
+                <a:off x="2777925" y="2432373"/>
+                <a:ext cx="736634" cy="616500"/>
+              </a:xfrm>
+              <a:prstGeom prst="straightConnector1">
+                <a:avLst/>
+              </a:prstGeom>
+              <a:ln>
+                <a:solidFill>
+                  <a:srgbClr val="594B3B"/>
+                </a:solidFill>
+                <a:tailEnd type="triangle"/>
+              </a:ln>
+            </p:spPr>
+            <p:style>
+              <a:lnRef idx="2">
+                <a:schemeClr val="accent1"/>
+              </a:lnRef>
+              <a:fillRef idx="0">
+                <a:schemeClr val="accent1"/>
+              </a:fillRef>
+              <a:effectRef idx="1">
+                <a:schemeClr val="accent1"/>
+              </a:effectRef>
+              <a:fontRef idx="minor">
+                <a:schemeClr val="tx1"/>
+              </a:fontRef>
+            </p:style>
+          </p:cxnSp>
+          <p:cxnSp>
+            <p:nvCxnSpPr>
+              <p:cNvPr id="30" name="Straight Arrow Connector 29"/>
+              <p:cNvCxnSpPr>
+                <a:stCxn id="8" idx="2"/>
+              </p:cNvCxnSpPr>
+              <p:nvPr/>
+            </p:nvCxnSpPr>
+            <p:spPr>
+              <a:xfrm>
+                <a:off x="1305542" y="2467790"/>
+                <a:ext cx="586617" cy="581083"/>
+              </a:xfrm>
+              <a:prstGeom prst="straightConnector1">
+                <a:avLst/>
+              </a:prstGeom>
+              <a:ln>
+                <a:solidFill>
+                  <a:srgbClr val="594B3B"/>
+                </a:solidFill>
+                <a:tailEnd type="triangle"/>
+              </a:ln>
+            </p:spPr>
+            <p:style>
+              <a:lnRef idx="2">
+                <a:schemeClr val="accent1"/>
+              </a:lnRef>
+              <a:fillRef idx="0">
+                <a:schemeClr val="accent1"/>
+              </a:fillRef>
+              <a:effectRef idx="1">
+                <a:schemeClr val="accent1"/>
+              </a:effectRef>
+              <a:fontRef idx="minor">
+                <a:schemeClr val="tx1"/>
+              </a:fontRef>
+            </p:style>
+          </p:cxnSp>
+          <p:cxnSp>
+            <p:nvCxnSpPr>
+              <p:cNvPr id="47" name="Straight Arrow Connector 46"/>
+              <p:cNvCxnSpPr/>
+              <p:nvPr/>
+            </p:nvCxnSpPr>
+            <p:spPr>
+              <a:xfrm flipV="1">
+                <a:off x="1006997" y="3796497"/>
+                <a:ext cx="769068" cy="610847"/>
+              </a:xfrm>
+              <a:prstGeom prst="straightConnector1">
+                <a:avLst/>
+              </a:prstGeom>
+              <a:ln>
+                <a:solidFill>
+                  <a:srgbClr val="594B3B"/>
+                </a:solidFill>
+                <a:tailEnd type="triangle"/>
+              </a:ln>
+            </p:spPr>
+            <p:style>
+              <a:lnRef idx="2">
+                <a:schemeClr val="accent1"/>
+              </a:lnRef>
+              <a:fillRef idx="0">
+                <a:schemeClr val="accent1"/>
+              </a:fillRef>
+              <a:effectRef idx="1">
+                <a:schemeClr val="accent1"/>
+              </a:effectRef>
+              <a:fontRef idx="minor">
+                <a:schemeClr val="tx1"/>
+              </a:fontRef>
+            </p:style>
+          </p:cxnSp>
+          <p:cxnSp>
+            <p:nvCxnSpPr>
+              <p:cNvPr id="58" name="Straight Arrow Connector 57"/>
+              <p:cNvCxnSpPr/>
+              <p:nvPr/>
+            </p:nvCxnSpPr>
+            <p:spPr>
+              <a:xfrm flipV="1">
+                <a:off x="2673752" y="2349661"/>
+                <a:ext cx="729205" cy="580423"/>
+              </a:xfrm>
+              <a:prstGeom prst="straightConnector1">
+                <a:avLst/>
+              </a:prstGeom>
+              <a:ln>
+                <a:solidFill>
+                  <a:srgbClr val="594B3B"/>
+                </a:solidFill>
+                <a:prstDash val="dash"/>
+                <a:tailEnd type="triangle"/>
+              </a:ln>
+            </p:spPr>
+            <p:style>
+              <a:lnRef idx="2">
+                <a:schemeClr val="accent1"/>
+              </a:lnRef>
+              <a:fillRef idx="0">
+                <a:schemeClr val="accent1"/>
+              </a:fillRef>
+              <a:effectRef idx="1">
+                <a:schemeClr val="accent1"/>
+              </a:effectRef>
+              <a:fontRef idx="minor">
+                <a:schemeClr val="tx1"/>
+              </a:fontRef>
+            </p:style>
+          </p:cxnSp>
+          <p:cxnSp>
+            <p:nvCxnSpPr>
+              <p:cNvPr id="60" name="Straight Arrow Connector 59"/>
+              <p:cNvCxnSpPr/>
+              <p:nvPr/>
+            </p:nvCxnSpPr>
+            <p:spPr>
+              <a:xfrm flipH="1" flipV="1">
+                <a:off x="1458410" y="2432373"/>
+                <a:ext cx="590353" cy="497711"/>
+              </a:xfrm>
+              <a:prstGeom prst="straightConnector1">
+                <a:avLst/>
+              </a:prstGeom>
+              <a:ln>
+                <a:solidFill>
+                  <a:srgbClr val="594B3B"/>
+                </a:solidFill>
+                <a:prstDash val="dash"/>
+                <a:tailEnd type="triangle"/>
+              </a:ln>
+            </p:spPr>
+            <p:style>
+              <a:lnRef idx="2">
+                <a:schemeClr val="accent1"/>
+              </a:lnRef>
+              <a:fillRef idx="0">
+                <a:schemeClr val="accent1"/>
+              </a:fillRef>
+              <a:effectRef idx="1">
+                <a:schemeClr val="accent1"/>
+              </a:effectRef>
+              <a:fontRef idx="minor">
+                <a:schemeClr val="tx1"/>
+              </a:fontRef>
+            </p:style>
+          </p:cxnSp>
+          <p:cxnSp>
+            <p:nvCxnSpPr>
+              <p:cNvPr id="62" name="Straight Arrow Connector 61"/>
+              <p:cNvCxnSpPr/>
+              <p:nvPr/>
+            </p:nvCxnSpPr>
+            <p:spPr>
+              <a:xfrm flipH="1">
+                <a:off x="1006997" y="3680749"/>
+                <a:ext cx="607022" cy="542358"/>
+              </a:xfrm>
+              <a:prstGeom prst="straightConnector1">
+                <a:avLst/>
+              </a:prstGeom>
+              <a:ln>
+                <a:solidFill>
+                  <a:srgbClr val="594B3B"/>
+                </a:solidFill>
+                <a:prstDash val="dash"/>
+                <a:tailEnd type="triangle"/>
+              </a:ln>
+            </p:spPr>
+            <p:style>
+              <a:lnRef idx="2">
+                <a:schemeClr val="accent1"/>
+              </a:lnRef>
+              <a:fillRef idx="0">
+                <a:schemeClr val="accent1"/>
+              </a:fillRef>
+              <a:effectRef idx="1">
+                <a:schemeClr val="accent1"/>
+              </a:effectRef>
+              <a:fontRef idx="minor">
+                <a:schemeClr val="tx1"/>
+              </a:fontRef>
+            </p:style>
+          </p:cxnSp>
+          <p:cxnSp>
+            <p:nvCxnSpPr>
+              <p:cNvPr id="64" name="Straight Arrow Connector 63"/>
+              <p:cNvCxnSpPr/>
+              <p:nvPr/>
+            </p:nvCxnSpPr>
+            <p:spPr>
+              <a:xfrm>
+                <a:off x="2673752" y="3914742"/>
+                <a:ext cx="0" cy="753340"/>
+              </a:xfrm>
+              <a:prstGeom prst="straightConnector1">
+                <a:avLst/>
+              </a:prstGeom>
+              <a:ln>
+                <a:solidFill>
+                  <a:srgbClr val="594B3B"/>
+                </a:solidFill>
+                <a:prstDash val="dash"/>
+                <a:tailEnd type="triangle"/>
+              </a:ln>
+            </p:spPr>
+            <p:style>
+              <a:lnRef idx="2">
+                <a:schemeClr val="accent1"/>
+              </a:lnRef>
+              <a:fillRef idx="0">
+                <a:schemeClr val="accent1"/>
+              </a:fillRef>
+              <a:effectRef idx="1">
+                <a:schemeClr val="accent1"/>
+              </a:effectRef>
+              <a:fontRef idx="minor">
+                <a:schemeClr val="tx1"/>
+              </a:fontRef>
+            </p:style>
+          </p:cxnSp>
+          <p:cxnSp>
+            <p:nvCxnSpPr>
+              <p:cNvPr id="66" name="Straight Arrow Connector 65"/>
+              <p:cNvCxnSpPr/>
+              <p:nvPr/>
+            </p:nvCxnSpPr>
+            <p:spPr>
+              <a:xfrm>
+                <a:off x="3128838" y="3333509"/>
+                <a:ext cx="910727" cy="199962"/>
+              </a:xfrm>
+              <a:prstGeom prst="straightConnector1">
+                <a:avLst/>
+              </a:prstGeom>
+              <a:ln>
+                <a:solidFill>
+                  <a:srgbClr val="594B3B"/>
+                </a:solidFill>
+                <a:prstDash val="dash"/>
+                <a:tailEnd type="triangle"/>
+              </a:ln>
+            </p:spPr>
+            <p:style>
+              <a:lnRef idx="2">
+                <a:schemeClr val="accent1"/>
+              </a:lnRef>
+              <a:fillRef idx="0">
+                <a:schemeClr val="accent1"/>
+              </a:fillRef>
+              <a:effectRef idx="1">
+                <a:schemeClr val="accent1"/>
+              </a:effectRef>
+              <a:fontRef idx="minor">
+                <a:schemeClr val="tx1"/>
+              </a:fontRef>
+            </p:style>
+          </p:cxnSp>
+        </p:grpSp>
+        <p:grpSp>
+          <p:nvGrpSpPr>
+            <p:cNvPr id="71" name="Group 70"/>
+            <p:cNvGrpSpPr/>
+            <p:nvPr/>
+          </p:nvGrpSpPr>
+          <p:grpSpPr>
+            <a:xfrm>
+              <a:off x="330273" y="5951387"/>
+              <a:ext cx="2613791" cy="463865"/>
+              <a:chOff x="330273" y="5951387"/>
+              <a:chExt cx="2613791" cy="463865"/>
+            </a:xfrm>
+          </p:grpSpPr>
+          <p:grpSp>
+            <p:nvGrpSpPr>
+              <p:cNvPr id="67" name="Group 66"/>
+              <p:cNvGrpSpPr/>
+              <p:nvPr/>
+            </p:nvGrpSpPr>
+            <p:grpSpPr>
+              <a:xfrm>
+                <a:off x="330273" y="5951387"/>
+                <a:ext cx="1283746" cy="411685"/>
+                <a:chOff x="330273" y="5951387"/>
+                <a:chExt cx="1283746" cy="411685"/>
+              </a:xfrm>
+            </p:grpSpPr>
+            <p:sp>
+              <p:nvSpPr>
+                <p:cNvPr id="50" name="TextBox 49"/>
+                <p:cNvSpPr txBox="1"/>
+                <p:nvPr/>
+              </p:nvSpPr>
+              <p:spPr>
+                <a:xfrm>
+                  <a:off x="330273" y="5951387"/>
+                  <a:ext cx="1283746" cy="400110"/>
+                </a:xfrm>
+                <a:prstGeom prst="rect">
+                  <a:avLst/>
+                </a:prstGeom>
+                <a:noFill/>
+              </p:spPr>
+              <p:txBody>
+                <a:bodyPr wrap="square" rtlCol="0">
+                  <a:spAutoFit/>
+                </a:bodyPr>
+                <a:lstStyle/>
+                <a:p>
+                  <a:r>
+                    <a:rPr lang="fr-FR" sz="2000" dirty="0">
+                      <a:solidFill>
+                        <a:srgbClr val="463A2D"/>
+                      </a:solidFill>
+                      <a:latin typeface="Hoefler Text"/>
+                      <a:cs typeface="Hoefler Text"/>
+                    </a:rPr>
+                    <a:t>Propose</a:t>
+                  </a:r>
+                  <a:endParaRPr lang="fr-FR" sz="2000" dirty="0">
+                    <a:solidFill>
+                      <a:srgbClr val="463A2D"/>
+                    </a:solidFill>
+                    <a:latin typeface="Hoefler Text"/>
+                    <a:cs typeface="Hoefler Text"/>
+                  </a:endParaRPr>
+                </a:p>
+              </p:txBody>
+            </p:sp>
+            <p:cxnSp>
+              <p:nvCxnSpPr>
+                <p:cNvPr id="54" name="Straight Arrow Connector 53"/>
+                <p:cNvCxnSpPr/>
+                <p:nvPr/>
+              </p:nvCxnSpPr>
+              <p:spPr>
+                <a:xfrm>
+                  <a:off x="419430" y="6363072"/>
+                  <a:ext cx="886112" cy="0"/>
+                </a:xfrm>
+                <a:prstGeom prst="straightConnector1">
+                  <a:avLst/>
+                </a:prstGeom>
+                <a:ln>
+                  <a:solidFill>
+                    <a:srgbClr val="594B3B"/>
+                  </a:solidFill>
+                  <a:tailEnd type="triangle"/>
+                </a:ln>
+              </p:spPr>
+              <p:style>
+                <a:lnRef idx="2">
+                  <a:schemeClr val="accent1"/>
+                </a:lnRef>
+                <a:fillRef idx="0">
+                  <a:schemeClr val="accent1"/>
+                </a:fillRef>
+                <a:effectRef idx="1">
+                  <a:schemeClr val="accent1"/>
+                </a:effectRef>
+                <a:fontRef idx="minor">
+                  <a:schemeClr val="tx1"/>
+                </a:fontRef>
+              </p:style>
+            </p:cxnSp>
+          </p:grpSp>
+          <p:grpSp>
+            <p:nvGrpSpPr>
+              <p:cNvPr id="68" name="Group 67"/>
+              <p:cNvGrpSpPr/>
+              <p:nvPr/>
+            </p:nvGrpSpPr>
+            <p:grpSpPr>
+              <a:xfrm>
+                <a:off x="1660318" y="6003567"/>
+                <a:ext cx="1283746" cy="411685"/>
+                <a:chOff x="330273" y="5951387"/>
+                <a:chExt cx="1283746" cy="411685"/>
+              </a:xfrm>
+            </p:grpSpPr>
+            <p:sp>
+              <p:nvSpPr>
+                <p:cNvPr id="69" name="TextBox 68"/>
+                <p:cNvSpPr txBox="1"/>
+                <p:nvPr/>
+              </p:nvSpPr>
+              <p:spPr>
+                <a:xfrm>
+                  <a:off x="330273" y="5951387"/>
+                  <a:ext cx="1283746" cy="400110"/>
+                </a:xfrm>
+                <a:prstGeom prst="rect">
+                  <a:avLst/>
+                </a:prstGeom>
+                <a:noFill/>
+              </p:spPr>
+              <p:txBody>
+                <a:bodyPr wrap="square" rtlCol="0">
+                  <a:spAutoFit/>
+                </a:bodyPr>
+                <a:lstStyle/>
+                <a:p>
+                  <a:r>
+                    <a:rPr lang="fr-FR" sz="2000" dirty="0" err="1" smtClean="0">
+                      <a:solidFill>
+                        <a:srgbClr val="463A2D"/>
+                      </a:solidFill>
+                      <a:latin typeface="Hoefler Text"/>
+                      <a:cs typeface="Hoefler Text"/>
+                    </a:rPr>
+                    <a:t>Suggest</a:t>
+                  </a:r>
+                  <a:endParaRPr lang="fr-FR" sz="2000" dirty="0">
+                    <a:solidFill>
+                      <a:srgbClr val="463A2D"/>
+                    </a:solidFill>
+                    <a:latin typeface="Hoefler Text"/>
+                    <a:cs typeface="Hoefler Text"/>
+                  </a:endParaRPr>
+                </a:p>
+              </p:txBody>
+            </p:sp>
+            <p:cxnSp>
+              <p:nvCxnSpPr>
+                <p:cNvPr id="70" name="Straight Arrow Connector 69"/>
+                <p:cNvCxnSpPr/>
+                <p:nvPr/>
+              </p:nvCxnSpPr>
+              <p:spPr>
+                <a:xfrm>
+                  <a:off x="419430" y="6363072"/>
+                  <a:ext cx="886112" cy="0"/>
+                </a:xfrm>
+                <a:prstGeom prst="straightConnector1">
+                  <a:avLst/>
+                </a:prstGeom>
+                <a:ln>
+                  <a:solidFill>
+                    <a:srgbClr val="594B3B"/>
+                  </a:solidFill>
+                  <a:prstDash val="dash"/>
+                  <a:tailEnd type="triangle"/>
+                </a:ln>
+              </p:spPr>
+              <p:style>
+                <a:lnRef idx="2">
+                  <a:schemeClr val="accent1"/>
+                </a:lnRef>
+                <a:fillRef idx="0">
+                  <a:schemeClr val="accent1"/>
+                </a:fillRef>
+                <a:effectRef idx="1">
+                  <a:schemeClr val="accent1"/>
+                </a:effectRef>
+                <a:fontRef idx="minor">
+                  <a:schemeClr val="tx1"/>
+                </a:fontRef>
+              </p:style>
+            </p:cxnSp>
+          </p:grpSp>
+        </p:grpSp>
+      </p:grpSp>
     </p:spTree>
     <p:extLst>
       <p:ext uri="{BB962C8B-B14F-4D97-AF65-F5344CB8AC3E}">
-        <p14:creationId xmlns:p14="http://schemas.microsoft.com/office/powerpoint/2010/main" val="1875075313"/>
+        <p14:creationId xmlns:p14="http://schemas.microsoft.com/office/powerpoint/2010/main" val="502883979"/>
       </p:ext>
     </p:extLst>
   </p:cSld>
@@ -3534,7 +5626,7 @@
   <p:timing>
     <p:tnLst>
       <p:par>
-        <p:cTn xmlns:p14="http://schemas.microsoft.com/office/powerpoint/2010/main" id="1" dur="indefinite" restart="never" nodeType="tmRoot"/>
+        <p:cTn id="1" dur="indefinite" restart="never" nodeType="tmRoot"/>
       </p:par>
     </p:tnLst>
   </p:timing>
@@ -3651,7 +5743,7 @@
   <p:timing>
     <p:tnLst>
       <p:par>
-        <p:cTn xmlns:p14="http://schemas.microsoft.com/office/powerpoint/2010/main" id="1" dur="indefinite" restart="never" nodeType="tmRoot"/>
+        <p:cTn id="1" dur="indefinite" restart="never" nodeType="tmRoot"/>
       </p:par>
     </p:tnLst>
   </p:timing>
@@ -4180,7 +6272,7 @@
   <p:timing>
     <p:tnLst>
       <p:par>
-        <p:cTn xmlns:p14="http://schemas.microsoft.com/office/powerpoint/2010/main" id="1" dur="indefinite" restart="never" nodeType="tmRoot"/>
+        <p:cTn id="1" dur="indefinite" restart="never" nodeType="tmRoot"/>
       </p:par>
     </p:tnLst>
   </p:timing>
@@ -4883,7 +6975,7 @@
   <p:timing>
     <p:tnLst>
       <p:par>
-        <p:cTn xmlns:p14="http://schemas.microsoft.com/office/powerpoint/2010/main" id="1" dur="indefinite" restart="never" nodeType="tmRoot"/>
+        <p:cTn id="1" dur="indefinite" restart="never" nodeType="tmRoot"/>
       </p:par>
     </p:tnLst>
   </p:timing>
@@ -5235,7 +7327,7 @@
   <p:timing>
     <p:tnLst>
       <p:par>
-        <p:cTn xmlns:p14="http://schemas.microsoft.com/office/powerpoint/2010/main" id="1" dur="indefinite" restart="never" nodeType="tmRoot"/>
+        <p:cTn id="1" dur="indefinite" restart="never" nodeType="tmRoot"/>
       </p:par>
     </p:tnLst>
   </p:timing>
@@ -5328,7 +7420,7 @@
   <p:timing>
     <p:tnLst>
       <p:par>
-        <p:cTn xmlns:p14="http://schemas.microsoft.com/office/powerpoint/2010/main" id="1" dur="indefinite" restart="never" nodeType="tmRoot"/>
+        <p:cTn id="1" dur="indefinite" restart="never" nodeType="tmRoot"/>
       </p:par>
     </p:tnLst>
   </p:timing>
@@ -5765,7 +7857,7 @@
   <p:timing>
     <p:tnLst>
       <p:par>
-        <p:cTn xmlns:p14="http://schemas.microsoft.com/office/powerpoint/2010/main" id="1" dur="indefinite" restart="never" nodeType="tmRoot"/>
+        <p:cTn id="1" dur="indefinite" restart="never" nodeType="tmRoot"/>
       </p:par>
     </p:tnLst>
   </p:timing>
@@ -6028,7 +8120,7 @@
   <p:timing>
     <p:tnLst>
       <p:par>
-        <p:cTn xmlns:p14="http://schemas.microsoft.com/office/powerpoint/2010/main" id="1" dur="indefinite" restart="never" nodeType="tmRoot"/>
+        <p:cTn id="1" dur="indefinite" restart="never" nodeType="tmRoot"/>
       </p:par>
     </p:tnLst>
   </p:timing>
@@ -6320,7 +8412,7 @@
   <p:timing>
     <p:tnLst>
       <p:par>
-        <p:cTn xmlns:p14="http://schemas.microsoft.com/office/powerpoint/2010/main" id="1" dur="indefinite" restart="never" nodeType="tmRoot"/>
+        <p:cTn id="1" dur="indefinite" restart="never" nodeType="tmRoot"/>
       </p:par>
     </p:tnLst>
   </p:timing>
@@ -6472,7 +8564,7 @@
   <p:timing>
     <p:tnLst>
       <p:par>
-        <p:cTn xmlns:p14="http://schemas.microsoft.com/office/powerpoint/2010/main" id="1" dur="indefinite" restart="never" nodeType="tmRoot"/>
+        <p:cTn id="1" dur="indefinite" restart="never" nodeType="tmRoot"/>
       </p:par>
     </p:tnLst>
   </p:timing>
@@ -6595,8 +8687,15 @@
                 <a:latin typeface="Hoefler Text"/>
                 <a:cs typeface="Hoefler Text"/>
               </a:rPr>
-              <a:t>Market Analysis : Conclusion</a:t>
-            </a:r>
+              <a:t>Conclusion</a:t>
+            </a:r>
+            <a:endParaRPr lang="en-US" sz="3200" dirty="0" smtClean="0">
+              <a:solidFill>
+                <a:srgbClr val="F6F1E5"/>
+              </a:solidFill>
+              <a:latin typeface="Hoefler Text"/>
+              <a:cs typeface="Hoefler Text"/>
+            </a:endParaRPr>
           </a:p>
           <a:p>
             <a:pPr algn="ctr"/>
@@ -6847,7 +8946,7 @@
   <p:timing>
     <p:tnLst>
       <p:par>
-        <p:cTn xmlns:p14="http://schemas.microsoft.com/office/powerpoint/2010/main" id="1" dur="indefinite" restart="never" nodeType="tmRoot"/>
+        <p:cTn id="1" dur="indefinite" restart="never" nodeType="tmRoot"/>
       </p:par>
     </p:tnLst>
   </p:timing>
@@ -6940,7 +9039,7 @@
   <p:timing>
     <p:tnLst>
       <p:par>
-        <p:cTn xmlns:p14="http://schemas.microsoft.com/office/powerpoint/2010/main" id="1" dur="indefinite" restart="never" nodeType="tmRoot"/>
+        <p:cTn id="1" dur="indefinite" restart="never" nodeType="tmRoot"/>
       </p:par>
     </p:tnLst>
   </p:timing>
@@ -6999,14 +9098,14 @@
           </a:ln>
           <a:extLst>
             <a:ext uri="{909E8E84-426E-40dd-AFC4-6F175D3DCCD1}">
-              <a14:hiddenFill xmlns:a14="http://schemas.microsoft.com/office/drawing/2010/main">
+              <a14:hiddenFill xmlns:a14="http://schemas.microsoft.com/office/drawing/2010/main" xmlns="">
                 <a:solidFill>
                   <a:srgbClr val="FFFFFF"/>
                 </a:solidFill>
               </a14:hiddenFill>
             </a:ext>
             <a:ext uri="{91240B29-F687-4f45-9708-019B960494DF}">
-              <a14:hiddenLine xmlns:a14="http://schemas.microsoft.com/office/drawing/2010/main" w="9525">
+              <a14:hiddenLine xmlns:a14="http://schemas.microsoft.com/office/drawing/2010/main" xmlns="" w="9525">
                 <a:solidFill>
                   <a:srgbClr val="000000"/>
                 </a:solidFill>
@@ -7053,14 +9152,14 @@
           </a:ln>
           <a:extLst>
             <a:ext uri="{909E8E84-426E-40dd-AFC4-6F175D3DCCD1}">
-              <a14:hiddenFill xmlns:a14="http://schemas.microsoft.com/office/drawing/2010/main">
+              <a14:hiddenFill xmlns:a14="http://schemas.microsoft.com/office/drawing/2010/main" xmlns="">
                 <a:solidFill>
                   <a:srgbClr val="FFFFFF"/>
                 </a:solidFill>
               </a14:hiddenFill>
             </a:ext>
             <a:ext uri="{91240B29-F687-4f45-9708-019B960494DF}">
-              <a14:hiddenLine xmlns:a14="http://schemas.microsoft.com/office/drawing/2010/main" w="9525">
+              <a14:hiddenLine xmlns:a14="http://schemas.microsoft.com/office/drawing/2010/main" xmlns="" w="9525">
                 <a:solidFill>
                   <a:srgbClr val="000000"/>
                 </a:solidFill>
@@ -7107,14 +9206,14 @@
           </a:ln>
           <a:extLst>
             <a:ext uri="{909E8E84-426E-40dd-AFC4-6F175D3DCCD1}">
-              <a14:hiddenFill xmlns:a14="http://schemas.microsoft.com/office/drawing/2010/main">
+              <a14:hiddenFill xmlns:a14="http://schemas.microsoft.com/office/drawing/2010/main" xmlns="">
                 <a:solidFill>
                   <a:srgbClr val="FFFFFF"/>
                 </a:solidFill>
               </a14:hiddenFill>
             </a:ext>
             <a:ext uri="{91240B29-F687-4f45-9708-019B960494DF}">
-              <a14:hiddenLine xmlns:a14="http://schemas.microsoft.com/office/drawing/2010/main" w="9525">
+              <a14:hiddenLine xmlns:a14="http://schemas.microsoft.com/office/drawing/2010/main" xmlns="" w="9525">
                 <a:solidFill>
                   <a:srgbClr val="000000"/>
                 </a:solidFill>
@@ -7161,14 +9260,14 @@
           </a:ln>
           <a:extLst>
             <a:ext uri="{909E8E84-426E-40dd-AFC4-6F175D3DCCD1}">
-              <a14:hiddenFill xmlns:a14="http://schemas.microsoft.com/office/drawing/2010/main">
+              <a14:hiddenFill xmlns:a14="http://schemas.microsoft.com/office/drawing/2010/main" xmlns="">
                 <a:solidFill>
                   <a:srgbClr val="FFFFFF"/>
                 </a:solidFill>
               </a14:hiddenFill>
             </a:ext>
             <a:ext uri="{91240B29-F687-4f45-9708-019B960494DF}">
-              <a14:hiddenLine xmlns:a14="http://schemas.microsoft.com/office/drawing/2010/main" w="9525">
+              <a14:hiddenLine xmlns:a14="http://schemas.microsoft.com/office/drawing/2010/main" xmlns="" w="9525">
                 <a:solidFill>
                   <a:srgbClr val="000000"/>
                 </a:solidFill>
@@ -7217,7 +9316,7 @@
   <p:timing>
     <p:tnLst>
       <p:par>
-        <p:cTn xmlns:p14="http://schemas.microsoft.com/office/powerpoint/2010/main" id="1" dur="indefinite" restart="never" nodeType="tmRoot"/>
+        <p:cTn id="1" dur="indefinite" restart="never" nodeType="tmRoot"/>
       </p:par>
     </p:tnLst>
   </p:timing>
@@ -7361,7 +9460,7 @@
   <p:timing>
     <p:tnLst>
       <p:par>
-        <p:cTn xmlns:p14="http://schemas.microsoft.com/office/powerpoint/2010/main" id="1" dur="indefinite" restart="never" nodeType="tmRoot">
+        <p:cTn id="1" dur="indefinite" restart="never" nodeType="tmRoot">
           <p:childTnLst>
             <p:seq concurrent="1" nextAc="seek">
               <p:cTn id="2" dur="indefinite" nodeType="mainSeq">
@@ -7776,7 +9875,7 @@
   <p:timing>
     <p:tnLst>
       <p:par>
-        <p:cTn xmlns:p14="http://schemas.microsoft.com/office/powerpoint/2010/main" id="1" dur="indefinite" restart="never" nodeType="tmRoot"/>
+        <p:cTn id="1" dur="indefinite" restart="never" nodeType="tmRoot"/>
       </p:par>
     </p:tnLst>
   </p:timing>
@@ -8159,7 +10258,7 @@
   <p:timing>
     <p:tnLst>
       <p:par>
-        <p:cTn xmlns:p14="http://schemas.microsoft.com/office/powerpoint/2010/main" id="1" dur="indefinite" restart="never" nodeType="tmRoot"/>
+        <p:cTn id="1" dur="indefinite" restart="never" nodeType="tmRoot"/>
       </p:par>
     </p:tnLst>
   </p:timing>
@@ -8228,7 +10327,7 @@
   <p:timing>
     <p:tnLst>
       <p:par>
-        <p:cTn xmlns:p14="http://schemas.microsoft.com/office/powerpoint/2010/main" id="1" dur="indefinite" restart="never" nodeType="tmRoot"/>
+        <p:cTn id="1" dur="indefinite" restart="never" nodeType="tmRoot"/>
       </p:par>
     </p:tnLst>
   </p:timing>
@@ -8596,14 +10695,14 @@
           </a:ln>
           <a:extLst>
             <a:ext uri="{909E8E84-426E-40dd-AFC4-6F175D3DCCD1}">
-              <a14:hiddenFill xmlns:a14="http://schemas.microsoft.com/office/drawing/2010/main">
+              <a14:hiddenFill xmlns:a14="http://schemas.microsoft.com/office/drawing/2010/main" xmlns="">
                 <a:solidFill>
                   <a:srgbClr val="FFFFFF"/>
                 </a:solidFill>
               </a14:hiddenFill>
             </a:ext>
             <a:ext uri="{91240B29-F687-4f45-9708-019B960494DF}">
-              <a14:hiddenLine xmlns:a14="http://schemas.microsoft.com/office/drawing/2010/main" w="9525">
+              <a14:hiddenLine xmlns:a14="http://schemas.microsoft.com/office/drawing/2010/main" xmlns="" w="9525">
                 <a:solidFill>
                   <a:srgbClr val="000000"/>
                 </a:solidFill>
@@ -8793,7 +10892,7 @@
   <p:timing>
     <p:tnLst>
       <p:par>
-        <p:cTn xmlns:p14="http://schemas.microsoft.com/office/powerpoint/2010/main" id="1" dur="indefinite" restart="never" nodeType="tmRoot"/>
+        <p:cTn id="1" dur="indefinite" restart="never" nodeType="tmRoot"/>
       </p:par>
     </p:tnLst>
   </p:timing>
@@ -8908,7 +11007,7 @@
   <p:timing>
     <p:tnLst>
       <p:par>
-        <p:cTn xmlns:p14="http://schemas.microsoft.com/office/powerpoint/2010/main" id="1" dur="indefinite" restart="never" nodeType="tmRoot"/>
+        <p:cTn id="1" dur="indefinite" restart="never" nodeType="tmRoot"/>
       </p:par>
     </p:tnLst>
   </p:timing>
@@ -9784,7 +11883,7 @@
             <a:noFill/>
             <a:extLst>
               <a:ext uri="{909E8E84-426E-40dd-AFC4-6F175D3DCCD1}">
-                <a14:hiddenFill xmlns:a14="http://schemas.microsoft.com/office/drawing/2010/main">
+                <a14:hiddenFill xmlns:a14="http://schemas.microsoft.com/office/drawing/2010/main" xmlns="">
                   <a:solidFill>
                     <a:srgbClr val="FFFFFF"/>
                   </a:solidFill>
@@ -9948,7 +12047,7 @@
             <a:noFill/>
             <a:extLst>
               <a:ext uri="{909E8E84-426E-40dd-AFC4-6F175D3DCCD1}">
-                <a14:hiddenFill xmlns:a14="http://schemas.microsoft.com/office/drawing/2010/main">
+                <a14:hiddenFill xmlns:a14="http://schemas.microsoft.com/office/drawing/2010/main" xmlns="">
                   <a:solidFill>
                     <a:srgbClr val="FFFFFF"/>
                   </a:solidFill>
@@ -10603,7 +12702,7 @@
   <p:timing>
     <p:tnLst>
       <p:par>
-        <p:cTn xmlns:p14="http://schemas.microsoft.com/office/powerpoint/2010/main" id="1" dur="indefinite" restart="never" nodeType="tmRoot"/>
+        <p:cTn id="1" dur="indefinite" restart="never" nodeType="tmRoot"/>
       </p:par>
     </p:tnLst>
   </p:timing>
@@ -10720,7 +12819,7 @@
   <p:timing>
     <p:tnLst>
       <p:par>
-        <p:cTn xmlns:p14="http://schemas.microsoft.com/office/powerpoint/2010/main" id="1" dur="indefinite" restart="never" nodeType="tmRoot"/>
+        <p:cTn id="1" dur="indefinite" restart="never" nodeType="tmRoot"/>
       </p:par>
     </p:tnLst>
   </p:timing>

--- a/GMS FINALE PRESENTATION.pptx
+++ b/GMS FINALE PRESENTATION.pptx
@@ -13,8 +13,8 @@
     <p:sldId id="262" r:id="rId7"/>
     <p:sldId id="261" r:id="rId8"/>
     <p:sldId id="263" r:id="rId9"/>
-    <p:sldId id="264" r:id="rId10"/>
-    <p:sldId id="265" r:id="rId11"/>
+    <p:sldId id="279" r:id="rId10"/>
+    <p:sldId id="280" r:id="rId11"/>
     <p:sldId id="266" r:id="rId12"/>
     <p:sldId id="267" r:id="rId13"/>
     <p:sldId id="268" r:id="rId14"/>
@@ -28,6 +28,7 @@
     <p:sldId id="278" r:id="rId22"/>
     <p:sldId id="275" r:id="rId23"/>
     <p:sldId id="276" r:id="rId24"/>
+    <p:sldId id="281" r:id="rId25"/>
   </p:sldIdLst>
   <p:sldSz cx="9144000" cy="6858000" type="screen4x3"/>
   <p:notesSz cx="6858000" cy="9144000"/>
@@ -3240,54 +3241,9 @@
           <a:chExt cx="0" cy="0"/>
         </a:xfrm>
       </p:grpSpPr>
-      <p:sp>
-        <p:nvSpPr>
-          <p:cNvPr id="5" name="Rectangle 4"/>
-          <p:cNvSpPr/>
-          <p:nvPr/>
-        </p:nvSpPr>
-        <p:spPr>
-          <a:xfrm>
-            <a:off x="0" y="264576"/>
-            <a:ext cx="9144000" cy="1077218"/>
-          </a:xfrm>
-          <a:prstGeom prst="rect">
-            <a:avLst/>
-          </a:prstGeom>
-        </p:spPr>
-        <p:txBody>
-          <a:bodyPr wrap="square" anchor="ctr">
-            <a:spAutoFit/>
-          </a:bodyPr>
-          <a:lstStyle/>
-          <a:p>
-            <a:pPr algn="ctr"/>
-            <a:r>
-              <a:rPr lang="en-US" sz="3200" dirty="0" smtClean="0">
-                <a:solidFill>
-                  <a:srgbClr val="F6F1E5"/>
-                </a:solidFill>
-                <a:latin typeface="Hoefler Text"/>
-                <a:cs typeface="Hoefler Text"/>
-              </a:rPr>
-              <a:t>MOTIVATIONS</a:t>
-            </a:r>
-          </a:p>
-          <a:p>
-            <a:pPr algn="ctr"/>
-            <a:endParaRPr lang="en-US" sz="3200" dirty="0">
-              <a:solidFill>
-                <a:srgbClr val="F6F1E5"/>
-              </a:solidFill>
-              <a:latin typeface="Hoefler Text"/>
-              <a:cs typeface="Hoefler Text"/>
-            </a:endParaRPr>
-          </a:p>
-        </p:txBody>
-      </p:sp>
       <p:pic>
         <p:nvPicPr>
-          <p:cNvPr id="10" name="Picture 9"/>
+          <p:cNvPr id="26" name="Picture 25"/>
           <p:cNvPicPr>
             <a:picLocks noChangeAspect="1"/>
           </p:cNvPicPr>
@@ -3301,8 +3257,8 @@
         </p:blipFill>
         <p:spPr>
           <a:xfrm>
-            <a:off x="-234683" y="1"/>
-            <a:ext cx="9621994" cy="952596"/>
+            <a:off x="0" y="0"/>
+            <a:ext cx="9144000" cy="6858000"/>
           </a:xfrm>
           <a:prstGeom prst="rect">
             <a:avLst/>
@@ -3311,59 +3267,292 @@
       </p:pic>
       <p:sp>
         <p:nvSpPr>
-          <p:cNvPr id="11" name="Rectangle 10"/>
-          <p:cNvSpPr/>
-          <p:nvPr/>
-        </p:nvSpPr>
-        <p:spPr>
-          <a:xfrm>
-            <a:off x="0" y="154662"/>
-            <a:ext cx="9144000" cy="1077218"/>
-          </a:xfrm>
-          <a:prstGeom prst="rect">
-            <a:avLst/>
-          </a:prstGeom>
-        </p:spPr>
-        <p:txBody>
-          <a:bodyPr wrap="square" anchor="ctr">
-            <a:spAutoFit/>
-          </a:bodyPr>
-          <a:lstStyle/>
-          <a:p>
-            <a:pPr algn="ctr"/>
-            <a:r>
-              <a:rPr lang="en-US" sz="3200" dirty="0" smtClean="0">
-                <a:solidFill>
-                  <a:srgbClr val="F6F1E5"/>
-                </a:solidFill>
-                <a:latin typeface="Hoefler Text"/>
-                <a:cs typeface="Hoefler Text"/>
-              </a:rPr>
-              <a:t>Transportation Analysis</a:t>
-            </a:r>
-          </a:p>
-          <a:p>
-            <a:pPr algn="ctr"/>
-            <a:endParaRPr lang="en-US" sz="3200" dirty="0">
-              <a:solidFill>
-                <a:srgbClr val="F6F1E5"/>
-              </a:solidFill>
-              <a:latin typeface="Hoefler Text"/>
-              <a:cs typeface="Hoefler Text"/>
-            </a:endParaRPr>
-          </a:p>
-        </p:txBody>
-      </p:sp>
+          <p:cNvPr id="11" name="Content Placeholder 2"/>
+          <p:cNvSpPr txBox="1">
+            <a:spLocks/>
+          </p:cNvSpPr>
+          <p:nvPr/>
+        </p:nvSpPr>
+        <p:spPr>
+          <a:xfrm>
+            <a:off x="457200" y="2346505"/>
+            <a:ext cx="8229600" cy="4525963"/>
+          </a:xfrm>
+          <a:prstGeom prst="rect">
+            <a:avLst/>
+          </a:prstGeom>
+        </p:spPr>
+        <p:txBody>
+          <a:bodyPr/>
+          <a:lstStyle>
+            <a:lvl1pPr marL="342900" indent="-342900" algn="l" defTabSz="457200" rtl="0" eaLnBrk="1" latinLnBrk="0" hangingPunct="1">
+              <a:spcBef>
+                <a:spcPct val="20000"/>
+              </a:spcBef>
+              <a:buFont typeface="Arial"/>
+              <a:buChar char="•"/>
+              <a:defRPr sz="3200" kern="1200">
+                <a:solidFill>
+                  <a:schemeClr val="tx1"/>
+                </a:solidFill>
+                <a:latin typeface="+mn-lt"/>
+                <a:ea typeface="+mn-ea"/>
+                <a:cs typeface="+mn-cs"/>
+              </a:defRPr>
+            </a:lvl1pPr>
+            <a:lvl2pPr marL="742950" indent="-285750" algn="l" defTabSz="457200" rtl="0" eaLnBrk="1" latinLnBrk="0" hangingPunct="1">
+              <a:spcBef>
+                <a:spcPct val="20000"/>
+              </a:spcBef>
+              <a:buFont typeface="Arial"/>
+              <a:buChar char="–"/>
+              <a:defRPr sz="2800" kern="1200">
+                <a:solidFill>
+                  <a:schemeClr val="tx1"/>
+                </a:solidFill>
+                <a:latin typeface="+mn-lt"/>
+                <a:ea typeface="+mn-ea"/>
+                <a:cs typeface="+mn-cs"/>
+              </a:defRPr>
+            </a:lvl2pPr>
+            <a:lvl3pPr marL="1143000" indent="-228600" algn="l" defTabSz="457200" rtl="0" eaLnBrk="1" latinLnBrk="0" hangingPunct="1">
+              <a:spcBef>
+                <a:spcPct val="20000"/>
+              </a:spcBef>
+              <a:buFont typeface="Arial"/>
+              <a:buChar char="•"/>
+              <a:defRPr sz="2400" kern="1200">
+                <a:solidFill>
+                  <a:schemeClr val="tx1"/>
+                </a:solidFill>
+                <a:latin typeface="+mn-lt"/>
+                <a:ea typeface="+mn-ea"/>
+                <a:cs typeface="+mn-cs"/>
+              </a:defRPr>
+            </a:lvl3pPr>
+            <a:lvl4pPr marL="1600200" indent="-228600" algn="l" defTabSz="457200" rtl="0" eaLnBrk="1" latinLnBrk="0" hangingPunct="1">
+              <a:spcBef>
+                <a:spcPct val="20000"/>
+              </a:spcBef>
+              <a:buFont typeface="Arial"/>
+              <a:buChar char="–"/>
+              <a:defRPr sz="2000" kern="1200">
+                <a:solidFill>
+                  <a:schemeClr val="tx1"/>
+                </a:solidFill>
+                <a:latin typeface="+mn-lt"/>
+                <a:ea typeface="+mn-ea"/>
+                <a:cs typeface="+mn-cs"/>
+              </a:defRPr>
+            </a:lvl4pPr>
+            <a:lvl5pPr marL="2057400" indent="-228600" algn="l" defTabSz="457200" rtl="0" eaLnBrk="1" latinLnBrk="0" hangingPunct="1">
+              <a:spcBef>
+                <a:spcPct val="20000"/>
+              </a:spcBef>
+              <a:buFont typeface="Arial"/>
+              <a:buChar char="»"/>
+              <a:defRPr sz="2000" kern="1200">
+                <a:solidFill>
+                  <a:schemeClr val="tx1"/>
+                </a:solidFill>
+                <a:latin typeface="+mn-lt"/>
+                <a:ea typeface="+mn-ea"/>
+                <a:cs typeface="+mn-cs"/>
+              </a:defRPr>
+            </a:lvl5pPr>
+            <a:lvl6pPr marL="2514600" indent="-228600" algn="l" defTabSz="457200" rtl="0" eaLnBrk="1" latinLnBrk="0" hangingPunct="1">
+              <a:spcBef>
+                <a:spcPct val="20000"/>
+              </a:spcBef>
+              <a:buFont typeface="Arial"/>
+              <a:buChar char="•"/>
+              <a:defRPr sz="2000" kern="1200">
+                <a:solidFill>
+                  <a:schemeClr val="tx1"/>
+                </a:solidFill>
+                <a:latin typeface="+mn-lt"/>
+                <a:ea typeface="+mn-ea"/>
+                <a:cs typeface="+mn-cs"/>
+              </a:defRPr>
+            </a:lvl6pPr>
+            <a:lvl7pPr marL="2971800" indent="-228600" algn="l" defTabSz="457200" rtl="0" eaLnBrk="1" latinLnBrk="0" hangingPunct="1">
+              <a:spcBef>
+                <a:spcPct val="20000"/>
+              </a:spcBef>
+              <a:buFont typeface="Arial"/>
+              <a:buChar char="•"/>
+              <a:defRPr sz="2000" kern="1200">
+                <a:solidFill>
+                  <a:schemeClr val="tx1"/>
+                </a:solidFill>
+                <a:latin typeface="+mn-lt"/>
+                <a:ea typeface="+mn-ea"/>
+                <a:cs typeface="+mn-cs"/>
+              </a:defRPr>
+            </a:lvl7pPr>
+            <a:lvl8pPr marL="3429000" indent="-228600" algn="l" defTabSz="457200" rtl="0" eaLnBrk="1" latinLnBrk="0" hangingPunct="1">
+              <a:spcBef>
+                <a:spcPct val="20000"/>
+              </a:spcBef>
+              <a:buFont typeface="Arial"/>
+              <a:buChar char="•"/>
+              <a:defRPr sz="2000" kern="1200">
+                <a:solidFill>
+                  <a:schemeClr val="tx1"/>
+                </a:solidFill>
+                <a:latin typeface="+mn-lt"/>
+                <a:ea typeface="+mn-ea"/>
+                <a:cs typeface="+mn-cs"/>
+              </a:defRPr>
+            </a:lvl8pPr>
+            <a:lvl9pPr marL="3886200" indent="-228600" algn="l" defTabSz="457200" rtl="0" eaLnBrk="1" latinLnBrk="0" hangingPunct="1">
+              <a:spcBef>
+                <a:spcPct val="20000"/>
+              </a:spcBef>
+              <a:buFont typeface="Arial"/>
+              <a:buChar char="•"/>
+              <a:defRPr sz="2000" kern="1200">
+                <a:solidFill>
+                  <a:schemeClr val="tx1"/>
+                </a:solidFill>
+                <a:latin typeface="+mn-lt"/>
+                <a:ea typeface="+mn-ea"/>
+                <a:cs typeface="+mn-cs"/>
+              </a:defRPr>
+            </a:lvl9pPr>
+          </a:lstStyle>
+          <a:p>
+            <a:r>
+              <a:rPr lang="en-US" altLang="es-ES" sz="2000" smtClean="0"/>
+              <a:t>Social benefits will make ridesharing and carpooling companies will work together with government policies.</a:t>
+            </a:r>
+          </a:p>
+          <a:p>
+            <a:r>
+              <a:rPr lang="en-US" altLang="es-ES" sz="2000" smtClean="0"/>
+              <a:t>Intelligent algorithms for real time ridesharing will make more efficient. Reducing cost and environmental impact.</a:t>
+            </a:r>
+          </a:p>
+          <a:p>
+            <a:r>
+              <a:rPr lang="en-US" altLang="es-ES" sz="2000" smtClean="0"/>
+              <a:t>The future is the share economy</a:t>
+            </a:r>
+          </a:p>
+          <a:p>
+            <a:endParaRPr lang="en-US" altLang="es-ES" sz="2000" smtClean="0"/>
+          </a:p>
+          <a:p>
+            <a:endParaRPr lang="es-ES" altLang="es-ES" smtClean="0"/>
+          </a:p>
+          <a:p>
+            <a:endParaRPr lang="es-ES" altLang="es-ES" dirty="0" smtClean="0"/>
+          </a:p>
+        </p:txBody>
+      </p:sp>
+      <p:grpSp>
+        <p:nvGrpSpPr>
+          <p:cNvPr id="15" name="Group 14"/>
+          <p:cNvGrpSpPr/>
+          <p:nvPr/>
+        </p:nvGrpSpPr>
+        <p:grpSpPr>
+          <a:xfrm>
+            <a:off x="457200" y="0"/>
+            <a:ext cx="8229600" cy="857250"/>
+            <a:chOff x="457200" y="143177"/>
+            <a:chExt cx="8229600" cy="857250"/>
+          </a:xfrm>
+        </p:grpSpPr>
+        <p:pic>
+          <p:nvPicPr>
+            <p:cNvPr id="16" name="Picture 15"/>
+            <p:cNvPicPr>
+              <a:picLocks noChangeAspect="1"/>
+            </p:cNvPicPr>
+            <p:nvPr/>
+          </p:nvPicPr>
+          <p:blipFill>
+            <a:blip r:embed="rId3"/>
+            <a:stretch>
+              <a:fillRect/>
+            </a:stretch>
+          </p:blipFill>
+          <p:spPr>
+            <a:xfrm>
+              <a:off x="571500" y="143177"/>
+              <a:ext cx="8001000" cy="857250"/>
+            </a:xfrm>
+            <a:prstGeom prst="rect">
+              <a:avLst/>
+            </a:prstGeom>
+          </p:spPr>
+        </p:pic>
+        <p:sp>
+          <p:nvSpPr>
+            <p:cNvPr id="17" name="Title 1"/>
+            <p:cNvSpPr txBox="1">
+              <a:spLocks/>
+            </p:cNvSpPr>
+            <p:nvPr/>
+          </p:nvSpPr>
+          <p:spPr>
+            <a:xfrm>
+              <a:off x="457200" y="154752"/>
+              <a:ext cx="8229600" cy="677902"/>
+            </a:xfrm>
+            <a:prstGeom prst="rect">
+              <a:avLst/>
+            </a:prstGeom>
+          </p:spPr>
+          <p:txBody>
+            <a:bodyPr/>
+            <a:lstStyle>
+              <a:lvl1pPr algn="ctr" defTabSz="457200" rtl="0" eaLnBrk="1" latinLnBrk="0" hangingPunct="1">
+                <a:spcBef>
+                  <a:spcPct val="0"/>
+                </a:spcBef>
+                <a:buNone/>
+                <a:defRPr sz="4400" kern="1200">
+                  <a:solidFill>
+                    <a:schemeClr val="tx1"/>
+                  </a:solidFill>
+                  <a:latin typeface="+mj-lt"/>
+                  <a:ea typeface="+mj-ea"/>
+                  <a:cs typeface="+mj-cs"/>
+                </a:defRPr>
+              </a:lvl1pPr>
+            </a:lstStyle>
+            <a:p>
+              <a:r>
+                <a:rPr lang="en-US" altLang="es-ES" dirty="0" smtClean="0">
+                  <a:solidFill>
+                    <a:srgbClr val="568E77"/>
+                  </a:solidFill>
+                </a:rPr>
+                <a:t>Conclusion</a:t>
+              </a:r>
+            </a:p>
+          </p:txBody>
+        </p:sp>
+      </p:grpSp>
     </p:spTree>
     <p:extLst>
       <p:ext uri="{BB962C8B-B14F-4D97-AF65-F5344CB8AC3E}">
-        <p14:creationId xmlns:p14="http://schemas.microsoft.com/office/powerpoint/2010/main" val="3242536030"/>
+        <p14:creationId xmlns:p14="http://schemas.microsoft.com/office/powerpoint/2010/main" val="2435386525"/>
       </p:ext>
     </p:extLst>
   </p:cSld>
   <p:clrMapOvr>
     <a:masterClrMapping/>
   </p:clrMapOvr>
+  <p:timing>
+    <p:tnLst>
+      <p:par>
+        <p:cTn xmlns:p14="http://schemas.microsoft.com/office/powerpoint/2010/main" id="1" dur="indefinite" restart="never" nodeType="tmRoot"/>
+      </p:par>
+    </p:tnLst>
+  </p:timing>
 </p:sld>
 </file>
 
@@ -6644,6 +6833,13 @@
   <p:clrMapOvr>
     <a:masterClrMapping/>
   </p:clrMapOvr>
+  <p:timing>
+    <p:tnLst>
+      <p:par>
+        <p:cTn xmlns:p14="http://schemas.microsoft.com/office/powerpoint/2010/main" id="1" dur="indefinite" restart="never" nodeType="tmRoot"/>
+      </p:par>
+    </p:tnLst>
+  </p:timing>
 </p:sld>
 </file>
 
@@ -6730,6 +6926,13 @@
   <p:clrMapOvr>
     <a:masterClrMapping/>
   </p:clrMapOvr>
+  <p:timing>
+    <p:tnLst>
+      <p:par>
+        <p:cTn xmlns:p14="http://schemas.microsoft.com/office/powerpoint/2010/main" id="1" dur="indefinite" restart="never" nodeType="tmRoot"/>
+      </p:par>
+    </p:tnLst>
+  </p:timing>
 </p:sld>
 </file>
 
@@ -7000,6 +7203,222 @@
   <p:clrMapOvr>
     <a:masterClrMapping/>
   </p:clrMapOvr>
+  <p:timing>
+    <p:tnLst>
+      <p:par>
+        <p:cTn xmlns:p14="http://schemas.microsoft.com/office/powerpoint/2010/main" id="1" dur="indefinite" restart="never" nodeType="tmRoot"/>
+      </p:par>
+    </p:tnLst>
+  </p:timing>
+</p:sld>
+</file>
+
+<file path=ppt/slides/slide24.xml><?xml version="1.0" encoding="utf-8"?>
+<p:sld xmlns:a="http://schemas.openxmlformats.org/drawingml/2006/main" xmlns:r="http://schemas.openxmlformats.org/officeDocument/2006/relationships" xmlns:p="http://schemas.openxmlformats.org/presentationml/2006/main">
+  <p:cSld>
+    <p:spTree>
+      <p:nvGrpSpPr>
+        <p:cNvPr id="1" name=""/>
+        <p:cNvGrpSpPr/>
+        <p:nvPr/>
+      </p:nvGrpSpPr>
+      <p:grpSpPr>
+        <a:xfrm>
+          <a:off x="0" y="0"/>
+          <a:ext cx="0" cy="0"/>
+          <a:chOff x="0" y="0"/>
+          <a:chExt cx="0" cy="0"/>
+        </a:xfrm>
+      </p:grpSpPr>
+      <p:pic>
+        <p:nvPicPr>
+          <p:cNvPr id="5" name="Picture 4"/>
+          <p:cNvPicPr>
+            <a:picLocks noChangeAspect="1"/>
+          </p:cNvPicPr>
+          <p:nvPr/>
+        </p:nvPicPr>
+        <p:blipFill>
+          <a:blip r:embed="rId2"/>
+          <a:stretch>
+            <a:fillRect/>
+          </a:stretch>
+        </p:blipFill>
+        <p:spPr>
+          <a:xfrm>
+            <a:off x="0" y="0"/>
+            <a:ext cx="9144000" cy="6858000"/>
+          </a:xfrm>
+          <a:prstGeom prst="rect">
+            <a:avLst/>
+          </a:prstGeom>
+        </p:spPr>
+      </p:pic>
+      <p:pic>
+        <p:nvPicPr>
+          <p:cNvPr id="6" name="Picture 5"/>
+          <p:cNvPicPr>
+            <a:picLocks noChangeAspect="1"/>
+          </p:cNvPicPr>
+          <p:nvPr/>
+        </p:nvPicPr>
+        <p:blipFill rotWithShape="1">
+          <a:blip r:embed="rId3"/>
+          <a:srcRect b="83465"/>
+          <a:stretch/>
+        </p:blipFill>
+        <p:spPr>
+          <a:xfrm>
+            <a:off x="2159000" y="128336"/>
+            <a:ext cx="5193632" cy="1100375"/>
+          </a:xfrm>
+          <a:prstGeom prst="rect">
+            <a:avLst/>
+          </a:prstGeom>
+        </p:spPr>
+      </p:pic>
+      <p:sp>
+        <p:nvSpPr>
+          <p:cNvPr id="7" name="Rectangle 6"/>
+          <p:cNvSpPr/>
+          <p:nvPr/>
+        </p:nvSpPr>
+        <p:spPr>
+          <a:xfrm>
+            <a:off x="2334663" y="3982618"/>
+            <a:ext cx="4467877" cy="553998"/>
+          </a:xfrm>
+          <a:prstGeom prst="rect">
+            <a:avLst/>
+          </a:prstGeom>
+        </p:spPr>
+        <p:txBody>
+          <a:bodyPr wrap="none">
+            <a:spAutoFit/>
+          </a:bodyPr>
+          <a:lstStyle/>
+          <a:p>
+            <a:r>
+              <a:rPr lang="en-US" sz="3000" b="1" dirty="0" smtClean="0">
+                <a:solidFill>
+                  <a:srgbClr val="463A2D"/>
+                </a:solidFill>
+              </a:rPr>
+              <a:t>Thanks for your attention !</a:t>
+            </a:r>
+            <a:endParaRPr lang="en-US" sz="3000" dirty="0">
+              <a:solidFill>
+                <a:srgbClr val="463A2D"/>
+              </a:solidFill>
+            </a:endParaRPr>
+          </a:p>
+        </p:txBody>
+      </p:sp>
+      <p:pic>
+        <p:nvPicPr>
+          <p:cNvPr id="9" name="Picture 8"/>
+          <p:cNvPicPr>
+            <a:picLocks noChangeAspect="1"/>
+          </p:cNvPicPr>
+          <p:nvPr/>
+        </p:nvPicPr>
+        <p:blipFill rotWithShape="1">
+          <a:blip r:embed="rId4"/>
+          <a:srcRect l="22991" t="32918" r="25613" b="42339"/>
+          <a:stretch/>
+        </p:blipFill>
+        <p:spPr>
+          <a:xfrm>
+            <a:off x="-2553901" y="2361235"/>
+            <a:ext cx="2553901" cy="1678330"/>
+          </a:xfrm>
+          <a:prstGeom prst="rect">
+            <a:avLst/>
+          </a:prstGeom>
+        </p:spPr>
+      </p:pic>
+    </p:spTree>
+    <p:extLst>
+      <p:ext uri="{BB962C8B-B14F-4D97-AF65-F5344CB8AC3E}">
+        <p14:creationId xmlns:p14="http://schemas.microsoft.com/office/powerpoint/2010/main" val="3579418618"/>
+      </p:ext>
+    </p:extLst>
+  </p:cSld>
+  <p:clrMapOvr>
+    <a:masterClrMapping/>
+  </p:clrMapOvr>
+  <p:timing>
+    <p:tnLst>
+      <p:par>
+        <p:cTn xmlns:p14="http://schemas.microsoft.com/office/powerpoint/2010/main" id="1" dur="indefinite" restart="never" nodeType="tmRoot">
+          <p:childTnLst>
+            <p:seq concurrent="1" nextAc="seek">
+              <p:cTn id="2" dur="indefinite" nodeType="mainSeq">
+                <p:childTnLst>
+                  <p:par>
+                    <p:cTn id="3" fill="hold">
+                      <p:stCondLst>
+                        <p:cond delay="indefinite"/>
+                        <p:cond evt="onBegin" delay="0">
+                          <p:tn val="2"/>
+                        </p:cond>
+                      </p:stCondLst>
+                      <p:childTnLst>
+                        <p:par>
+                          <p:cTn id="4" fill="hold">
+                            <p:stCondLst>
+                              <p:cond delay="0"/>
+                            </p:stCondLst>
+                            <p:childTnLst>
+                              <p:par>
+                                <p:cTn id="5" presetID="0" presetClass="path" presetSubtype="0" repeatCount="20000" accel="50000" decel="50000" fill="hold" nodeType="afterEffect">
+                                  <p:stCondLst>
+                                    <p:cond delay="0"/>
+                                  </p:stCondLst>
+                                  <p:childTnLst>
+                                    <p:animMotion origin="layout" path="M 4.02363E-6 7.16632E-6 L 1.36674 -0.00508 " pathEditMode="relative" ptsTypes="AA">
+                                      <p:cBhvr>
+                                        <p:cTn id="6" dur="3000" fill="hold"/>
+                                        <p:tgtEl>
+                                          <p:spTgt spid="9"/>
+                                        </p:tgtEl>
+                                        <p:attrNameLst>
+                                          <p:attrName>ppt_x</p:attrName>
+                                          <p:attrName>ppt_y</p:attrName>
+                                        </p:attrNameLst>
+                                      </p:cBhvr>
+                                    </p:animMotion>
+                                  </p:childTnLst>
+                                </p:cTn>
+                              </p:par>
+                            </p:childTnLst>
+                          </p:cTn>
+                        </p:par>
+                      </p:childTnLst>
+                    </p:cTn>
+                  </p:par>
+                </p:childTnLst>
+              </p:cTn>
+              <p:prevCondLst>
+                <p:cond evt="onPrev" delay="0">
+                  <p:tgtEl>
+                    <p:sldTgt/>
+                  </p:tgtEl>
+                </p:cond>
+              </p:prevCondLst>
+              <p:nextCondLst>
+                <p:cond evt="onNext" delay="0">
+                  <p:tgtEl>
+                    <p:sldTgt/>
+                  </p:tgtEl>
+                </p:cond>
+              </p:nextCondLst>
+            </p:seq>
+          </p:childTnLst>
+        </p:cTn>
+      </p:par>
+    </p:tnLst>
+  </p:timing>
 </p:sld>
 </file>
 
@@ -8120,14 +8539,6 @@
               </a:rPr>
               <a:t>.</a:t>
             </a:r>
-            <a:endParaRPr lang="es-ES" dirty="0">
-              <a:solidFill>
-                <a:srgbClr val="463A2D"/>
-              </a:solidFill>
-              <a:latin typeface="Hoefler Text"/>
-              <a:ea typeface="SimSun" charset="0"/>
-              <a:cs typeface="Hoefler Text"/>
-            </a:endParaRPr>
           </a:p>
         </p:txBody>
       </p:sp>
@@ -8843,54 +9254,9 @@
           <a:chExt cx="0" cy="0"/>
         </a:xfrm>
       </p:grpSpPr>
-      <p:sp>
-        <p:nvSpPr>
-          <p:cNvPr id="5" name="Rectangle 4"/>
-          <p:cNvSpPr/>
-          <p:nvPr/>
-        </p:nvSpPr>
-        <p:spPr>
-          <a:xfrm>
-            <a:off x="0" y="264576"/>
-            <a:ext cx="9144000" cy="1077218"/>
-          </a:xfrm>
-          <a:prstGeom prst="rect">
-            <a:avLst/>
-          </a:prstGeom>
-        </p:spPr>
-        <p:txBody>
-          <a:bodyPr wrap="square" anchor="ctr">
-            <a:spAutoFit/>
-          </a:bodyPr>
-          <a:lstStyle/>
-          <a:p>
-            <a:pPr algn="ctr"/>
-            <a:r>
-              <a:rPr lang="en-US" sz="3200" dirty="0" smtClean="0">
-                <a:solidFill>
-                  <a:srgbClr val="F6F1E5"/>
-                </a:solidFill>
-                <a:latin typeface="Hoefler Text"/>
-                <a:cs typeface="Hoefler Text"/>
-              </a:rPr>
-              <a:t>MOTIVATIONS</a:t>
-            </a:r>
-          </a:p>
-          <a:p>
-            <a:pPr algn="ctr"/>
-            <a:endParaRPr lang="en-US" sz="3200" dirty="0">
-              <a:solidFill>
-                <a:srgbClr val="F6F1E5"/>
-              </a:solidFill>
-              <a:latin typeface="Hoefler Text"/>
-              <a:cs typeface="Hoefler Text"/>
-            </a:endParaRPr>
-          </a:p>
-        </p:txBody>
-      </p:sp>
       <p:pic>
         <p:nvPicPr>
-          <p:cNvPr id="10" name="Picture 9"/>
+          <p:cNvPr id="26" name="Picture 25"/>
           <p:cNvPicPr>
             <a:picLocks noChangeAspect="1"/>
           </p:cNvPicPr>
@@ -8904,69 +9270,1179 @@
         </p:blipFill>
         <p:spPr>
           <a:xfrm>
-            <a:off x="-234683" y="1"/>
-            <a:ext cx="9621994" cy="952596"/>
+            <a:off x="0" y="0"/>
+            <a:ext cx="9144000" cy="6858000"/>
           </a:xfrm>
           <a:prstGeom prst="rect">
             <a:avLst/>
           </a:prstGeom>
         </p:spPr>
       </p:pic>
-      <p:sp>
-        <p:nvSpPr>
-          <p:cNvPr id="11" name="Rectangle 10"/>
+      <p:grpSp>
+        <p:nvGrpSpPr>
+          <p:cNvPr id="10" name="Group 9"/>
+          <p:cNvGrpSpPr/>
+          <p:nvPr/>
+        </p:nvGrpSpPr>
+        <p:grpSpPr>
+          <a:xfrm>
+            <a:off x="457200" y="0"/>
+            <a:ext cx="8229600" cy="857250"/>
+            <a:chOff x="457200" y="143177"/>
+            <a:chExt cx="8229600" cy="857250"/>
+          </a:xfrm>
+        </p:grpSpPr>
+        <p:pic>
+          <p:nvPicPr>
+            <p:cNvPr id="11" name="Picture 10"/>
+            <p:cNvPicPr>
+              <a:picLocks noChangeAspect="1"/>
+            </p:cNvPicPr>
+            <p:nvPr/>
+          </p:nvPicPr>
+          <p:blipFill>
+            <a:blip r:embed="rId3"/>
+            <a:stretch>
+              <a:fillRect/>
+            </a:stretch>
+          </p:blipFill>
+          <p:spPr>
+            <a:xfrm>
+              <a:off x="571500" y="143177"/>
+              <a:ext cx="8001000" cy="857250"/>
+            </a:xfrm>
+            <a:prstGeom prst="rect">
+              <a:avLst/>
+            </a:prstGeom>
+          </p:spPr>
+        </p:pic>
+        <p:sp>
+          <p:nvSpPr>
+            <p:cNvPr id="12" name="Title 1"/>
+            <p:cNvSpPr txBox="1">
+              <a:spLocks/>
+            </p:cNvSpPr>
+            <p:nvPr/>
+          </p:nvSpPr>
+          <p:spPr>
+            <a:xfrm>
+              <a:off x="457200" y="154752"/>
+              <a:ext cx="8229600" cy="677902"/>
+            </a:xfrm>
+            <a:prstGeom prst="rect">
+              <a:avLst/>
+            </a:prstGeom>
+          </p:spPr>
+          <p:txBody>
+            <a:bodyPr/>
+            <a:lstStyle>
+              <a:lvl1pPr algn="ctr" defTabSz="457200" rtl="0" eaLnBrk="1" latinLnBrk="0" hangingPunct="1">
+                <a:spcBef>
+                  <a:spcPct val="0"/>
+                </a:spcBef>
+                <a:buNone/>
+                <a:defRPr sz="4400" kern="1200">
+                  <a:solidFill>
+                    <a:schemeClr val="tx1"/>
+                  </a:solidFill>
+                  <a:latin typeface="+mj-lt"/>
+                  <a:ea typeface="+mj-ea"/>
+                  <a:cs typeface="+mj-cs"/>
+                </a:defRPr>
+              </a:lvl1pPr>
+            </a:lstStyle>
+            <a:p>
+              <a:r>
+                <a:rPr lang="en-US" altLang="es-ES" dirty="0" smtClean="0">
+                  <a:solidFill>
+                    <a:srgbClr val="568E77"/>
+                  </a:solidFill>
+                </a:rPr>
+                <a:t>Transportation analysis</a:t>
+              </a:r>
+            </a:p>
+          </p:txBody>
+        </p:sp>
+      </p:grpSp>
+      <p:grpSp>
+        <p:nvGrpSpPr>
+          <p:cNvPr id="6" name="Group 5"/>
+          <p:cNvGrpSpPr/>
+          <p:nvPr/>
+        </p:nvGrpSpPr>
+        <p:grpSpPr>
+          <a:xfrm>
+            <a:off x="641672" y="857250"/>
+            <a:ext cx="2895439" cy="1906930"/>
+            <a:chOff x="571500" y="1148533"/>
+            <a:chExt cx="2895439" cy="1906930"/>
+          </a:xfrm>
+        </p:grpSpPr>
+        <p:grpSp>
+          <p:nvGrpSpPr>
+            <p:cNvPr id="15" name="Group 14"/>
+            <p:cNvGrpSpPr/>
+            <p:nvPr/>
+          </p:nvGrpSpPr>
+          <p:grpSpPr>
+            <a:xfrm>
+              <a:off x="571500" y="1377133"/>
+              <a:ext cx="2222339" cy="1678330"/>
+              <a:chOff x="5509549" y="1111169"/>
+              <a:chExt cx="2222339" cy="1678330"/>
+            </a:xfrm>
+          </p:grpSpPr>
+          <p:pic>
+            <p:nvPicPr>
+              <p:cNvPr id="16" name="Picture 15"/>
+              <p:cNvPicPr>
+                <a:picLocks noChangeAspect="1"/>
+              </p:cNvPicPr>
+              <p:nvPr/>
+            </p:nvPicPr>
+            <p:blipFill rotWithShape="1">
+              <a:blip r:embed="rId4"/>
+              <a:srcRect l="27872" t="32918" r="27405" b="42339"/>
+              <a:stretch/>
+            </p:blipFill>
+            <p:spPr>
+              <a:xfrm>
+                <a:off x="5509549" y="1111169"/>
+                <a:ext cx="2222339" cy="1678330"/>
+              </a:xfrm>
+              <a:prstGeom prst="rect">
+                <a:avLst/>
+              </a:prstGeom>
+            </p:spPr>
+          </p:pic>
+          <p:sp>
+            <p:nvSpPr>
+              <p:cNvPr id="17" name="TextBox 16"/>
+              <p:cNvSpPr txBox="1"/>
+              <p:nvPr/>
+            </p:nvSpPr>
+            <p:spPr>
+              <a:xfrm>
+                <a:off x="5941993" y="1828800"/>
+                <a:ext cx="1504709" cy="369332"/>
+              </a:xfrm>
+              <a:prstGeom prst="rect">
+                <a:avLst/>
+              </a:prstGeom>
+              <a:noFill/>
+            </p:spPr>
+            <p:txBody>
+              <a:bodyPr wrap="square" rtlCol="0">
+                <a:spAutoFit/>
+              </a:bodyPr>
+              <a:lstStyle/>
+              <a:p>
+                <a:r>
+                  <a:rPr lang="fr-FR" dirty="0" smtClean="0"/>
+                  <a:t>6,2 L/100km</a:t>
+                </a:r>
+                <a:endParaRPr lang="fr-FR" dirty="0"/>
+              </a:p>
+            </p:txBody>
+          </p:sp>
+        </p:grpSp>
+        <p:sp>
+          <p:nvSpPr>
+            <p:cNvPr id="4" name="Oval 3"/>
+            <p:cNvSpPr/>
+            <p:nvPr/>
+          </p:nvSpPr>
+          <p:spPr>
+            <a:xfrm>
+              <a:off x="2120739" y="1148533"/>
+              <a:ext cx="1346200" cy="1346200"/>
+            </a:xfrm>
+            <a:prstGeom prst="ellipse">
+              <a:avLst/>
+            </a:prstGeom>
+            <a:gradFill flip="none" rotWithShape="1">
+              <a:gsLst>
+                <a:gs pos="0">
+                  <a:srgbClr val="568E77">
+                    <a:shade val="30000"/>
+                    <a:satMod val="115000"/>
+                  </a:srgbClr>
+                </a:gs>
+                <a:gs pos="50000">
+                  <a:srgbClr val="568E77">
+                    <a:shade val="67500"/>
+                    <a:satMod val="115000"/>
+                  </a:srgbClr>
+                </a:gs>
+                <a:gs pos="100000">
+                  <a:srgbClr val="568E77">
+                    <a:shade val="100000"/>
+                    <a:satMod val="115000"/>
+                  </a:srgbClr>
+                </a:gs>
+              </a:gsLst>
+              <a:lin ang="2700000" scaled="1"/>
+              <a:tileRect/>
+            </a:gradFill>
+            <a:ln>
+              <a:noFill/>
+            </a:ln>
+          </p:spPr>
+          <p:style>
+            <a:lnRef idx="1">
+              <a:schemeClr val="accent1"/>
+            </a:lnRef>
+            <a:fillRef idx="3">
+              <a:schemeClr val="accent1"/>
+            </a:fillRef>
+            <a:effectRef idx="2">
+              <a:schemeClr val="accent1"/>
+            </a:effectRef>
+            <a:fontRef idx="minor">
+              <a:schemeClr val="lt1"/>
+            </a:fontRef>
+          </p:style>
+          <p:txBody>
+            <a:bodyPr rtlCol="0" anchor="ctr"/>
+            <a:lstStyle/>
+            <a:p>
+              <a:pPr algn="ctr"/>
+              <a:r>
+                <a:rPr lang="fr-FR" dirty="0" smtClean="0"/>
+                <a:t>62% of the cars</a:t>
+              </a:r>
+              <a:endParaRPr lang="fr-FR" dirty="0"/>
+            </a:p>
+          </p:txBody>
+        </p:sp>
+      </p:grpSp>
+      <p:grpSp>
+        <p:nvGrpSpPr>
+          <p:cNvPr id="5" name="Group 4"/>
+          <p:cNvGrpSpPr/>
+          <p:nvPr/>
+        </p:nvGrpSpPr>
+        <p:grpSpPr>
+          <a:xfrm>
+            <a:off x="5384800" y="894614"/>
+            <a:ext cx="2895439" cy="1886767"/>
+            <a:chOff x="5941993" y="940096"/>
+            <a:chExt cx="2895439" cy="1886767"/>
+          </a:xfrm>
+        </p:grpSpPr>
+        <p:grpSp>
+          <p:nvGrpSpPr>
+            <p:cNvPr id="3" name="Group 2"/>
+            <p:cNvGrpSpPr/>
+            <p:nvPr/>
+          </p:nvGrpSpPr>
+          <p:grpSpPr>
+            <a:xfrm>
+              <a:off x="5941993" y="1148533"/>
+              <a:ext cx="2222339" cy="1678330"/>
+              <a:chOff x="5509549" y="1111169"/>
+              <a:chExt cx="2222339" cy="1678330"/>
+            </a:xfrm>
+          </p:grpSpPr>
+          <p:pic>
+            <p:nvPicPr>
+              <p:cNvPr id="14" name="Picture 13"/>
+              <p:cNvPicPr>
+                <a:picLocks noChangeAspect="1"/>
+              </p:cNvPicPr>
+              <p:nvPr/>
+            </p:nvPicPr>
+            <p:blipFill rotWithShape="1">
+              <a:blip r:embed="rId4"/>
+              <a:srcRect l="27872" t="32918" r="27405" b="42339"/>
+              <a:stretch/>
+            </p:blipFill>
+            <p:spPr>
+              <a:xfrm>
+                <a:off x="5509549" y="1111169"/>
+                <a:ext cx="2222339" cy="1678330"/>
+              </a:xfrm>
+              <a:prstGeom prst="rect">
+                <a:avLst/>
+              </a:prstGeom>
+            </p:spPr>
+          </p:pic>
+          <p:sp>
+            <p:nvSpPr>
+              <p:cNvPr id="2" name="TextBox 1"/>
+              <p:cNvSpPr txBox="1"/>
+              <p:nvPr/>
+            </p:nvSpPr>
+            <p:spPr>
+              <a:xfrm>
+                <a:off x="5941993" y="1828800"/>
+                <a:ext cx="1504709" cy="369332"/>
+              </a:xfrm>
+              <a:prstGeom prst="rect">
+                <a:avLst/>
+              </a:prstGeom>
+              <a:noFill/>
+            </p:spPr>
+            <p:txBody>
+              <a:bodyPr wrap="square" rtlCol="0">
+                <a:spAutoFit/>
+              </a:bodyPr>
+              <a:lstStyle/>
+              <a:p>
+                <a:r>
+                  <a:rPr lang="fr-FR" dirty="0" smtClean="0"/>
+                  <a:t>7,5 L/100km</a:t>
+                </a:r>
+                <a:endParaRPr lang="fr-FR" dirty="0"/>
+              </a:p>
+            </p:txBody>
+          </p:sp>
+        </p:grpSp>
+        <p:sp>
+          <p:nvSpPr>
+            <p:cNvPr id="18" name="Oval 17"/>
+            <p:cNvSpPr/>
+            <p:nvPr/>
+          </p:nvSpPr>
+          <p:spPr>
+            <a:xfrm>
+              <a:off x="7491232" y="940096"/>
+              <a:ext cx="1346200" cy="1346200"/>
+            </a:xfrm>
+            <a:prstGeom prst="ellipse">
+              <a:avLst/>
+            </a:prstGeom>
+            <a:gradFill flip="none" rotWithShape="1">
+              <a:gsLst>
+                <a:gs pos="0">
+                  <a:srgbClr val="568E77">
+                    <a:shade val="30000"/>
+                    <a:satMod val="115000"/>
+                  </a:srgbClr>
+                </a:gs>
+                <a:gs pos="50000">
+                  <a:srgbClr val="568E77">
+                    <a:shade val="67500"/>
+                    <a:satMod val="115000"/>
+                  </a:srgbClr>
+                </a:gs>
+                <a:gs pos="100000">
+                  <a:srgbClr val="568E77">
+                    <a:shade val="100000"/>
+                    <a:satMod val="115000"/>
+                  </a:srgbClr>
+                </a:gs>
+              </a:gsLst>
+              <a:lin ang="8100000" scaled="1"/>
+              <a:tileRect/>
+            </a:gradFill>
+            <a:ln>
+              <a:noFill/>
+            </a:ln>
+          </p:spPr>
+          <p:style>
+            <a:lnRef idx="1">
+              <a:schemeClr val="accent1"/>
+            </a:lnRef>
+            <a:fillRef idx="3">
+              <a:schemeClr val="accent1"/>
+            </a:fillRef>
+            <a:effectRef idx="2">
+              <a:schemeClr val="accent1"/>
+            </a:effectRef>
+            <a:fontRef idx="minor">
+              <a:schemeClr val="lt1"/>
+            </a:fontRef>
+          </p:style>
+          <p:txBody>
+            <a:bodyPr rtlCol="0" anchor="ctr"/>
+            <a:lstStyle/>
+            <a:p>
+              <a:pPr algn="ctr"/>
+              <a:r>
+                <a:rPr lang="fr-FR" dirty="0" smtClean="0"/>
+                <a:t>38% of the cars</a:t>
+              </a:r>
+              <a:endParaRPr lang="fr-FR" dirty="0"/>
+            </a:p>
+          </p:txBody>
+        </p:sp>
+      </p:grpSp>
+      <p:grpSp>
+        <p:nvGrpSpPr>
+          <p:cNvPr id="28" name="Group 27"/>
+          <p:cNvGrpSpPr/>
+          <p:nvPr/>
+        </p:nvGrpSpPr>
+        <p:grpSpPr>
+          <a:xfrm>
+            <a:off x="50800" y="2604671"/>
+            <a:ext cx="3886200" cy="597016"/>
+            <a:chOff x="50800" y="2903179"/>
+            <a:chExt cx="3886200" cy="597016"/>
+          </a:xfrm>
+        </p:grpSpPr>
+        <p:pic>
+          <p:nvPicPr>
+            <p:cNvPr id="20" name="Picture 19"/>
+            <p:cNvPicPr>
+              <a:picLocks noChangeAspect="1"/>
+            </p:cNvPicPr>
+            <p:nvPr/>
+          </p:nvPicPr>
+          <p:blipFill rotWithShape="1">
+            <a:blip r:embed="rId5"/>
+            <a:srcRect l="12626" t="-27020" r="17206"/>
+            <a:stretch/>
+          </p:blipFill>
+          <p:spPr>
+            <a:xfrm>
+              <a:off x="50800" y="2903179"/>
+              <a:ext cx="3886200" cy="597016"/>
+            </a:xfrm>
+            <a:prstGeom prst="rect">
+              <a:avLst/>
+            </a:prstGeom>
+          </p:spPr>
+        </p:pic>
+        <p:sp>
+          <p:nvSpPr>
+            <p:cNvPr id="21" name="TextBox 20"/>
+            <p:cNvSpPr txBox="1"/>
+            <p:nvPr/>
+          </p:nvSpPr>
+          <p:spPr>
+            <a:xfrm>
+              <a:off x="832897" y="3030062"/>
+              <a:ext cx="1675756" cy="369332"/>
+            </a:xfrm>
+            <a:prstGeom prst="rect">
+              <a:avLst/>
+            </a:prstGeom>
+            <a:noFill/>
+          </p:spPr>
+          <p:txBody>
+            <a:bodyPr wrap="square" rtlCol="0">
+              <a:spAutoFit/>
+            </a:bodyPr>
+            <a:lstStyle/>
+            <a:p>
+              <a:r>
+                <a:rPr lang="fr-FR" dirty="0" smtClean="0"/>
+                <a:t>15477 km/</a:t>
+              </a:r>
+              <a:r>
+                <a:rPr lang="fr-FR" dirty="0" err="1" smtClean="0"/>
+                <a:t>Year</a:t>
+              </a:r>
+              <a:endParaRPr lang="fr-FR" dirty="0"/>
+            </a:p>
+          </p:txBody>
+        </p:sp>
+      </p:grpSp>
+      <p:grpSp>
+        <p:nvGrpSpPr>
+          <p:cNvPr id="25" name="Group 24"/>
+          <p:cNvGrpSpPr/>
+          <p:nvPr/>
+        </p:nvGrpSpPr>
+        <p:grpSpPr>
+          <a:xfrm>
+            <a:off x="4165439" y="2579155"/>
+            <a:ext cx="4673761" cy="653053"/>
+            <a:chOff x="4165439" y="2877663"/>
+            <a:chExt cx="4673761" cy="653053"/>
+          </a:xfrm>
+        </p:grpSpPr>
+        <p:pic>
+          <p:nvPicPr>
+            <p:cNvPr id="23" name="Picture 22"/>
+            <p:cNvPicPr>
+              <a:picLocks noChangeAspect="1"/>
+            </p:cNvPicPr>
+            <p:nvPr/>
+          </p:nvPicPr>
+          <p:blipFill rotWithShape="1">
+            <a:blip r:embed="rId5"/>
+            <a:srcRect l="12626" t="-27019" r="17206" b="21616"/>
+            <a:stretch/>
+          </p:blipFill>
+          <p:spPr>
+            <a:xfrm rot="10800000">
+              <a:off x="4165439" y="3035300"/>
+              <a:ext cx="3886200" cy="495416"/>
+            </a:xfrm>
+            <a:prstGeom prst="rect">
+              <a:avLst/>
+            </a:prstGeom>
+          </p:spPr>
+        </p:pic>
+        <p:pic>
+          <p:nvPicPr>
+            <p:cNvPr id="24" name="Picture 23"/>
+            <p:cNvPicPr>
+              <a:picLocks noChangeAspect="1"/>
+            </p:cNvPicPr>
+            <p:nvPr/>
+          </p:nvPicPr>
+          <p:blipFill rotWithShape="1">
+            <a:blip r:embed="rId5"/>
+            <a:srcRect l="24322" t="-37829" r="53433" b="10809"/>
+            <a:stretch/>
+          </p:blipFill>
+          <p:spPr>
+            <a:xfrm>
+              <a:off x="7607139" y="2877663"/>
+              <a:ext cx="1232061" cy="597016"/>
+            </a:xfrm>
+            <a:prstGeom prst="rect">
+              <a:avLst/>
+            </a:prstGeom>
+          </p:spPr>
+        </p:pic>
+        <p:sp>
+          <p:nvSpPr>
+            <p:cNvPr id="27" name="TextBox 26"/>
+            <p:cNvSpPr txBox="1"/>
+            <p:nvPr/>
+          </p:nvSpPr>
+          <p:spPr>
+            <a:xfrm>
+              <a:off x="5646197" y="3030062"/>
+              <a:ext cx="1675756" cy="369332"/>
+            </a:xfrm>
+            <a:prstGeom prst="rect">
+              <a:avLst/>
+            </a:prstGeom>
+            <a:noFill/>
+          </p:spPr>
+          <p:txBody>
+            <a:bodyPr wrap="square" rtlCol="0">
+              <a:spAutoFit/>
+            </a:bodyPr>
+            <a:lstStyle/>
+            <a:p>
+              <a:r>
+                <a:rPr lang="fr-FR" dirty="0" smtClean="0"/>
+                <a:t>8225 km/</a:t>
+              </a:r>
+              <a:r>
+                <a:rPr lang="fr-FR" dirty="0" err="1" smtClean="0"/>
+                <a:t>Year</a:t>
+              </a:r>
+              <a:endParaRPr lang="fr-FR" dirty="0"/>
+            </a:p>
+          </p:txBody>
+        </p:sp>
+      </p:grpSp>
+      <p:grpSp>
+        <p:nvGrpSpPr>
+          <p:cNvPr id="1027" name="Group 1026"/>
+          <p:cNvGrpSpPr/>
+          <p:nvPr/>
+        </p:nvGrpSpPr>
+        <p:grpSpPr>
+          <a:xfrm>
+            <a:off x="359344" y="3176171"/>
+            <a:ext cx="1504950" cy="1504950"/>
+            <a:chOff x="457200" y="3530716"/>
+            <a:chExt cx="1504950" cy="1504950"/>
+          </a:xfrm>
+        </p:grpSpPr>
+        <p:grpSp>
+          <p:nvGrpSpPr>
+            <p:cNvPr id="35" name="Group 34"/>
+            <p:cNvGrpSpPr/>
+            <p:nvPr/>
+          </p:nvGrpSpPr>
+          <p:grpSpPr>
+            <a:xfrm>
+              <a:off x="457200" y="3530716"/>
+              <a:ext cx="1504950" cy="1504950"/>
+              <a:chOff x="2508250" y="3638550"/>
+              <a:chExt cx="2857500" cy="2857500"/>
+            </a:xfrm>
+          </p:grpSpPr>
+          <p:sp>
+            <p:nvSpPr>
+              <p:cNvPr id="36" name="Rounded Rectangle 35"/>
+              <p:cNvSpPr/>
+              <p:nvPr/>
+            </p:nvSpPr>
+            <p:spPr>
+              <a:xfrm>
+                <a:off x="2508250" y="3638550"/>
+                <a:ext cx="2857500" cy="2857500"/>
+              </a:xfrm>
+              <a:prstGeom prst="roundRect">
+                <a:avLst>
+                  <a:gd name="adj" fmla="val 12667"/>
+                </a:avLst>
+              </a:prstGeom>
+              <a:solidFill>
+                <a:srgbClr val="568E77"/>
+              </a:solidFill>
+              <a:ln>
+                <a:noFill/>
+              </a:ln>
+            </p:spPr>
+            <p:style>
+              <a:lnRef idx="1">
+                <a:schemeClr val="accent1"/>
+              </a:lnRef>
+              <a:fillRef idx="3">
+                <a:schemeClr val="accent1"/>
+              </a:fillRef>
+              <a:effectRef idx="2">
+                <a:schemeClr val="accent1"/>
+              </a:effectRef>
+              <a:fontRef idx="minor">
+                <a:schemeClr val="lt1"/>
+              </a:fontRef>
+            </p:style>
+            <p:txBody>
+              <a:bodyPr rtlCol="0" anchor="ctr"/>
+              <a:lstStyle/>
+              <a:p>
+                <a:pPr algn="ctr"/>
+                <a:endParaRPr lang="fr-FR"/>
+              </a:p>
+            </p:txBody>
+          </p:sp>
+          <p:pic>
+            <p:nvPicPr>
+              <p:cNvPr id="37" name="Picture 36"/>
+              <p:cNvPicPr>
+                <a:picLocks noChangeAspect="1"/>
+              </p:cNvPicPr>
+              <p:nvPr/>
+            </p:nvPicPr>
+            <p:blipFill>
+              <a:blip r:embed="rId6"/>
+              <a:stretch>
+                <a:fillRect/>
+              </a:stretch>
+            </p:blipFill>
+            <p:spPr>
+              <a:xfrm>
+                <a:off x="3113086" y="3638550"/>
+                <a:ext cx="1876424" cy="2352674"/>
+              </a:xfrm>
+              <a:prstGeom prst="rect">
+                <a:avLst/>
+              </a:prstGeom>
+            </p:spPr>
+          </p:pic>
+        </p:grpSp>
+        <p:sp>
+          <p:nvSpPr>
+            <p:cNvPr id="38" name="TextBox 37"/>
+            <p:cNvSpPr txBox="1"/>
+            <p:nvPr/>
+          </p:nvSpPr>
+          <p:spPr>
+            <a:xfrm>
+              <a:off x="686122" y="4666334"/>
+              <a:ext cx="939478" cy="369332"/>
+            </a:xfrm>
+            <a:prstGeom prst="rect">
+              <a:avLst/>
+            </a:prstGeom>
+            <a:noFill/>
+          </p:spPr>
+          <p:txBody>
+            <a:bodyPr wrap="square" rtlCol="0">
+              <a:spAutoFit/>
+            </a:bodyPr>
+            <a:lstStyle/>
+            <a:p>
+              <a:r>
+                <a:rPr lang="fr-FR" dirty="0" smtClean="0">
+                  <a:solidFill>
+                    <a:schemeClr val="bg1"/>
+                  </a:solidFill>
+                </a:rPr>
+                <a:t>1,39€/L</a:t>
+              </a:r>
+              <a:endParaRPr lang="fr-FR" dirty="0">
+                <a:solidFill>
+                  <a:schemeClr val="bg1"/>
+                </a:solidFill>
+              </a:endParaRPr>
+            </a:p>
+          </p:txBody>
+        </p:sp>
+      </p:grpSp>
+      <p:grpSp>
+        <p:nvGrpSpPr>
+          <p:cNvPr id="1028" name="Group 1027"/>
+          <p:cNvGrpSpPr/>
+          <p:nvPr/>
+        </p:nvGrpSpPr>
+        <p:grpSpPr>
+          <a:xfrm>
+            <a:off x="7399461" y="3176171"/>
+            <a:ext cx="1504950" cy="1504950"/>
+            <a:chOff x="7299164" y="3530716"/>
+            <a:chExt cx="1504950" cy="1504950"/>
+          </a:xfrm>
+        </p:grpSpPr>
+        <p:grpSp>
+          <p:nvGrpSpPr>
+            <p:cNvPr id="1025" name="Group 1024"/>
+            <p:cNvGrpSpPr/>
+            <p:nvPr/>
+          </p:nvGrpSpPr>
+          <p:grpSpPr>
+            <a:xfrm>
+              <a:off x="7299164" y="3530716"/>
+              <a:ext cx="1504950" cy="1504950"/>
+              <a:chOff x="2508250" y="3638550"/>
+              <a:chExt cx="2857500" cy="2857500"/>
+            </a:xfrm>
+          </p:grpSpPr>
+          <p:sp>
+            <p:nvSpPr>
+              <p:cNvPr id="31" name="Rounded Rectangle 30"/>
+              <p:cNvSpPr/>
+              <p:nvPr/>
+            </p:nvSpPr>
+            <p:spPr>
+              <a:xfrm>
+                <a:off x="2508250" y="3638550"/>
+                <a:ext cx="2857500" cy="2857500"/>
+              </a:xfrm>
+              <a:prstGeom prst="roundRect">
+                <a:avLst>
+                  <a:gd name="adj" fmla="val 12667"/>
+                </a:avLst>
+              </a:prstGeom>
+              <a:solidFill>
+                <a:srgbClr val="568E77"/>
+              </a:solidFill>
+              <a:ln>
+                <a:noFill/>
+              </a:ln>
+            </p:spPr>
+            <p:style>
+              <a:lnRef idx="1">
+                <a:schemeClr val="accent1"/>
+              </a:lnRef>
+              <a:fillRef idx="3">
+                <a:schemeClr val="accent1"/>
+              </a:fillRef>
+              <a:effectRef idx="2">
+                <a:schemeClr val="accent1"/>
+              </a:effectRef>
+              <a:fontRef idx="minor">
+                <a:schemeClr val="lt1"/>
+              </a:fontRef>
+            </p:style>
+            <p:txBody>
+              <a:bodyPr rtlCol="0" anchor="ctr"/>
+              <a:lstStyle/>
+              <a:p>
+                <a:pPr algn="ctr"/>
+                <a:endParaRPr lang="fr-FR"/>
+              </a:p>
+            </p:txBody>
+          </p:sp>
+          <p:pic>
+            <p:nvPicPr>
+              <p:cNvPr id="1024" name="Picture 1023"/>
+              <p:cNvPicPr>
+                <a:picLocks noChangeAspect="1"/>
+              </p:cNvPicPr>
+              <p:nvPr/>
+            </p:nvPicPr>
+            <p:blipFill>
+              <a:blip r:embed="rId6"/>
+              <a:stretch>
+                <a:fillRect/>
+              </a:stretch>
+            </p:blipFill>
+            <p:spPr>
+              <a:xfrm>
+                <a:off x="3113086" y="3638550"/>
+                <a:ext cx="1876424" cy="2352674"/>
+              </a:xfrm>
+              <a:prstGeom prst="rect">
+                <a:avLst/>
+              </a:prstGeom>
+            </p:spPr>
+          </p:pic>
+        </p:grpSp>
+        <p:sp>
+          <p:nvSpPr>
+            <p:cNvPr id="40" name="TextBox 39"/>
+            <p:cNvSpPr txBox="1"/>
+            <p:nvPr/>
+          </p:nvSpPr>
+          <p:spPr>
+            <a:xfrm>
+              <a:off x="7581900" y="4666334"/>
+              <a:ext cx="939478" cy="369332"/>
+            </a:xfrm>
+            <a:prstGeom prst="rect">
+              <a:avLst/>
+            </a:prstGeom>
+            <a:noFill/>
+          </p:spPr>
+          <p:txBody>
+            <a:bodyPr wrap="square" rtlCol="0">
+              <a:spAutoFit/>
+            </a:bodyPr>
+            <a:lstStyle/>
+            <a:p>
+              <a:r>
+                <a:rPr lang="fr-FR" dirty="0" smtClean="0">
+                  <a:solidFill>
+                    <a:schemeClr val="bg1"/>
+                  </a:solidFill>
+                </a:rPr>
+                <a:t>1,60€/L</a:t>
+              </a:r>
+              <a:endParaRPr lang="fr-FR" dirty="0">
+                <a:solidFill>
+                  <a:schemeClr val="bg1"/>
+                </a:solidFill>
+              </a:endParaRPr>
+            </a:p>
+          </p:txBody>
+        </p:sp>
+      </p:grpSp>
+      <p:sp>
+        <p:nvSpPr>
+          <p:cNvPr id="1029" name="Oval 1028"/>
           <p:cNvSpPr/>
           <p:nvPr/>
         </p:nvSpPr>
         <p:spPr>
           <a:xfrm>
-            <a:off x="0" y="154662"/>
-            <a:ext cx="9144000" cy="1077218"/>
-          </a:xfrm>
-          <a:prstGeom prst="rect">
-            <a:avLst/>
-          </a:prstGeom>
-        </p:spPr>
-        <p:txBody>
-          <a:bodyPr wrap="square" anchor="ctr">
+            <a:off x="2816306" y="3187897"/>
+            <a:ext cx="3511389" cy="1092200"/>
+          </a:xfrm>
+          <a:prstGeom prst="ellipse">
+            <a:avLst/>
+          </a:prstGeom>
+          <a:gradFill flip="none" rotWithShape="1">
+            <a:gsLst>
+              <a:gs pos="0">
+                <a:srgbClr val="568E77">
+                  <a:shade val="30000"/>
+                  <a:satMod val="115000"/>
+                </a:srgbClr>
+              </a:gs>
+              <a:gs pos="50000">
+                <a:srgbClr val="568E77">
+                  <a:shade val="67500"/>
+                  <a:satMod val="115000"/>
+                </a:srgbClr>
+              </a:gs>
+              <a:gs pos="100000">
+                <a:srgbClr val="568E77">
+                  <a:shade val="100000"/>
+                  <a:satMod val="115000"/>
+                </a:srgbClr>
+              </a:gs>
+            </a:gsLst>
+            <a:path path="circle">
+              <a:fillToRect l="50000" t="50000" r="50000" b="50000"/>
+            </a:path>
+            <a:tileRect/>
+          </a:gradFill>
+          <a:ln>
+            <a:noFill/>
+          </a:ln>
+        </p:spPr>
+        <p:style>
+          <a:lnRef idx="1">
+            <a:schemeClr val="accent1"/>
+          </a:lnRef>
+          <a:fillRef idx="3">
+            <a:schemeClr val="accent1"/>
+          </a:fillRef>
+          <a:effectRef idx="2">
+            <a:schemeClr val="accent1"/>
+          </a:effectRef>
+          <a:fontRef idx="minor">
+            <a:schemeClr val="lt1"/>
+          </a:fontRef>
+        </p:style>
+        <p:txBody>
+          <a:bodyPr rtlCol="0" anchor="ctr"/>
+          <a:lstStyle/>
+          <a:p>
+            <a:pPr algn="ctr"/>
+            <a:r>
+              <a:rPr lang="fr-FR" dirty="0" err="1" smtClean="0"/>
+              <a:t>Annual</a:t>
+            </a:r>
+            <a:r>
+              <a:rPr lang="fr-FR" dirty="0" smtClean="0"/>
+              <a:t> </a:t>
+            </a:r>
+            <a:r>
+              <a:rPr lang="fr-FR" dirty="0" err="1" smtClean="0"/>
+              <a:t>cost</a:t>
+            </a:r>
+            <a:r>
+              <a:rPr lang="fr-FR" dirty="0"/>
+              <a:t/>
+            </a:r>
+            <a:br>
+              <a:rPr lang="fr-FR" dirty="0"/>
+            </a:br>
+            <a:r>
+              <a:rPr lang="fr-FR" sz="4000" dirty="0" smtClean="0"/>
+              <a:t>1002€</a:t>
+            </a:r>
+            <a:endParaRPr lang="fr-FR" sz="4000" dirty="0"/>
+          </a:p>
+        </p:txBody>
+      </p:sp>
+      <p:sp>
+        <p:nvSpPr>
+          <p:cNvPr id="1032" name="Explosion 1 1031"/>
+          <p:cNvSpPr/>
+          <p:nvPr/>
+        </p:nvSpPr>
+        <p:spPr>
+          <a:xfrm>
+            <a:off x="966655" y="4941273"/>
+            <a:ext cx="2409256" cy="1828800"/>
+          </a:xfrm>
+          <a:prstGeom prst="irregularSeal1">
+            <a:avLst/>
+          </a:prstGeom>
+          <a:gradFill flip="none" rotWithShape="1">
+            <a:gsLst>
+              <a:gs pos="0">
+                <a:srgbClr val="568E77">
+                  <a:shade val="30000"/>
+                  <a:satMod val="115000"/>
+                </a:srgbClr>
+              </a:gs>
+              <a:gs pos="50000">
+                <a:srgbClr val="568E77">
+                  <a:shade val="67500"/>
+                  <a:satMod val="115000"/>
+                </a:srgbClr>
+              </a:gs>
+              <a:gs pos="100000">
+                <a:srgbClr val="568E77">
+                  <a:shade val="100000"/>
+                  <a:satMod val="115000"/>
+                </a:srgbClr>
+              </a:gs>
+            </a:gsLst>
+            <a:lin ang="5400000" scaled="1"/>
+            <a:tileRect/>
+          </a:gradFill>
+          <a:ln>
+            <a:noFill/>
+          </a:ln>
+        </p:spPr>
+        <p:style>
+          <a:lnRef idx="1">
+            <a:schemeClr val="accent1"/>
+          </a:lnRef>
+          <a:fillRef idx="3">
+            <a:schemeClr val="accent1"/>
+          </a:fillRef>
+          <a:effectRef idx="2">
+            <a:schemeClr val="accent1"/>
+          </a:effectRef>
+          <a:fontRef idx="minor">
+            <a:schemeClr val="lt1"/>
+          </a:fontRef>
+        </p:style>
+        <p:txBody>
+          <a:bodyPr rtlCol="0" anchor="ctr"/>
+          <a:lstStyle/>
+          <a:p>
+            <a:pPr algn="ctr"/>
+            <a:r>
+              <a:rPr lang="fr-FR" sz="4400" dirty="0" smtClean="0"/>
+              <a:t>400€</a:t>
+            </a:r>
+            <a:endParaRPr lang="fr-FR" sz="4400" dirty="0"/>
+          </a:p>
+        </p:txBody>
+      </p:sp>
+      <p:sp>
+        <p:nvSpPr>
+          <p:cNvPr id="1033" name="TextBox 1032"/>
+          <p:cNvSpPr txBox="1"/>
+          <p:nvPr/>
+        </p:nvSpPr>
+        <p:spPr>
+          <a:xfrm>
+            <a:off x="3104005" y="4357955"/>
+            <a:ext cx="2935990" cy="646331"/>
+          </a:xfrm>
+          <a:prstGeom prst="rect">
+            <a:avLst/>
+          </a:prstGeom>
+          <a:noFill/>
+        </p:spPr>
+        <p:txBody>
+          <a:bodyPr wrap="square" rtlCol="0">
             <a:spAutoFit/>
           </a:bodyPr>
           <a:lstStyle/>
           <a:p>
+            <a:r>
+              <a:rPr lang="en-US" dirty="0" smtClean="0"/>
+              <a:t>Increasing occupation rate to 2 person per car, will save:</a:t>
+            </a:r>
+            <a:endParaRPr lang="en-US" dirty="0"/>
+          </a:p>
+        </p:txBody>
+      </p:sp>
+      <p:sp>
+        <p:nvSpPr>
+          <p:cNvPr id="47" name="TextBox 46"/>
+          <p:cNvSpPr txBox="1"/>
+          <p:nvPr/>
+        </p:nvSpPr>
+        <p:spPr>
+          <a:xfrm>
+            <a:off x="3104005" y="5057428"/>
+            <a:ext cx="2935990" cy="1107996"/>
+          </a:xfrm>
+          <a:prstGeom prst="rect">
+            <a:avLst/>
+          </a:prstGeom>
+          <a:noFill/>
+        </p:spPr>
+        <p:txBody>
+          <a:bodyPr wrap="square" rtlCol="0">
+            <a:spAutoFit/>
+          </a:bodyPr>
+          <a:lstStyle/>
+          <a:p>
             <a:pPr algn="ctr"/>
             <a:r>
-              <a:rPr lang="en-US" sz="3200" dirty="0" smtClean="0">
-                <a:solidFill>
-                  <a:srgbClr val="F6F1E5"/>
-                </a:solidFill>
-                <a:latin typeface="Hoefler Text"/>
-                <a:cs typeface="Hoefler Text"/>
-              </a:rPr>
-              <a:t>Transportation Analysis</a:t>
-            </a:r>
-          </a:p>
+              <a:rPr lang="en-US" sz="6600" dirty="0">
+                <a:solidFill>
+                  <a:srgbClr val="568E77"/>
+                </a:solidFill>
+              </a:rPr>
+              <a:t>&amp;</a:t>
+            </a:r>
+          </a:p>
+        </p:txBody>
+      </p:sp>
+      <p:sp>
+        <p:nvSpPr>
+          <p:cNvPr id="1034" name="Cloud 1033"/>
+          <p:cNvSpPr/>
+          <p:nvPr/>
+        </p:nvSpPr>
+        <p:spPr>
+          <a:xfrm>
+            <a:off x="5756195" y="4941273"/>
+            <a:ext cx="2816305" cy="1765787"/>
+          </a:xfrm>
+          <a:prstGeom prst="cloud">
+            <a:avLst/>
+          </a:prstGeom>
+          <a:gradFill flip="none" rotWithShape="1">
+            <a:gsLst>
+              <a:gs pos="0">
+                <a:srgbClr val="568E77">
+                  <a:shade val="30000"/>
+                  <a:satMod val="115000"/>
+                </a:srgbClr>
+              </a:gs>
+              <a:gs pos="50000">
+                <a:srgbClr val="568E77">
+                  <a:shade val="67500"/>
+                  <a:satMod val="115000"/>
+                </a:srgbClr>
+              </a:gs>
+              <a:gs pos="100000">
+                <a:srgbClr val="568E77">
+                  <a:shade val="100000"/>
+                  <a:satMod val="115000"/>
+                </a:srgbClr>
+              </a:gs>
+            </a:gsLst>
+            <a:lin ang="8100000" scaled="1"/>
+            <a:tileRect/>
+          </a:gradFill>
+          <a:ln>
+            <a:noFill/>
+          </a:ln>
+        </p:spPr>
+        <p:style>
+          <a:lnRef idx="1">
+            <a:schemeClr val="accent1"/>
+          </a:lnRef>
+          <a:fillRef idx="3">
+            <a:schemeClr val="accent1"/>
+          </a:fillRef>
+          <a:effectRef idx="2">
+            <a:schemeClr val="accent1"/>
+          </a:effectRef>
+          <a:fontRef idx="minor">
+            <a:schemeClr val="lt1"/>
+          </a:fontRef>
+        </p:style>
+        <p:txBody>
+          <a:bodyPr rtlCol="0" anchor="ctr"/>
+          <a:lstStyle/>
           <a:p>
             <a:pPr algn="ctr"/>
-            <a:endParaRPr lang="en-US" sz="3200" dirty="0">
-              <a:solidFill>
-                <a:srgbClr val="F6F1E5"/>
-              </a:solidFill>
-              <a:latin typeface="Hoefler Text"/>
-              <a:cs typeface="Hoefler Text"/>
-            </a:endParaRPr>
+            <a:r>
+              <a:rPr lang="fr-FR" sz="3600" dirty="0" smtClean="0"/>
+              <a:t>-</a:t>
+            </a:r>
+            <a:r>
+              <a:rPr lang="fr-FR" sz="4400" dirty="0" smtClean="0"/>
+              <a:t>12</a:t>
+            </a:r>
+            <a:r>
+              <a:rPr lang="fr-FR" sz="3600" dirty="0" smtClean="0"/>
+              <a:t>% </a:t>
+            </a:r>
+            <a:br>
+              <a:rPr lang="fr-FR" sz="3600" dirty="0" smtClean="0"/>
+            </a:br>
+            <a:r>
+              <a:rPr lang="fr-FR" sz="1400" dirty="0" smtClean="0"/>
+              <a:t>of CO2 </a:t>
+            </a:r>
+            <a:r>
+              <a:rPr lang="fr-FR" sz="1400" dirty="0" err="1" smtClean="0"/>
+              <a:t>from</a:t>
+            </a:r>
+            <a:r>
+              <a:rPr lang="fr-FR" sz="1400" dirty="0" smtClean="0"/>
+              <a:t> transportation </a:t>
+            </a:r>
+            <a:endParaRPr lang="fr-FR" sz="1400" dirty="0"/>
           </a:p>
         </p:txBody>
       </p:sp>
     </p:spTree>
     <p:extLst>
       <p:ext uri="{BB962C8B-B14F-4D97-AF65-F5344CB8AC3E}">
-        <p14:creationId xmlns:p14="http://schemas.microsoft.com/office/powerpoint/2010/main" val="3276403249"/>
+        <p14:creationId xmlns:p14="http://schemas.microsoft.com/office/powerpoint/2010/main" val="634966043"/>
       </p:ext>
     </p:extLst>
   </p:cSld>
   <p:clrMapOvr>
     <a:masterClrMapping/>
   </p:clrMapOvr>
+  <p:timing>
+    <p:tnLst>
+      <p:par>
+        <p:cTn xmlns:p14="http://schemas.microsoft.com/office/powerpoint/2010/main" id="1" dur="indefinite" restart="never" nodeType="tmRoot"/>
+      </p:par>
+    </p:tnLst>
+  </p:timing>
 </p:sld>
 </file>
 

--- a/GMS FINALE PRESENTATION.pptx
+++ b/GMS FINALE PRESENTATION.pptx
@@ -11,24 +11,23 @@
     <p:sldId id="259" r:id="rId5"/>
     <p:sldId id="260" r:id="rId6"/>
     <p:sldId id="262" r:id="rId7"/>
-    <p:sldId id="261" r:id="rId8"/>
-    <p:sldId id="263" r:id="rId9"/>
-    <p:sldId id="282" r:id="rId10"/>
-    <p:sldId id="266" r:id="rId11"/>
-    <p:sldId id="267" r:id="rId12"/>
-    <p:sldId id="268" r:id="rId13"/>
-    <p:sldId id="269" r:id="rId14"/>
-    <p:sldId id="270" r:id="rId15"/>
-    <p:sldId id="271" r:id="rId16"/>
-    <p:sldId id="277" r:id="rId17"/>
-    <p:sldId id="272" r:id="rId18"/>
-    <p:sldId id="273" r:id="rId19"/>
-    <p:sldId id="274" r:id="rId20"/>
-    <p:sldId id="278" r:id="rId21"/>
-    <p:sldId id="280" r:id="rId22"/>
-    <p:sldId id="275" r:id="rId23"/>
-    <p:sldId id="276" r:id="rId24"/>
-    <p:sldId id="281" r:id="rId25"/>
+    <p:sldId id="263" r:id="rId8"/>
+    <p:sldId id="282" r:id="rId9"/>
+    <p:sldId id="266" r:id="rId10"/>
+    <p:sldId id="267" r:id="rId11"/>
+    <p:sldId id="268" r:id="rId12"/>
+    <p:sldId id="269" r:id="rId13"/>
+    <p:sldId id="270" r:id="rId14"/>
+    <p:sldId id="271" r:id="rId15"/>
+    <p:sldId id="277" r:id="rId16"/>
+    <p:sldId id="272" r:id="rId17"/>
+    <p:sldId id="273" r:id="rId18"/>
+    <p:sldId id="274" r:id="rId19"/>
+    <p:sldId id="278" r:id="rId20"/>
+    <p:sldId id="261" r:id="rId21"/>
+    <p:sldId id="275" r:id="rId22"/>
+    <p:sldId id="276" r:id="rId23"/>
+    <p:sldId id="281" r:id="rId24"/>
   </p:sldIdLst>
   <p:sldSz cx="9144000" cy="6858000" type="screen4x3"/>
   <p:notesSz cx="6858000" cy="9144000"/>
@@ -129,7 +128,7 @@
   </p:defaultTextStyle>
   <p:extLst>
     <p:ext uri="{EFAFB233-063F-42B5-8137-9DF3F51BA10A}">
-      <p15:sldGuideLst xmlns:p15="http://schemas.microsoft.com/office/powerpoint/2012/main">
+      <p15:sldGuideLst xmlns:p15="http://schemas.microsoft.com/office/powerpoint/2012/main" xmlns="">
         <p15:guide id="1" orient="horz" pos="2160">
           <p15:clr>
             <a:srgbClr val="A4A3A4"/>
@@ -327,7 +326,7 @@
           <a:p>
             <a:fld id="{583D8B2B-B2FF-2947-AE52-D5C1AE187648}" type="datetimeFigureOut">
               <a:rPr lang="en-US" smtClean="0"/>
-              <a:t>6/14/2015</a:t>
+              <a:t>16/06/15</a:t>
             </a:fld>
             <a:endParaRPr lang="en-US"/>
           </a:p>
@@ -497,7 +496,7 @@
           <a:p>
             <a:fld id="{583D8B2B-B2FF-2947-AE52-D5C1AE187648}" type="datetimeFigureOut">
               <a:rPr lang="en-US" smtClean="0"/>
-              <a:t>6/14/2015</a:t>
+              <a:t>16/06/15</a:t>
             </a:fld>
             <a:endParaRPr lang="en-US"/>
           </a:p>
@@ -677,7 +676,7 @@
           <a:p>
             <a:fld id="{583D8B2B-B2FF-2947-AE52-D5C1AE187648}" type="datetimeFigureOut">
               <a:rPr lang="en-US" smtClean="0"/>
-              <a:t>6/14/2015</a:t>
+              <a:t>16/06/15</a:t>
             </a:fld>
             <a:endParaRPr lang="en-US"/>
           </a:p>
@@ -847,7 +846,7 @@
           <a:p>
             <a:fld id="{583D8B2B-B2FF-2947-AE52-D5C1AE187648}" type="datetimeFigureOut">
               <a:rPr lang="en-US" smtClean="0"/>
-              <a:t>6/14/2015</a:t>
+              <a:t>16/06/15</a:t>
             </a:fld>
             <a:endParaRPr lang="en-US"/>
           </a:p>
@@ -1093,7 +1092,7 @@
           <a:p>
             <a:fld id="{583D8B2B-B2FF-2947-AE52-D5C1AE187648}" type="datetimeFigureOut">
               <a:rPr lang="en-US" smtClean="0"/>
-              <a:t>6/14/2015</a:t>
+              <a:t>16/06/15</a:t>
             </a:fld>
             <a:endParaRPr lang="en-US"/>
           </a:p>
@@ -1381,7 +1380,7 @@
           <a:p>
             <a:fld id="{583D8B2B-B2FF-2947-AE52-D5C1AE187648}" type="datetimeFigureOut">
               <a:rPr lang="en-US" smtClean="0"/>
-              <a:t>6/14/2015</a:t>
+              <a:t>16/06/15</a:t>
             </a:fld>
             <a:endParaRPr lang="en-US"/>
           </a:p>
@@ -1803,7 +1802,7 @@
           <a:p>
             <a:fld id="{583D8B2B-B2FF-2947-AE52-D5C1AE187648}" type="datetimeFigureOut">
               <a:rPr lang="en-US" smtClean="0"/>
-              <a:t>6/14/2015</a:t>
+              <a:t>16/06/15</a:t>
             </a:fld>
             <a:endParaRPr lang="en-US"/>
           </a:p>
@@ -1921,7 +1920,7 @@
           <a:p>
             <a:fld id="{583D8B2B-B2FF-2947-AE52-D5C1AE187648}" type="datetimeFigureOut">
               <a:rPr lang="en-US" smtClean="0"/>
-              <a:t>6/14/2015</a:t>
+              <a:t>16/06/15</a:t>
             </a:fld>
             <a:endParaRPr lang="en-US"/>
           </a:p>
@@ -2016,7 +2015,7 @@
           <a:p>
             <a:fld id="{583D8B2B-B2FF-2947-AE52-D5C1AE187648}" type="datetimeFigureOut">
               <a:rPr lang="en-US" smtClean="0"/>
-              <a:t>6/14/2015</a:t>
+              <a:t>16/06/15</a:t>
             </a:fld>
             <a:endParaRPr lang="en-US"/>
           </a:p>
@@ -2293,7 +2292,7 @@
           <a:p>
             <a:fld id="{583D8B2B-B2FF-2947-AE52-D5C1AE187648}" type="datetimeFigureOut">
               <a:rPr lang="en-US" smtClean="0"/>
-              <a:t>6/14/2015</a:t>
+              <a:t>16/06/15</a:t>
             </a:fld>
             <a:endParaRPr lang="en-US"/>
           </a:p>
@@ -2546,7 +2545,7 @@
           <a:p>
             <a:fld id="{583D8B2B-B2FF-2947-AE52-D5C1AE187648}" type="datetimeFigureOut">
               <a:rPr lang="en-US" smtClean="0"/>
-              <a:t>6/14/2015</a:t>
+              <a:t>16/06/15</a:t>
             </a:fld>
             <a:endParaRPr lang="en-US"/>
           </a:p>
@@ -2759,7 +2758,7 @@
           <a:p>
             <a:fld id="{583D8B2B-B2FF-2947-AE52-D5C1AE187648}" type="datetimeFigureOut">
               <a:rPr lang="en-US" smtClean="0"/>
-              <a:t>6/14/2015</a:t>
+              <a:t>16/06/15</a:t>
             </a:fld>
             <a:endParaRPr lang="en-US"/>
           </a:p>
@@ -3233,7 +3232,7 @@
   <p:timing>
     <p:tnLst>
       <p:par>
-        <p:cTn id="1" dur="indefinite" restart="never" nodeType="tmRoot"/>
+        <p:cTn xmlns:p14="http://schemas.microsoft.com/office/powerpoint/2010/main" id="1" dur="indefinite" restart="never" nodeType="tmRoot"/>
       </p:par>
     </p:tnLst>
   </p:timing>
@@ -3243,14 +3242,6 @@
 <file path=ppt/slides/slide10.xml><?xml version="1.0" encoding="utf-8"?>
 <p:sld xmlns:a="http://schemas.openxmlformats.org/drawingml/2006/main" xmlns:r="http://schemas.openxmlformats.org/officeDocument/2006/relationships" xmlns:p="http://schemas.openxmlformats.org/presentationml/2006/main">
   <p:cSld>
-    <p:bg>
-      <p:bgPr>
-        <a:solidFill>
-          <a:srgbClr val="467D64"/>
-        </a:solidFill>
-        <a:effectLst/>
-      </p:bgPr>
-    </p:bg>
     <p:spTree>
       <p:nvGrpSpPr>
         <p:cNvPr id="1" name=""/>
@@ -3265,9 +3256,54 @@
           <a:chExt cx="0" cy="0"/>
         </a:xfrm>
       </p:grpSpPr>
+      <p:sp>
+        <p:nvSpPr>
+          <p:cNvPr id="5" name="Rectangle 4"/>
+          <p:cNvSpPr/>
+          <p:nvPr/>
+        </p:nvSpPr>
+        <p:spPr>
+          <a:xfrm>
+            <a:off x="0" y="264576"/>
+            <a:ext cx="9144000" cy="1077218"/>
+          </a:xfrm>
+          <a:prstGeom prst="rect">
+            <a:avLst/>
+          </a:prstGeom>
+        </p:spPr>
+        <p:txBody>
+          <a:bodyPr wrap="square" anchor="ctr">
+            <a:spAutoFit/>
+          </a:bodyPr>
+          <a:lstStyle/>
+          <a:p>
+            <a:pPr algn="ctr"/>
+            <a:r>
+              <a:rPr lang="en-US" sz="3200" dirty="0" smtClean="0">
+                <a:solidFill>
+                  <a:srgbClr val="F6F1E5"/>
+                </a:solidFill>
+                <a:latin typeface="Hoefler Text"/>
+                <a:cs typeface="Hoefler Text"/>
+              </a:rPr>
+              <a:t>MOTIVATIONS</a:t>
+            </a:r>
+          </a:p>
+          <a:p>
+            <a:pPr algn="ctr"/>
+            <a:endParaRPr lang="en-US" sz="3200" dirty="0">
+              <a:solidFill>
+                <a:srgbClr val="F6F1E5"/>
+              </a:solidFill>
+              <a:latin typeface="Hoefler Text"/>
+              <a:cs typeface="Hoefler Text"/>
+            </a:endParaRPr>
+          </a:p>
+        </p:txBody>
+      </p:sp>
       <p:pic>
         <p:nvPicPr>
-          <p:cNvPr id="2" name="Picture 1"/>
+          <p:cNvPr id="10" name="Picture 9"/>
           <p:cNvPicPr>
             <a:picLocks noChangeAspect="1"/>
           </p:cNvPicPr>
@@ -3281,66 +3317,63 @@
         </p:blipFill>
         <p:spPr>
           <a:xfrm>
-            <a:off x="1658901" y="3598796"/>
-            <a:ext cx="3077012" cy="3259204"/>
+            <a:off x="-234683" y="1"/>
+            <a:ext cx="9621994" cy="952596"/>
           </a:xfrm>
           <a:prstGeom prst="rect">
             <a:avLst/>
           </a:prstGeom>
         </p:spPr>
       </p:pic>
-      <p:pic>
-        <p:nvPicPr>
-          <p:cNvPr id="6" name="Picture 5"/>
-          <p:cNvPicPr>
-            <a:picLocks noChangeAspect="1"/>
-          </p:cNvPicPr>
-          <p:nvPr/>
-        </p:nvPicPr>
-        <p:blipFill>
-          <a:blip r:embed="rId3"/>
-          <a:stretch>
-            <a:fillRect/>
-          </a:stretch>
-        </p:blipFill>
-        <p:spPr>
-          <a:xfrm>
-            <a:off x="4647713" y="3598796"/>
-            <a:ext cx="3016282" cy="3259204"/>
-          </a:xfrm>
-          <a:prstGeom prst="rect">
-            <a:avLst/>
-          </a:prstGeom>
-        </p:spPr>
-      </p:pic>
-      <p:pic>
-        <p:nvPicPr>
-          <p:cNvPr id="8" name="Picture 7"/>
-          <p:cNvPicPr>
-            <a:picLocks noChangeAspect="1"/>
-          </p:cNvPicPr>
-          <p:nvPr/>
-        </p:nvPicPr>
-        <p:blipFill>
-          <a:blip r:embed="rId4"/>
-          <a:stretch>
-            <a:fillRect/>
-          </a:stretch>
-        </p:blipFill>
-        <p:spPr>
-          <a:xfrm>
-            <a:off x="1529153" y="715896"/>
-            <a:ext cx="6096000" cy="2882900"/>
-          </a:xfrm>
-          <a:prstGeom prst="rect">
-            <a:avLst/>
-          </a:prstGeom>
-        </p:spPr>
-      </p:pic>
+      <p:sp>
+        <p:nvSpPr>
+          <p:cNvPr id="11" name="Rectangle 10"/>
+          <p:cNvSpPr/>
+          <p:nvPr/>
+        </p:nvSpPr>
+        <p:spPr>
+          <a:xfrm>
+            <a:off x="0" y="154662"/>
+            <a:ext cx="9144000" cy="1077218"/>
+          </a:xfrm>
+          <a:prstGeom prst="rect">
+            <a:avLst/>
+          </a:prstGeom>
+        </p:spPr>
+        <p:txBody>
+          <a:bodyPr wrap="square" anchor="ctr">
+            <a:spAutoFit/>
+          </a:bodyPr>
+          <a:lstStyle/>
+          <a:p>
+            <a:pPr algn="ctr"/>
+            <a:r>
+              <a:rPr lang="en-US" sz="3200" dirty="0" smtClean="0">
+                <a:solidFill>
+                  <a:srgbClr val="F6F1E5"/>
+                </a:solidFill>
+                <a:latin typeface="Hoefler Text"/>
+                <a:cs typeface="Hoefler Text"/>
+              </a:rPr>
+              <a:t>Technologies Analysis</a:t>
+            </a:r>
+          </a:p>
+          <a:p>
+            <a:pPr algn="ctr"/>
+            <a:endParaRPr lang="en-US" sz="3200" dirty="0">
+              <a:solidFill>
+                <a:srgbClr val="F6F1E5"/>
+              </a:solidFill>
+              <a:latin typeface="Hoefler Text"/>
+              <a:cs typeface="Hoefler Text"/>
+            </a:endParaRPr>
+          </a:p>
+        </p:txBody>
+      </p:sp>
     </p:spTree>
     <p:extLst>
       <p:ext uri="{BB962C8B-B14F-4D97-AF65-F5344CB8AC3E}">
-        <p14:creationId xmlns:p14="http://schemas.microsoft.com/office/powerpoint/2010/main" val="2206143724"/>
+        <p14:creationId xmlns:p14="http://schemas.microsoft.com/office/powerpoint/2010/main" val="2164582070"/>
       </p:ext>
     </p:extLst>
   </p:cSld>
@@ -3350,7 +3383,7 @@
   <p:timing>
     <p:tnLst>
       <p:par>
-        <p:cTn id="1" dur="indefinite" restart="never" nodeType="tmRoot"/>
+        <p:cTn xmlns:p14="http://schemas.microsoft.com/office/powerpoint/2010/main" id="1" dur="indefinite" restart="never" nodeType="tmRoot"/>
       </p:par>
     </p:tnLst>
   </p:timing>
@@ -3491,157 +3524,6 @@
     </p:spTree>
     <p:extLst>
       <p:ext uri="{BB962C8B-B14F-4D97-AF65-F5344CB8AC3E}">
-        <p14:creationId xmlns:p14="http://schemas.microsoft.com/office/powerpoint/2010/main" val="2164582070"/>
-      </p:ext>
-    </p:extLst>
-  </p:cSld>
-  <p:clrMapOvr>
-    <a:masterClrMapping/>
-  </p:clrMapOvr>
-  <p:timing>
-    <p:tnLst>
-      <p:par>
-        <p:cTn id="1" dur="indefinite" restart="never" nodeType="tmRoot"/>
-      </p:par>
-    </p:tnLst>
-  </p:timing>
-</p:sld>
-</file>
-
-<file path=ppt/slides/slide12.xml><?xml version="1.0" encoding="utf-8"?>
-<p:sld xmlns:a="http://schemas.openxmlformats.org/drawingml/2006/main" xmlns:r="http://schemas.openxmlformats.org/officeDocument/2006/relationships" xmlns:p="http://schemas.openxmlformats.org/presentationml/2006/main">
-  <p:cSld>
-    <p:spTree>
-      <p:nvGrpSpPr>
-        <p:cNvPr id="1" name=""/>
-        <p:cNvGrpSpPr/>
-        <p:nvPr/>
-      </p:nvGrpSpPr>
-      <p:grpSpPr>
-        <a:xfrm>
-          <a:off x="0" y="0"/>
-          <a:ext cx="0" cy="0"/>
-          <a:chOff x="0" y="0"/>
-          <a:chExt cx="0" cy="0"/>
-        </a:xfrm>
-      </p:grpSpPr>
-      <p:sp>
-        <p:nvSpPr>
-          <p:cNvPr id="5" name="Rectangle 4"/>
-          <p:cNvSpPr/>
-          <p:nvPr/>
-        </p:nvSpPr>
-        <p:spPr>
-          <a:xfrm>
-            <a:off x="0" y="264576"/>
-            <a:ext cx="9144000" cy="1077218"/>
-          </a:xfrm>
-          <a:prstGeom prst="rect">
-            <a:avLst/>
-          </a:prstGeom>
-        </p:spPr>
-        <p:txBody>
-          <a:bodyPr wrap="square" anchor="ctr">
-            <a:spAutoFit/>
-          </a:bodyPr>
-          <a:lstStyle/>
-          <a:p>
-            <a:pPr algn="ctr"/>
-            <a:r>
-              <a:rPr lang="en-US" sz="3200" dirty="0" smtClean="0">
-                <a:solidFill>
-                  <a:srgbClr val="F6F1E5"/>
-                </a:solidFill>
-                <a:latin typeface="Hoefler Text"/>
-                <a:cs typeface="Hoefler Text"/>
-              </a:rPr>
-              <a:t>MOTIVATIONS</a:t>
-            </a:r>
-          </a:p>
-          <a:p>
-            <a:pPr algn="ctr"/>
-            <a:endParaRPr lang="en-US" sz="3200" dirty="0">
-              <a:solidFill>
-                <a:srgbClr val="F6F1E5"/>
-              </a:solidFill>
-              <a:latin typeface="Hoefler Text"/>
-              <a:cs typeface="Hoefler Text"/>
-            </a:endParaRPr>
-          </a:p>
-        </p:txBody>
-      </p:sp>
-      <p:pic>
-        <p:nvPicPr>
-          <p:cNvPr id="10" name="Picture 9"/>
-          <p:cNvPicPr>
-            <a:picLocks noChangeAspect="1"/>
-          </p:cNvPicPr>
-          <p:nvPr/>
-        </p:nvPicPr>
-        <p:blipFill>
-          <a:blip r:embed="rId2"/>
-          <a:stretch>
-            <a:fillRect/>
-          </a:stretch>
-        </p:blipFill>
-        <p:spPr>
-          <a:xfrm>
-            <a:off x="-234683" y="1"/>
-            <a:ext cx="9621994" cy="952596"/>
-          </a:xfrm>
-          <a:prstGeom prst="rect">
-            <a:avLst/>
-          </a:prstGeom>
-        </p:spPr>
-      </p:pic>
-      <p:sp>
-        <p:nvSpPr>
-          <p:cNvPr id="11" name="Rectangle 10"/>
-          <p:cNvSpPr/>
-          <p:nvPr/>
-        </p:nvSpPr>
-        <p:spPr>
-          <a:xfrm>
-            <a:off x="0" y="154662"/>
-            <a:ext cx="9144000" cy="1077218"/>
-          </a:xfrm>
-          <a:prstGeom prst="rect">
-            <a:avLst/>
-          </a:prstGeom>
-        </p:spPr>
-        <p:txBody>
-          <a:bodyPr wrap="square" anchor="ctr">
-            <a:spAutoFit/>
-          </a:bodyPr>
-          <a:lstStyle/>
-          <a:p>
-            <a:pPr algn="ctr"/>
-            <a:r>
-              <a:rPr lang="en-US" sz="3200" dirty="0" smtClean="0">
-                <a:solidFill>
-                  <a:srgbClr val="F6F1E5"/>
-                </a:solidFill>
-                <a:latin typeface="Hoefler Text"/>
-                <a:cs typeface="Hoefler Text"/>
-              </a:rPr>
-              <a:t>Technologies Analysis</a:t>
-            </a:r>
-          </a:p>
-          <a:p>
-            <a:pPr algn="ctr"/>
-            <a:endParaRPr lang="en-US" sz="3200" dirty="0">
-              <a:solidFill>
-                <a:srgbClr val="F6F1E5"/>
-              </a:solidFill>
-              <a:latin typeface="Hoefler Text"/>
-              <a:cs typeface="Hoefler Text"/>
-            </a:endParaRPr>
-          </a:p>
-        </p:txBody>
-      </p:sp>
-    </p:spTree>
-    <p:extLst>
-      <p:ext uri="{BB962C8B-B14F-4D97-AF65-F5344CB8AC3E}">
         <p14:creationId xmlns:p14="http://schemas.microsoft.com/office/powerpoint/2010/main" val="1875075313"/>
       </p:ext>
     </p:extLst>
@@ -3652,14 +3534,14 @@
   <p:timing>
     <p:tnLst>
       <p:par>
-        <p:cTn id="1" dur="indefinite" restart="never" nodeType="tmRoot"/>
+        <p:cTn xmlns:p14="http://schemas.microsoft.com/office/powerpoint/2010/main" id="1" dur="indefinite" restart="never" nodeType="tmRoot"/>
       </p:par>
     </p:tnLst>
   </p:timing>
 </p:sld>
 </file>
 
-<file path=ppt/slides/slide13.xml><?xml version="1.0" encoding="utf-8"?>
+<file path=ppt/slides/slide12.xml><?xml version="1.0" encoding="utf-8"?>
 <p:sld xmlns:a="http://schemas.openxmlformats.org/drawingml/2006/main" xmlns:r="http://schemas.openxmlformats.org/officeDocument/2006/relationships" xmlns:p="http://schemas.openxmlformats.org/presentationml/2006/main">
   <p:cSld>
     <p:bg>
@@ -3769,7 +3651,536 @@
   <p:timing>
     <p:tnLst>
       <p:par>
-        <p:cTn id="1" dur="indefinite" restart="never" nodeType="tmRoot"/>
+        <p:cTn xmlns:p14="http://schemas.microsoft.com/office/powerpoint/2010/main" id="1" dur="indefinite" restart="never" nodeType="tmRoot"/>
+      </p:par>
+    </p:tnLst>
+  </p:timing>
+</p:sld>
+</file>
+
+<file path=ppt/slides/slide13.xml><?xml version="1.0" encoding="utf-8"?>
+<p:sld xmlns:a="http://schemas.openxmlformats.org/drawingml/2006/main" xmlns:r="http://schemas.openxmlformats.org/officeDocument/2006/relationships" xmlns:p="http://schemas.openxmlformats.org/presentationml/2006/main">
+  <p:cSld>
+    <p:spTree>
+      <p:nvGrpSpPr>
+        <p:cNvPr id="1" name=""/>
+        <p:cNvGrpSpPr/>
+        <p:nvPr/>
+      </p:nvGrpSpPr>
+      <p:grpSpPr>
+        <a:xfrm>
+          <a:off x="0" y="0"/>
+          <a:ext cx="0" cy="0"/>
+          <a:chOff x="0" y="0"/>
+          <a:chExt cx="0" cy="0"/>
+        </a:xfrm>
+      </p:grpSpPr>
+      <p:sp>
+        <p:nvSpPr>
+          <p:cNvPr id="5" name="Rectangle 4"/>
+          <p:cNvSpPr/>
+          <p:nvPr/>
+        </p:nvSpPr>
+        <p:spPr>
+          <a:xfrm>
+            <a:off x="0" y="264576"/>
+            <a:ext cx="9144000" cy="1077218"/>
+          </a:xfrm>
+          <a:prstGeom prst="rect">
+            <a:avLst/>
+          </a:prstGeom>
+        </p:spPr>
+        <p:txBody>
+          <a:bodyPr wrap="square" anchor="ctr">
+            <a:spAutoFit/>
+          </a:bodyPr>
+          <a:lstStyle/>
+          <a:p>
+            <a:pPr algn="ctr"/>
+            <a:r>
+              <a:rPr lang="en-US" sz="3200" dirty="0" smtClean="0">
+                <a:solidFill>
+                  <a:srgbClr val="F6F1E5"/>
+                </a:solidFill>
+                <a:latin typeface="Hoefler Text"/>
+                <a:cs typeface="Hoefler Text"/>
+              </a:rPr>
+              <a:t>MOTIVATIONS</a:t>
+            </a:r>
+          </a:p>
+          <a:p>
+            <a:pPr algn="ctr"/>
+            <a:endParaRPr lang="en-US" sz="3200" dirty="0">
+              <a:solidFill>
+                <a:srgbClr val="F6F1E5"/>
+              </a:solidFill>
+              <a:latin typeface="Hoefler Text"/>
+              <a:cs typeface="Hoefler Text"/>
+            </a:endParaRPr>
+          </a:p>
+        </p:txBody>
+      </p:sp>
+      <p:pic>
+        <p:nvPicPr>
+          <p:cNvPr id="10" name="Picture 9"/>
+          <p:cNvPicPr>
+            <a:picLocks noChangeAspect="1"/>
+          </p:cNvPicPr>
+          <p:nvPr/>
+        </p:nvPicPr>
+        <p:blipFill>
+          <a:blip r:embed="rId2"/>
+          <a:stretch>
+            <a:fillRect/>
+          </a:stretch>
+        </p:blipFill>
+        <p:spPr>
+          <a:xfrm>
+            <a:off x="-234683" y="1"/>
+            <a:ext cx="9621994" cy="952596"/>
+          </a:xfrm>
+          <a:prstGeom prst="rect">
+            <a:avLst/>
+          </a:prstGeom>
+        </p:spPr>
+      </p:pic>
+      <p:sp>
+        <p:nvSpPr>
+          <p:cNvPr id="11" name="Rectangle 10"/>
+          <p:cNvSpPr/>
+          <p:nvPr/>
+        </p:nvSpPr>
+        <p:spPr>
+          <a:xfrm>
+            <a:off x="0" y="154662"/>
+            <a:ext cx="9144000" cy="1077218"/>
+          </a:xfrm>
+          <a:prstGeom prst="rect">
+            <a:avLst/>
+          </a:prstGeom>
+        </p:spPr>
+        <p:txBody>
+          <a:bodyPr wrap="square" anchor="ctr">
+            <a:spAutoFit/>
+          </a:bodyPr>
+          <a:lstStyle/>
+          <a:p>
+            <a:pPr algn="ctr"/>
+            <a:r>
+              <a:rPr lang="en-US" sz="3200" dirty="0" smtClean="0">
+                <a:solidFill>
+                  <a:srgbClr val="F6F1E5"/>
+                </a:solidFill>
+                <a:latin typeface="Hoefler Text"/>
+                <a:cs typeface="Hoefler Text"/>
+              </a:rPr>
+              <a:t>Law &amp; Social Policy</a:t>
+            </a:r>
+          </a:p>
+          <a:p>
+            <a:pPr algn="ctr"/>
+            <a:endParaRPr lang="en-US" sz="3200" dirty="0">
+              <a:solidFill>
+                <a:srgbClr val="F6F1E5"/>
+              </a:solidFill>
+              <a:latin typeface="Hoefler Text"/>
+              <a:cs typeface="Hoefler Text"/>
+            </a:endParaRPr>
+          </a:p>
+        </p:txBody>
+      </p:sp>
+      <p:pic>
+        <p:nvPicPr>
+          <p:cNvPr id="2" name="Picture 1"/>
+          <p:cNvPicPr>
+            <a:picLocks noChangeAspect="1"/>
+          </p:cNvPicPr>
+          <p:nvPr/>
+        </p:nvPicPr>
+        <p:blipFill>
+          <a:blip r:embed="rId3"/>
+          <a:stretch>
+            <a:fillRect/>
+          </a:stretch>
+        </p:blipFill>
+        <p:spPr>
+          <a:xfrm>
+            <a:off x="295560" y="1341794"/>
+            <a:ext cx="2351691" cy="2528198"/>
+          </a:xfrm>
+          <a:prstGeom prst="rect">
+            <a:avLst/>
+          </a:prstGeom>
+        </p:spPr>
+      </p:pic>
+      <p:pic>
+        <p:nvPicPr>
+          <p:cNvPr id="3" name="Picture 2"/>
+          <p:cNvPicPr>
+            <a:picLocks noChangeAspect="1"/>
+          </p:cNvPicPr>
+          <p:nvPr/>
+        </p:nvPicPr>
+        <p:blipFill>
+          <a:blip r:embed="rId4"/>
+          <a:stretch>
+            <a:fillRect/>
+          </a:stretch>
+        </p:blipFill>
+        <p:spPr>
+          <a:xfrm>
+            <a:off x="3137673" y="1341794"/>
+            <a:ext cx="672326" cy="705943"/>
+          </a:xfrm>
+          <a:prstGeom prst="rect">
+            <a:avLst/>
+          </a:prstGeom>
+        </p:spPr>
+      </p:pic>
+      <p:sp>
+        <p:nvSpPr>
+          <p:cNvPr id="4" name="Rectangle 3"/>
+          <p:cNvSpPr/>
+          <p:nvPr/>
+        </p:nvSpPr>
+        <p:spPr>
+          <a:xfrm>
+            <a:off x="3809999" y="1636219"/>
+            <a:ext cx="4390946" cy="369332"/>
+          </a:xfrm>
+          <a:prstGeom prst="rect">
+            <a:avLst/>
+          </a:prstGeom>
+        </p:spPr>
+        <p:txBody>
+          <a:bodyPr wrap="none">
+            <a:spAutoFit/>
+          </a:bodyPr>
+          <a:lstStyle/>
+          <a:p>
+            <a:r>
+              <a:rPr lang="en-US" dirty="0">
+                <a:solidFill>
+                  <a:srgbClr val="463A2D"/>
+                </a:solidFill>
+                <a:latin typeface="Hoefler Text"/>
+                <a:cs typeface="Hoefler Text"/>
+              </a:rPr>
+              <a:t>French leader of long-distance </a:t>
+            </a:r>
+            <a:r>
+              <a:rPr lang="en-US" b="1" dirty="0">
+                <a:solidFill>
+                  <a:srgbClr val="6AACA4"/>
+                </a:solidFill>
+                <a:latin typeface="Hoefler Text"/>
+                <a:cs typeface="Hoefler Text"/>
+              </a:rPr>
+              <a:t>carpooling</a:t>
+            </a:r>
+            <a:endParaRPr lang="en-US" dirty="0">
+              <a:solidFill>
+                <a:srgbClr val="6AACA4"/>
+              </a:solidFill>
+              <a:latin typeface="Hoefler Text"/>
+              <a:cs typeface="Hoefler Text"/>
+            </a:endParaRPr>
+          </a:p>
+        </p:txBody>
+      </p:sp>
+      <p:sp>
+        <p:nvSpPr>
+          <p:cNvPr id="6" name="Rectangle 5"/>
+          <p:cNvSpPr/>
+          <p:nvPr/>
+        </p:nvSpPr>
+        <p:spPr>
+          <a:xfrm>
+            <a:off x="2857268" y="2325354"/>
+            <a:ext cx="4213796" cy="369332"/>
+          </a:xfrm>
+          <a:prstGeom prst="rect">
+            <a:avLst/>
+          </a:prstGeom>
+        </p:spPr>
+        <p:txBody>
+          <a:bodyPr wrap="none">
+            <a:spAutoFit/>
+          </a:bodyPr>
+          <a:lstStyle/>
+          <a:p>
+            <a:r>
+              <a:rPr lang="en-US" b="1" i="1" dirty="0" err="1">
+                <a:latin typeface="Hoefler Text"/>
+                <a:cs typeface="Hoefler Text"/>
+              </a:rPr>
+              <a:t>Uberpop</a:t>
+            </a:r>
+            <a:r>
+              <a:rPr lang="en-US" i="1" dirty="0">
+                <a:latin typeface="Hoefler Text"/>
+                <a:cs typeface="Hoefler Text"/>
+              </a:rPr>
+              <a:t> is </a:t>
+            </a:r>
+            <a:r>
+              <a:rPr lang="en-US" b="1" i="1" dirty="0">
+                <a:latin typeface="Hoefler Text"/>
+                <a:cs typeface="Hoefler Text"/>
+              </a:rPr>
+              <a:t>illegal</a:t>
+            </a:r>
+            <a:r>
+              <a:rPr lang="en-US" i="1" dirty="0">
+                <a:latin typeface="Hoefler Text"/>
+                <a:cs typeface="Hoefler Text"/>
+              </a:rPr>
+              <a:t> and will be </a:t>
+            </a:r>
+            <a:r>
+              <a:rPr lang="en-US" b="1" i="1" dirty="0">
+                <a:latin typeface="Hoefler Text"/>
+                <a:cs typeface="Hoefler Text"/>
+              </a:rPr>
+              <a:t>prohibited</a:t>
+            </a:r>
+            <a:endParaRPr lang="en-US" dirty="0">
+              <a:latin typeface="Hoefler Text"/>
+              <a:cs typeface="Hoefler Text"/>
+            </a:endParaRPr>
+          </a:p>
+        </p:txBody>
+      </p:sp>
+      <p:sp>
+        <p:nvSpPr>
+          <p:cNvPr id="8" name="Rectangle 7"/>
+          <p:cNvSpPr/>
+          <p:nvPr/>
+        </p:nvSpPr>
+        <p:spPr>
+          <a:xfrm>
+            <a:off x="3809999" y="3156351"/>
+            <a:ext cx="4572000" cy="923330"/>
+          </a:xfrm>
+          <a:prstGeom prst="rect">
+            <a:avLst/>
+          </a:prstGeom>
+        </p:spPr>
+        <p:txBody>
+          <a:bodyPr>
+            <a:spAutoFit/>
+          </a:bodyPr>
+          <a:lstStyle/>
+          <a:p>
+            <a:pPr algn="just"/>
+            <a:r>
+              <a:rPr lang="en-US" dirty="0" smtClean="0">
+                <a:solidFill>
+                  <a:srgbClr val="463A2D"/>
+                </a:solidFill>
+                <a:latin typeface="Hoefler Text"/>
+                <a:cs typeface="Hoefler Text"/>
+              </a:rPr>
+              <a:t>According to press reports, many </a:t>
+            </a:r>
+            <a:r>
+              <a:rPr lang="en-US" b="1" i="1" u="sng" dirty="0" err="1" smtClean="0">
+                <a:solidFill>
+                  <a:srgbClr val="463A2D"/>
+                </a:solidFill>
+                <a:latin typeface="Hoefler Text"/>
+                <a:cs typeface="Hoefler Text"/>
+              </a:rPr>
+              <a:t>Uberpop</a:t>
+            </a:r>
+            <a:r>
+              <a:rPr lang="en-US" dirty="0" smtClean="0">
+                <a:solidFill>
+                  <a:srgbClr val="463A2D"/>
+                </a:solidFill>
+                <a:latin typeface="Hoefler Text"/>
+                <a:cs typeface="Hoefler Text"/>
+              </a:rPr>
+              <a:t> drivers were arrested and face up </a:t>
+            </a:r>
+            <a:r>
+              <a:rPr lang="en-US" b="1" dirty="0" smtClean="0">
+                <a:solidFill>
+                  <a:srgbClr val="463A2D"/>
+                </a:solidFill>
+                <a:latin typeface="Hoefler Text"/>
+                <a:cs typeface="Hoefler Text"/>
+              </a:rPr>
+              <a:t>of 3 years in prison and 45,000 € fine.</a:t>
+            </a:r>
+            <a:endParaRPr lang="en-US" b="1" dirty="0">
+              <a:solidFill>
+                <a:srgbClr val="463A2D"/>
+              </a:solidFill>
+              <a:latin typeface="Hoefler Text"/>
+              <a:cs typeface="Hoefler Text"/>
+            </a:endParaRPr>
+          </a:p>
+        </p:txBody>
+      </p:sp>
+      <p:sp>
+        <p:nvSpPr>
+          <p:cNvPr id="12" name="Rectangle 11"/>
+          <p:cNvSpPr/>
+          <p:nvPr/>
+        </p:nvSpPr>
+        <p:spPr>
+          <a:xfrm>
+            <a:off x="571268" y="4379760"/>
+            <a:ext cx="4572000" cy="1015663"/>
+          </a:xfrm>
+          <a:prstGeom prst="rect">
+            <a:avLst/>
+          </a:prstGeom>
+        </p:spPr>
+        <p:txBody>
+          <a:bodyPr>
+            <a:spAutoFit/>
+          </a:bodyPr>
+          <a:lstStyle/>
+          <a:p>
+            <a:pPr algn="just"/>
+            <a:r>
+              <a:rPr lang="en-US" sz="2000" dirty="0" smtClean="0">
+                <a:solidFill>
+                  <a:srgbClr val="463A2D"/>
+                </a:solidFill>
+                <a:latin typeface="Hoefler Text"/>
+                <a:cs typeface="Hoefler Text"/>
+              </a:rPr>
+              <a:t>There is </a:t>
+            </a:r>
+            <a:r>
+              <a:rPr lang="en-US" sz="2000" b="1" dirty="0" smtClean="0">
+                <a:solidFill>
+                  <a:srgbClr val="6AACA4"/>
+                </a:solidFill>
+                <a:latin typeface="Hoefler Text"/>
+                <a:cs typeface="Hoefler Text"/>
+              </a:rPr>
+              <a:t>carpooling</a:t>
+            </a:r>
+            <a:r>
+              <a:rPr lang="en-US" sz="2000" dirty="0" smtClean="0">
+                <a:solidFill>
+                  <a:srgbClr val="463A2D"/>
+                </a:solidFill>
+                <a:latin typeface="Hoefler Text"/>
+                <a:cs typeface="Hoefler Text"/>
+              </a:rPr>
+              <a:t> when the trip could, anyway, was carried by the driver « </a:t>
+            </a:r>
+            <a:r>
+              <a:rPr lang="en-US" sz="2000" dirty="0" err="1" smtClean="0">
+                <a:solidFill>
+                  <a:srgbClr val="463A2D"/>
+                </a:solidFill>
+                <a:latin typeface="Hoefler Text"/>
+                <a:cs typeface="Hoefler Text"/>
+              </a:rPr>
+              <a:t>empthy</a:t>
+            </a:r>
+            <a:r>
+              <a:rPr lang="en-US" sz="2000" dirty="0" smtClean="0">
+                <a:solidFill>
+                  <a:srgbClr val="463A2D"/>
+                </a:solidFill>
+                <a:latin typeface="Hoefler Text"/>
+                <a:cs typeface="Hoefler Text"/>
+              </a:rPr>
+              <a:t> ». </a:t>
+            </a:r>
+            <a:endParaRPr lang="en-US" sz="2000" dirty="0">
+              <a:solidFill>
+                <a:srgbClr val="463A2D"/>
+              </a:solidFill>
+              <a:latin typeface="Hoefler Text"/>
+              <a:cs typeface="Hoefler Text"/>
+            </a:endParaRPr>
+          </a:p>
+        </p:txBody>
+      </p:sp>
+      <p:sp>
+        <p:nvSpPr>
+          <p:cNvPr id="13" name="Rectangle 12"/>
+          <p:cNvSpPr/>
+          <p:nvPr/>
+        </p:nvSpPr>
+        <p:spPr>
+          <a:xfrm>
+            <a:off x="4173453" y="5652009"/>
+            <a:ext cx="4572000" cy="1015663"/>
+          </a:xfrm>
+          <a:prstGeom prst="rect">
+            <a:avLst/>
+          </a:prstGeom>
+        </p:spPr>
+        <p:txBody>
+          <a:bodyPr>
+            <a:spAutoFit/>
+          </a:bodyPr>
+          <a:lstStyle/>
+          <a:p>
+            <a:pPr algn="just"/>
+            <a:r>
+              <a:rPr lang="en-US" sz="2000" dirty="0" smtClean="0">
+                <a:solidFill>
+                  <a:srgbClr val="463A2D"/>
+                </a:solidFill>
+                <a:latin typeface="Hoefler Text"/>
+                <a:cs typeface="Hoefler Text"/>
+              </a:rPr>
+              <a:t>There is </a:t>
+            </a:r>
+            <a:r>
+              <a:rPr lang="en-US" sz="2000" b="1" dirty="0" smtClean="0">
+                <a:solidFill>
+                  <a:srgbClr val="FF8153"/>
+                </a:solidFill>
+                <a:latin typeface="Hoefler Text"/>
+                <a:cs typeface="Hoefler Text"/>
+              </a:rPr>
+              <a:t>no carpool </a:t>
+            </a:r>
+            <a:r>
+              <a:rPr lang="en-US" sz="2000" dirty="0" smtClean="0">
+                <a:solidFill>
+                  <a:srgbClr val="463A2D"/>
+                </a:solidFill>
+                <a:latin typeface="Hoefler Text"/>
+                <a:cs typeface="Hoefler Text"/>
+              </a:rPr>
+              <a:t>when a driver as a taxi or VTC, realizes a trip specifically to serve the needs of a passenger.</a:t>
+            </a:r>
+            <a:endParaRPr lang="en-US" sz="2000" dirty="0">
+              <a:solidFill>
+                <a:srgbClr val="463A2D"/>
+              </a:solidFill>
+              <a:latin typeface="Hoefler Text"/>
+              <a:cs typeface="Hoefler Text"/>
+            </a:endParaRPr>
+          </a:p>
+        </p:txBody>
+      </p:sp>
+    </p:spTree>
+    <p:extLst>
+      <p:ext uri="{BB962C8B-B14F-4D97-AF65-F5344CB8AC3E}">
+        <p14:creationId xmlns:p14="http://schemas.microsoft.com/office/powerpoint/2010/main" val="4011489026"/>
+      </p:ext>
+    </p:extLst>
+  </p:cSld>
+  <p:clrMapOvr>
+    <a:masterClrMapping/>
+  </p:clrMapOvr>
+  <p:timing>
+    <p:tnLst>
+      <p:par>
+        <p:cTn xmlns:p14="http://schemas.microsoft.com/office/powerpoint/2010/main" id="1" dur="indefinite" restart="never" nodeType="tmRoot"/>
       </p:par>
     </p:tnLst>
   </p:timing>
@@ -3923,17 +4334,181 @@
         </p:blipFill>
         <p:spPr>
           <a:xfrm>
-            <a:off x="295560" y="1341794"/>
-            <a:ext cx="2351691" cy="2528198"/>
+            <a:off x="233477" y="879060"/>
+            <a:ext cx="2560495" cy="2059987"/>
           </a:xfrm>
           <a:prstGeom prst="rect">
             <a:avLst/>
           </a:prstGeom>
         </p:spPr>
       </p:pic>
+      <p:sp>
+        <p:nvSpPr>
+          <p:cNvPr id="3" name="Rectangle 2"/>
+          <p:cNvSpPr/>
+          <p:nvPr/>
+        </p:nvSpPr>
+        <p:spPr>
+          <a:xfrm>
+            <a:off x="2793971" y="992947"/>
+            <a:ext cx="6008257" cy="1015663"/>
+          </a:xfrm>
+          <a:prstGeom prst="rect">
+            <a:avLst/>
+          </a:prstGeom>
+        </p:spPr>
+        <p:txBody>
+          <a:bodyPr wrap="square">
+            <a:spAutoFit/>
+          </a:bodyPr>
+          <a:lstStyle/>
+          <a:p>
+            <a:pPr algn="just"/>
+            <a:r>
+              <a:rPr lang="en-US" sz="2000" dirty="0" smtClean="0">
+                <a:solidFill>
+                  <a:srgbClr val="463A2D"/>
+                </a:solidFill>
+                <a:latin typeface="Hoefler Text"/>
+                <a:cs typeface="Hoefler Text"/>
+              </a:rPr>
+              <a:t>Offer or provide </a:t>
+            </a:r>
+            <a:r>
+              <a:rPr lang="en-US" sz="2000" b="1" dirty="0" smtClean="0">
+                <a:solidFill>
+                  <a:srgbClr val="FF8153"/>
+                </a:solidFill>
+                <a:latin typeface="Hoefler Text"/>
+                <a:cs typeface="Hoefler Text"/>
+              </a:rPr>
+              <a:t>paid transport </a:t>
+            </a:r>
+            <a:r>
+              <a:rPr lang="en-US" sz="2000" dirty="0" smtClean="0">
+                <a:solidFill>
+                  <a:srgbClr val="463A2D"/>
+                </a:solidFill>
+                <a:latin typeface="Hoefler Text"/>
+                <a:cs typeface="Hoefler Text"/>
+              </a:rPr>
+              <a:t>of persons using an automobile, a person must be </a:t>
+            </a:r>
+            <a:r>
+              <a:rPr lang="en-US" sz="2000" dirty="0" smtClean="0">
+                <a:solidFill>
+                  <a:srgbClr val="FF8153"/>
+                </a:solidFill>
+                <a:latin typeface="Hoefler Text"/>
+                <a:cs typeface="Hoefler Text"/>
+              </a:rPr>
+              <a:t>authorized</a:t>
+            </a:r>
+            <a:r>
+              <a:rPr lang="en-US" sz="2000" dirty="0" smtClean="0">
+                <a:solidFill>
+                  <a:srgbClr val="463A2D"/>
+                </a:solidFill>
+                <a:latin typeface="Hoefler Text"/>
+                <a:cs typeface="Hoefler Text"/>
+              </a:rPr>
+              <a:t> by a taxi owner's permit.</a:t>
+            </a:r>
+            <a:endParaRPr lang="en-US" sz="2000" dirty="0">
+              <a:solidFill>
+                <a:srgbClr val="463A2D"/>
+              </a:solidFill>
+              <a:latin typeface="Hoefler Text"/>
+              <a:cs typeface="Hoefler Text"/>
+            </a:endParaRPr>
+          </a:p>
+        </p:txBody>
+      </p:sp>
+      <p:sp>
+        <p:nvSpPr>
+          <p:cNvPr id="4" name="Rectangle 3"/>
+          <p:cNvSpPr/>
+          <p:nvPr/>
+        </p:nvSpPr>
+        <p:spPr>
+          <a:xfrm>
+            <a:off x="2793972" y="2431215"/>
+            <a:ext cx="6008256" cy="1015663"/>
+          </a:xfrm>
+          <a:prstGeom prst="rect">
+            <a:avLst/>
+          </a:prstGeom>
+        </p:spPr>
+        <p:txBody>
+          <a:bodyPr wrap="square">
+            <a:spAutoFit/>
+          </a:bodyPr>
+          <a:lstStyle/>
+          <a:p>
+            <a:pPr algn="just"/>
+            <a:r>
+              <a:rPr lang="en-US" sz="2000" dirty="0" smtClean="0">
+                <a:solidFill>
+                  <a:srgbClr val="463A2D"/>
+                </a:solidFill>
+                <a:latin typeface="Hoefler Text"/>
+                <a:cs typeface="Hoefler Text"/>
+              </a:rPr>
+              <a:t>Passengers contribute to </a:t>
+            </a:r>
+            <a:r>
+              <a:rPr lang="en-US" sz="2000" b="1" dirty="0" smtClean="0">
+                <a:solidFill>
+                  <a:srgbClr val="6AACA4"/>
+                </a:solidFill>
+                <a:latin typeface="Hoefler Text"/>
+                <a:cs typeface="Hoefler Text"/>
+              </a:rPr>
+              <a:t>compensate</a:t>
+            </a:r>
+            <a:r>
+              <a:rPr lang="en-US" sz="2000" dirty="0" smtClean="0">
+                <a:solidFill>
+                  <a:srgbClr val="6AACA4"/>
+                </a:solidFill>
+                <a:latin typeface="Hoefler Text"/>
+                <a:cs typeface="Hoefler Text"/>
+              </a:rPr>
+              <a:t> </a:t>
+            </a:r>
+            <a:r>
+              <a:rPr lang="en-US" sz="2000" dirty="0" smtClean="0">
+                <a:solidFill>
+                  <a:srgbClr val="463A2D"/>
+                </a:solidFill>
+                <a:latin typeface="Hoefler Text"/>
+                <a:cs typeface="Hoefler Text"/>
+              </a:rPr>
+              <a:t>the driver to use the vehicle, such as the </a:t>
+            </a:r>
+            <a:r>
+              <a:rPr lang="en-US" sz="2000" b="1" dirty="0" smtClean="0">
+                <a:solidFill>
+                  <a:srgbClr val="6AACA4"/>
+                </a:solidFill>
+                <a:latin typeface="Hoefler Text"/>
+                <a:cs typeface="Hoefler Text"/>
+              </a:rPr>
+              <a:t>sharing of costs of gasoline.</a:t>
+            </a:r>
+            <a:endParaRPr lang="en-US" sz="2000" b="1" dirty="0">
+              <a:solidFill>
+                <a:srgbClr val="6AACA4"/>
+              </a:solidFill>
+              <a:latin typeface="Hoefler Text"/>
+              <a:cs typeface="Hoefler Text"/>
+            </a:endParaRPr>
+          </a:p>
+        </p:txBody>
+      </p:sp>
       <p:pic>
         <p:nvPicPr>
-          <p:cNvPr id="3" name="Picture 2"/>
+          <p:cNvPr id="6" name="Picture 5"/>
           <p:cNvPicPr>
             <a:picLocks noChangeAspect="1"/>
           </p:cNvPicPr>
@@ -3947,8 +4522,8 @@
         </p:blipFill>
         <p:spPr>
           <a:xfrm>
-            <a:off x="3137673" y="1341794"/>
-            <a:ext cx="672326" cy="705943"/>
+            <a:off x="92359" y="4092752"/>
+            <a:ext cx="2875465" cy="2202619"/>
           </a:xfrm>
           <a:prstGeom prst="rect">
             <a:avLst/>
@@ -3957,261 +4532,55 @@
       </p:pic>
       <p:sp>
         <p:nvSpPr>
-          <p:cNvPr id="4" name="Rectangle 3"/>
+          <p:cNvPr id="7" name="Rectangle 6"/>
           <p:cNvSpPr/>
           <p:nvPr/>
         </p:nvSpPr>
         <p:spPr>
           <a:xfrm>
-            <a:off x="3809999" y="1636219"/>
-            <a:ext cx="4390946" cy="369332"/>
-          </a:xfrm>
-          <a:prstGeom prst="rect">
-            <a:avLst/>
-          </a:prstGeom>
-        </p:spPr>
-        <p:txBody>
-          <a:bodyPr wrap="none">
+            <a:off x="2967824" y="4140275"/>
+            <a:ext cx="5834404" cy="677108"/>
+          </a:xfrm>
+          <a:prstGeom prst="rect">
+            <a:avLst/>
+          </a:prstGeom>
+        </p:spPr>
+        <p:txBody>
+          <a:bodyPr wrap="square">
             <a:spAutoFit/>
           </a:bodyPr>
           <a:lstStyle/>
           <a:p>
-            <a:r>
-              <a:rPr lang="en-US" dirty="0">
+            <a:pPr algn="just"/>
+            <a:r>
+              <a:rPr lang="en-US" b="1" dirty="0">
+                <a:solidFill>
+                  <a:srgbClr val="FF8153"/>
+                </a:solidFill>
+                <a:latin typeface="Hoefler Text"/>
+                <a:cs typeface="Hoefler Text"/>
+              </a:rPr>
+              <a:t>“Private cars will never operate as commercial cars.</a:t>
+            </a:r>
+            <a:r>
+              <a:rPr lang="en-US" b="1" dirty="0" smtClean="0">
+                <a:solidFill>
+                  <a:srgbClr val="FF8153"/>
+                </a:solidFill>
+                <a:latin typeface="Hoefler Text"/>
+                <a:cs typeface="Hoefler Text"/>
+              </a:rPr>
+              <a:t>” </a:t>
+            </a:r>
+            <a:r>
+              <a:rPr lang="en-US" sz="2000" dirty="0" smtClean="0">
                 <a:solidFill>
                   <a:srgbClr val="463A2D"/>
                 </a:solidFill>
                 <a:latin typeface="Hoefler Text"/>
                 <a:cs typeface="Hoefler Text"/>
               </a:rPr>
-              <a:t>French leader of long-distance </a:t>
-            </a:r>
-            <a:r>
-              <a:rPr lang="en-US" b="1" dirty="0">
-                <a:solidFill>
-                  <a:srgbClr val="6AACA4"/>
-                </a:solidFill>
-                <a:latin typeface="Hoefler Text"/>
-                <a:cs typeface="Hoefler Text"/>
-              </a:rPr>
-              <a:t>carpooling</a:t>
-            </a:r>
-            <a:endParaRPr lang="en-US" dirty="0">
-              <a:solidFill>
-                <a:srgbClr val="6AACA4"/>
-              </a:solidFill>
-              <a:latin typeface="Hoefler Text"/>
-              <a:cs typeface="Hoefler Text"/>
-            </a:endParaRPr>
-          </a:p>
-        </p:txBody>
-      </p:sp>
-      <p:sp>
-        <p:nvSpPr>
-          <p:cNvPr id="6" name="Rectangle 5"/>
-          <p:cNvSpPr/>
-          <p:nvPr/>
-        </p:nvSpPr>
-        <p:spPr>
-          <a:xfrm>
-            <a:off x="2857268" y="2325354"/>
-            <a:ext cx="4213796" cy="369332"/>
-          </a:xfrm>
-          <a:prstGeom prst="rect">
-            <a:avLst/>
-          </a:prstGeom>
-        </p:spPr>
-        <p:txBody>
-          <a:bodyPr wrap="none">
-            <a:spAutoFit/>
-          </a:bodyPr>
-          <a:lstStyle/>
-          <a:p>
-            <a:r>
-              <a:rPr lang="en-US" b="1" i="1" dirty="0" err="1">
-                <a:latin typeface="Hoefler Text"/>
-                <a:cs typeface="Hoefler Text"/>
-              </a:rPr>
-              <a:t>Uberpop</a:t>
-            </a:r>
-            <a:r>
-              <a:rPr lang="en-US" i="1" dirty="0">
-                <a:latin typeface="Hoefler Text"/>
-                <a:cs typeface="Hoefler Text"/>
-              </a:rPr>
-              <a:t> is </a:t>
-            </a:r>
-            <a:r>
-              <a:rPr lang="en-US" b="1" i="1" dirty="0">
-                <a:latin typeface="Hoefler Text"/>
-                <a:cs typeface="Hoefler Text"/>
-              </a:rPr>
-              <a:t>illegal</a:t>
-            </a:r>
-            <a:r>
-              <a:rPr lang="en-US" i="1" dirty="0">
-                <a:latin typeface="Hoefler Text"/>
-                <a:cs typeface="Hoefler Text"/>
-              </a:rPr>
-              <a:t> and will be </a:t>
-            </a:r>
-            <a:r>
-              <a:rPr lang="en-US" b="1" i="1" dirty="0">
-                <a:latin typeface="Hoefler Text"/>
-                <a:cs typeface="Hoefler Text"/>
-              </a:rPr>
-              <a:t>prohibited</a:t>
-            </a:r>
-            <a:endParaRPr lang="en-US" dirty="0">
-              <a:latin typeface="Hoefler Text"/>
-              <a:cs typeface="Hoefler Text"/>
-            </a:endParaRPr>
-          </a:p>
-        </p:txBody>
-      </p:sp>
-      <p:sp>
-        <p:nvSpPr>
-          <p:cNvPr id="8" name="Rectangle 7"/>
-          <p:cNvSpPr/>
-          <p:nvPr/>
-        </p:nvSpPr>
-        <p:spPr>
-          <a:xfrm>
-            <a:off x="3809999" y="3156351"/>
-            <a:ext cx="4572000" cy="923330"/>
-          </a:xfrm>
-          <a:prstGeom prst="rect">
-            <a:avLst/>
-          </a:prstGeom>
-        </p:spPr>
-        <p:txBody>
-          <a:bodyPr>
-            <a:spAutoFit/>
-          </a:bodyPr>
-          <a:lstStyle/>
-          <a:p>
-            <a:pPr algn="just"/>
-            <a:r>
-              <a:rPr lang="en-US" dirty="0" smtClean="0">
-                <a:solidFill>
-                  <a:srgbClr val="463A2D"/>
-                </a:solidFill>
-                <a:latin typeface="Hoefler Text"/>
-                <a:cs typeface="Hoefler Text"/>
-              </a:rPr>
-              <a:t>According to press reports, many </a:t>
-            </a:r>
-            <a:r>
-              <a:rPr lang="en-US" b="1" i="1" u="sng" dirty="0" err="1" smtClean="0">
-                <a:solidFill>
-                  <a:srgbClr val="463A2D"/>
-                </a:solidFill>
-                <a:latin typeface="Hoefler Text"/>
-                <a:cs typeface="Hoefler Text"/>
-              </a:rPr>
-              <a:t>Uberpop</a:t>
-            </a:r>
-            <a:r>
-              <a:rPr lang="en-US" dirty="0" smtClean="0">
-                <a:solidFill>
-                  <a:srgbClr val="463A2D"/>
-                </a:solidFill>
-                <a:latin typeface="Hoefler Text"/>
-                <a:cs typeface="Hoefler Text"/>
-              </a:rPr>
-              <a:t> drivers were arrested and face up </a:t>
-            </a:r>
-            <a:r>
-              <a:rPr lang="en-US" b="1" dirty="0" smtClean="0">
-                <a:solidFill>
-                  <a:srgbClr val="463A2D"/>
-                </a:solidFill>
-                <a:latin typeface="Hoefler Text"/>
-                <a:cs typeface="Hoefler Text"/>
-              </a:rPr>
-              <a:t>of 3 years in prison and 45,000 € fine.</a:t>
-            </a:r>
-            <a:endParaRPr lang="en-US" b="1" dirty="0">
-              <a:solidFill>
-                <a:srgbClr val="463A2D"/>
-              </a:solidFill>
-              <a:latin typeface="Hoefler Text"/>
-              <a:cs typeface="Hoefler Text"/>
-            </a:endParaRPr>
-          </a:p>
-        </p:txBody>
-      </p:sp>
-      <p:sp>
-        <p:nvSpPr>
-          <p:cNvPr id="12" name="Rectangle 11"/>
-          <p:cNvSpPr/>
-          <p:nvPr/>
-        </p:nvSpPr>
-        <p:spPr>
-          <a:xfrm>
-            <a:off x="571268" y="4379760"/>
-            <a:ext cx="4572000" cy="1015663"/>
-          </a:xfrm>
-          <a:prstGeom prst="rect">
-            <a:avLst/>
-          </a:prstGeom>
-        </p:spPr>
-        <p:txBody>
-          <a:bodyPr>
-            <a:spAutoFit/>
-          </a:bodyPr>
-          <a:lstStyle/>
-          <a:p>
-            <a:pPr algn="just"/>
-            <a:r>
-              <a:rPr lang="en-US" sz="2000" dirty="0" smtClean="0">
-                <a:solidFill>
-                  <a:srgbClr val="463A2D"/>
-                </a:solidFill>
-                <a:latin typeface="Hoefler Text"/>
-                <a:cs typeface="Hoefler Text"/>
-              </a:rPr>
-              <a:t>There is </a:t>
-            </a:r>
-            <a:r>
-              <a:rPr lang="en-US" sz="2000" b="1" dirty="0" smtClean="0">
-                <a:solidFill>
-                  <a:srgbClr val="6AACA4"/>
-                </a:solidFill>
-                <a:latin typeface="Hoefler Text"/>
-                <a:cs typeface="Hoefler Text"/>
-              </a:rPr>
-              <a:t>carpooling</a:t>
-            </a:r>
-            <a:r>
-              <a:rPr lang="en-US" sz="2000" dirty="0" smtClean="0">
-                <a:solidFill>
-                  <a:srgbClr val="463A2D"/>
-                </a:solidFill>
-                <a:latin typeface="Hoefler Text"/>
-                <a:cs typeface="Hoefler Text"/>
-              </a:rPr>
-              <a:t> when the trip could, anyway, was carried by the driver « </a:t>
-            </a:r>
-            <a:r>
-              <a:rPr lang="en-US" sz="2000" dirty="0" err="1" smtClean="0">
-                <a:solidFill>
-                  <a:srgbClr val="463A2D"/>
-                </a:solidFill>
-                <a:latin typeface="Hoefler Text"/>
-                <a:cs typeface="Hoefler Text"/>
-              </a:rPr>
-              <a:t>empthy</a:t>
-            </a:r>
-            <a:r>
-              <a:rPr lang="en-US" sz="2000" dirty="0" smtClean="0">
-                <a:solidFill>
-                  <a:srgbClr val="463A2D"/>
-                </a:solidFill>
-                <a:latin typeface="Hoefler Text"/>
-                <a:cs typeface="Hoefler Text"/>
-              </a:rPr>
-              <a:t> ». </a:t>
+              <a:t>– Transport Minister of China</a:t>
             </a:r>
             <a:endParaRPr lang="en-US" sz="2000" dirty="0">
               <a:solidFill>
@@ -4225,25 +4594,76 @@
       </p:sp>
       <p:sp>
         <p:nvSpPr>
-          <p:cNvPr id="13" name="Rectangle 12"/>
-          <p:cNvSpPr/>
-          <p:nvPr/>
-        </p:nvSpPr>
-        <p:spPr>
-          <a:xfrm>
-            <a:off x="4173453" y="5652009"/>
-            <a:ext cx="4572000" cy="1015663"/>
-          </a:xfrm>
-          <a:prstGeom prst="rect">
-            <a:avLst/>
-          </a:prstGeom>
-        </p:spPr>
-        <p:txBody>
-          <a:bodyPr>
+          <p:cNvPr id="12" name="TextBox 11"/>
+          <p:cNvSpPr txBox="1"/>
+          <p:nvPr/>
+        </p:nvSpPr>
+        <p:spPr>
+          <a:xfrm>
+            <a:off x="2864532" y="4783460"/>
+            <a:ext cx="1109778" cy="553998"/>
+          </a:xfrm>
+          <a:prstGeom prst="rect">
+            <a:avLst/>
+          </a:prstGeom>
+          <a:noFill/>
+        </p:spPr>
+        <p:txBody>
+          <a:bodyPr wrap="square" rtlCol="0" anchor="ctr">
             <a:spAutoFit/>
           </a:bodyPr>
           <a:lstStyle/>
           <a:p>
+            <a:pPr algn="ctr"/>
+            <a:r>
+              <a:rPr lang="en-US" sz="3000" dirty="0" smtClean="0">
+                <a:effectLst>
+                  <a:glow rad="101600">
+                    <a:srgbClr val="6AACA4">
+                      <a:alpha val="75000"/>
+                    </a:srgbClr>
+                  </a:glow>
+                </a:effectLst>
+                <a:latin typeface="Hoefler Text"/>
+                <a:cs typeface="Hoefler Text"/>
+              </a:rPr>
+              <a:t>2014</a:t>
+            </a:r>
+            <a:endParaRPr lang="en-US" sz="3000" dirty="0">
+              <a:effectLst>
+                <a:glow rad="101600">
+                  <a:srgbClr val="6AACA4">
+                    <a:alpha val="75000"/>
+                  </a:srgbClr>
+                </a:glow>
+              </a:effectLst>
+              <a:latin typeface="Hoefler Text"/>
+              <a:cs typeface="Hoefler Text"/>
+            </a:endParaRPr>
+          </a:p>
+        </p:txBody>
+      </p:sp>
+      <p:sp>
+        <p:nvSpPr>
+          <p:cNvPr id="13" name="Rectangle 12"/>
+          <p:cNvSpPr/>
+          <p:nvPr/>
+        </p:nvSpPr>
+        <p:spPr>
+          <a:xfrm>
+            <a:off x="3974310" y="4914294"/>
+            <a:ext cx="5050878" cy="400110"/>
+          </a:xfrm>
+          <a:prstGeom prst="rect">
+            <a:avLst/>
+          </a:prstGeom>
+        </p:spPr>
+        <p:txBody>
+          <a:bodyPr wrap="square">
+            <a:spAutoFit/>
+          </a:bodyPr>
+          <a:lstStyle/>
+          <a:p>
             <a:pPr algn="just"/>
             <a:r>
               <a:rPr lang="en-US" sz="2000" dirty="0" smtClean="0">
@@ -4253,17 +4673,69 @@
                 <a:latin typeface="Hoefler Text"/>
                 <a:cs typeface="Hoefler Text"/>
               </a:rPr>
-              <a:t>There is </a:t>
+              <a:t>Beijing</a:t>
+            </a:r>
+            <a:r>
+              <a:rPr lang="en-US" sz="2000" dirty="0" smtClean="0">
+                <a:solidFill>
+                  <a:srgbClr val="FF8153"/>
+                </a:solidFill>
+                <a:latin typeface="Hoefler Text"/>
+                <a:cs typeface="Hoefler Text"/>
+              </a:rPr>
+              <a:t> legalizes </a:t>
             </a:r>
             <a:r>
               <a:rPr lang="en-US" sz="2000" b="1" dirty="0" smtClean="0">
                 <a:solidFill>
-                  <a:srgbClr val="FF8153"/>
-                </a:solidFill>
-                <a:latin typeface="Hoefler Text"/>
-                <a:cs typeface="Hoefler Text"/>
-              </a:rPr>
-              <a:t>no carpool </a:t>
+                  <a:srgbClr val="6AACA4"/>
+                </a:solidFill>
+                <a:latin typeface="Hoefler Text"/>
+                <a:cs typeface="Hoefler Text"/>
+              </a:rPr>
+              <a:t>Carpooling</a:t>
+            </a:r>
+            <a:endParaRPr lang="en-US" sz="2000" b="1" dirty="0">
+              <a:solidFill>
+                <a:srgbClr val="6AACA4"/>
+              </a:solidFill>
+              <a:latin typeface="Hoefler Text"/>
+              <a:cs typeface="Hoefler Text"/>
+            </a:endParaRPr>
+          </a:p>
+        </p:txBody>
+      </p:sp>
+      <p:sp>
+        <p:nvSpPr>
+          <p:cNvPr id="8" name="Rectangle 7"/>
+          <p:cNvSpPr/>
+          <p:nvPr/>
+        </p:nvSpPr>
+        <p:spPr>
+          <a:xfrm>
+            <a:off x="2404812" y="5479763"/>
+            <a:ext cx="6739188" cy="1323439"/>
+          </a:xfrm>
+          <a:prstGeom prst="rect">
+            <a:avLst/>
+          </a:prstGeom>
+        </p:spPr>
+        <p:txBody>
+          <a:bodyPr wrap="square">
+            <a:spAutoFit/>
+          </a:bodyPr>
+          <a:lstStyle/>
+          <a:p>
+            <a:pPr algn="just"/>
+            <a:r>
+              <a:rPr lang="en-US" sz="2000" dirty="0">
+                <a:solidFill>
+                  <a:srgbClr val="463A2D"/>
+                </a:solidFill>
+                <a:latin typeface="Hoefler Text"/>
+                <a:cs typeface="Hoefler Text"/>
+              </a:rPr>
+              <a:t>Passengers </a:t>
             </a:r>
             <a:r>
               <a:rPr lang="en-US" sz="2000" dirty="0" smtClean="0">
@@ -4273,8 +4745,61 @@
                 <a:latin typeface="Hoefler Text"/>
                 <a:cs typeface="Hoefler Text"/>
               </a:rPr>
-              <a:t>when a driver as a taxi or VTC, realizes a trip specifically to serve the needs of a passenger.</a:t>
-            </a:r>
+              <a:t>can calculate </a:t>
+            </a:r>
+            <a:r>
+              <a:rPr lang="en-US" sz="2000" dirty="0">
+                <a:solidFill>
+                  <a:srgbClr val="463A2D"/>
+                </a:solidFill>
+                <a:latin typeface="Hoefler Text"/>
+                <a:cs typeface="Hoefler Text"/>
+              </a:rPr>
+              <a:t>the fee with reference to the taxi fee and </a:t>
+            </a:r>
+            <a:r>
+              <a:rPr lang="en-US" sz="2000" b="1" dirty="0">
+                <a:solidFill>
+                  <a:srgbClr val="463A2D"/>
+                </a:solidFill>
+                <a:latin typeface="Hoefler Text"/>
+                <a:cs typeface="Hoefler Text"/>
+              </a:rPr>
+              <a:t>divide</a:t>
+            </a:r>
+            <a:r>
+              <a:rPr lang="en-US" sz="2000" dirty="0">
+                <a:solidFill>
+                  <a:srgbClr val="463A2D"/>
+                </a:solidFill>
+                <a:latin typeface="Hoefler Text"/>
+                <a:cs typeface="Hoefler Text"/>
+              </a:rPr>
+              <a:t> it by the </a:t>
+            </a:r>
+            <a:r>
+              <a:rPr lang="en-US" sz="2000" b="1" dirty="0">
+                <a:solidFill>
+                  <a:srgbClr val="463A2D"/>
+                </a:solidFill>
+                <a:latin typeface="Hoefler Text"/>
+                <a:cs typeface="Hoefler Text"/>
+              </a:rPr>
+              <a:t>number of the passengers</a:t>
+            </a:r>
+            <a:r>
+              <a:rPr lang="en-US" sz="2000" dirty="0" smtClean="0">
+                <a:solidFill>
+                  <a:srgbClr val="463A2D"/>
+                </a:solidFill>
+                <a:latin typeface="Hoefler Text"/>
+                <a:cs typeface="Hoefler Text"/>
+              </a:rPr>
+              <a:t>.</a:t>
+            </a:r>
+          </a:p>
+          <a:p>
+            <a:pPr algn="just"/>
             <a:endParaRPr lang="en-US" sz="2000" dirty="0">
               <a:solidFill>
                 <a:srgbClr val="463A2D"/>
@@ -4283,12 +4808,72 @@
               <a:cs typeface="Hoefler Text"/>
             </a:endParaRPr>
           </a:p>
+          <a:p>
+            <a:pPr algn="just"/>
+            <a:r>
+              <a:rPr lang="en-US" sz="2000" b="1" dirty="0" smtClean="0">
+                <a:solidFill>
+                  <a:srgbClr val="FF8153"/>
+                </a:solidFill>
+                <a:latin typeface="Hoefler Text"/>
+                <a:cs typeface="Hoefler Text"/>
+              </a:rPr>
+              <a:t>GOAL</a:t>
+            </a:r>
+            <a:r>
+              <a:rPr lang="en-US" sz="2000" dirty="0" smtClean="0">
+                <a:solidFill>
+                  <a:srgbClr val="FF8153"/>
+                </a:solidFill>
+                <a:latin typeface="Hoefler Text"/>
+                <a:cs typeface="Hoefler Text"/>
+              </a:rPr>
+              <a:t> </a:t>
+            </a:r>
+            <a:r>
+              <a:rPr lang="en-US" sz="2000" dirty="0" smtClean="0">
+                <a:solidFill>
+                  <a:srgbClr val="463A2D"/>
+                </a:solidFill>
+                <a:latin typeface="Hoefler Text"/>
+                <a:cs typeface="Hoefler Text"/>
+              </a:rPr>
+              <a:t>:  </a:t>
+            </a:r>
+            <a:r>
+              <a:rPr lang="en-US" sz="2000" dirty="0">
+                <a:solidFill>
+                  <a:srgbClr val="463A2D"/>
+                </a:solidFill>
+                <a:latin typeface="Hoefler Text"/>
+                <a:cs typeface="Hoefler Text"/>
+              </a:rPr>
+              <a:t>ease traffic congestion and conserve </a:t>
+            </a:r>
+            <a:r>
+              <a:rPr lang="en-US" sz="2000" dirty="0" smtClean="0">
+                <a:solidFill>
+                  <a:srgbClr val="463A2D"/>
+                </a:solidFill>
+                <a:latin typeface="Hoefler Text"/>
+                <a:cs typeface="Hoefler Text"/>
+              </a:rPr>
+              <a:t>energy</a:t>
+            </a:r>
+            <a:endParaRPr lang="en-US" sz="2000" dirty="0">
+              <a:solidFill>
+                <a:srgbClr val="463A2D"/>
+              </a:solidFill>
+              <a:latin typeface="Hoefler Text"/>
+              <a:cs typeface="Hoefler Text"/>
+            </a:endParaRPr>
+          </a:p>
         </p:txBody>
       </p:sp>
     </p:spTree>
     <p:extLst>
       <p:ext uri="{BB962C8B-B14F-4D97-AF65-F5344CB8AC3E}">
-        <p14:creationId xmlns:p14="http://schemas.microsoft.com/office/powerpoint/2010/main" val="4011489026"/>
+        <p14:creationId xmlns:p14="http://schemas.microsoft.com/office/powerpoint/2010/main" val="4184969511"/>
       </p:ext>
     </p:extLst>
   </p:cSld>
@@ -4298,7 +4883,7 @@
   <p:timing>
     <p:tnLst>
       <p:par>
-        <p:cTn id="1" dur="indefinite" restart="never" nodeType="tmRoot"/>
+        <p:cTn xmlns:p14="http://schemas.microsoft.com/office/powerpoint/2010/main" id="1" dur="indefinite" restart="never" nodeType="tmRoot"/>
       </p:par>
     </p:tnLst>
   </p:timing>
@@ -4438,709 +5023,6 @@
       </p:sp>
       <p:pic>
         <p:nvPicPr>
-          <p:cNvPr id="2" name="Picture 1"/>
-          <p:cNvPicPr>
-            <a:picLocks noChangeAspect="1"/>
-          </p:cNvPicPr>
-          <p:nvPr/>
-        </p:nvPicPr>
-        <p:blipFill>
-          <a:blip r:embed="rId3"/>
-          <a:stretch>
-            <a:fillRect/>
-          </a:stretch>
-        </p:blipFill>
-        <p:spPr>
-          <a:xfrm>
-            <a:off x="233477" y="879060"/>
-            <a:ext cx="2560495" cy="2059987"/>
-          </a:xfrm>
-          <a:prstGeom prst="rect">
-            <a:avLst/>
-          </a:prstGeom>
-        </p:spPr>
-      </p:pic>
-      <p:sp>
-        <p:nvSpPr>
-          <p:cNvPr id="3" name="Rectangle 2"/>
-          <p:cNvSpPr/>
-          <p:nvPr/>
-        </p:nvSpPr>
-        <p:spPr>
-          <a:xfrm>
-            <a:off x="2793971" y="992947"/>
-            <a:ext cx="6008257" cy="1015663"/>
-          </a:xfrm>
-          <a:prstGeom prst="rect">
-            <a:avLst/>
-          </a:prstGeom>
-        </p:spPr>
-        <p:txBody>
-          <a:bodyPr wrap="square">
-            <a:spAutoFit/>
-          </a:bodyPr>
-          <a:lstStyle/>
-          <a:p>
-            <a:pPr algn="just"/>
-            <a:r>
-              <a:rPr lang="en-US" sz="2000" dirty="0" smtClean="0">
-                <a:solidFill>
-                  <a:srgbClr val="463A2D"/>
-                </a:solidFill>
-                <a:latin typeface="Hoefler Text"/>
-                <a:cs typeface="Hoefler Text"/>
-              </a:rPr>
-              <a:t>Offer or provide </a:t>
-            </a:r>
-            <a:r>
-              <a:rPr lang="en-US" sz="2000" b="1" dirty="0" smtClean="0">
-                <a:solidFill>
-                  <a:srgbClr val="FF8153"/>
-                </a:solidFill>
-                <a:latin typeface="Hoefler Text"/>
-                <a:cs typeface="Hoefler Text"/>
-              </a:rPr>
-              <a:t>paid transport </a:t>
-            </a:r>
-            <a:r>
-              <a:rPr lang="en-US" sz="2000" dirty="0" smtClean="0">
-                <a:solidFill>
-                  <a:srgbClr val="463A2D"/>
-                </a:solidFill>
-                <a:latin typeface="Hoefler Text"/>
-                <a:cs typeface="Hoefler Text"/>
-              </a:rPr>
-              <a:t>of persons using an automobile, a person must be </a:t>
-            </a:r>
-            <a:r>
-              <a:rPr lang="en-US" sz="2000" dirty="0" smtClean="0">
-                <a:solidFill>
-                  <a:srgbClr val="FF8153"/>
-                </a:solidFill>
-                <a:latin typeface="Hoefler Text"/>
-                <a:cs typeface="Hoefler Text"/>
-              </a:rPr>
-              <a:t>authorized</a:t>
-            </a:r>
-            <a:r>
-              <a:rPr lang="en-US" sz="2000" dirty="0" smtClean="0">
-                <a:solidFill>
-                  <a:srgbClr val="463A2D"/>
-                </a:solidFill>
-                <a:latin typeface="Hoefler Text"/>
-                <a:cs typeface="Hoefler Text"/>
-              </a:rPr>
-              <a:t> by a taxi owner's permit.</a:t>
-            </a:r>
-            <a:endParaRPr lang="en-US" sz="2000" dirty="0">
-              <a:solidFill>
-                <a:srgbClr val="463A2D"/>
-              </a:solidFill>
-              <a:latin typeface="Hoefler Text"/>
-              <a:cs typeface="Hoefler Text"/>
-            </a:endParaRPr>
-          </a:p>
-        </p:txBody>
-      </p:sp>
-      <p:sp>
-        <p:nvSpPr>
-          <p:cNvPr id="4" name="Rectangle 3"/>
-          <p:cNvSpPr/>
-          <p:nvPr/>
-        </p:nvSpPr>
-        <p:spPr>
-          <a:xfrm>
-            <a:off x="2793972" y="2431215"/>
-            <a:ext cx="6008256" cy="1015663"/>
-          </a:xfrm>
-          <a:prstGeom prst="rect">
-            <a:avLst/>
-          </a:prstGeom>
-        </p:spPr>
-        <p:txBody>
-          <a:bodyPr wrap="square">
-            <a:spAutoFit/>
-          </a:bodyPr>
-          <a:lstStyle/>
-          <a:p>
-            <a:pPr algn="just"/>
-            <a:r>
-              <a:rPr lang="en-US" sz="2000" dirty="0" smtClean="0">
-                <a:solidFill>
-                  <a:srgbClr val="463A2D"/>
-                </a:solidFill>
-                <a:latin typeface="Hoefler Text"/>
-                <a:cs typeface="Hoefler Text"/>
-              </a:rPr>
-              <a:t>Passengers contribute to </a:t>
-            </a:r>
-            <a:r>
-              <a:rPr lang="en-US" sz="2000" b="1" dirty="0" smtClean="0">
-                <a:solidFill>
-                  <a:srgbClr val="6AACA4"/>
-                </a:solidFill>
-                <a:latin typeface="Hoefler Text"/>
-                <a:cs typeface="Hoefler Text"/>
-              </a:rPr>
-              <a:t>compensate</a:t>
-            </a:r>
-            <a:r>
-              <a:rPr lang="en-US" sz="2000" dirty="0" smtClean="0">
-                <a:solidFill>
-                  <a:srgbClr val="6AACA4"/>
-                </a:solidFill>
-                <a:latin typeface="Hoefler Text"/>
-                <a:cs typeface="Hoefler Text"/>
-              </a:rPr>
-              <a:t> </a:t>
-            </a:r>
-            <a:r>
-              <a:rPr lang="en-US" sz="2000" dirty="0" smtClean="0">
-                <a:solidFill>
-                  <a:srgbClr val="463A2D"/>
-                </a:solidFill>
-                <a:latin typeface="Hoefler Text"/>
-                <a:cs typeface="Hoefler Text"/>
-              </a:rPr>
-              <a:t>the driver to use the vehicle, such as the </a:t>
-            </a:r>
-            <a:r>
-              <a:rPr lang="en-US" sz="2000" b="1" dirty="0" smtClean="0">
-                <a:solidFill>
-                  <a:srgbClr val="6AACA4"/>
-                </a:solidFill>
-                <a:latin typeface="Hoefler Text"/>
-                <a:cs typeface="Hoefler Text"/>
-              </a:rPr>
-              <a:t>sharing of costs of gasoline.</a:t>
-            </a:r>
-            <a:endParaRPr lang="en-US" sz="2000" b="1" dirty="0">
-              <a:solidFill>
-                <a:srgbClr val="6AACA4"/>
-              </a:solidFill>
-              <a:latin typeface="Hoefler Text"/>
-              <a:cs typeface="Hoefler Text"/>
-            </a:endParaRPr>
-          </a:p>
-        </p:txBody>
-      </p:sp>
-      <p:pic>
-        <p:nvPicPr>
-          <p:cNvPr id="6" name="Picture 5"/>
-          <p:cNvPicPr>
-            <a:picLocks noChangeAspect="1"/>
-          </p:cNvPicPr>
-          <p:nvPr/>
-        </p:nvPicPr>
-        <p:blipFill>
-          <a:blip r:embed="rId4"/>
-          <a:stretch>
-            <a:fillRect/>
-          </a:stretch>
-        </p:blipFill>
-        <p:spPr>
-          <a:xfrm>
-            <a:off x="92359" y="4092752"/>
-            <a:ext cx="2875465" cy="2202619"/>
-          </a:xfrm>
-          <a:prstGeom prst="rect">
-            <a:avLst/>
-          </a:prstGeom>
-        </p:spPr>
-      </p:pic>
-      <p:sp>
-        <p:nvSpPr>
-          <p:cNvPr id="7" name="Rectangle 6"/>
-          <p:cNvSpPr/>
-          <p:nvPr/>
-        </p:nvSpPr>
-        <p:spPr>
-          <a:xfrm>
-            <a:off x="2967824" y="4140275"/>
-            <a:ext cx="5834404" cy="677108"/>
-          </a:xfrm>
-          <a:prstGeom prst="rect">
-            <a:avLst/>
-          </a:prstGeom>
-        </p:spPr>
-        <p:txBody>
-          <a:bodyPr wrap="square">
-            <a:spAutoFit/>
-          </a:bodyPr>
-          <a:lstStyle/>
-          <a:p>
-            <a:pPr algn="just"/>
-            <a:r>
-              <a:rPr lang="en-US" b="1" dirty="0">
-                <a:solidFill>
-                  <a:srgbClr val="FF8153"/>
-                </a:solidFill>
-                <a:latin typeface="Hoefler Text"/>
-                <a:cs typeface="Hoefler Text"/>
-              </a:rPr>
-              <a:t>“Private cars will never operate as commercial cars.</a:t>
-            </a:r>
-            <a:r>
-              <a:rPr lang="en-US" b="1" dirty="0" smtClean="0">
-                <a:solidFill>
-                  <a:srgbClr val="FF8153"/>
-                </a:solidFill>
-                <a:latin typeface="Hoefler Text"/>
-                <a:cs typeface="Hoefler Text"/>
-              </a:rPr>
-              <a:t>” </a:t>
-            </a:r>
-            <a:r>
-              <a:rPr lang="en-US" sz="2000" dirty="0" smtClean="0">
-                <a:solidFill>
-                  <a:srgbClr val="463A2D"/>
-                </a:solidFill>
-                <a:latin typeface="Hoefler Text"/>
-                <a:cs typeface="Hoefler Text"/>
-              </a:rPr>
-              <a:t>– Transport Minister of China</a:t>
-            </a:r>
-            <a:endParaRPr lang="en-US" sz="2000" dirty="0">
-              <a:solidFill>
-                <a:srgbClr val="463A2D"/>
-              </a:solidFill>
-              <a:latin typeface="Hoefler Text"/>
-              <a:cs typeface="Hoefler Text"/>
-            </a:endParaRPr>
-          </a:p>
-        </p:txBody>
-      </p:sp>
-      <p:sp>
-        <p:nvSpPr>
-          <p:cNvPr id="12" name="TextBox 11"/>
-          <p:cNvSpPr txBox="1"/>
-          <p:nvPr/>
-        </p:nvSpPr>
-        <p:spPr>
-          <a:xfrm>
-            <a:off x="2864532" y="4783460"/>
-            <a:ext cx="1109778" cy="553998"/>
-          </a:xfrm>
-          <a:prstGeom prst="rect">
-            <a:avLst/>
-          </a:prstGeom>
-          <a:noFill/>
-        </p:spPr>
-        <p:txBody>
-          <a:bodyPr wrap="square" rtlCol="0" anchor="ctr">
-            <a:spAutoFit/>
-          </a:bodyPr>
-          <a:lstStyle/>
-          <a:p>
-            <a:pPr algn="ctr"/>
-            <a:r>
-              <a:rPr lang="en-US" sz="3000" dirty="0" smtClean="0">
-                <a:effectLst>
-                  <a:glow rad="101600">
-                    <a:srgbClr val="6AACA4">
-                      <a:alpha val="75000"/>
-                    </a:srgbClr>
-                  </a:glow>
-                </a:effectLst>
-                <a:latin typeface="Hoefler Text"/>
-                <a:cs typeface="Hoefler Text"/>
-              </a:rPr>
-              <a:t>2014</a:t>
-            </a:r>
-            <a:endParaRPr lang="en-US" sz="3000" dirty="0">
-              <a:effectLst>
-                <a:glow rad="101600">
-                  <a:srgbClr val="6AACA4">
-                    <a:alpha val="75000"/>
-                  </a:srgbClr>
-                </a:glow>
-              </a:effectLst>
-              <a:latin typeface="Hoefler Text"/>
-              <a:cs typeface="Hoefler Text"/>
-            </a:endParaRPr>
-          </a:p>
-        </p:txBody>
-      </p:sp>
-      <p:sp>
-        <p:nvSpPr>
-          <p:cNvPr id="13" name="Rectangle 12"/>
-          <p:cNvSpPr/>
-          <p:nvPr/>
-        </p:nvSpPr>
-        <p:spPr>
-          <a:xfrm>
-            <a:off x="3974310" y="4914294"/>
-            <a:ext cx="5050878" cy="400110"/>
-          </a:xfrm>
-          <a:prstGeom prst="rect">
-            <a:avLst/>
-          </a:prstGeom>
-        </p:spPr>
-        <p:txBody>
-          <a:bodyPr wrap="square">
-            <a:spAutoFit/>
-          </a:bodyPr>
-          <a:lstStyle/>
-          <a:p>
-            <a:pPr algn="just"/>
-            <a:r>
-              <a:rPr lang="en-US" sz="2000" dirty="0" smtClean="0">
-                <a:solidFill>
-                  <a:srgbClr val="463A2D"/>
-                </a:solidFill>
-                <a:latin typeface="Hoefler Text"/>
-                <a:cs typeface="Hoefler Text"/>
-              </a:rPr>
-              <a:t>Beijing</a:t>
-            </a:r>
-            <a:r>
-              <a:rPr lang="en-US" sz="2000" dirty="0" smtClean="0">
-                <a:solidFill>
-                  <a:srgbClr val="FF8153"/>
-                </a:solidFill>
-                <a:latin typeface="Hoefler Text"/>
-                <a:cs typeface="Hoefler Text"/>
-              </a:rPr>
-              <a:t> legalizes </a:t>
-            </a:r>
-            <a:r>
-              <a:rPr lang="en-US" sz="2000" b="1" dirty="0" smtClean="0">
-                <a:solidFill>
-                  <a:srgbClr val="6AACA4"/>
-                </a:solidFill>
-                <a:latin typeface="Hoefler Text"/>
-                <a:cs typeface="Hoefler Text"/>
-              </a:rPr>
-              <a:t>Carpooling</a:t>
-            </a:r>
-            <a:endParaRPr lang="en-US" sz="2000" b="1" dirty="0">
-              <a:solidFill>
-                <a:srgbClr val="6AACA4"/>
-              </a:solidFill>
-              <a:latin typeface="Hoefler Text"/>
-              <a:cs typeface="Hoefler Text"/>
-            </a:endParaRPr>
-          </a:p>
-        </p:txBody>
-      </p:sp>
-      <p:sp>
-        <p:nvSpPr>
-          <p:cNvPr id="8" name="Rectangle 7"/>
-          <p:cNvSpPr/>
-          <p:nvPr/>
-        </p:nvSpPr>
-        <p:spPr>
-          <a:xfrm>
-            <a:off x="2404812" y="5479763"/>
-            <a:ext cx="6739188" cy="1323439"/>
-          </a:xfrm>
-          <a:prstGeom prst="rect">
-            <a:avLst/>
-          </a:prstGeom>
-        </p:spPr>
-        <p:txBody>
-          <a:bodyPr wrap="square">
-            <a:spAutoFit/>
-          </a:bodyPr>
-          <a:lstStyle/>
-          <a:p>
-            <a:pPr algn="just"/>
-            <a:r>
-              <a:rPr lang="en-US" sz="2000" dirty="0">
-                <a:solidFill>
-                  <a:srgbClr val="463A2D"/>
-                </a:solidFill>
-                <a:latin typeface="Hoefler Text"/>
-                <a:cs typeface="Hoefler Text"/>
-              </a:rPr>
-              <a:t>Passengers </a:t>
-            </a:r>
-            <a:r>
-              <a:rPr lang="en-US" sz="2000" dirty="0" smtClean="0">
-                <a:solidFill>
-                  <a:srgbClr val="463A2D"/>
-                </a:solidFill>
-                <a:latin typeface="Hoefler Text"/>
-                <a:cs typeface="Hoefler Text"/>
-              </a:rPr>
-              <a:t>can calculate </a:t>
-            </a:r>
-            <a:r>
-              <a:rPr lang="en-US" sz="2000" dirty="0">
-                <a:solidFill>
-                  <a:srgbClr val="463A2D"/>
-                </a:solidFill>
-                <a:latin typeface="Hoefler Text"/>
-                <a:cs typeface="Hoefler Text"/>
-              </a:rPr>
-              <a:t>the fee with reference to the taxi fee and </a:t>
-            </a:r>
-            <a:r>
-              <a:rPr lang="en-US" sz="2000" b="1" dirty="0">
-                <a:solidFill>
-                  <a:srgbClr val="463A2D"/>
-                </a:solidFill>
-                <a:latin typeface="Hoefler Text"/>
-                <a:cs typeface="Hoefler Text"/>
-              </a:rPr>
-              <a:t>divide</a:t>
-            </a:r>
-            <a:r>
-              <a:rPr lang="en-US" sz="2000" dirty="0">
-                <a:solidFill>
-                  <a:srgbClr val="463A2D"/>
-                </a:solidFill>
-                <a:latin typeface="Hoefler Text"/>
-                <a:cs typeface="Hoefler Text"/>
-              </a:rPr>
-              <a:t> it by the </a:t>
-            </a:r>
-            <a:r>
-              <a:rPr lang="en-US" sz="2000" b="1" dirty="0">
-                <a:solidFill>
-                  <a:srgbClr val="463A2D"/>
-                </a:solidFill>
-                <a:latin typeface="Hoefler Text"/>
-                <a:cs typeface="Hoefler Text"/>
-              </a:rPr>
-              <a:t>number of the passengers</a:t>
-            </a:r>
-            <a:r>
-              <a:rPr lang="en-US" sz="2000" dirty="0" smtClean="0">
-                <a:solidFill>
-                  <a:srgbClr val="463A2D"/>
-                </a:solidFill>
-                <a:latin typeface="Hoefler Text"/>
-                <a:cs typeface="Hoefler Text"/>
-              </a:rPr>
-              <a:t>.</a:t>
-            </a:r>
-          </a:p>
-          <a:p>
-            <a:pPr algn="just"/>
-            <a:endParaRPr lang="en-US" sz="2000" dirty="0">
-              <a:solidFill>
-                <a:srgbClr val="463A2D"/>
-              </a:solidFill>
-              <a:latin typeface="Hoefler Text"/>
-              <a:cs typeface="Hoefler Text"/>
-            </a:endParaRPr>
-          </a:p>
-          <a:p>
-            <a:pPr algn="just"/>
-            <a:r>
-              <a:rPr lang="en-US" sz="2000" b="1" dirty="0" smtClean="0">
-                <a:solidFill>
-                  <a:srgbClr val="FF8153"/>
-                </a:solidFill>
-                <a:latin typeface="Hoefler Text"/>
-                <a:cs typeface="Hoefler Text"/>
-              </a:rPr>
-              <a:t>GOAL</a:t>
-            </a:r>
-            <a:r>
-              <a:rPr lang="en-US" sz="2000" dirty="0" smtClean="0">
-                <a:solidFill>
-                  <a:srgbClr val="FF8153"/>
-                </a:solidFill>
-                <a:latin typeface="Hoefler Text"/>
-                <a:cs typeface="Hoefler Text"/>
-              </a:rPr>
-              <a:t> </a:t>
-            </a:r>
-            <a:r>
-              <a:rPr lang="en-US" sz="2000" dirty="0" smtClean="0">
-                <a:solidFill>
-                  <a:srgbClr val="463A2D"/>
-                </a:solidFill>
-                <a:latin typeface="Hoefler Text"/>
-                <a:cs typeface="Hoefler Text"/>
-              </a:rPr>
-              <a:t>:  </a:t>
-            </a:r>
-            <a:r>
-              <a:rPr lang="en-US" sz="2000" dirty="0">
-                <a:solidFill>
-                  <a:srgbClr val="463A2D"/>
-                </a:solidFill>
-                <a:latin typeface="Hoefler Text"/>
-                <a:cs typeface="Hoefler Text"/>
-              </a:rPr>
-              <a:t>ease traffic congestion and conserve </a:t>
-            </a:r>
-            <a:r>
-              <a:rPr lang="en-US" sz="2000" dirty="0" smtClean="0">
-                <a:solidFill>
-                  <a:srgbClr val="463A2D"/>
-                </a:solidFill>
-                <a:latin typeface="Hoefler Text"/>
-                <a:cs typeface="Hoefler Text"/>
-              </a:rPr>
-              <a:t>energy</a:t>
-            </a:r>
-            <a:endParaRPr lang="en-US" sz="2000" dirty="0">
-              <a:solidFill>
-                <a:srgbClr val="463A2D"/>
-              </a:solidFill>
-              <a:latin typeface="Hoefler Text"/>
-              <a:cs typeface="Hoefler Text"/>
-            </a:endParaRPr>
-          </a:p>
-        </p:txBody>
-      </p:sp>
-    </p:spTree>
-    <p:extLst>
-      <p:ext uri="{BB962C8B-B14F-4D97-AF65-F5344CB8AC3E}">
-        <p14:creationId xmlns:p14="http://schemas.microsoft.com/office/powerpoint/2010/main" val="4184969511"/>
-      </p:ext>
-    </p:extLst>
-  </p:cSld>
-  <p:clrMapOvr>
-    <a:masterClrMapping/>
-  </p:clrMapOvr>
-  <p:timing>
-    <p:tnLst>
-      <p:par>
-        <p:cTn id="1" dur="indefinite" restart="never" nodeType="tmRoot"/>
-      </p:par>
-    </p:tnLst>
-  </p:timing>
-</p:sld>
-</file>
-
-<file path=ppt/slides/slide16.xml><?xml version="1.0" encoding="utf-8"?>
-<p:sld xmlns:a="http://schemas.openxmlformats.org/drawingml/2006/main" xmlns:r="http://schemas.openxmlformats.org/officeDocument/2006/relationships" xmlns:p="http://schemas.openxmlformats.org/presentationml/2006/main">
-  <p:cSld>
-    <p:spTree>
-      <p:nvGrpSpPr>
-        <p:cNvPr id="1" name=""/>
-        <p:cNvGrpSpPr/>
-        <p:nvPr/>
-      </p:nvGrpSpPr>
-      <p:grpSpPr>
-        <a:xfrm>
-          <a:off x="0" y="0"/>
-          <a:ext cx="0" cy="0"/>
-          <a:chOff x="0" y="0"/>
-          <a:chExt cx="0" cy="0"/>
-        </a:xfrm>
-      </p:grpSpPr>
-      <p:sp>
-        <p:nvSpPr>
-          <p:cNvPr id="5" name="Rectangle 4"/>
-          <p:cNvSpPr/>
-          <p:nvPr/>
-        </p:nvSpPr>
-        <p:spPr>
-          <a:xfrm>
-            <a:off x="0" y="264576"/>
-            <a:ext cx="9144000" cy="1077218"/>
-          </a:xfrm>
-          <a:prstGeom prst="rect">
-            <a:avLst/>
-          </a:prstGeom>
-        </p:spPr>
-        <p:txBody>
-          <a:bodyPr wrap="square" anchor="ctr">
-            <a:spAutoFit/>
-          </a:bodyPr>
-          <a:lstStyle/>
-          <a:p>
-            <a:pPr algn="ctr"/>
-            <a:r>
-              <a:rPr lang="en-US" sz="3200" dirty="0" smtClean="0">
-                <a:solidFill>
-                  <a:srgbClr val="F6F1E5"/>
-                </a:solidFill>
-                <a:latin typeface="Hoefler Text"/>
-                <a:cs typeface="Hoefler Text"/>
-              </a:rPr>
-              <a:t>MOTIVATIONS</a:t>
-            </a:r>
-          </a:p>
-          <a:p>
-            <a:pPr algn="ctr"/>
-            <a:endParaRPr lang="en-US" sz="3200" dirty="0">
-              <a:solidFill>
-                <a:srgbClr val="F6F1E5"/>
-              </a:solidFill>
-              <a:latin typeface="Hoefler Text"/>
-              <a:cs typeface="Hoefler Text"/>
-            </a:endParaRPr>
-          </a:p>
-        </p:txBody>
-      </p:sp>
-      <p:pic>
-        <p:nvPicPr>
-          <p:cNvPr id="10" name="Picture 9"/>
-          <p:cNvPicPr>
-            <a:picLocks noChangeAspect="1"/>
-          </p:cNvPicPr>
-          <p:nvPr/>
-        </p:nvPicPr>
-        <p:blipFill>
-          <a:blip r:embed="rId2"/>
-          <a:stretch>
-            <a:fillRect/>
-          </a:stretch>
-        </p:blipFill>
-        <p:spPr>
-          <a:xfrm>
-            <a:off x="-234683" y="1"/>
-            <a:ext cx="9621994" cy="952596"/>
-          </a:xfrm>
-          <a:prstGeom prst="rect">
-            <a:avLst/>
-          </a:prstGeom>
-        </p:spPr>
-      </p:pic>
-      <p:sp>
-        <p:nvSpPr>
-          <p:cNvPr id="11" name="Rectangle 10"/>
-          <p:cNvSpPr/>
-          <p:nvPr/>
-        </p:nvSpPr>
-        <p:spPr>
-          <a:xfrm>
-            <a:off x="0" y="154662"/>
-            <a:ext cx="9144000" cy="1077218"/>
-          </a:xfrm>
-          <a:prstGeom prst="rect">
-            <a:avLst/>
-          </a:prstGeom>
-        </p:spPr>
-        <p:txBody>
-          <a:bodyPr wrap="square" anchor="ctr">
-            <a:spAutoFit/>
-          </a:bodyPr>
-          <a:lstStyle/>
-          <a:p>
-            <a:pPr algn="ctr"/>
-            <a:r>
-              <a:rPr lang="en-US" sz="3200" dirty="0" smtClean="0">
-                <a:solidFill>
-                  <a:srgbClr val="F6F1E5"/>
-                </a:solidFill>
-                <a:latin typeface="Hoefler Text"/>
-                <a:cs typeface="Hoefler Text"/>
-              </a:rPr>
-              <a:t>Law &amp; Social Policy</a:t>
-            </a:r>
-          </a:p>
-          <a:p>
-            <a:pPr algn="ctr"/>
-            <a:endParaRPr lang="en-US" sz="3200" dirty="0">
-              <a:solidFill>
-                <a:srgbClr val="F6F1E5"/>
-              </a:solidFill>
-              <a:latin typeface="Hoefler Text"/>
-              <a:cs typeface="Hoefler Text"/>
-            </a:endParaRPr>
-          </a:p>
-        </p:txBody>
-      </p:sp>
-      <p:pic>
-        <p:nvPicPr>
           <p:cNvPr id="7" name="Picture 6"/>
           <p:cNvPicPr>
             <a:picLocks noChangeAspect="1"/>
@@ -5353,14 +5235,14 @@
   <p:timing>
     <p:tnLst>
       <p:par>
-        <p:cTn id="1" dur="indefinite" restart="never" nodeType="tmRoot"/>
+        <p:cTn xmlns:p14="http://schemas.microsoft.com/office/powerpoint/2010/main" id="1" dur="indefinite" restart="never" nodeType="tmRoot"/>
       </p:par>
     </p:tnLst>
   </p:timing>
 </p:sld>
 </file>
 
-<file path=ppt/slides/slide17.xml><?xml version="1.0" encoding="utf-8"?>
+<file path=ppt/slides/slide16.xml><?xml version="1.0" encoding="utf-8"?>
 <p:sld xmlns:a="http://schemas.openxmlformats.org/drawingml/2006/main" xmlns:r="http://schemas.openxmlformats.org/officeDocument/2006/relationships" xmlns:p="http://schemas.openxmlformats.org/presentationml/2006/main">
   <p:cSld>
     <p:bg>
@@ -5446,7 +5328,444 @@
   <p:timing>
     <p:tnLst>
       <p:par>
-        <p:cTn id="1" dur="indefinite" restart="never" nodeType="tmRoot"/>
+        <p:cTn xmlns:p14="http://schemas.microsoft.com/office/powerpoint/2010/main" id="1" dur="indefinite" restart="never" nodeType="tmRoot"/>
+      </p:par>
+    </p:tnLst>
+  </p:timing>
+</p:sld>
+</file>
+
+<file path=ppt/slides/slide17.xml><?xml version="1.0" encoding="utf-8"?>
+<p:sld xmlns:a="http://schemas.openxmlformats.org/drawingml/2006/main" xmlns:r="http://schemas.openxmlformats.org/officeDocument/2006/relationships" xmlns:p="http://schemas.openxmlformats.org/presentationml/2006/main">
+  <p:cSld>
+    <p:spTree>
+      <p:nvGrpSpPr>
+        <p:cNvPr id="1" name=""/>
+        <p:cNvGrpSpPr/>
+        <p:nvPr/>
+      </p:nvGrpSpPr>
+      <p:grpSpPr>
+        <a:xfrm>
+          <a:off x="0" y="0"/>
+          <a:ext cx="0" cy="0"/>
+          <a:chOff x="0" y="0"/>
+          <a:chExt cx="0" cy="0"/>
+        </a:xfrm>
+      </p:grpSpPr>
+      <p:sp>
+        <p:nvSpPr>
+          <p:cNvPr id="5" name="Rectangle 4"/>
+          <p:cNvSpPr/>
+          <p:nvPr/>
+        </p:nvSpPr>
+        <p:spPr>
+          <a:xfrm>
+            <a:off x="0" y="264576"/>
+            <a:ext cx="9144000" cy="1077218"/>
+          </a:xfrm>
+          <a:prstGeom prst="rect">
+            <a:avLst/>
+          </a:prstGeom>
+        </p:spPr>
+        <p:txBody>
+          <a:bodyPr wrap="square" anchor="ctr">
+            <a:spAutoFit/>
+          </a:bodyPr>
+          <a:lstStyle/>
+          <a:p>
+            <a:pPr algn="ctr"/>
+            <a:r>
+              <a:rPr lang="en-US" sz="3200" dirty="0" smtClean="0">
+                <a:solidFill>
+                  <a:srgbClr val="F6F1E5"/>
+                </a:solidFill>
+                <a:latin typeface="Hoefler Text"/>
+                <a:cs typeface="Hoefler Text"/>
+              </a:rPr>
+              <a:t>MOTIVATIONS</a:t>
+            </a:r>
+          </a:p>
+          <a:p>
+            <a:pPr algn="ctr"/>
+            <a:endParaRPr lang="en-US" sz="3200" dirty="0">
+              <a:solidFill>
+                <a:srgbClr val="F6F1E5"/>
+              </a:solidFill>
+              <a:latin typeface="Hoefler Text"/>
+              <a:cs typeface="Hoefler Text"/>
+            </a:endParaRPr>
+          </a:p>
+        </p:txBody>
+      </p:sp>
+      <p:pic>
+        <p:nvPicPr>
+          <p:cNvPr id="10" name="Picture 9"/>
+          <p:cNvPicPr>
+            <a:picLocks noChangeAspect="1"/>
+          </p:cNvPicPr>
+          <p:nvPr/>
+        </p:nvPicPr>
+        <p:blipFill>
+          <a:blip r:embed="rId2"/>
+          <a:stretch>
+            <a:fillRect/>
+          </a:stretch>
+        </p:blipFill>
+        <p:spPr>
+          <a:xfrm>
+            <a:off x="-234683" y="1"/>
+            <a:ext cx="9621994" cy="952596"/>
+          </a:xfrm>
+          <a:prstGeom prst="rect">
+            <a:avLst/>
+          </a:prstGeom>
+        </p:spPr>
+      </p:pic>
+      <p:sp>
+        <p:nvSpPr>
+          <p:cNvPr id="11" name="Rectangle 10"/>
+          <p:cNvSpPr/>
+          <p:nvPr/>
+        </p:nvSpPr>
+        <p:spPr>
+          <a:xfrm>
+            <a:off x="0" y="154662"/>
+            <a:ext cx="9144000" cy="1077218"/>
+          </a:xfrm>
+          <a:prstGeom prst="rect">
+            <a:avLst/>
+          </a:prstGeom>
+        </p:spPr>
+        <p:txBody>
+          <a:bodyPr wrap="square" anchor="ctr">
+            <a:spAutoFit/>
+          </a:bodyPr>
+          <a:lstStyle/>
+          <a:p>
+            <a:pPr algn="ctr"/>
+            <a:r>
+              <a:rPr lang="en-US" sz="3200" dirty="0" smtClean="0">
+                <a:solidFill>
+                  <a:srgbClr val="F6F1E5"/>
+                </a:solidFill>
+                <a:latin typeface="Hoefler Text"/>
+                <a:cs typeface="Hoefler Text"/>
+              </a:rPr>
+              <a:t>Social Awareness</a:t>
+            </a:r>
+          </a:p>
+          <a:p>
+            <a:pPr algn="ctr"/>
+            <a:endParaRPr lang="en-US" sz="3200" dirty="0">
+              <a:solidFill>
+                <a:srgbClr val="F6F1E5"/>
+              </a:solidFill>
+              <a:latin typeface="Hoefler Text"/>
+              <a:cs typeface="Hoefler Text"/>
+            </a:endParaRPr>
+          </a:p>
+        </p:txBody>
+      </p:sp>
+      <p:pic>
+        <p:nvPicPr>
+          <p:cNvPr id="2" name="Picture 1"/>
+          <p:cNvPicPr>
+            <a:picLocks noChangeAspect="1"/>
+          </p:cNvPicPr>
+          <p:nvPr/>
+        </p:nvPicPr>
+        <p:blipFill>
+          <a:blip r:embed="rId3"/>
+          <a:stretch>
+            <a:fillRect/>
+          </a:stretch>
+        </p:blipFill>
+        <p:spPr>
+          <a:xfrm>
+            <a:off x="776148" y="965200"/>
+            <a:ext cx="3940277" cy="1432118"/>
+          </a:xfrm>
+          <a:prstGeom prst="rect">
+            <a:avLst/>
+          </a:prstGeom>
+        </p:spPr>
+      </p:pic>
+      <p:pic>
+        <p:nvPicPr>
+          <p:cNvPr id="3" name="Picture 2"/>
+          <p:cNvPicPr>
+            <a:picLocks noChangeAspect="1"/>
+          </p:cNvPicPr>
+          <p:nvPr/>
+        </p:nvPicPr>
+        <p:blipFill>
+          <a:blip r:embed="rId4"/>
+          <a:stretch>
+            <a:fillRect/>
+          </a:stretch>
+        </p:blipFill>
+        <p:spPr>
+          <a:xfrm>
+            <a:off x="4698786" y="974083"/>
+            <a:ext cx="3715370" cy="1431017"/>
+          </a:xfrm>
+          <a:prstGeom prst="rect">
+            <a:avLst/>
+          </a:prstGeom>
+        </p:spPr>
+      </p:pic>
+      <p:pic>
+        <p:nvPicPr>
+          <p:cNvPr id="4" name="Picture 3"/>
+          <p:cNvPicPr>
+            <a:picLocks noChangeAspect="1"/>
+          </p:cNvPicPr>
+          <p:nvPr/>
+        </p:nvPicPr>
+        <p:blipFill>
+          <a:blip r:embed="rId5"/>
+          <a:stretch>
+            <a:fillRect/>
+          </a:stretch>
+        </p:blipFill>
+        <p:spPr>
+          <a:xfrm>
+            <a:off x="1794276" y="2681459"/>
+            <a:ext cx="1114617" cy="1168725"/>
+          </a:xfrm>
+          <a:prstGeom prst="rect">
+            <a:avLst/>
+          </a:prstGeom>
+        </p:spPr>
+      </p:pic>
+      <p:sp>
+        <p:nvSpPr>
+          <p:cNvPr id="6" name="Rectangle 5"/>
+          <p:cNvSpPr/>
+          <p:nvPr/>
+        </p:nvSpPr>
+        <p:spPr>
+          <a:xfrm>
+            <a:off x="144426" y="4287795"/>
+            <a:ext cx="4572000" cy="1246495"/>
+          </a:xfrm>
+          <a:prstGeom prst="rect">
+            <a:avLst/>
+          </a:prstGeom>
+        </p:spPr>
+        <p:txBody>
+          <a:bodyPr>
+            <a:spAutoFit/>
+          </a:bodyPr>
+          <a:lstStyle/>
+          <a:p>
+            <a:pPr algn="ctr"/>
+            <a:r>
+              <a:rPr lang="en-US" sz="2500" dirty="0">
+                <a:solidFill>
+                  <a:srgbClr val="463A2D"/>
+                </a:solidFill>
+                <a:latin typeface="Hoefler Text"/>
+                <a:cs typeface="Hoefler Text"/>
+              </a:rPr>
+              <a:t>Sharing vehicle </a:t>
+            </a:r>
+            <a:r>
+              <a:rPr lang="en-US" sz="2500" dirty="0" smtClean="0">
+                <a:solidFill>
+                  <a:srgbClr val="463A2D"/>
+                </a:solidFill>
+                <a:latin typeface="Hoefler Text"/>
+                <a:cs typeface="Hoefler Text"/>
+              </a:rPr>
+              <a:t>expenses</a:t>
+            </a:r>
+          </a:p>
+          <a:p>
+            <a:pPr algn="ctr"/>
+            <a:endParaRPr lang="en-US" sz="2500" dirty="0">
+              <a:solidFill>
+                <a:srgbClr val="463A2D"/>
+              </a:solidFill>
+              <a:latin typeface="Hoefler Text"/>
+              <a:cs typeface="Hoefler Text"/>
+            </a:endParaRPr>
+          </a:p>
+          <a:p>
+            <a:pPr algn="ctr"/>
+            <a:r>
+              <a:rPr lang="en-US" sz="2500" dirty="0">
+                <a:solidFill>
+                  <a:srgbClr val="463A2D"/>
+                </a:solidFill>
+                <a:latin typeface="Hoefler Text"/>
+                <a:cs typeface="Hoefler Text"/>
+              </a:rPr>
+              <a:t>Access to HOV lanes</a:t>
+            </a:r>
+          </a:p>
+        </p:txBody>
+      </p:sp>
+      <p:pic>
+        <p:nvPicPr>
+          <p:cNvPr id="7" name="Picture 6"/>
+          <p:cNvPicPr>
+            <a:picLocks noChangeAspect="1"/>
+          </p:cNvPicPr>
+          <p:nvPr/>
+        </p:nvPicPr>
+        <p:blipFill>
+          <a:blip r:embed="rId6"/>
+          <a:stretch>
+            <a:fillRect/>
+          </a:stretch>
+        </p:blipFill>
+        <p:spPr>
+          <a:xfrm>
+            <a:off x="6645205" y="2681459"/>
+            <a:ext cx="1114618" cy="1168726"/>
+          </a:xfrm>
+          <a:prstGeom prst="rect">
+            <a:avLst/>
+          </a:prstGeom>
+        </p:spPr>
+      </p:pic>
+      <p:sp>
+        <p:nvSpPr>
+          <p:cNvPr id="12" name="Rectangle 11"/>
+          <p:cNvSpPr/>
+          <p:nvPr/>
+        </p:nvSpPr>
+        <p:spPr>
+          <a:xfrm>
+            <a:off x="4572000" y="4287795"/>
+            <a:ext cx="4572000" cy="2400657"/>
+          </a:xfrm>
+          <a:prstGeom prst="rect">
+            <a:avLst/>
+          </a:prstGeom>
+        </p:spPr>
+        <p:txBody>
+          <a:bodyPr>
+            <a:spAutoFit/>
+          </a:bodyPr>
+          <a:lstStyle/>
+          <a:p>
+            <a:pPr algn="ctr"/>
+            <a:r>
+              <a:rPr lang="en-US" sz="2500" dirty="0" smtClean="0">
+                <a:solidFill>
+                  <a:srgbClr val="463A2D"/>
+                </a:solidFill>
+                <a:latin typeface="Hoefler Text"/>
+                <a:cs typeface="Hoefler Text"/>
+              </a:rPr>
+              <a:t>Difficult to find someone with the same location &amp; schedule</a:t>
+            </a:r>
+          </a:p>
+          <a:p>
+            <a:pPr algn="ctr"/>
+            <a:endParaRPr lang="en-US" sz="2500" dirty="0">
+              <a:solidFill>
+                <a:srgbClr val="463A2D"/>
+              </a:solidFill>
+              <a:latin typeface="Hoefler Text"/>
+              <a:cs typeface="Hoefler Text"/>
+            </a:endParaRPr>
+          </a:p>
+          <a:p>
+            <a:pPr algn="ctr"/>
+            <a:r>
+              <a:rPr lang="en-US" sz="2500" dirty="0" smtClean="0">
+                <a:solidFill>
+                  <a:srgbClr val="463A2D"/>
+                </a:solidFill>
+                <a:latin typeface="Hoefler Text"/>
+                <a:cs typeface="Hoefler Text"/>
+              </a:rPr>
+              <a:t>Prefer flexibility to drive alone</a:t>
+            </a:r>
+          </a:p>
+          <a:p>
+            <a:pPr algn="ctr"/>
+            <a:endParaRPr lang="en-US" sz="2500" dirty="0">
+              <a:solidFill>
+                <a:srgbClr val="463A2D"/>
+              </a:solidFill>
+              <a:latin typeface="Hoefler Text"/>
+              <a:cs typeface="Hoefler Text"/>
+            </a:endParaRPr>
+          </a:p>
+          <a:p>
+            <a:pPr algn="ctr"/>
+            <a:r>
+              <a:rPr lang="en-US" sz="2500" dirty="0" smtClean="0">
+                <a:solidFill>
+                  <a:srgbClr val="463A2D"/>
+                </a:solidFill>
+                <a:latin typeface="Hoefler Text"/>
+                <a:cs typeface="Hoefler Text"/>
+              </a:rPr>
+              <a:t>Need a vehicle during the day</a:t>
+            </a:r>
+            <a:endParaRPr lang="en-US" sz="2500" dirty="0">
+              <a:solidFill>
+                <a:srgbClr val="463A2D"/>
+              </a:solidFill>
+              <a:latin typeface="Hoefler Text"/>
+              <a:cs typeface="Hoefler Text"/>
+            </a:endParaRPr>
+          </a:p>
+        </p:txBody>
+      </p:sp>
+      <p:sp>
+        <p:nvSpPr>
+          <p:cNvPr id="9" name="Rectangle 8"/>
+          <p:cNvSpPr/>
+          <p:nvPr/>
+        </p:nvSpPr>
+        <p:spPr>
+          <a:xfrm>
+            <a:off x="0" y="6396335"/>
+            <a:ext cx="3870269" cy="461665"/>
+          </a:xfrm>
+          <a:prstGeom prst="rect">
+            <a:avLst/>
+          </a:prstGeom>
+        </p:spPr>
+        <p:txBody>
+          <a:bodyPr wrap="square">
+            <a:spAutoFit/>
+          </a:bodyPr>
+          <a:lstStyle/>
+          <a:p>
+            <a:r>
+              <a:rPr lang="en-US" sz="1200" i="1" dirty="0">
+                <a:solidFill>
+                  <a:srgbClr val="463A2D"/>
+                </a:solidFill>
+                <a:latin typeface="Hoefler Text"/>
+                <a:cs typeface="Hoefler Text"/>
+              </a:rPr>
+              <a:t>Source : Who Chooses to Carpool and Why? Examination of Texas Carpoolers. Transportation Research Record, 2007</a:t>
+            </a:r>
+          </a:p>
+        </p:txBody>
+      </p:sp>
+    </p:spTree>
+    <p:extLst>
+      <p:ext uri="{BB962C8B-B14F-4D97-AF65-F5344CB8AC3E}">
+        <p14:creationId xmlns:p14="http://schemas.microsoft.com/office/powerpoint/2010/main" val="1904089672"/>
+      </p:ext>
+    </p:extLst>
+  </p:cSld>
+  <p:clrMapOvr>
+    <a:masterClrMapping/>
+  </p:clrMapOvr>
+  <p:timing>
+    <p:tnLst>
+      <p:par>
+        <p:cTn xmlns:p14="http://schemas.microsoft.com/office/powerpoint/2010/main" id="1" dur="indefinite" restart="never" nodeType="tmRoot"/>
       </p:par>
     </p:tnLst>
   </p:timing>
@@ -5600,72 +5919,24 @@
         </p:blipFill>
         <p:spPr>
           <a:xfrm>
-            <a:off x="776148" y="965200"/>
-            <a:ext cx="3940277" cy="1432118"/>
+            <a:off x="146050" y="1714500"/>
+            <a:ext cx="4279900" cy="3416300"/>
           </a:xfrm>
           <a:prstGeom prst="rect">
             <a:avLst/>
           </a:prstGeom>
         </p:spPr>
       </p:pic>
-      <p:pic>
-        <p:nvPicPr>
-          <p:cNvPr id="3" name="Picture 2"/>
-          <p:cNvPicPr>
-            <a:picLocks noChangeAspect="1"/>
-          </p:cNvPicPr>
-          <p:nvPr/>
-        </p:nvPicPr>
-        <p:blipFill>
-          <a:blip r:embed="rId4"/>
-          <a:stretch>
-            <a:fillRect/>
-          </a:stretch>
-        </p:blipFill>
-        <p:spPr>
-          <a:xfrm>
-            <a:off x="4698786" y="974083"/>
-            <a:ext cx="3715370" cy="1431017"/>
-          </a:xfrm>
-          <a:prstGeom prst="rect">
-            <a:avLst/>
-          </a:prstGeom>
-        </p:spPr>
-      </p:pic>
-      <p:pic>
-        <p:nvPicPr>
-          <p:cNvPr id="4" name="Picture 3"/>
-          <p:cNvPicPr>
-            <a:picLocks noChangeAspect="1"/>
-          </p:cNvPicPr>
-          <p:nvPr/>
-        </p:nvPicPr>
-        <p:blipFill>
-          <a:blip r:embed="rId5"/>
-          <a:stretch>
-            <a:fillRect/>
-          </a:stretch>
-        </p:blipFill>
-        <p:spPr>
-          <a:xfrm>
-            <a:off x="1794276" y="2681459"/>
-            <a:ext cx="1114617" cy="1168725"/>
-          </a:xfrm>
-          <a:prstGeom prst="rect">
-            <a:avLst/>
-          </a:prstGeom>
-        </p:spPr>
-      </p:pic>
-      <p:sp>
-        <p:nvSpPr>
-          <p:cNvPr id="6" name="Rectangle 5"/>
+      <p:sp>
+        <p:nvSpPr>
+          <p:cNvPr id="3" name="Rectangle 2"/>
           <p:cNvSpPr/>
           <p:nvPr/>
         </p:nvSpPr>
         <p:spPr>
           <a:xfrm>
-            <a:off x="144426" y="4287795"/>
-            <a:ext cx="4572000" cy="1246495"/>
+            <a:off x="4501440" y="2523677"/>
+            <a:ext cx="4572000" cy="1477328"/>
           </a:xfrm>
           <a:prstGeom prst="rect">
             <a:avLst/>
@@ -5679,201 +5950,75 @@
           <a:p>
             <a:pPr algn="ctr"/>
             <a:r>
-              <a:rPr lang="en-US" sz="2500" dirty="0">
+              <a:rPr lang="en-US" sz="3000" b="1" dirty="0">
                 <a:solidFill>
                   <a:srgbClr val="463A2D"/>
                 </a:solidFill>
                 <a:latin typeface="Hoefler Text"/>
                 <a:cs typeface="Hoefler Text"/>
               </a:rPr>
-              <a:t>Sharing vehicle </a:t>
-            </a:r>
-            <a:r>
-              <a:rPr lang="en-US" sz="2500" dirty="0" smtClean="0">
+              <a:t>Carpooling </a:t>
+            </a:r>
+            <a:r>
+              <a:rPr lang="en-US" sz="3000" b="1" dirty="0" smtClean="0">
+                <a:solidFill>
+                  <a:srgbClr val="FF8153"/>
+                </a:solidFill>
+                <a:latin typeface="Hoefler Text"/>
+                <a:cs typeface="Hoefler Text"/>
+              </a:rPr>
+              <a:t>Declines</a:t>
+            </a:r>
+          </a:p>
+          <a:p>
+            <a:pPr algn="ctr"/>
+            <a:r>
+              <a:rPr lang="en-US" sz="3000" b="1" dirty="0" smtClean="0">
                 <a:solidFill>
                   <a:srgbClr val="463A2D"/>
                 </a:solidFill>
                 <a:latin typeface="Hoefler Text"/>
                 <a:cs typeface="Hoefler Text"/>
               </a:rPr>
-              <a:t>expenses</a:t>
+              <a:t>As Driving</a:t>
             </a:r>
           </a:p>
           <a:p>
             <a:pPr algn="ctr"/>
-            <a:endParaRPr lang="en-US" sz="2500" dirty="0">
+            <a:r>
+              <a:rPr lang="en-US" sz="3000" b="1" dirty="0" smtClean="0">
+                <a:solidFill>
+                  <a:srgbClr val="463A2D"/>
+                </a:solidFill>
+                <a:latin typeface="Hoefler Text"/>
+                <a:cs typeface="Hoefler Text"/>
+              </a:rPr>
+              <a:t>Becomes </a:t>
+            </a:r>
+            <a:r>
+              <a:rPr lang="en-US" sz="3000" b="1" dirty="0">
+                <a:solidFill>
+                  <a:srgbClr val="6AACA4"/>
+                </a:solidFill>
+                <a:latin typeface="Hoefler Text"/>
+                <a:cs typeface="Hoefler Text"/>
+              </a:rPr>
+              <a:t>Cheaper</a:t>
+            </a:r>
+            <a:endParaRPr lang="en-US" sz="3000" dirty="0">
               <a:solidFill>
-                <a:srgbClr val="463A2D"/>
+                <a:srgbClr val="6AACA4"/>
               </a:solidFill>
               <a:latin typeface="Hoefler Text"/>
               <a:cs typeface="Hoefler Text"/>
             </a:endParaRPr>
           </a:p>
-          <a:p>
-            <a:pPr algn="ctr"/>
-            <a:r>
-              <a:rPr lang="en-US" sz="2500" dirty="0">
-                <a:solidFill>
-                  <a:srgbClr val="463A2D"/>
-                </a:solidFill>
-                <a:latin typeface="Hoefler Text"/>
-                <a:cs typeface="Hoefler Text"/>
-              </a:rPr>
-              <a:t>Access to HOV lanes</a:t>
-            </a:r>
-          </a:p>
-        </p:txBody>
-      </p:sp>
-      <p:pic>
-        <p:nvPicPr>
-          <p:cNvPr id="7" name="Picture 6"/>
-          <p:cNvPicPr>
-            <a:picLocks noChangeAspect="1"/>
-          </p:cNvPicPr>
-          <p:nvPr/>
-        </p:nvPicPr>
-        <p:blipFill>
-          <a:blip r:embed="rId6"/>
-          <a:stretch>
-            <a:fillRect/>
-          </a:stretch>
-        </p:blipFill>
-        <p:spPr>
-          <a:xfrm>
-            <a:off x="6645205" y="2681459"/>
-            <a:ext cx="1114618" cy="1168726"/>
-          </a:xfrm>
-          <a:prstGeom prst="rect">
-            <a:avLst/>
-          </a:prstGeom>
-        </p:spPr>
-      </p:pic>
-      <p:sp>
-        <p:nvSpPr>
-          <p:cNvPr id="12" name="Rectangle 11"/>
-          <p:cNvSpPr/>
-          <p:nvPr/>
-        </p:nvSpPr>
-        <p:spPr>
-          <a:xfrm>
-            <a:off x="4572000" y="4287795"/>
-            <a:ext cx="4572000" cy="2400657"/>
-          </a:xfrm>
-          <a:prstGeom prst="rect">
-            <a:avLst/>
-          </a:prstGeom>
-        </p:spPr>
-        <p:txBody>
-          <a:bodyPr>
-            <a:spAutoFit/>
-          </a:bodyPr>
-          <a:lstStyle/>
-          <a:p>
-            <a:pPr algn="ctr"/>
-            <a:r>
-              <a:rPr lang="en-US" sz="2500" dirty="0" smtClean="0">
-                <a:solidFill>
-                  <a:srgbClr val="463A2D"/>
-                </a:solidFill>
-                <a:latin typeface="Hoefler Text"/>
-                <a:cs typeface="Hoefler Text"/>
-              </a:rPr>
-              <a:t>Difficult to find someone with the same location &amp; schedule</a:t>
-            </a:r>
-          </a:p>
-          <a:p>
-            <a:pPr algn="ctr"/>
-            <a:endParaRPr lang="en-US" sz="2500" dirty="0">
-              <a:solidFill>
-                <a:srgbClr val="463A2D"/>
-              </a:solidFill>
-              <a:latin typeface="Hoefler Text"/>
-              <a:cs typeface="Hoefler Text"/>
-            </a:endParaRPr>
-          </a:p>
-          <a:p>
-            <a:pPr algn="ctr"/>
-            <a:r>
-              <a:rPr lang="en-US" sz="2500" dirty="0" smtClean="0">
-                <a:solidFill>
-                  <a:srgbClr val="463A2D"/>
-                </a:solidFill>
-                <a:latin typeface="Hoefler Text"/>
-                <a:cs typeface="Hoefler Text"/>
-              </a:rPr>
-              <a:t>Prefer flexibility to drive alone</a:t>
-            </a:r>
-          </a:p>
-          <a:p>
-            <a:pPr algn="ctr"/>
-            <a:endParaRPr lang="en-US" sz="2500" dirty="0">
-              <a:solidFill>
-                <a:srgbClr val="463A2D"/>
-              </a:solidFill>
-              <a:latin typeface="Hoefler Text"/>
-              <a:cs typeface="Hoefler Text"/>
-            </a:endParaRPr>
-          </a:p>
-          <a:p>
-            <a:pPr algn="ctr"/>
-            <a:r>
-              <a:rPr lang="en-US" sz="2500" dirty="0" smtClean="0">
-                <a:solidFill>
-                  <a:srgbClr val="463A2D"/>
-                </a:solidFill>
-                <a:latin typeface="Hoefler Text"/>
-                <a:cs typeface="Hoefler Text"/>
-              </a:rPr>
-              <a:t>Need a vehicle during the day</a:t>
-            </a:r>
-            <a:endParaRPr lang="en-US" sz="2500" dirty="0">
-              <a:solidFill>
-                <a:srgbClr val="463A2D"/>
-              </a:solidFill>
-              <a:latin typeface="Hoefler Text"/>
-              <a:cs typeface="Hoefler Text"/>
-            </a:endParaRPr>
-          </a:p>
-        </p:txBody>
-      </p:sp>
-      <p:sp>
-        <p:nvSpPr>
-          <p:cNvPr id="9" name="Rectangle 8"/>
-          <p:cNvSpPr/>
-          <p:nvPr/>
-        </p:nvSpPr>
-        <p:spPr>
-          <a:xfrm>
-            <a:off x="0" y="6396335"/>
-            <a:ext cx="3870269" cy="461665"/>
-          </a:xfrm>
-          <a:prstGeom prst="rect">
-            <a:avLst/>
-          </a:prstGeom>
-        </p:spPr>
-        <p:txBody>
-          <a:bodyPr wrap="square">
-            <a:spAutoFit/>
-          </a:bodyPr>
-          <a:lstStyle/>
-          <a:p>
-            <a:r>
-              <a:rPr lang="en-US" sz="1200" i="1" dirty="0">
-                <a:solidFill>
-                  <a:srgbClr val="463A2D"/>
-                </a:solidFill>
-                <a:latin typeface="Hoefler Text"/>
-                <a:cs typeface="Hoefler Text"/>
-              </a:rPr>
-              <a:t>Source : Who Chooses to Carpool and Why? Examination of Texas Carpoolers. Transportation Research Record, 2007</a:t>
-            </a:r>
-          </a:p>
         </p:txBody>
       </p:sp>
     </p:spTree>
     <p:extLst>
       <p:ext uri="{BB962C8B-B14F-4D97-AF65-F5344CB8AC3E}">
-        <p14:creationId xmlns:p14="http://schemas.microsoft.com/office/powerpoint/2010/main" val="1904089672"/>
+        <p14:creationId xmlns:p14="http://schemas.microsoft.com/office/powerpoint/2010/main" val="1807403535"/>
       </p:ext>
     </p:extLst>
   </p:cSld>
@@ -5883,7 +6028,7 @@
   <p:timing>
     <p:tnLst>
       <p:par>
-        <p:cTn id="1" dur="indefinite" restart="never" nodeType="tmRoot"/>
+        <p:cTn xmlns:p14="http://schemas.microsoft.com/office/powerpoint/2010/main" id="1" dur="indefinite" restart="never" nodeType="tmRoot"/>
       </p:par>
     </p:tnLst>
   </p:timing>
@@ -5907,6 +6052,54 @@
           <a:chExt cx="0" cy="0"/>
         </a:xfrm>
       </p:grpSpPr>
+      <p:pic>
+        <p:nvPicPr>
+          <p:cNvPr id="7" name="Picture 6"/>
+          <p:cNvPicPr>
+            <a:picLocks noChangeAspect="1"/>
+          </p:cNvPicPr>
+          <p:nvPr/>
+        </p:nvPicPr>
+        <p:blipFill>
+          <a:blip r:embed="rId2"/>
+          <a:stretch>
+            <a:fillRect/>
+          </a:stretch>
+        </p:blipFill>
+        <p:spPr>
+          <a:xfrm>
+            <a:off x="3510172" y="2832862"/>
+            <a:ext cx="2437327" cy="2416495"/>
+          </a:xfrm>
+          <a:prstGeom prst="rect">
+            <a:avLst/>
+          </a:prstGeom>
+        </p:spPr>
+      </p:pic>
+      <p:pic>
+        <p:nvPicPr>
+          <p:cNvPr id="6" name="Picture 5"/>
+          <p:cNvPicPr>
+            <a:picLocks noChangeAspect="1"/>
+          </p:cNvPicPr>
+          <p:nvPr/>
+        </p:nvPicPr>
+        <p:blipFill>
+          <a:blip r:embed="rId3"/>
+          <a:stretch>
+            <a:fillRect/>
+          </a:stretch>
+        </p:blipFill>
+        <p:spPr>
+          <a:xfrm>
+            <a:off x="51450" y="1025935"/>
+            <a:ext cx="3908363" cy="2531553"/>
+          </a:xfrm>
+          <a:prstGeom prst="rect">
+            <a:avLst/>
+          </a:prstGeom>
+        </p:spPr>
+      </p:pic>
       <p:sp>
         <p:nvSpPr>
           <p:cNvPr id="5" name="Rectangle 4"/>
@@ -5961,7 +6154,7 @@
           <p:nvPr/>
         </p:nvPicPr>
         <p:blipFill>
-          <a:blip r:embed="rId2"/>
+          <a:blip r:embed="rId4"/>
           <a:stretch>
             <a:fillRect/>
           </a:stretch>
@@ -6021,122 +6214,103 @@
           </a:p>
         </p:txBody>
       </p:sp>
-      <p:pic>
-        <p:nvPicPr>
-          <p:cNvPr id="2" name="Picture 1"/>
-          <p:cNvPicPr>
-            <a:picLocks noChangeAspect="1"/>
-          </p:cNvPicPr>
-          <p:nvPr/>
-        </p:nvPicPr>
-        <p:blipFill>
-          <a:blip r:embed="rId3"/>
-          <a:stretch>
-            <a:fillRect/>
-          </a:stretch>
-        </p:blipFill>
-        <p:spPr>
-          <a:xfrm>
-            <a:off x="146050" y="1714500"/>
-            <a:ext cx="4279900" cy="3416300"/>
-          </a:xfrm>
-          <a:prstGeom prst="rect">
-            <a:avLst/>
-          </a:prstGeom>
-        </p:spPr>
-      </p:pic>
-      <p:sp>
-        <p:nvSpPr>
-          <p:cNvPr id="3" name="Rectangle 2"/>
+      <p:sp>
+        <p:nvSpPr>
+          <p:cNvPr id="8" name="Rectangle 7"/>
           <p:cNvSpPr/>
           <p:nvPr/>
         </p:nvSpPr>
         <p:spPr>
           <a:xfrm>
-            <a:off x="4501440" y="2523677"/>
-            <a:ext cx="4572000" cy="1477328"/>
-          </a:xfrm>
-          <a:prstGeom prst="rect">
-            <a:avLst/>
-          </a:prstGeom>
-        </p:spPr>
-        <p:txBody>
-          <a:bodyPr>
+            <a:off x="5947499" y="2291712"/>
+            <a:ext cx="2428870" cy="3431709"/>
+          </a:xfrm>
+          <a:prstGeom prst="rect">
+            <a:avLst/>
+          </a:prstGeom>
+        </p:spPr>
+        <p:txBody>
+          <a:bodyPr wrap="none">
             <a:spAutoFit/>
           </a:bodyPr>
           <a:lstStyle/>
           <a:p>
             <a:pPr algn="ctr"/>
             <a:r>
-              <a:rPr lang="en-US" sz="3000" b="1" dirty="0">
-                <a:solidFill>
-                  <a:srgbClr val="463A2D"/>
-                </a:solidFill>
-                <a:latin typeface="Hoefler Text"/>
-                <a:cs typeface="Hoefler Text"/>
-              </a:rPr>
-              <a:t>Carpooling </a:t>
-            </a:r>
-            <a:r>
-              <a:rPr lang="en-US" sz="3000" b="1" dirty="0" smtClean="0">
-                <a:solidFill>
-                  <a:srgbClr val="FF8153"/>
-                </a:solidFill>
-                <a:latin typeface="Hoefler Text"/>
-                <a:cs typeface="Hoefler Text"/>
-              </a:rPr>
-              <a:t>Declines</a:t>
+              <a:rPr lang="en-US" sz="7200" b="1" dirty="0" smtClean="0">
+                <a:latin typeface="Hoefler Text"/>
+                <a:cs typeface="Hoefler Text"/>
+              </a:rPr>
+              <a:t>30 %</a:t>
             </a:r>
           </a:p>
           <a:p>
             <a:pPr algn="ctr"/>
-            <a:r>
-              <a:rPr lang="en-US" sz="3000" b="1" dirty="0" smtClean="0">
-                <a:solidFill>
-                  <a:srgbClr val="463A2D"/>
-                </a:solidFill>
-                <a:latin typeface="Hoefler Text"/>
-                <a:cs typeface="Hoefler Text"/>
-              </a:rPr>
-              <a:t>As Driving</a:t>
-            </a:r>
-          </a:p>
-          <a:p>
-            <a:pPr algn="ctr"/>
-            <a:r>
-              <a:rPr lang="en-US" sz="3000" b="1" dirty="0" smtClean="0">
-                <a:solidFill>
-                  <a:srgbClr val="463A2D"/>
-                </a:solidFill>
-                <a:latin typeface="Hoefler Text"/>
-                <a:cs typeface="Hoefler Text"/>
-              </a:rPr>
-              <a:t>Becomes </a:t>
-            </a:r>
-            <a:r>
-              <a:rPr lang="en-US" sz="3000" b="1" dirty="0">
-                <a:solidFill>
-                  <a:srgbClr val="6AACA4"/>
-                </a:solidFill>
-                <a:latin typeface="Hoefler Text"/>
-                <a:cs typeface="Hoefler Text"/>
-              </a:rPr>
-              <a:t>Cheaper</a:t>
-            </a:r>
-            <a:endParaRPr lang="en-US" sz="3000" dirty="0">
-              <a:solidFill>
-                <a:srgbClr val="6AACA4"/>
-              </a:solidFill>
+            <a:endParaRPr lang="en-US" sz="4000" b="1" dirty="0" smtClean="0">
               <a:latin typeface="Hoefler Text"/>
               <a:cs typeface="Hoefler Text"/>
             </a:endParaRPr>
           </a:p>
+          <a:p>
+            <a:pPr algn="ctr"/>
+            <a:r>
+              <a:rPr lang="en-US" sz="3500" dirty="0" smtClean="0">
+                <a:latin typeface="Hoefler Text"/>
+                <a:cs typeface="Hoefler Text"/>
+              </a:rPr>
+              <a:t>of users are</a:t>
+            </a:r>
+          </a:p>
+          <a:p>
+            <a:pPr algn="ctr"/>
+            <a:r>
+              <a:rPr lang="en-US" sz="3500" dirty="0" smtClean="0">
+                <a:solidFill>
+                  <a:srgbClr val="6AACA4"/>
+                </a:solidFill>
+                <a:latin typeface="Hoefler Text"/>
+                <a:cs typeface="Hoefler Text"/>
+              </a:rPr>
+              <a:t>less</a:t>
+            </a:r>
+            <a:r>
+              <a:rPr lang="en-US" sz="3500" dirty="0" smtClean="0">
+                <a:latin typeface="Hoefler Text"/>
+                <a:cs typeface="Hoefler Text"/>
+              </a:rPr>
+              <a:t> than</a:t>
+            </a:r>
+          </a:p>
+          <a:p>
+            <a:pPr algn="ctr"/>
+            <a:r>
+              <a:rPr lang="en-US" sz="3500" b="1" dirty="0" smtClean="0">
+                <a:solidFill>
+                  <a:srgbClr val="6AACA4"/>
+                </a:solidFill>
+                <a:latin typeface="Hoefler Text"/>
+                <a:cs typeface="Hoefler Text"/>
+              </a:rPr>
+              <a:t>35</a:t>
+            </a:r>
+            <a:r>
+              <a:rPr lang="en-US" sz="3500" dirty="0" smtClean="0">
+                <a:latin typeface="Hoefler Text"/>
+                <a:cs typeface="Hoefler Text"/>
+              </a:rPr>
+              <a:t> years old</a:t>
+            </a:r>
+            <a:endParaRPr lang="en-US" sz="3500" dirty="0">
+              <a:latin typeface="Hoefler Text"/>
+              <a:cs typeface="Hoefler Text"/>
+            </a:endParaRPr>
+          </a:p>
         </p:txBody>
       </p:sp>
     </p:spTree>
     <p:extLst>
       <p:ext uri="{BB962C8B-B14F-4D97-AF65-F5344CB8AC3E}">
-        <p14:creationId xmlns:p14="http://schemas.microsoft.com/office/powerpoint/2010/main" val="1807403535"/>
+        <p14:creationId xmlns:p14="http://schemas.microsoft.com/office/powerpoint/2010/main" val="2380758644"/>
       </p:ext>
     </p:extLst>
   </p:cSld>
@@ -6146,7 +6320,7 @@
   <p:timing>
     <p:tnLst>
       <p:par>
-        <p:cTn id="1" dur="indefinite" restart="never" nodeType="tmRoot"/>
+        <p:cTn xmlns:p14="http://schemas.microsoft.com/office/powerpoint/2010/main" id="1" dur="indefinite" restart="never" nodeType="tmRoot"/>
       </p:par>
     </p:tnLst>
   </p:timing>
@@ -6298,7 +6472,7 @@
   <p:timing>
     <p:tnLst>
       <p:par>
-        <p:cTn id="1" dur="indefinite" restart="never" nodeType="tmRoot"/>
+        <p:cTn xmlns:p14="http://schemas.microsoft.com/office/powerpoint/2010/main" id="1" dur="indefinite" restart="never" nodeType="tmRoot"/>
       </p:par>
     </p:tnLst>
   </p:timing>
@@ -6322,54 +6496,6 @@
           <a:chExt cx="0" cy="0"/>
         </a:xfrm>
       </p:grpSpPr>
-      <p:pic>
-        <p:nvPicPr>
-          <p:cNvPr id="7" name="Picture 6"/>
-          <p:cNvPicPr>
-            <a:picLocks noChangeAspect="1"/>
-          </p:cNvPicPr>
-          <p:nvPr/>
-        </p:nvPicPr>
-        <p:blipFill>
-          <a:blip r:embed="rId2"/>
-          <a:stretch>
-            <a:fillRect/>
-          </a:stretch>
-        </p:blipFill>
-        <p:spPr>
-          <a:xfrm>
-            <a:off x="3510172" y="2832862"/>
-            <a:ext cx="2437327" cy="2416495"/>
-          </a:xfrm>
-          <a:prstGeom prst="rect">
-            <a:avLst/>
-          </a:prstGeom>
-        </p:spPr>
-      </p:pic>
-      <p:pic>
-        <p:nvPicPr>
-          <p:cNvPr id="6" name="Picture 5"/>
-          <p:cNvPicPr>
-            <a:picLocks noChangeAspect="1"/>
-          </p:cNvPicPr>
-          <p:nvPr/>
-        </p:nvPicPr>
-        <p:blipFill>
-          <a:blip r:embed="rId3"/>
-          <a:stretch>
-            <a:fillRect/>
-          </a:stretch>
-        </p:blipFill>
-        <p:spPr>
-          <a:xfrm>
-            <a:off x="51450" y="1025935"/>
-            <a:ext cx="3908363" cy="2531553"/>
-          </a:xfrm>
-          <a:prstGeom prst="rect">
-            <a:avLst/>
-          </a:prstGeom>
-        </p:spPr>
-      </p:pic>
       <p:sp>
         <p:nvSpPr>
           <p:cNvPr id="5" name="Rectangle 4"/>
@@ -6424,7 +6550,7 @@
           <p:nvPr/>
         </p:nvPicPr>
         <p:blipFill>
-          <a:blip r:embed="rId4"/>
+          <a:blip r:embed="rId2"/>
           <a:stretch>
             <a:fillRect/>
           </a:stretch>
@@ -6469,7 +6595,7 @@
                 <a:latin typeface="Hoefler Text"/>
                 <a:cs typeface="Hoefler Text"/>
               </a:rPr>
-              <a:t>Social Awareness</a:t>
+              <a:t>Market Analysis : Conclusion</a:t>
             </a:r>
           </a:p>
           <a:p>
@@ -6486,92 +6612,223 @@
       </p:sp>
       <p:sp>
         <p:nvSpPr>
-          <p:cNvPr id="8" name="Rectangle 7"/>
+          <p:cNvPr id="3" name="Rectangle 2"/>
           <p:cNvSpPr/>
           <p:nvPr/>
         </p:nvSpPr>
         <p:spPr>
           <a:xfrm>
-            <a:off x="5947499" y="2291712"/>
-            <a:ext cx="2428870" cy="3431709"/>
-          </a:xfrm>
-          <a:prstGeom prst="rect">
-            <a:avLst/>
-          </a:prstGeom>
-        </p:spPr>
-        <p:txBody>
-          <a:bodyPr wrap="none">
+            <a:off x="542506" y="1599625"/>
+            <a:ext cx="8211568" cy="3970318"/>
+          </a:xfrm>
+          <a:prstGeom prst="rect">
+            <a:avLst/>
+          </a:prstGeom>
+        </p:spPr>
+        <p:txBody>
+          <a:bodyPr wrap="square">
             <a:spAutoFit/>
           </a:bodyPr>
           <a:lstStyle/>
           <a:p>
-            <a:pPr algn="ctr"/>
-            <a:r>
-              <a:rPr lang="en-US" sz="7200" b="1" dirty="0" smtClean="0">
-                <a:latin typeface="Hoefler Text"/>
-                <a:cs typeface="Hoefler Text"/>
-              </a:rPr>
-              <a:t>30 %</a:t>
-            </a:r>
-          </a:p>
-          <a:p>
-            <a:pPr algn="ctr"/>
-            <a:endParaRPr lang="en-US" sz="4000" b="1" dirty="0" smtClean="0">
+            <a:pPr marL="457200" indent="-457200" algn="just">
+              <a:buFont typeface="Wingdings" charset="2"/>
+              <a:buChar char="§"/>
+            </a:pPr>
+            <a:r>
+              <a:rPr lang="en-US" sz="2800" dirty="0" smtClean="0">
+                <a:solidFill>
+                  <a:srgbClr val="FF8153"/>
+                </a:solidFill>
+                <a:latin typeface="Hoefler Text"/>
+                <a:ea typeface="Microsoft YaHei" charset="0"/>
+                <a:cs typeface="Hoefler Text"/>
+              </a:rPr>
+              <a:t>Social benefits </a:t>
+            </a:r>
+            <a:r>
+              <a:rPr lang="en-US" sz="2800" dirty="0" smtClean="0">
+                <a:solidFill>
+                  <a:srgbClr val="463A2D"/>
+                </a:solidFill>
+                <a:latin typeface="Hoefler Text"/>
+                <a:ea typeface="Microsoft YaHei" charset="0"/>
+                <a:cs typeface="Hoefler Text"/>
+              </a:rPr>
+              <a:t>will make ridesharing and </a:t>
+            </a:r>
+            <a:r>
+              <a:rPr lang="en-US" sz="2800" b="1" dirty="0" smtClean="0">
+                <a:solidFill>
+                  <a:srgbClr val="6AACA4"/>
+                </a:solidFill>
+                <a:latin typeface="Hoefler Text"/>
+                <a:ea typeface="Microsoft YaHei" charset="0"/>
+                <a:cs typeface="Hoefler Text"/>
+              </a:rPr>
+              <a:t>carpooling</a:t>
+            </a:r>
+            <a:r>
+              <a:rPr lang="en-US" sz="2800" dirty="0" smtClean="0">
+                <a:solidFill>
+                  <a:srgbClr val="6AACA4"/>
+                </a:solidFill>
+                <a:latin typeface="Hoefler Text"/>
+                <a:ea typeface="Microsoft YaHei" charset="0"/>
+                <a:cs typeface="Hoefler Text"/>
+              </a:rPr>
+              <a:t> </a:t>
+            </a:r>
+            <a:r>
+              <a:rPr lang="en-US" sz="2800" dirty="0" smtClean="0">
+                <a:solidFill>
+                  <a:srgbClr val="463A2D"/>
+                </a:solidFill>
+                <a:latin typeface="Hoefler Text"/>
+                <a:ea typeface="Microsoft YaHei" charset="0"/>
+                <a:cs typeface="Hoefler Text"/>
+              </a:rPr>
+              <a:t>companies will work together with government policies.</a:t>
+            </a:r>
+          </a:p>
+          <a:p>
+            <a:pPr algn="just"/>
+            <a:endParaRPr lang="en-US" sz="2800" dirty="0" smtClean="0">
+              <a:solidFill>
+                <a:srgbClr val="463A2D"/>
+              </a:solidFill>
               <a:latin typeface="Hoefler Text"/>
+              <a:ea typeface="Microsoft YaHei" charset="0"/>
               <a:cs typeface="Hoefler Text"/>
             </a:endParaRPr>
           </a:p>
           <a:p>
-            <a:pPr algn="ctr"/>
-            <a:r>
-              <a:rPr lang="en-US" sz="3500" dirty="0" smtClean="0">
-                <a:latin typeface="Hoefler Text"/>
-                <a:cs typeface="Hoefler Text"/>
-              </a:rPr>
-              <a:t>of users are</a:t>
-            </a:r>
-          </a:p>
-          <a:p>
-            <a:pPr algn="ctr"/>
-            <a:r>
-              <a:rPr lang="en-US" sz="3500" dirty="0" smtClean="0">
-                <a:solidFill>
-                  <a:srgbClr val="6AACA4"/>
-                </a:solidFill>
-                <a:latin typeface="Hoefler Text"/>
-                <a:cs typeface="Hoefler Text"/>
-              </a:rPr>
-              <a:t>less</a:t>
-            </a:r>
-            <a:r>
-              <a:rPr lang="en-US" sz="3500" dirty="0" smtClean="0">
-                <a:latin typeface="Hoefler Text"/>
-                <a:cs typeface="Hoefler Text"/>
-              </a:rPr>
-              <a:t> than</a:t>
-            </a:r>
-          </a:p>
-          <a:p>
-            <a:pPr algn="ctr"/>
-            <a:r>
-              <a:rPr lang="en-US" sz="3500" b="1" dirty="0" smtClean="0">
-                <a:solidFill>
-                  <a:srgbClr val="6AACA4"/>
-                </a:solidFill>
-                <a:latin typeface="Hoefler Text"/>
-                <a:cs typeface="Hoefler Text"/>
-              </a:rPr>
-              <a:t>35</a:t>
-            </a:r>
-            <a:r>
-              <a:rPr lang="en-US" sz="3500" dirty="0" smtClean="0">
-                <a:latin typeface="Hoefler Text"/>
-                <a:cs typeface="Hoefler Text"/>
-              </a:rPr>
-              <a:t> years old</a:t>
-            </a:r>
-            <a:endParaRPr lang="en-US" sz="3500" dirty="0">
+            <a:pPr marL="457200" indent="-457200" algn="just">
+              <a:buFont typeface="Wingdings" charset="2"/>
+              <a:buChar char="§"/>
+            </a:pPr>
+            <a:r>
+              <a:rPr lang="en-US" sz="2800" dirty="0" smtClean="0">
+                <a:solidFill>
+                  <a:srgbClr val="463A2D"/>
+                </a:solidFill>
+                <a:latin typeface="Hoefler Text"/>
+                <a:ea typeface="Microsoft YaHei" charset="0"/>
+                <a:cs typeface="Hoefler Text"/>
+              </a:rPr>
+              <a:t>Intelligent algorithms for real time ridesharing will make </a:t>
+            </a:r>
+            <a:r>
+              <a:rPr lang="en-US" sz="2800" dirty="0" smtClean="0">
+                <a:solidFill>
+                  <a:srgbClr val="FF8153"/>
+                </a:solidFill>
+                <a:latin typeface="Hoefler Text"/>
+                <a:ea typeface="Microsoft YaHei" charset="0"/>
+                <a:cs typeface="Hoefler Text"/>
+              </a:rPr>
+              <a:t>more efficient</a:t>
+            </a:r>
+            <a:r>
+              <a:rPr lang="en-US" sz="2800" dirty="0" smtClean="0">
+                <a:solidFill>
+                  <a:srgbClr val="463A2D"/>
+                </a:solidFill>
+                <a:latin typeface="Hoefler Text"/>
+                <a:ea typeface="Microsoft YaHei" charset="0"/>
+                <a:cs typeface="Hoefler Text"/>
+              </a:rPr>
+              <a:t>. </a:t>
+            </a:r>
+            <a:r>
+              <a:rPr lang="en-US" sz="2800" dirty="0" smtClean="0">
+                <a:solidFill>
+                  <a:srgbClr val="FF8153"/>
+                </a:solidFill>
+                <a:latin typeface="Hoefler Text"/>
+                <a:ea typeface="Microsoft YaHei" charset="0"/>
+                <a:cs typeface="Hoefler Text"/>
+              </a:rPr>
+              <a:t>Reducing cost </a:t>
+            </a:r>
+            <a:r>
+              <a:rPr lang="en-US" sz="2800" dirty="0" smtClean="0">
+                <a:solidFill>
+                  <a:srgbClr val="463A2D"/>
+                </a:solidFill>
+                <a:latin typeface="Hoefler Text"/>
+                <a:ea typeface="Microsoft YaHei" charset="0"/>
+                <a:cs typeface="Hoefler Text"/>
+              </a:rPr>
+              <a:t>and </a:t>
+            </a:r>
+            <a:r>
+              <a:rPr lang="en-US" sz="2800" dirty="0" smtClean="0">
+                <a:solidFill>
+                  <a:srgbClr val="FF8153"/>
+                </a:solidFill>
+                <a:latin typeface="Hoefler Text"/>
+                <a:ea typeface="Microsoft YaHei" charset="0"/>
+                <a:cs typeface="Hoefler Text"/>
+              </a:rPr>
+              <a:t>environmental impact</a:t>
+            </a:r>
+            <a:r>
+              <a:rPr lang="en-US" sz="2800" dirty="0" smtClean="0">
+                <a:solidFill>
+                  <a:srgbClr val="463A2D"/>
+                </a:solidFill>
+                <a:latin typeface="Hoefler Text"/>
+                <a:ea typeface="Microsoft YaHei" charset="0"/>
+                <a:cs typeface="Hoefler Text"/>
+              </a:rPr>
+              <a:t>.</a:t>
+            </a:r>
+          </a:p>
+          <a:p>
+            <a:pPr algn="just"/>
+            <a:endParaRPr lang="en-US" sz="2800" dirty="0" smtClean="0">
+              <a:solidFill>
+                <a:srgbClr val="463A2D"/>
+              </a:solidFill>
               <a:latin typeface="Hoefler Text"/>
+              <a:ea typeface="Microsoft YaHei" charset="0"/>
+              <a:cs typeface="Hoefler Text"/>
+            </a:endParaRPr>
+          </a:p>
+          <a:p>
+            <a:pPr marL="457200" indent="-457200" algn="just">
+              <a:buFont typeface="Wingdings" charset="2"/>
+              <a:buChar char="§"/>
+            </a:pPr>
+            <a:r>
+              <a:rPr lang="en-US" sz="2800" dirty="0" smtClean="0">
+                <a:solidFill>
+                  <a:srgbClr val="463A2D"/>
+                </a:solidFill>
+                <a:latin typeface="Hoefler Text"/>
+                <a:ea typeface="Microsoft YaHei" charset="0"/>
+                <a:cs typeface="Hoefler Text"/>
+              </a:rPr>
+              <a:t>The future is the </a:t>
+            </a:r>
+            <a:r>
+              <a:rPr lang="en-US" sz="2800" dirty="0" smtClean="0">
+                <a:solidFill>
+                  <a:srgbClr val="FF8153"/>
+                </a:solidFill>
+                <a:latin typeface="Hoefler Text"/>
+                <a:ea typeface="Microsoft YaHei" charset="0"/>
+                <a:cs typeface="Hoefler Text"/>
+              </a:rPr>
+              <a:t>share economy.</a:t>
+            </a:r>
+            <a:endParaRPr lang="en-US" sz="2800" dirty="0">
+              <a:solidFill>
+                <a:srgbClr val="FF8153"/>
+              </a:solidFill>
+              <a:latin typeface="Hoefler Text"/>
+              <a:ea typeface="Microsoft YaHei" charset="0"/>
               <a:cs typeface="Hoefler Text"/>
             </a:endParaRPr>
           </a:p>
@@ -6580,7 +6837,7 @@
     </p:spTree>
     <p:extLst>
       <p:ext uri="{BB962C8B-B14F-4D97-AF65-F5344CB8AC3E}">
-        <p14:creationId xmlns:p14="http://schemas.microsoft.com/office/powerpoint/2010/main" val="2380758644"/>
+        <p14:creationId xmlns:p14="http://schemas.microsoft.com/office/powerpoint/2010/main" val="3833240835"/>
       </p:ext>
     </p:extLst>
   </p:cSld>
@@ -6590,7 +6847,7 @@
   <p:timing>
     <p:tnLst>
       <p:par>
-        <p:cTn id="1" dur="indefinite" restart="never" nodeType="tmRoot"/>
+        <p:cTn xmlns:p14="http://schemas.microsoft.com/office/powerpoint/2010/main" id="1" dur="indefinite" restart="never" nodeType="tmRoot"/>
       </p:par>
     </p:tnLst>
   </p:timing>
@@ -6598,328 +6855,6 @@
 </file>
 
 <file path=ppt/slides/slide21.xml><?xml version="1.0" encoding="utf-8"?>
-<p:sld xmlns:a="http://schemas.openxmlformats.org/drawingml/2006/main" xmlns:r="http://schemas.openxmlformats.org/officeDocument/2006/relationships" xmlns:p="http://schemas.openxmlformats.org/presentationml/2006/main">
-  <p:cSld>
-    <p:spTree>
-      <p:nvGrpSpPr>
-        <p:cNvPr id="1" name=""/>
-        <p:cNvGrpSpPr/>
-        <p:nvPr/>
-      </p:nvGrpSpPr>
-      <p:grpSpPr>
-        <a:xfrm>
-          <a:off x="0" y="0"/>
-          <a:ext cx="0" cy="0"/>
-          <a:chOff x="0" y="0"/>
-          <a:chExt cx="0" cy="0"/>
-        </a:xfrm>
-      </p:grpSpPr>
-      <p:pic>
-        <p:nvPicPr>
-          <p:cNvPr id="26" name="Picture 25"/>
-          <p:cNvPicPr>
-            <a:picLocks noChangeAspect="1"/>
-          </p:cNvPicPr>
-          <p:nvPr/>
-        </p:nvPicPr>
-        <p:blipFill>
-          <a:blip r:embed="rId2"/>
-          <a:stretch>
-            <a:fillRect/>
-          </a:stretch>
-        </p:blipFill>
-        <p:spPr>
-          <a:xfrm>
-            <a:off x="0" y="0"/>
-            <a:ext cx="9144000" cy="6858000"/>
-          </a:xfrm>
-          <a:prstGeom prst="rect">
-            <a:avLst/>
-          </a:prstGeom>
-        </p:spPr>
-      </p:pic>
-      <p:sp>
-        <p:nvSpPr>
-          <p:cNvPr id="11" name="Content Placeholder 2"/>
-          <p:cNvSpPr txBox="1">
-            <a:spLocks/>
-          </p:cNvSpPr>
-          <p:nvPr/>
-        </p:nvSpPr>
-        <p:spPr>
-          <a:xfrm>
-            <a:off x="457200" y="2346505"/>
-            <a:ext cx="8229600" cy="4525963"/>
-          </a:xfrm>
-          <a:prstGeom prst="rect">
-            <a:avLst/>
-          </a:prstGeom>
-        </p:spPr>
-        <p:txBody>
-          <a:bodyPr/>
-          <a:lstStyle>
-            <a:lvl1pPr marL="342900" indent="-342900" algn="l" defTabSz="457200" rtl="0" eaLnBrk="1" latinLnBrk="0" hangingPunct="1">
-              <a:spcBef>
-                <a:spcPct val="20000"/>
-              </a:spcBef>
-              <a:buFont typeface="Arial"/>
-              <a:buChar char="•"/>
-              <a:defRPr sz="3200" kern="1200">
-                <a:solidFill>
-                  <a:schemeClr val="tx1"/>
-                </a:solidFill>
-                <a:latin typeface="+mn-lt"/>
-                <a:ea typeface="+mn-ea"/>
-                <a:cs typeface="+mn-cs"/>
-              </a:defRPr>
-            </a:lvl1pPr>
-            <a:lvl2pPr marL="742950" indent="-285750" algn="l" defTabSz="457200" rtl="0" eaLnBrk="1" latinLnBrk="0" hangingPunct="1">
-              <a:spcBef>
-                <a:spcPct val="20000"/>
-              </a:spcBef>
-              <a:buFont typeface="Arial"/>
-              <a:buChar char="–"/>
-              <a:defRPr sz="2800" kern="1200">
-                <a:solidFill>
-                  <a:schemeClr val="tx1"/>
-                </a:solidFill>
-                <a:latin typeface="+mn-lt"/>
-                <a:ea typeface="+mn-ea"/>
-                <a:cs typeface="+mn-cs"/>
-              </a:defRPr>
-            </a:lvl2pPr>
-            <a:lvl3pPr marL="1143000" indent="-228600" algn="l" defTabSz="457200" rtl="0" eaLnBrk="1" latinLnBrk="0" hangingPunct="1">
-              <a:spcBef>
-                <a:spcPct val="20000"/>
-              </a:spcBef>
-              <a:buFont typeface="Arial"/>
-              <a:buChar char="•"/>
-              <a:defRPr sz="2400" kern="1200">
-                <a:solidFill>
-                  <a:schemeClr val="tx1"/>
-                </a:solidFill>
-                <a:latin typeface="+mn-lt"/>
-                <a:ea typeface="+mn-ea"/>
-                <a:cs typeface="+mn-cs"/>
-              </a:defRPr>
-            </a:lvl3pPr>
-            <a:lvl4pPr marL="1600200" indent="-228600" algn="l" defTabSz="457200" rtl="0" eaLnBrk="1" latinLnBrk="0" hangingPunct="1">
-              <a:spcBef>
-                <a:spcPct val="20000"/>
-              </a:spcBef>
-              <a:buFont typeface="Arial"/>
-              <a:buChar char="–"/>
-              <a:defRPr sz="2000" kern="1200">
-                <a:solidFill>
-                  <a:schemeClr val="tx1"/>
-                </a:solidFill>
-                <a:latin typeface="+mn-lt"/>
-                <a:ea typeface="+mn-ea"/>
-                <a:cs typeface="+mn-cs"/>
-              </a:defRPr>
-            </a:lvl4pPr>
-            <a:lvl5pPr marL="2057400" indent="-228600" algn="l" defTabSz="457200" rtl="0" eaLnBrk="1" latinLnBrk="0" hangingPunct="1">
-              <a:spcBef>
-                <a:spcPct val="20000"/>
-              </a:spcBef>
-              <a:buFont typeface="Arial"/>
-              <a:buChar char="»"/>
-              <a:defRPr sz="2000" kern="1200">
-                <a:solidFill>
-                  <a:schemeClr val="tx1"/>
-                </a:solidFill>
-                <a:latin typeface="+mn-lt"/>
-                <a:ea typeface="+mn-ea"/>
-                <a:cs typeface="+mn-cs"/>
-              </a:defRPr>
-            </a:lvl5pPr>
-            <a:lvl6pPr marL="2514600" indent="-228600" algn="l" defTabSz="457200" rtl="0" eaLnBrk="1" latinLnBrk="0" hangingPunct="1">
-              <a:spcBef>
-                <a:spcPct val="20000"/>
-              </a:spcBef>
-              <a:buFont typeface="Arial"/>
-              <a:buChar char="•"/>
-              <a:defRPr sz="2000" kern="1200">
-                <a:solidFill>
-                  <a:schemeClr val="tx1"/>
-                </a:solidFill>
-                <a:latin typeface="+mn-lt"/>
-                <a:ea typeface="+mn-ea"/>
-                <a:cs typeface="+mn-cs"/>
-              </a:defRPr>
-            </a:lvl6pPr>
-            <a:lvl7pPr marL="2971800" indent="-228600" algn="l" defTabSz="457200" rtl="0" eaLnBrk="1" latinLnBrk="0" hangingPunct="1">
-              <a:spcBef>
-                <a:spcPct val="20000"/>
-              </a:spcBef>
-              <a:buFont typeface="Arial"/>
-              <a:buChar char="•"/>
-              <a:defRPr sz="2000" kern="1200">
-                <a:solidFill>
-                  <a:schemeClr val="tx1"/>
-                </a:solidFill>
-                <a:latin typeface="+mn-lt"/>
-                <a:ea typeface="+mn-ea"/>
-                <a:cs typeface="+mn-cs"/>
-              </a:defRPr>
-            </a:lvl7pPr>
-            <a:lvl8pPr marL="3429000" indent="-228600" algn="l" defTabSz="457200" rtl="0" eaLnBrk="1" latinLnBrk="0" hangingPunct="1">
-              <a:spcBef>
-                <a:spcPct val="20000"/>
-              </a:spcBef>
-              <a:buFont typeface="Arial"/>
-              <a:buChar char="•"/>
-              <a:defRPr sz="2000" kern="1200">
-                <a:solidFill>
-                  <a:schemeClr val="tx1"/>
-                </a:solidFill>
-                <a:latin typeface="+mn-lt"/>
-                <a:ea typeface="+mn-ea"/>
-                <a:cs typeface="+mn-cs"/>
-              </a:defRPr>
-            </a:lvl8pPr>
-            <a:lvl9pPr marL="3886200" indent="-228600" algn="l" defTabSz="457200" rtl="0" eaLnBrk="1" latinLnBrk="0" hangingPunct="1">
-              <a:spcBef>
-                <a:spcPct val="20000"/>
-              </a:spcBef>
-              <a:buFont typeface="Arial"/>
-              <a:buChar char="•"/>
-              <a:defRPr sz="2000" kern="1200">
-                <a:solidFill>
-                  <a:schemeClr val="tx1"/>
-                </a:solidFill>
-                <a:latin typeface="+mn-lt"/>
-                <a:ea typeface="+mn-ea"/>
-                <a:cs typeface="+mn-cs"/>
-              </a:defRPr>
-            </a:lvl9pPr>
-          </a:lstStyle>
-          <a:p>
-            <a:r>
-              <a:rPr lang="en-US" altLang="es-ES" sz="2000" smtClean="0"/>
-              <a:t>Social benefits will make ridesharing and carpooling companies will work together with government policies.</a:t>
-            </a:r>
-          </a:p>
-          <a:p>
-            <a:r>
-              <a:rPr lang="en-US" altLang="es-ES" sz="2000" smtClean="0"/>
-              <a:t>Intelligent algorithms for real time ridesharing will make more efficient. Reducing cost and environmental impact.</a:t>
-            </a:r>
-          </a:p>
-          <a:p>
-            <a:r>
-              <a:rPr lang="en-US" altLang="es-ES" sz="2000" smtClean="0"/>
-              <a:t>The future is the share economy</a:t>
-            </a:r>
-          </a:p>
-          <a:p>
-            <a:endParaRPr lang="en-US" altLang="es-ES" sz="2000" smtClean="0"/>
-          </a:p>
-          <a:p>
-            <a:endParaRPr lang="es-ES" altLang="es-ES" smtClean="0"/>
-          </a:p>
-          <a:p>
-            <a:endParaRPr lang="es-ES" altLang="es-ES" dirty="0" smtClean="0"/>
-          </a:p>
-        </p:txBody>
-      </p:sp>
-      <p:pic>
-        <p:nvPicPr>
-          <p:cNvPr id="8" name="Picture 7"/>
-          <p:cNvPicPr>
-            <a:picLocks noChangeAspect="1"/>
-          </p:cNvPicPr>
-          <p:nvPr/>
-        </p:nvPicPr>
-        <p:blipFill>
-          <a:blip r:embed="rId3"/>
-          <a:stretch>
-            <a:fillRect/>
-          </a:stretch>
-        </p:blipFill>
-        <p:spPr>
-          <a:xfrm>
-            <a:off x="-234683" y="1"/>
-            <a:ext cx="9621994" cy="952596"/>
-          </a:xfrm>
-          <a:prstGeom prst="rect">
-            <a:avLst/>
-          </a:prstGeom>
-        </p:spPr>
-      </p:pic>
-      <p:sp>
-        <p:nvSpPr>
-          <p:cNvPr id="9" name="Rectangle 8"/>
-          <p:cNvSpPr/>
-          <p:nvPr/>
-        </p:nvSpPr>
-        <p:spPr>
-          <a:xfrm>
-            <a:off x="0" y="154662"/>
-            <a:ext cx="9144000" cy="1077218"/>
-          </a:xfrm>
-          <a:prstGeom prst="rect">
-            <a:avLst/>
-          </a:prstGeom>
-        </p:spPr>
-        <p:txBody>
-          <a:bodyPr wrap="square" anchor="ctr">
-            <a:spAutoFit/>
-          </a:bodyPr>
-          <a:lstStyle/>
-          <a:p>
-            <a:pPr algn="ctr"/>
-            <a:r>
-              <a:rPr lang="en-US" sz="3200" dirty="0" smtClean="0">
-                <a:solidFill>
-                  <a:srgbClr val="F6F1E5"/>
-                </a:solidFill>
-                <a:latin typeface="Hoefler Text"/>
-                <a:cs typeface="Hoefler Text"/>
-              </a:rPr>
-              <a:t>Conclusion</a:t>
-            </a:r>
-            <a:endParaRPr lang="en-US" sz="3200" dirty="0" smtClean="0">
-              <a:solidFill>
-                <a:srgbClr val="F6F1E5"/>
-              </a:solidFill>
-              <a:latin typeface="Hoefler Text"/>
-              <a:cs typeface="Hoefler Text"/>
-            </a:endParaRPr>
-          </a:p>
-          <a:p>
-            <a:pPr algn="ctr"/>
-            <a:endParaRPr lang="en-US" sz="3200" dirty="0">
-              <a:solidFill>
-                <a:srgbClr val="F6F1E5"/>
-              </a:solidFill>
-              <a:latin typeface="Hoefler Text"/>
-              <a:cs typeface="Hoefler Text"/>
-            </a:endParaRPr>
-          </a:p>
-        </p:txBody>
-      </p:sp>
-    </p:spTree>
-    <p:extLst>
-      <p:ext uri="{BB962C8B-B14F-4D97-AF65-F5344CB8AC3E}">
-        <p14:creationId xmlns:p14="http://schemas.microsoft.com/office/powerpoint/2010/main" val="2435386525"/>
-      </p:ext>
-    </p:extLst>
-  </p:cSld>
-  <p:clrMapOvr>
-    <a:masterClrMapping/>
-  </p:clrMapOvr>
-  <p:timing>
-    <p:tnLst>
-      <p:par>
-        <p:cTn id="1" dur="indefinite" restart="never" nodeType="tmRoot"/>
-      </p:par>
-    </p:tnLst>
-  </p:timing>
-</p:sld>
-</file>
-
-<file path=ppt/slides/slide22.xml><?xml version="1.0" encoding="utf-8"?>
 <p:sld xmlns:a="http://schemas.openxmlformats.org/drawingml/2006/main" xmlns:r="http://schemas.openxmlformats.org/officeDocument/2006/relationships" xmlns:p="http://schemas.openxmlformats.org/presentationml/2006/main">
   <p:cSld>
     <p:bg>
@@ -7005,7 +6940,284 @@
   <p:timing>
     <p:tnLst>
       <p:par>
-        <p:cTn id="1" dur="indefinite" restart="never" nodeType="tmRoot"/>
+        <p:cTn xmlns:p14="http://schemas.microsoft.com/office/powerpoint/2010/main" id="1" dur="indefinite" restart="never" nodeType="tmRoot"/>
+      </p:par>
+    </p:tnLst>
+  </p:timing>
+</p:sld>
+</file>
+
+<file path=ppt/slides/slide22.xml><?xml version="1.0" encoding="utf-8"?>
+<p:sld xmlns:a="http://schemas.openxmlformats.org/drawingml/2006/main" xmlns:r="http://schemas.openxmlformats.org/officeDocument/2006/relationships" xmlns:p="http://schemas.openxmlformats.org/presentationml/2006/main">
+  <p:cSld>
+    <p:spTree>
+      <p:nvGrpSpPr>
+        <p:cNvPr id="1" name=""/>
+        <p:cNvGrpSpPr/>
+        <p:nvPr/>
+      </p:nvGrpSpPr>
+      <p:grpSpPr>
+        <a:xfrm>
+          <a:off x="0" y="0"/>
+          <a:ext cx="0" cy="0"/>
+          <a:chOff x="0" y="0"/>
+          <a:chExt cx="0" cy="0"/>
+        </a:xfrm>
+      </p:grpSpPr>
+      <p:pic>
+        <p:nvPicPr>
+          <p:cNvPr id="13" name="Picture 3"/>
+          <p:cNvPicPr>
+            <a:picLocks noChangeAspect="1"/>
+          </p:cNvPicPr>
+          <p:nvPr/>
+        </p:nvPicPr>
+        <p:blipFill>
+          <a:blip r:embed="rId2">
+            <a:extLst>
+              <a:ext uri="{28A0092B-C50C-407E-A947-70E740481C1C}">
+                <a14:useLocalDpi xmlns:a14="http://schemas.microsoft.com/office/drawing/2010/main" val="0"/>
+              </a:ext>
+            </a:extLst>
+          </a:blip>
+          <a:srcRect l="19057" t="46222" r="17274" b="24113"/>
+          <a:stretch>
+            <a:fillRect/>
+          </a:stretch>
+        </p:blipFill>
+        <p:spPr bwMode="auto">
+          <a:xfrm>
+            <a:off x="63326" y="1594564"/>
+            <a:ext cx="9010114" cy="2360450"/>
+          </a:xfrm>
+          <a:prstGeom prst="rect">
+            <a:avLst/>
+          </a:prstGeom>
+          <a:noFill/>
+          <a:ln>
+            <a:noFill/>
+          </a:ln>
+          <a:extLst>
+            <a:ext uri="{909E8E84-426E-40dd-AFC4-6F175D3DCCD1}">
+              <a14:hiddenFill xmlns:a14="http://schemas.microsoft.com/office/drawing/2010/main">
+                <a:solidFill>
+                  <a:srgbClr val="FFFFFF"/>
+                </a:solidFill>
+              </a14:hiddenFill>
+            </a:ext>
+            <a:ext uri="{91240B29-F687-4f45-9708-019B960494DF}">
+              <a14:hiddenLine xmlns:a14="http://schemas.microsoft.com/office/drawing/2010/main" w="9525">
+                <a:solidFill>
+                  <a:srgbClr val="000000"/>
+                </a:solidFill>
+                <a:miter lim="800000"/>
+                <a:headEnd/>
+                <a:tailEnd/>
+              </a14:hiddenLine>
+            </a:ext>
+          </a:extLst>
+        </p:spPr>
+      </p:pic>
+      <p:pic>
+        <p:nvPicPr>
+          <p:cNvPr id="14" name="Picture 4"/>
+          <p:cNvPicPr>
+            <a:picLocks noChangeAspect="1"/>
+          </p:cNvPicPr>
+          <p:nvPr/>
+        </p:nvPicPr>
+        <p:blipFill>
+          <a:blip r:embed="rId3">
+            <a:extLst>
+              <a:ext uri="{28A0092B-C50C-407E-A947-70E740481C1C}">
+                <a14:useLocalDpi xmlns:a14="http://schemas.microsoft.com/office/drawing/2010/main" val="0"/>
+              </a:ext>
+            </a:extLst>
+          </a:blip>
+          <a:srcRect l="37936" t="16742" r="36784" b="66280"/>
+          <a:stretch>
+            <a:fillRect/>
+          </a:stretch>
+        </p:blipFill>
+        <p:spPr bwMode="auto">
+          <a:xfrm>
+            <a:off x="596616" y="5401881"/>
+            <a:ext cx="3577798" cy="1350308"/>
+          </a:xfrm>
+          <a:prstGeom prst="rect">
+            <a:avLst/>
+          </a:prstGeom>
+          <a:noFill/>
+          <a:ln>
+            <a:noFill/>
+          </a:ln>
+          <a:extLst>
+            <a:ext uri="{909E8E84-426E-40dd-AFC4-6F175D3DCCD1}">
+              <a14:hiddenFill xmlns:a14="http://schemas.microsoft.com/office/drawing/2010/main">
+                <a:solidFill>
+                  <a:srgbClr val="FFFFFF"/>
+                </a:solidFill>
+              </a14:hiddenFill>
+            </a:ext>
+            <a:ext uri="{91240B29-F687-4f45-9708-019B960494DF}">
+              <a14:hiddenLine xmlns:a14="http://schemas.microsoft.com/office/drawing/2010/main" w="9525">
+                <a:solidFill>
+                  <a:srgbClr val="000000"/>
+                </a:solidFill>
+                <a:miter lim="800000"/>
+                <a:headEnd/>
+                <a:tailEnd/>
+              </a14:hiddenLine>
+            </a:ext>
+          </a:extLst>
+        </p:spPr>
+      </p:pic>
+      <p:pic>
+        <p:nvPicPr>
+          <p:cNvPr id="15" name="Picture 5"/>
+          <p:cNvPicPr>
+            <a:picLocks noChangeAspect="1"/>
+          </p:cNvPicPr>
+          <p:nvPr/>
+        </p:nvPicPr>
+        <p:blipFill>
+          <a:blip r:embed="rId3">
+            <a:extLst>
+              <a:ext uri="{28A0092B-C50C-407E-A947-70E740481C1C}">
+                <a14:useLocalDpi xmlns:a14="http://schemas.microsoft.com/office/drawing/2010/main" val="0"/>
+              </a:ext>
+            </a:extLst>
+          </a:blip>
+          <a:srcRect l="38358" t="42085" r="36365" b="42056"/>
+          <a:stretch>
+            <a:fillRect/>
+          </a:stretch>
+        </p:blipFill>
+        <p:spPr bwMode="auto">
+          <a:xfrm>
+            <a:off x="2998504" y="4050081"/>
+            <a:ext cx="3577798" cy="1262244"/>
+          </a:xfrm>
+          <a:prstGeom prst="rect">
+            <a:avLst/>
+          </a:prstGeom>
+          <a:noFill/>
+          <a:ln>
+            <a:noFill/>
+          </a:ln>
+          <a:extLst>
+            <a:ext uri="{909E8E84-426E-40dd-AFC4-6F175D3DCCD1}">
+              <a14:hiddenFill xmlns:a14="http://schemas.microsoft.com/office/drawing/2010/main">
+                <a:solidFill>
+                  <a:srgbClr val="FFFFFF"/>
+                </a:solidFill>
+              </a14:hiddenFill>
+            </a:ext>
+            <a:ext uri="{91240B29-F687-4f45-9708-019B960494DF}">
+              <a14:hiddenLine xmlns:a14="http://schemas.microsoft.com/office/drawing/2010/main" w="9525">
+                <a:solidFill>
+                  <a:srgbClr val="000000"/>
+                </a:solidFill>
+                <a:miter lim="800000"/>
+                <a:headEnd/>
+                <a:tailEnd/>
+              </a14:hiddenLine>
+            </a:ext>
+          </a:extLst>
+        </p:spPr>
+      </p:pic>
+      <p:pic>
+        <p:nvPicPr>
+          <p:cNvPr id="16" name="Picture 6"/>
+          <p:cNvPicPr>
+            <a:picLocks noChangeAspect="1"/>
+          </p:cNvPicPr>
+          <p:nvPr/>
+        </p:nvPicPr>
+        <p:blipFill>
+          <a:blip r:embed="rId3">
+            <a:extLst>
+              <a:ext uri="{28A0092B-C50C-407E-A947-70E740481C1C}">
+                <a14:useLocalDpi xmlns:a14="http://schemas.microsoft.com/office/drawing/2010/main" val="0"/>
+              </a:ext>
+            </a:extLst>
+          </a:blip>
+          <a:srcRect l="38358" t="66557" r="36365" b="16466"/>
+          <a:stretch>
+            <a:fillRect/>
+          </a:stretch>
+        </p:blipFill>
+        <p:spPr bwMode="auto">
+          <a:xfrm>
+            <a:off x="5441666" y="5401881"/>
+            <a:ext cx="3577798" cy="1350308"/>
+          </a:xfrm>
+          <a:prstGeom prst="rect">
+            <a:avLst/>
+          </a:prstGeom>
+          <a:noFill/>
+          <a:ln>
+            <a:noFill/>
+          </a:ln>
+          <a:extLst>
+            <a:ext uri="{909E8E84-426E-40dd-AFC4-6F175D3DCCD1}">
+              <a14:hiddenFill xmlns:a14="http://schemas.microsoft.com/office/drawing/2010/main">
+                <a:solidFill>
+                  <a:srgbClr val="FFFFFF"/>
+                </a:solidFill>
+              </a14:hiddenFill>
+            </a:ext>
+            <a:ext uri="{91240B29-F687-4f45-9708-019B960494DF}">
+              <a14:hiddenLine xmlns:a14="http://schemas.microsoft.com/office/drawing/2010/main" w="9525">
+                <a:solidFill>
+                  <a:srgbClr val="000000"/>
+                </a:solidFill>
+                <a:miter lim="800000"/>
+                <a:headEnd/>
+                <a:tailEnd/>
+              </a14:hiddenLine>
+            </a:ext>
+          </a:extLst>
+        </p:spPr>
+      </p:pic>
+      <p:pic>
+        <p:nvPicPr>
+          <p:cNvPr id="6" name="Picture 5"/>
+          <p:cNvPicPr>
+            <a:picLocks noChangeAspect="1"/>
+          </p:cNvPicPr>
+          <p:nvPr/>
+        </p:nvPicPr>
+        <p:blipFill>
+          <a:blip r:embed="rId4"/>
+          <a:stretch>
+            <a:fillRect/>
+          </a:stretch>
+        </p:blipFill>
+        <p:spPr>
+          <a:xfrm>
+            <a:off x="3839259" y="538942"/>
+            <a:ext cx="1456640" cy="2111244"/>
+          </a:xfrm>
+          <a:prstGeom prst="rect">
+            <a:avLst/>
+          </a:prstGeom>
+        </p:spPr>
+      </p:pic>
+    </p:spTree>
+    <p:extLst>
+      <p:ext uri="{BB962C8B-B14F-4D97-AF65-F5344CB8AC3E}">
+        <p14:creationId xmlns:p14="http://schemas.microsoft.com/office/powerpoint/2010/main" val="199203144"/>
+      </p:ext>
+    </p:extLst>
+  </p:cSld>
+  <p:clrMapOvr>
+    <a:masterClrMapping/>
+  </p:clrMapOvr>
+  <p:timing>
+    <p:tnLst>
+      <p:par>
+        <p:cTn xmlns:p14="http://schemas.microsoft.com/office/powerpoint/2010/main" id="1" dur="indefinite" restart="never" nodeType="tmRoot"/>
       </p:par>
     </p:tnLst>
   </p:timing>
@@ -7031,283 +7243,6 @@
       </p:grpSpPr>
       <p:pic>
         <p:nvPicPr>
-          <p:cNvPr id="13" name="Picture 3"/>
-          <p:cNvPicPr>
-            <a:picLocks noChangeAspect="1"/>
-          </p:cNvPicPr>
-          <p:nvPr/>
-        </p:nvPicPr>
-        <p:blipFill>
-          <a:blip r:embed="rId2">
-            <a:extLst>
-              <a:ext uri="{28A0092B-C50C-407E-A947-70E740481C1C}">
-                <a14:useLocalDpi xmlns:a14="http://schemas.microsoft.com/office/drawing/2010/main" val="0"/>
-              </a:ext>
-            </a:extLst>
-          </a:blip>
-          <a:srcRect l="19057" t="46222" r="17274" b="24113"/>
-          <a:stretch>
-            <a:fillRect/>
-          </a:stretch>
-        </p:blipFill>
-        <p:spPr bwMode="auto">
-          <a:xfrm>
-            <a:off x="63326" y="1594564"/>
-            <a:ext cx="9010114" cy="2360450"/>
-          </a:xfrm>
-          <a:prstGeom prst="rect">
-            <a:avLst/>
-          </a:prstGeom>
-          <a:noFill/>
-          <a:ln>
-            <a:noFill/>
-          </a:ln>
-          <a:extLst>
-            <a:ext uri="{909E8E84-426E-40dd-AFC4-6F175D3DCCD1}">
-              <a14:hiddenFill xmlns:a14="http://schemas.microsoft.com/office/drawing/2010/main" xmlns="">
-                <a:solidFill>
-                  <a:srgbClr val="FFFFFF"/>
-                </a:solidFill>
-              </a14:hiddenFill>
-            </a:ext>
-            <a:ext uri="{91240B29-F687-4f45-9708-019B960494DF}">
-              <a14:hiddenLine xmlns:a14="http://schemas.microsoft.com/office/drawing/2010/main" xmlns="" w="9525">
-                <a:solidFill>
-                  <a:srgbClr val="000000"/>
-                </a:solidFill>
-                <a:miter lim="800000"/>
-                <a:headEnd/>
-                <a:tailEnd/>
-              </a14:hiddenLine>
-            </a:ext>
-          </a:extLst>
-        </p:spPr>
-      </p:pic>
-      <p:pic>
-        <p:nvPicPr>
-          <p:cNvPr id="14" name="Picture 4"/>
-          <p:cNvPicPr>
-            <a:picLocks noChangeAspect="1"/>
-          </p:cNvPicPr>
-          <p:nvPr/>
-        </p:nvPicPr>
-        <p:blipFill>
-          <a:blip r:embed="rId3">
-            <a:extLst>
-              <a:ext uri="{28A0092B-C50C-407E-A947-70E740481C1C}">
-                <a14:useLocalDpi xmlns:a14="http://schemas.microsoft.com/office/drawing/2010/main" val="0"/>
-              </a:ext>
-            </a:extLst>
-          </a:blip>
-          <a:srcRect l="37936" t="16742" r="36784" b="66280"/>
-          <a:stretch>
-            <a:fillRect/>
-          </a:stretch>
-        </p:blipFill>
-        <p:spPr bwMode="auto">
-          <a:xfrm>
-            <a:off x="596616" y="5401881"/>
-            <a:ext cx="3577798" cy="1350308"/>
-          </a:xfrm>
-          <a:prstGeom prst="rect">
-            <a:avLst/>
-          </a:prstGeom>
-          <a:noFill/>
-          <a:ln>
-            <a:noFill/>
-          </a:ln>
-          <a:extLst>
-            <a:ext uri="{909E8E84-426E-40dd-AFC4-6F175D3DCCD1}">
-              <a14:hiddenFill xmlns:a14="http://schemas.microsoft.com/office/drawing/2010/main" xmlns="">
-                <a:solidFill>
-                  <a:srgbClr val="FFFFFF"/>
-                </a:solidFill>
-              </a14:hiddenFill>
-            </a:ext>
-            <a:ext uri="{91240B29-F687-4f45-9708-019B960494DF}">
-              <a14:hiddenLine xmlns:a14="http://schemas.microsoft.com/office/drawing/2010/main" xmlns="" w="9525">
-                <a:solidFill>
-                  <a:srgbClr val="000000"/>
-                </a:solidFill>
-                <a:miter lim="800000"/>
-                <a:headEnd/>
-                <a:tailEnd/>
-              </a14:hiddenLine>
-            </a:ext>
-          </a:extLst>
-        </p:spPr>
-      </p:pic>
-      <p:pic>
-        <p:nvPicPr>
-          <p:cNvPr id="15" name="Picture 5"/>
-          <p:cNvPicPr>
-            <a:picLocks noChangeAspect="1"/>
-          </p:cNvPicPr>
-          <p:nvPr/>
-        </p:nvPicPr>
-        <p:blipFill>
-          <a:blip r:embed="rId3">
-            <a:extLst>
-              <a:ext uri="{28A0092B-C50C-407E-A947-70E740481C1C}">
-                <a14:useLocalDpi xmlns:a14="http://schemas.microsoft.com/office/drawing/2010/main" val="0"/>
-              </a:ext>
-            </a:extLst>
-          </a:blip>
-          <a:srcRect l="38358" t="42085" r="36365" b="42056"/>
-          <a:stretch>
-            <a:fillRect/>
-          </a:stretch>
-        </p:blipFill>
-        <p:spPr bwMode="auto">
-          <a:xfrm>
-            <a:off x="2998504" y="4050081"/>
-            <a:ext cx="3577798" cy="1262244"/>
-          </a:xfrm>
-          <a:prstGeom prst="rect">
-            <a:avLst/>
-          </a:prstGeom>
-          <a:noFill/>
-          <a:ln>
-            <a:noFill/>
-          </a:ln>
-          <a:extLst>
-            <a:ext uri="{909E8E84-426E-40dd-AFC4-6F175D3DCCD1}">
-              <a14:hiddenFill xmlns:a14="http://schemas.microsoft.com/office/drawing/2010/main" xmlns="">
-                <a:solidFill>
-                  <a:srgbClr val="FFFFFF"/>
-                </a:solidFill>
-              </a14:hiddenFill>
-            </a:ext>
-            <a:ext uri="{91240B29-F687-4f45-9708-019B960494DF}">
-              <a14:hiddenLine xmlns:a14="http://schemas.microsoft.com/office/drawing/2010/main" xmlns="" w="9525">
-                <a:solidFill>
-                  <a:srgbClr val="000000"/>
-                </a:solidFill>
-                <a:miter lim="800000"/>
-                <a:headEnd/>
-                <a:tailEnd/>
-              </a14:hiddenLine>
-            </a:ext>
-          </a:extLst>
-        </p:spPr>
-      </p:pic>
-      <p:pic>
-        <p:nvPicPr>
-          <p:cNvPr id="16" name="Picture 6"/>
-          <p:cNvPicPr>
-            <a:picLocks noChangeAspect="1"/>
-          </p:cNvPicPr>
-          <p:nvPr/>
-        </p:nvPicPr>
-        <p:blipFill>
-          <a:blip r:embed="rId3">
-            <a:extLst>
-              <a:ext uri="{28A0092B-C50C-407E-A947-70E740481C1C}">
-                <a14:useLocalDpi xmlns:a14="http://schemas.microsoft.com/office/drawing/2010/main" val="0"/>
-              </a:ext>
-            </a:extLst>
-          </a:blip>
-          <a:srcRect l="38358" t="66557" r="36365" b="16466"/>
-          <a:stretch>
-            <a:fillRect/>
-          </a:stretch>
-        </p:blipFill>
-        <p:spPr bwMode="auto">
-          <a:xfrm>
-            <a:off x="5441666" y="5401881"/>
-            <a:ext cx="3577798" cy="1350308"/>
-          </a:xfrm>
-          <a:prstGeom prst="rect">
-            <a:avLst/>
-          </a:prstGeom>
-          <a:noFill/>
-          <a:ln>
-            <a:noFill/>
-          </a:ln>
-          <a:extLst>
-            <a:ext uri="{909E8E84-426E-40dd-AFC4-6F175D3DCCD1}">
-              <a14:hiddenFill xmlns:a14="http://schemas.microsoft.com/office/drawing/2010/main" xmlns="">
-                <a:solidFill>
-                  <a:srgbClr val="FFFFFF"/>
-                </a:solidFill>
-              </a14:hiddenFill>
-            </a:ext>
-            <a:ext uri="{91240B29-F687-4f45-9708-019B960494DF}">
-              <a14:hiddenLine xmlns:a14="http://schemas.microsoft.com/office/drawing/2010/main" xmlns="" w="9525">
-                <a:solidFill>
-                  <a:srgbClr val="000000"/>
-                </a:solidFill>
-                <a:miter lim="800000"/>
-                <a:headEnd/>
-                <a:tailEnd/>
-              </a14:hiddenLine>
-            </a:ext>
-          </a:extLst>
-        </p:spPr>
-      </p:pic>
-      <p:pic>
-        <p:nvPicPr>
-          <p:cNvPr id="6" name="Picture 5"/>
-          <p:cNvPicPr>
-            <a:picLocks noChangeAspect="1"/>
-          </p:cNvPicPr>
-          <p:nvPr/>
-        </p:nvPicPr>
-        <p:blipFill>
-          <a:blip r:embed="rId4"/>
-          <a:stretch>
-            <a:fillRect/>
-          </a:stretch>
-        </p:blipFill>
-        <p:spPr>
-          <a:xfrm>
-            <a:off x="3839259" y="538942"/>
-            <a:ext cx="1456640" cy="2111244"/>
-          </a:xfrm>
-          <a:prstGeom prst="rect">
-            <a:avLst/>
-          </a:prstGeom>
-        </p:spPr>
-      </p:pic>
-    </p:spTree>
-    <p:extLst>
-      <p:ext uri="{BB962C8B-B14F-4D97-AF65-F5344CB8AC3E}">
-        <p14:creationId xmlns:p14="http://schemas.microsoft.com/office/powerpoint/2010/main" val="199203144"/>
-      </p:ext>
-    </p:extLst>
-  </p:cSld>
-  <p:clrMapOvr>
-    <a:masterClrMapping/>
-  </p:clrMapOvr>
-  <p:timing>
-    <p:tnLst>
-      <p:par>
-        <p:cTn id="1" dur="indefinite" restart="never" nodeType="tmRoot"/>
-      </p:par>
-    </p:tnLst>
-  </p:timing>
-</p:sld>
-</file>
-
-<file path=ppt/slides/slide24.xml><?xml version="1.0" encoding="utf-8"?>
-<p:sld xmlns:a="http://schemas.openxmlformats.org/drawingml/2006/main" xmlns:r="http://schemas.openxmlformats.org/officeDocument/2006/relationships" xmlns:p="http://schemas.openxmlformats.org/presentationml/2006/main">
-  <p:cSld>
-    <p:spTree>
-      <p:nvGrpSpPr>
-        <p:cNvPr id="1" name=""/>
-        <p:cNvGrpSpPr/>
-        <p:nvPr/>
-      </p:nvGrpSpPr>
-      <p:grpSpPr>
-        <a:xfrm>
-          <a:off x="0" y="0"/>
-          <a:ext cx="0" cy="0"/>
-          <a:chOff x="0" y="0"/>
-          <a:chExt cx="0" cy="0"/>
-        </a:xfrm>
-      </p:grpSpPr>
-      <p:pic>
-        <p:nvPicPr>
           <p:cNvPr id="5" name="Picture 4"/>
           <p:cNvPicPr>
             <a:picLocks noChangeAspect="1"/>
@@ -7426,7 +7361,7 @@
   <p:timing>
     <p:tnLst>
       <p:par>
-        <p:cTn id="1" dur="indefinite" restart="never" nodeType="tmRoot">
+        <p:cTn xmlns:p14="http://schemas.microsoft.com/office/powerpoint/2010/main" id="1" dur="indefinite" restart="never" nodeType="tmRoot">
           <p:childTnLst>
             <p:seq concurrent="1" nextAc="seek">
               <p:cTn id="2" dur="indefinite" nodeType="mainSeq">
@@ -7841,7 +7776,7 @@
   <p:timing>
     <p:tnLst>
       <p:par>
-        <p:cTn id="1" dur="indefinite" restart="never" nodeType="tmRoot"/>
+        <p:cTn xmlns:p14="http://schemas.microsoft.com/office/powerpoint/2010/main" id="1" dur="indefinite" restart="never" nodeType="tmRoot"/>
       </p:par>
     </p:tnLst>
   </p:timing>
@@ -8224,7 +8159,7 @@
   <p:timing>
     <p:tnLst>
       <p:par>
-        <p:cTn id="1" dur="indefinite" restart="never" nodeType="tmRoot"/>
+        <p:cTn xmlns:p14="http://schemas.microsoft.com/office/powerpoint/2010/main" id="1" dur="indefinite" restart="never" nodeType="tmRoot"/>
       </p:par>
     </p:tnLst>
   </p:timing>
@@ -8293,7 +8228,7 @@
   <p:timing>
     <p:tnLst>
       <p:par>
-        <p:cTn id="1" dur="indefinite" restart="never" nodeType="tmRoot"/>
+        <p:cTn xmlns:p14="http://schemas.microsoft.com/office/powerpoint/2010/main" id="1" dur="indefinite" restart="never" nodeType="tmRoot"/>
       </p:par>
     </p:tnLst>
   </p:timing>
@@ -8661,14 +8596,14 @@
           </a:ln>
           <a:extLst>
             <a:ext uri="{909E8E84-426E-40dd-AFC4-6F175D3DCCD1}">
-              <a14:hiddenFill xmlns:a14="http://schemas.microsoft.com/office/drawing/2010/main" xmlns="">
+              <a14:hiddenFill xmlns:a14="http://schemas.microsoft.com/office/drawing/2010/main">
                 <a:solidFill>
                   <a:srgbClr val="FFFFFF"/>
                 </a:solidFill>
               </a14:hiddenFill>
             </a:ext>
             <a:ext uri="{91240B29-F687-4f45-9708-019B960494DF}">
-              <a14:hiddenLine xmlns:a14="http://schemas.microsoft.com/office/drawing/2010/main" xmlns="" w="9525">
+              <a14:hiddenLine xmlns:a14="http://schemas.microsoft.com/office/drawing/2010/main" w="9525">
                 <a:solidFill>
                   <a:srgbClr val="000000"/>
                 </a:solidFill>
@@ -8858,7 +8793,7 @@
   <p:timing>
     <p:tnLst>
       <p:par>
-        <p:cTn id="1" dur="indefinite" restart="never" nodeType="tmRoot"/>
+        <p:cTn xmlns:p14="http://schemas.microsoft.com/office/powerpoint/2010/main" id="1" dur="indefinite" restart="never" nodeType="tmRoot"/>
       </p:par>
     </p:tnLst>
   </p:timing>
@@ -8866,381 +8801,6 @@
 </file>
 
 <file path=ppt/slides/slide7.xml><?xml version="1.0" encoding="utf-8"?>
-<p:sld xmlns:a="http://schemas.openxmlformats.org/drawingml/2006/main" xmlns:r="http://schemas.openxmlformats.org/officeDocument/2006/relationships" xmlns:p="http://schemas.openxmlformats.org/presentationml/2006/main">
-  <p:cSld>
-    <p:spTree>
-      <p:nvGrpSpPr>
-        <p:cNvPr id="1" name=""/>
-        <p:cNvGrpSpPr/>
-        <p:nvPr/>
-      </p:nvGrpSpPr>
-      <p:grpSpPr>
-        <a:xfrm>
-          <a:off x="0" y="0"/>
-          <a:ext cx="0" cy="0"/>
-          <a:chOff x="0" y="0"/>
-          <a:chExt cx="0" cy="0"/>
-        </a:xfrm>
-      </p:grpSpPr>
-      <p:sp>
-        <p:nvSpPr>
-          <p:cNvPr id="5" name="Rectangle 4"/>
-          <p:cNvSpPr/>
-          <p:nvPr/>
-        </p:nvSpPr>
-        <p:spPr>
-          <a:xfrm>
-            <a:off x="0" y="264576"/>
-            <a:ext cx="9144000" cy="1077218"/>
-          </a:xfrm>
-          <a:prstGeom prst="rect">
-            <a:avLst/>
-          </a:prstGeom>
-        </p:spPr>
-        <p:txBody>
-          <a:bodyPr wrap="square" anchor="ctr">
-            <a:spAutoFit/>
-          </a:bodyPr>
-          <a:lstStyle/>
-          <a:p>
-            <a:pPr algn="ctr"/>
-            <a:r>
-              <a:rPr lang="en-US" sz="3200" dirty="0" smtClean="0">
-                <a:solidFill>
-                  <a:srgbClr val="F6F1E5"/>
-                </a:solidFill>
-                <a:latin typeface="Hoefler Text"/>
-                <a:cs typeface="Hoefler Text"/>
-              </a:rPr>
-              <a:t>MOTIVATIONS</a:t>
-            </a:r>
-          </a:p>
-          <a:p>
-            <a:pPr algn="ctr"/>
-            <a:endParaRPr lang="en-US" sz="3200" dirty="0">
-              <a:solidFill>
-                <a:srgbClr val="F6F1E5"/>
-              </a:solidFill>
-              <a:latin typeface="Hoefler Text"/>
-              <a:cs typeface="Hoefler Text"/>
-            </a:endParaRPr>
-          </a:p>
-        </p:txBody>
-      </p:sp>
-      <p:pic>
-        <p:nvPicPr>
-          <p:cNvPr id="10" name="Picture 9"/>
-          <p:cNvPicPr>
-            <a:picLocks noChangeAspect="1"/>
-          </p:cNvPicPr>
-          <p:nvPr/>
-        </p:nvPicPr>
-        <p:blipFill>
-          <a:blip r:embed="rId2"/>
-          <a:stretch>
-            <a:fillRect/>
-          </a:stretch>
-        </p:blipFill>
-        <p:spPr>
-          <a:xfrm>
-            <a:off x="-234683" y="1"/>
-            <a:ext cx="9621994" cy="952596"/>
-          </a:xfrm>
-          <a:prstGeom prst="rect">
-            <a:avLst/>
-          </a:prstGeom>
-        </p:spPr>
-      </p:pic>
-      <p:sp>
-        <p:nvSpPr>
-          <p:cNvPr id="11" name="Rectangle 10"/>
-          <p:cNvSpPr/>
-          <p:nvPr/>
-        </p:nvSpPr>
-        <p:spPr>
-          <a:xfrm>
-            <a:off x="0" y="154662"/>
-            <a:ext cx="9144000" cy="1077218"/>
-          </a:xfrm>
-          <a:prstGeom prst="rect">
-            <a:avLst/>
-          </a:prstGeom>
-        </p:spPr>
-        <p:txBody>
-          <a:bodyPr wrap="square" anchor="ctr">
-            <a:spAutoFit/>
-          </a:bodyPr>
-          <a:lstStyle/>
-          <a:p>
-            <a:pPr algn="ctr"/>
-            <a:r>
-              <a:rPr lang="en-US" sz="3200" dirty="0" smtClean="0">
-                <a:solidFill>
-                  <a:srgbClr val="F6F1E5"/>
-                </a:solidFill>
-                <a:latin typeface="Hoefler Text"/>
-                <a:cs typeface="Hoefler Text"/>
-              </a:rPr>
-              <a:t>Market Analysis : Conclusion</a:t>
-            </a:r>
-          </a:p>
-          <a:p>
-            <a:pPr algn="ctr"/>
-            <a:endParaRPr lang="en-US" sz="3200" dirty="0">
-              <a:solidFill>
-                <a:srgbClr val="F6F1E5"/>
-              </a:solidFill>
-              <a:latin typeface="Hoefler Text"/>
-              <a:cs typeface="Hoefler Text"/>
-            </a:endParaRPr>
-          </a:p>
-        </p:txBody>
-      </p:sp>
-      <p:sp>
-        <p:nvSpPr>
-          <p:cNvPr id="3" name="Rectangle 2"/>
-          <p:cNvSpPr/>
-          <p:nvPr/>
-        </p:nvSpPr>
-        <p:spPr>
-          <a:xfrm>
-            <a:off x="542506" y="1599625"/>
-            <a:ext cx="8211568" cy="3970318"/>
-          </a:xfrm>
-          <a:prstGeom prst="rect">
-            <a:avLst/>
-          </a:prstGeom>
-        </p:spPr>
-        <p:txBody>
-          <a:bodyPr wrap="square">
-            <a:spAutoFit/>
-          </a:bodyPr>
-          <a:lstStyle/>
-          <a:p>
-            <a:pPr marL="457200" indent="-457200" algn="just">
-              <a:buFont typeface="Wingdings" charset="2"/>
-              <a:buChar char="§"/>
-            </a:pPr>
-            <a:r>
-              <a:rPr lang="en-US" sz="2800" dirty="0" smtClean="0">
-                <a:solidFill>
-                  <a:srgbClr val="FF8153"/>
-                </a:solidFill>
-                <a:latin typeface="Hoefler Text"/>
-                <a:ea typeface="Microsoft YaHei" charset="0"/>
-                <a:cs typeface="Hoefler Text"/>
-              </a:rPr>
-              <a:t>Social benefits </a:t>
-            </a:r>
-            <a:r>
-              <a:rPr lang="en-US" sz="2800" dirty="0" smtClean="0">
-                <a:solidFill>
-                  <a:srgbClr val="463A2D"/>
-                </a:solidFill>
-                <a:latin typeface="Hoefler Text"/>
-                <a:ea typeface="Microsoft YaHei" charset="0"/>
-                <a:cs typeface="Hoefler Text"/>
-              </a:rPr>
-              <a:t>will make ridesharing and </a:t>
-            </a:r>
-            <a:r>
-              <a:rPr lang="en-US" sz="2800" b="1" dirty="0" smtClean="0">
-                <a:solidFill>
-                  <a:srgbClr val="6AACA4"/>
-                </a:solidFill>
-                <a:latin typeface="Hoefler Text"/>
-                <a:ea typeface="Microsoft YaHei" charset="0"/>
-                <a:cs typeface="Hoefler Text"/>
-              </a:rPr>
-              <a:t>carpooling</a:t>
-            </a:r>
-            <a:r>
-              <a:rPr lang="en-US" sz="2800" dirty="0" smtClean="0">
-                <a:solidFill>
-                  <a:srgbClr val="6AACA4"/>
-                </a:solidFill>
-                <a:latin typeface="Hoefler Text"/>
-                <a:ea typeface="Microsoft YaHei" charset="0"/>
-                <a:cs typeface="Hoefler Text"/>
-              </a:rPr>
-              <a:t> </a:t>
-            </a:r>
-            <a:r>
-              <a:rPr lang="en-US" sz="2800" dirty="0" smtClean="0">
-                <a:solidFill>
-                  <a:srgbClr val="463A2D"/>
-                </a:solidFill>
-                <a:latin typeface="Hoefler Text"/>
-                <a:ea typeface="Microsoft YaHei" charset="0"/>
-                <a:cs typeface="Hoefler Text"/>
-              </a:rPr>
-              <a:t>companies will work together with government policies.</a:t>
-            </a:r>
-          </a:p>
-          <a:p>
-            <a:pPr algn="just"/>
-            <a:endParaRPr lang="en-US" sz="2800" dirty="0" smtClean="0">
-              <a:solidFill>
-                <a:srgbClr val="463A2D"/>
-              </a:solidFill>
-              <a:latin typeface="Hoefler Text"/>
-              <a:ea typeface="Microsoft YaHei" charset="0"/>
-              <a:cs typeface="Hoefler Text"/>
-            </a:endParaRPr>
-          </a:p>
-          <a:p>
-            <a:pPr marL="457200" indent="-457200" algn="just">
-              <a:buFont typeface="Wingdings" charset="2"/>
-              <a:buChar char="§"/>
-            </a:pPr>
-            <a:r>
-              <a:rPr lang="en-US" sz="2800" dirty="0" smtClean="0">
-                <a:solidFill>
-                  <a:srgbClr val="463A2D"/>
-                </a:solidFill>
-                <a:latin typeface="Hoefler Text"/>
-                <a:ea typeface="Microsoft YaHei" charset="0"/>
-                <a:cs typeface="Hoefler Text"/>
-              </a:rPr>
-              <a:t>Intelligent algorithms for real time ridesharing will make </a:t>
-            </a:r>
-            <a:r>
-              <a:rPr lang="en-US" sz="2800" dirty="0" smtClean="0">
-                <a:solidFill>
-                  <a:srgbClr val="FF8153"/>
-                </a:solidFill>
-                <a:latin typeface="Hoefler Text"/>
-                <a:ea typeface="Microsoft YaHei" charset="0"/>
-                <a:cs typeface="Hoefler Text"/>
-              </a:rPr>
-              <a:t>more efficient</a:t>
-            </a:r>
-            <a:r>
-              <a:rPr lang="en-US" sz="2800" dirty="0" smtClean="0">
-                <a:solidFill>
-                  <a:srgbClr val="463A2D"/>
-                </a:solidFill>
-                <a:latin typeface="Hoefler Text"/>
-                <a:ea typeface="Microsoft YaHei" charset="0"/>
-                <a:cs typeface="Hoefler Text"/>
-              </a:rPr>
-              <a:t>. </a:t>
-            </a:r>
-            <a:r>
-              <a:rPr lang="en-US" sz="2800" dirty="0" smtClean="0">
-                <a:solidFill>
-                  <a:srgbClr val="FF8153"/>
-                </a:solidFill>
-                <a:latin typeface="Hoefler Text"/>
-                <a:ea typeface="Microsoft YaHei" charset="0"/>
-                <a:cs typeface="Hoefler Text"/>
-              </a:rPr>
-              <a:t>Reducing cost </a:t>
-            </a:r>
-            <a:r>
-              <a:rPr lang="en-US" sz="2800" dirty="0" smtClean="0">
-                <a:solidFill>
-                  <a:srgbClr val="463A2D"/>
-                </a:solidFill>
-                <a:latin typeface="Hoefler Text"/>
-                <a:ea typeface="Microsoft YaHei" charset="0"/>
-                <a:cs typeface="Hoefler Text"/>
-              </a:rPr>
-              <a:t>and </a:t>
-            </a:r>
-            <a:r>
-              <a:rPr lang="en-US" sz="2800" dirty="0" smtClean="0">
-                <a:solidFill>
-                  <a:srgbClr val="FF8153"/>
-                </a:solidFill>
-                <a:latin typeface="Hoefler Text"/>
-                <a:ea typeface="Microsoft YaHei" charset="0"/>
-                <a:cs typeface="Hoefler Text"/>
-              </a:rPr>
-              <a:t>environmental impact</a:t>
-            </a:r>
-            <a:r>
-              <a:rPr lang="en-US" sz="2800" dirty="0" smtClean="0">
-                <a:solidFill>
-                  <a:srgbClr val="463A2D"/>
-                </a:solidFill>
-                <a:latin typeface="Hoefler Text"/>
-                <a:ea typeface="Microsoft YaHei" charset="0"/>
-                <a:cs typeface="Hoefler Text"/>
-              </a:rPr>
-              <a:t>.</a:t>
-            </a:r>
-          </a:p>
-          <a:p>
-            <a:pPr algn="just"/>
-            <a:endParaRPr lang="en-US" sz="2800" dirty="0" smtClean="0">
-              <a:solidFill>
-                <a:srgbClr val="463A2D"/>
-              </a:solidFill>
-              <a:latin typeface="Hoefler Text"/>
-              <a:ea typeface="Microsoft YaHei" charset="0"/>
-              <a:cs typeface="Hoefler Text"/>
-            </a:endParaRPr>
-          </a:p>
-          <a:p>
-            <a:pPr marL="457200" indent="-457200" algn="just">
-              <a:buFont typeface="Wingdings" charset="2"/>
-              <a:buChar char="§"/>
-            </a:pPr>
-            <a:r>
-              <a:rPr lang="en-US" sz="2800" dirty="0" smtClean="0">
-                <a:solidFill>
-                  <a:srgbClr val="463A2D"/>
-                </a:solidFill>
-                <a:latin typeface="Hoefler Text"/>
-                <a:ea typeface="Microsoft YaHei" charset="0"/>
-                <a:cs typeface="Hoefler Text"/>
-              </a:rPr>
-              <a:t>The future is the </a:t>
-            </a:r>
-            <a:r>
-              <a:rPr lang="en-US" sz="2800" dirty="0" smtClean="0">
-                <a:solidFill>
-                  <a:srgbClr val="FF8153"/>
-                </a:solidFill>
-                <a:latin typeface="Hoefler Text"/>
-                <a:ea typeface="Microsoft YaHei" charset="0"/>
-                <a:cs typeface="Hoefler Text"/>
-              </a:rPr>
-              <a:t>share economy.</a:t>
-            </a:r>
-            <a:endParaRPr lang="en-US" sz="2800" dirty="0">
-              <a:solidFill>
-                <a:srgbClr val="FF8153"/>
-              </a:solidFill>
-              <a:latin typeface="Hoefler Text"/>
-              <a:ea typeface="Microsoft YaHei" charset="0"/>
-              <a:cs typeface="Hoefler Text"/>
-            </a:endParaRPr>
-          </a:p>
-        </p:txBody>
-      </p:sp>
-    </p:spTree>
-    <p:extLst>
-      <p:ext uri="{BB962C8B-B14F-4D97-AF65-F5344CB8AC3E}">
-        <p14:creationId xmlns:p14="http://schemas.microsoft.com/office/powerpoint/2010/main" val="3833240835"/>
-      </p:ext>
-    </p:extLst>
-  </p:cSld>
-  <p:clrMapOvr>
-    <a:masterClrMapping/>
-  </p:clrMapOvr>
-  <p:timing>
-    <p:tnLst>
-      <p:par>
-        <p:cTn id="1" dur="indefinite" restart="never" nodeType="tmRoot"/>
-      </p:par>
-    </p:tnLst>
-  </p:timing>
-</p:sld>
-</file>
-
-<file path=ppt/slides/slide8.xml><?xml version="1.0" encoding="utf-8"?>
 <p:sld xmlns:a="http://schemas.openxmlformats.org/drawingml/2006/main" xmlns:r="http://schemas.openxmlformats.org/officeDocument/2006/relationships" xmlns:p="http://schemas.openxmlformats.org/presentationml/2006/main">
   <p:cSld>
     <p:bg>
@@ -9348,14 +8908,14 @@
   <p:timing>
     <p:tnLst>
       <p:par>
-        <p:cTn id="1" dur="indefinite" restart="never" nodeType="tmRoot"/>
+        <p:cTn xmlns:p14="http://schemas.microsoft.com/office/powerpoint/2010/main" id="1" dur="indefinite" restart="never" nodeType="tmRoot"/>
       </p:par>
     </p:tnLst>
   </p:timing>
 </p:sld>
 </file>
 
-<file path=ppt/slides/slide9.xml><?xml version="1.0" encoding="utf-8"?>
+<file path=ppt/slides/slide8.xml><?xml version="1.0" encoding="utf-8"?>
 <p:sld xmlns:a="http://schemas.openxmlformats.org/drawingml/2006/main" xmlns:r="http://schemas.openxmlformats.org/officeDocument/2006/relationships" xmlns:p="http://schemas.openxmlformats.org/presentationml/2006/main">
   <p:cSld>
     <p:spTree>
@@ -10223,7 +9783,7 @@
             </a:prstGeom>
             <a:noFill/>
             <a:extLst>
-              <a:ext uri="{909E8E84-426E-40DD-AFC4-6F175D3DCCD1}">
+              <a:ext uri="{909E8E84-426E-40dd-AFC4-6F175D3DCCD1}">
                 <a14:hiddenFill xmlns:a14="http://schemas.microsoft.com/office/drawing/2010/main">
                   <a:solidFill>
                     <a:srgbClr val="FFFFFF"/>
@@ -10387,7 +9947,7 @@
             </a:prstGeom>
             <a:noFill/>
             <a:extLst>
-              <a:ext uri="{909E8E84-426E-40DD-AFC4-6F175D3DCCD1}">
+              <a:ext uri="{909E8E84-426E-40dd-AFC4-6F175D3DCCD1}">
                 <a14:hiddenFill xmlns:a14="http://schemas.microsoft.com/office/drawing/2010/main">
                   <a:solidFill>
                     <a:srgbClr val="FFFFFF"/>
@@ -11043,7 +10603,124 @@
   <p:timing>
     <p:tnLst>
       <p:par>
-        <p:cTn id="1" dur="indefinite" restart="never" nodeType="tmRoot"/>
+        <p:cTn xmlns:p14="http://schemas.microsoft.com/office/powerpoint/2010/main" id="1" dur="indefinite" restart="never" nodeType="tmRoot"/>
+      </p:par>
+    </p:tnLst>
+  </p:timing>
+</p:sld>
+</file>
+
+<file path=ppt/slides/slide9.xml><?xml version="1.0" encoding="utf-8"?>
+<p:sld xmlns:a="http://schemas.openxmlformats.org/drawingml/2006/main" xmlns:r="http://schemas.openxmlformats.org/officeDocument/2006/relationships" xmlns:p="http://schemas.openxmlformats.org/presentationml/2006/main">
+  <p:cSld>
+    <p:bg>
+      <p:bgPr>
+        <a:solidFill>
+          <a:srgbClr val="467D64"/>
+        </a:solidFill>
+        <a:effectLst/>
+      </p:bgPr>
+    </p:bg>
+    <p:spTree>
+      <p:nvGrpSpPr>
+        <p:cNvPr id="1" name=""/>
+        <p:cNvGrpSpPr/>
+        <p:nvPr/>
+      </p:nvGrpSpPr>
+      <p:grpSpPr>
+        <a:xfrm>
+          <a:off x="0" y="0"/>
+          <a:ext cx="0" cy="0"/>
+          <a:chOff x="0" y="0"/>
+          <a:chExt cx="0" cy="0"/>
+        </a:xfrm>
+      </p:grpSpPr>
+      <p:pic>
+        <p:nvPicPr>
+          <p:cNvPr id="2" name="Picture 1"/>
+          <p:cNvPicPr>
+            <a:picLocks noChangeAspect="1"/>
+          </p:cNvPicPr>
+          <p:nvPr/>
+        </p:nvPicPr>
+        <p:blipFill>
+          <a:blip r:embed="rId2"/>
+          <a:stretch>
+            <a:fillRect/>
+          </a:stretch>
+        </p:blipFill>
+        <p:spPr>
+          <a:xfrm>
+            <a:off x="1658901" y="3598796"/>
+            <a:ext cx="3077012" cy="3259204"/>
+          </a:xfrm>
+          <a:prstGeom prst="rect">
+            <a:avLst/>
+          </a:prstGeom>
+        </p:spPr>
+      </p:pic>
+      <p:pic>
+        <p:nvPicPr>
+          <p:cNvPr id="6" name="Picture 5"/>
+          <p:cNvPicPr>
+            <a:picLocks noChangeAspect="1"/>
+          </p:cNvPicPr>
+          <p:nvPr/>
+        </p:nvPicPr>
+        <p:blipFill>
+          <a:blip r:embed="rId3"/>
+          <a:stretch>
+            <a:fillRect/>
+          </a:stretch>
+        </p:blipFill>
+        <p:spPr>
+          <a:xfrm>
+            <a:off x="4647713" y="3598796"/>
+            <a:ext cx="3016282" cy="3259204"/>
+          </a:xfrm>
+          <a:prstGeom prst="rect">
+            <a:avLst/>
+          </a:prstGeom>
+        </p:spPr>
+      </p:pic>
+      <p:pic>
+        <p:nvPicPr>
+          <p:cNvPr id="8" name="Picture 7"/>
+          <p:cNvPicPr>
+            <a:picLocks noChangeAspect="1"/>
+          </p:cNvPicPr>
+          <p:nvPr/>
+        </p:nvPicPr>
+        <p:blipFill>
+          <a:blip r:embed="rId4"/>
+          <a:stretch>
+            <a:fillRect/>
+          </a:stretch>
+        </p:blipFill>
+        <p:spPr>
+          <a:xfrm>
+            <a:off x="1529153" y="715896"/>
+            <a:ext cx="6096000" cy="2882900"/>
+          </a:xfrm>
+          <a:prstGeom prst="rect">
+            <a:avLst/>
+          </a:prstGeom>
+        </p:spPr>
+      </p:pic>
+    </p:spTree>
+    <p:extLst>
+      <p:ext uri="{BB962C8B-B14F-4D97-AF65-F5344CB8AC3E}">
+        <p14:creationId xmlns:p14="http://schemas.microsoft.com/office/powerpoint/2010/main" val="2206143724"/>
+      </p:ext>
+    </p:extLst>
+  </p:cSld>
+  <p:clrMapOvr>
+    <a:masterClrMapping/>
+  </p:clrMapOvr>
+  <p:timing>
+    <p:tnLst>
+      <p:par>
+        <p:cTn xmlns:p14="http://schemas.microsoft.com/office/powerpoint/2010/main" id="1" dur="indefinite" restart="never" nodeType="tmRoot"/>
       </p:par>
     </p:tnLst>
   </p:timing>
